--- a/unit_00/html_review/02 HTML Forms.pptx
+++ b/unit_00/html_review/02 HTML Forms.pptx
@@ -5,7 +5,7 @@
     <p:sldMasterId id="2147483673" r:id="rId4"/>
   </p:sldMasterIdLst>
   <p:notesMasterIdLst>
-    <p:notesMasterId r:id="rId51"/>
+    <p:notesMasterId r:id="rId52"/>
   </p:notesMasterIdLst>
   <p:sldIdLst>
     <p:sldId id="257" r:id="rId5"/>
@@ -26,34 +26,35 @@
     <p:sldId id="435" r:id="rId20"/>
     <p:sldId id="410" r:id="rId21"/>
     <p:sldId id="446" r:id="rId22"/>
-    <p:sldId id="411" r:id="rId23"/>
-    <p:sldId id="412" r:id="rId24"/>
-    <p:sldId id="434" r:id="rId25"/>
-    <p:sldId id="414" r:id="rId26"/>
-    <p:sldId id="447" r:id="rId27"/>
-    <p:sldId id="415" r:id="rId28"/>
-    <p:sldId id="413" r:id="rId29"/>
-    <p:sldId id="444" r:id="rId30"/>
-    <p:sldId id="445" r:id="rId31"/>
-    <p:sldId id="416" r:id="rId32"/>
-    <p:sldId id="417" r:id="rId33"/>
-    <p:sldId id="418" r:id="rId34"/>
-    <p:sldId id="438" r:id="rId35"/>
-    <p:sldId id="419" r:id="rId36"/>
-    <p:sldId id="422" r:id="rId37"/>
-    <p:sldId id="423" r:id="rId38"/>
-    <p:sldId id="439" r:id="rId39"/>
-    <p:sldId id="442" r:id="rId40"/>
-    <p:sldId id="441" r:id="rId41"/>
-    <p:sldId id="424" r:id="rId42"/>
-    <p:sldId id="425" r:id="rId43"/>
-    <p:sldId id="426" r:id="rId44"/>
-    <p:sldId id="427" r:id="rId45"/>
-    <p:sldId id="428" r:id="rId46"/>
-    <p:sldId id="429" r:id="rId47"/>
-    <p:sldId id="440" r:id="rId48"/>
-    <p:sldId id="280" r:id="rId49"/>
-    <p:sldId id="277" r:id="rId50"/>
+    <p:sldId id="448" r:id="rId23"/>
+    <p:sldId id="411" r:id="rId24"/>
+    <p:sldId id="412" r:id="rId25"/>
+    <p:sldId id="434" r:id="rId26"/>
+    <p:sldId id="414" r:id="rId27"/>
+    <p:sldId id="447" r:id="rId28"/>
+    <p:sldId id="415" r:id="rId29"/>
+    <p:sldId id="413" r:id="rId30"/>
+    <p:sldId id="444" r:id="rId31"/>
+    <p:sldId id="445" r:id="rId32"/>
+    <p:sldId id="416" r:id="rId33"/>
+    <p:sldId id="417" r:id="rId34"/>
+    <p:sldId id="418" r:id="rId35"/>
+    <p:sldId id="438" r:id="rId36"/>
+    <p:sldId id="419" r:id="rId37"/>
+    <p:sldId id="422" r:id="rId38"/>
+    <p:sldId id="423" r:id="rId39"/>
+    <p:sldId id="439" r:id="rId40"/>
+    <p:sldId id="442" r:id="rId41"/>
+    <p:sldId id="441" r:id="rId42"/>
+    <p:sldId id="424" r:id="rId43"/>
+    <p:sldId id="425" r:id="rId44"/>
+    <p:sldId id="426" r:id="rId45"/>
+    <p:sldId id="427" r:id="rId46"/>
+    <p:sldId id="428" r:id="rId47"/>
+    <p:sldId id="429" r:id="rId48"/>
+    <p:sldId id="440" r:id="rId49"/>
+    <p:sldId id="280" r:id="rId50"/>
+    <p:sldId id="277" r:id="rId51"/>
   </p:sldIdLst>
   <p:sldSz cx="12192000" cy="6858000"/>
   <p:notesSz cx="6858000" cy="9144000"/>
@@ -242,7 +243,7 @@
           <a:p>
             <a:fld id="{3F839238-B565-4611-A910-43B731DECEC1}" type="datetimeFigureOut">
               <a:rPr lang="en-US" smtClean="0"/>
-              <a:t>7/28/2020</a:t>
+              <a:t>7/29/2020</a:t>
             </a:fld>
             <a:endParaRPr lang="en-US" dirty="0"/>
           </a:p>
@@ -574,7 +575,7 @@
           <a:p>
             <a:fld id="{913AAEB1-1BB9-43BA-8E44-621D6A53A2EE}" type="slidenum">
               <a:rPr lang="en-US" smtClean="0"/>
-              <a:t>46</a:t>
+              <a:t>47</a:t>
             </a:fld>
             <a:endParaRPr lang="en-US" dirty="0"/>
           </a:p>
@@ -1062,7 +1063,7 @@
           <a:p>
             <a:fld id="{E9F25E47-8026-47FD-8FD6-2C7B55A6BE4F}" type="datetime1">
               <a:rPr lang="en-US" smtClean="0"/>
-              <a:t>7/28/2020</a:t>
+              <a:t>7/29/2020</a:t>
             </a:fld>
             <a:endParaRPr lang="en-US" dirty="0"/>
           </a:p>
@@ -1264,7 +1265,7 @@
           <a:p>
             <a:fld id="{49F0A7AA-AB30-4D36-B646-A02FA5DCCA55}" type="datetime1">
               <a:rPr lang="en-US" smtClean="0"/>
-              <a:t>7/28/2020</a:t>
+              <a:t>7/29/2020</a:t>
             </a:fld>
             <a:endParaRPr lang="en-US" dirty="0"/>
           </a:p>
@@ -1863,7 +1864,7 @@
           <a:p>
             <a:fld id="{CFA4D178-B71E-4B10-AF0F-C5E0B7294A7C}" type="datetime1">
               <a:rPr lang="en-US" smtClean="0"/>
-              <a:t>7/28/2020</a:t>
+              <a:t>7/29/2020</a:t>
             </a:fld>
             <a:endParaRPr lang="en-US" dirty="0"/>
           </a:p>
@@ -2183,7 +2184,7 @@
           <a:p>
             <a:fld id="{27E6D853-85C2-4120-A6B2-2EAC4467BF8B}" type="datetime1">
               <a:rPr lang="en-US" smtClean="0"/>
-              <a:t>7/28/2020</a:t>
+              <a:t>7/29/2020</a:t>
             </a:fld>
             <a:endParaRPr lang="en-US" dirty="0"/>
           </a:p>
@@ -2620,7 +2621,7 @@
           <a:p>
             <a:fld id="{CA3AECF5-4644-4878-B4B4-3AC946C4B252}" type="datetime1">
               <a:rPr lang="en-US" smtClean="0"/>
-              <a:t>7/28/2020</a:t>
+              <a:t>7/29/2020</a:t>
             </a:fld>
             <a:endParaRPr lang="en-US" dirty="0"/>
           </a:p>
@@ -2738,7 +2739,7 @@
           <a:p>
             <a:fld id="{B8E389F8-4EAE-4B22-8731-40270585493B}" type="datetime1">
               <a:rPr lang="en-US" smtClean="0"/>
-              <a:t>7/28/2020</a:t>
+              <a:t>7/29/2020</a:t>
             </a:fld>
             <a:endParaRPr lang="en-US" dirty="0"/>
           </a:p>
@@ -2833,7 +2834,7 @@
           <a:p>
             <a:fld id="{772F4F3F-699B-4D10-AAB9-00C2579C25F8}" type="datetime1">
               <a:rPr lang="en-US" smtClean="0"/>
-              <a:t>7/28/2020</a:t>
+              <a:t>7/29/2020</a:t>
             </a:fld>
             <a:endParaRPr lang="en-US" dirty="0"/>
           </a:p>
@@ -3250,7 +3251,7 @@
           <a:p>
             <a:fld id="{E51BA90F-EE6C-42F5-8961-2F52EE18037D}" type="datetime1">
               <a:rPr lang="en-US" smtClean="0"/>
-              <a:t>7/28/2020</a:t>
+              <a:t>7/29/2020</a:t>
             </a:fld>
             <a:endParaRPr lang="en-US" dirty="0"/>
           </a:p>
@@ -3510,7 +3511,7 @@
           <a:p>
             <a:fld id="{FB6292F5-AD2B-47F4-B460-BF55BF34C27D}" type="datetime1">
               <a:rPr lang="en-US" smtClean="0"/>
-              <a:t>7/28/2020</a:t>
+              <a:t>7/29/2020</a:t>
             </a:fld>
             <a:endParaRPr lang="en-US" dirty="0"/>
           </a:p>
@@ -4026,7 +4027,7 @@
           <a:p>
             <a:fld id="{8B88B800-945A-43B0-8EA5-8657D67FD7E1}" type="datetime1">
               <a:rPr lang="en-US" smtClean="0"/>
-              <a:t>7/28/2020</a:t>
+              <a:t>7/29/2020</a:t>
             </a:fld>
             <a:endParaRPr lang="en-US" dirty="0"/>
           </a:p>
@@ -7114,6 +7115,36 @@
           </a:p>
         </p:txBody>
       </p:sp>
+      <p:pic>
+        <p:nvPicPr>
+          <p:cNvPr id="7" name="Picture 6">
+            <a:extLst>
+              <a:ext uri="{FF2B5EF4-FFF2-40B4-BE49-F238E27FC236}">
+                <a16:creationId xmlns:a16="http://schemas.microsoft.com/office/drawing/2014/main" id="{EC647D46-60BF-48B8-9509-78F5C9DA5DBE}"/>
+              </a:ext>
+            </a:extLst>
+          </p:cNvPr>
+          <p:cNvPicPr>
+            <a:picLocks noChangeAspect="1"/>
+          </p:cNvPicPr>
+          <p:nvPr/>
+        </p:nvPicPr>
+        <p:blipFill>
+          <a:blip r:embed="rId5"/>
+          <a:stretch>
+            <a:fillRect/>
+          </a:stretch>
+        </p:blipFill>
+        <p:spPr>
+          <a:xfrm>
+            <a:off x="8668929" y="4395893"/>
+            <a:ext cx="1800225" cy="342900"/>
+          </a:xfrm>
+          <a:prstGeom prst="rect">
+            <a:avLst/>
+          </a:prstGeom>
+        </p:spPr>
+      </p:pic>
     </p:spTree>
     <p:extLst>
       <p:ext uri="{BB962C8B-B14F-4D97-AF65-F5344CB8AC3E}">
@@ -7195,8 +7226,8 @@
         </p:nvSpPr>
         <p:spPr>
           <a:xfrm>
-            <a:off x="1066800" y="1574612"/>
-            <a:ext cx="10058400" cy="4087955"/>
+            <a:off x="1066799" y="1574612"/>
+            <a:ext cx="10761677" cy="4087955"/>
           </a:xfrm>
         </p:spPr>
         <p:txBody>
@@ -7231,8 +7262,12 @@
               <a:buNone/>
             </a:pPr>
             <a:r>
+              <a:rPr lang="en-US" b="1"/>
+              <a:t>text</a:t>
+            </a:r>
+            <a:r>
               <a:rPr lang="en-US"/>
-              <a:t>text</a:t>
+              <a:t>		The default value. A single-line text field.</a:t>
             </a:r>
           </a:p>
           <a:p>
@@ -7245,10 +7280,7 @@
               </a:spcBef>
               <a:buNone/>
             </a:pPr>
-            <a:r>
-              <a:rPr lang="en-US"/>
-              <a:t>email</a:t>
-            </a:r>
+            <a:endParaRPr lang="en-US"/>
           </a:p>
           <a:p>
             <a:pPr marL="0" indent="0">
@@ -7261,8 +7293,20 @@
               <a:buNone/>
             </a:pPr>
             <a:r>
+              <a:rPr lang="en-US" b="1"/>
+              <a:t>email</a:t>
+            </a:r>
+            <a:r>
               <a:rPr lang="en-US"/>
-              <a:t>tel</a:t>
+              <a:t>		A field for entering an email address. </a:t>
+            </a:r>
+            <a:r>
+              <a:rPr lang="en-US">
+                <a:highlight>
+                  <a:srgbClr val="FCF7F1"/>
+                </a:highlight>
+              </a:rPr>
+              <a:t>Looks like a text input, </a:t>
             </a:r>
           </a:p>
           <a:p>
@@ -7277,7 +7321,15 @@
             </a:pPr>
             <a:r>
               <a:rPr lang="en-US"/>
-              <a:t>url</a:t>
+              <a:t>		</a:t>
+            </a:r>
+            <a:r>
+              <a:rPr lang="en-US">
+                <a:highlight>
+                  <a:srgbClr val="FCF7F1"/>
+                </a:highlight>
+              </a:rPr>
+              <a:t>but has validation parameters and relevant keyboard on touch screens.</a:t>
             </a:r>
           </a:p>
           <a:p>
@@ -7290,10 +7342,7 @@
               </a:spcBef>
               <a:buNone/>
             </a:pPr>
-            <a:r>
-              <a:rPr lang="en-US"/>
-              <a:t>password</a:t>
-            </a:r>
+            <a:endParaRPr lang="en-US"/>
           </a:p>
           <a:p>
             <a:pPr marL="0" indent="0">
@@ -7306,8 +7355,20 @@
               <a:buNone/>
             </a:pPr>
             <a:r>
+              <a:rPr lang="en-US" b="1"/>
+              <a:t>tel</a:t>
+            </a:r>
+            <a:r>
               <a:rPr lang="en-US"/>
-              <a:t>search</a:t>
+              <a:t>		A field for entering a telephone number. </a:t>
+            </a:r>
+            <a:r>
+              <a:rPr lang="en-US">
+                <a:highlight>
+                  <a:srgbClr val="FCF7F1"/>
+                </a:highlight>
+              </a:rPr>
+              <a:t>Displays a telephone keypad.</a:t>
             </a:r>
           </a:p>
           <a:p>
@@ -7320,10 +7381,7 @@
               </a:spcBef>
               <a:buNone/>
             </a:pPr>
-            <a:r>
-              <a:rPr lang="en-US"/>
-              <a:t>number</a:t>
-            </a:r>
+            <a:endParaRPr lang="en-US"/>
           </a:p>
           <a:p>
             <a:pPr marL="0" indent="0">
@@ -7336,8 +7394,20 @@
               <a:buNone/>
             </a:pPr>
             <a:r>
+              <a:rPr lang="en-US" b="1"/>
+              <a:t>url</a:t>
+            </a:r>
+            <a:r>
               <a:rPr lang="en-US"/>
-              <a:t>date</a:t>
+              <a:t>		A field for entering a URL. </a:t>
+            </a:r>
+            <a:r>
+              <a:rPr lang="en-US">
+                <a:highlight>
+                  <a:srgbClr val="FCF7F1"/>
+                </a:highlight>
+              </a:rPr>
+              <a:t>Displays a URL keyboard.</a:t>
             </a:r>
           </a:p>
           <a:p>
@@ -7350,10 +7420,7 @@
               </a:spcBef>
               <a:buNone/>
             </a:pPr>
-            <a:r>
-              <a:rPr lang="en-US"/>
-              <a:t>time</a:t>
-            </a:r>
+            <a:endParaRPr lang="en-US"/>
           </a:p>
           <a:p>
             <a:pPr marL="0" indent="0">
@@ -7366,8 +7433,12 @@
               <a:buNone/>
             </a:pPr>
             <a:r>
+              <a:rPr lang="en-US" b="1"/>
+              <a:t>search</a:t>
+            </a:r>
+            <a:r>
               <a:rPr lang="en-US"/>
-              <a:t>datetime</a:t>
+              <a:t>		A single-line text field for entering search strings. </a:t>
             </a:r>
           </a:p>
           <a:p>
@@ -7382,7 +7453,15 @@
             </a:pPr>
             <a:r>
               <a:rPr lang="en-US"/>
-              <a:t>datetime-local</a:t>
+              <a:t>		</a:t>
+            </a:r>
+            <a:r>
+              <a:rPr lang="en-US">
+                <a:highlight>
+                  <a:srgbClr val="FCF7F1"/>
+                </a:highlight>
+              </a:rPr>
+              <a:t>Displays a search icon instead of enter key on touch screens.</a:t>
             </a:r>
           </a:p>
         </p:txBody>
@@ -7504,7 +7583,7 @@
           <p:cNvPr id="2" name="Title 1">
             <a:extLst>
               <a:ext uri="{FF2B5EF4-FFF2-40B4-BE49-F238E27FC236}">
-                <a16:creationId xmlns:a16="http://schemas.microsoft.com/office/drawing/2014/main" id="{BDFAC13C-59B1-436E-B58F-C304E1C705CF}"/>
+                <a16:creationId xmlns:a16="http://schemas.microsoft.com/office/drawing/2014/main" id="{445FF4AD-20AD-46CF-B63A-5B4461267FAA}"/>
               </a:ext>
             </a:extLst>
           </p:cNvPr>
@@ -7515,16 +7594,19 @@
             <p:ph type="title"/>
           </p:nvPr>
         </p:nvSpPr>
-        <p:spPr/>
-        <p:txBody>
-          <a:bodyPr>
-            <a:normAutofit/>
-          </a:bodyPr>
-          <a:lstStyle/>
-          <a:p>
-            <a:r>
-              <a:rPr lang="en-US" u="sng" dirty="0"/>
-              <a:t>Multi-Line Text Input Control</a:t>
+        <p:spPr>
+          <a:xfrm>
+            <a:off x="1066800" y="406864"/>
+            <a:ext cx="10058400" cy="1371600"/>
+          </a:xfrm>
+        </p:spPr>
+        <p:txBody>
+          <a:bodyPr/>
+          <a:lstStyle/>
+          <a:p>
+            <a:r>
+              <a:rPr lang="en-US" u="sng"/>
+              <a:t>Types of Single-Line Inputs cont.</a:t>
             </a:r>
           </a:p>
         </p:txBody>
@@ -7534,7 +7616,7 @@
           <p:cNvPr id="3" name="Content Placeholder 2">
             <a:extLst>
               <a:ext uri="{FF2B5EF4-FFF2-40B4-BE49-F238E27FC236}">
-                <a16:creationId xmlns:a16="http://schemas.microsoft.com/office/drawing/2014/main" id="{844A3DC5-46BF-4BFF-8008-98FD467C4904}"/>
+                <a16:creationId xmlns:a16="http://schemas.microsoft.com/office/drawing/2014/main" id="{F8F625A6-60F1-4F61-9045-E342AD83353C}"/>
               </a:ext>
             </a:extLst>
           </p:cNvPr>
@@ -7545,168 +7627,158 @@
             <p:ph idx="1"/>
           </p:nvPr>
         </p:nvSpPr>
-        <p:spPr/>
-        <p:txBody>
-          <a:bodyPr>
-            <a:noAutofit/>
-          </a:bodyPr>
-          <a:lstStyle/>
-          <a:p>
-            <a:pPr indent="0">
-              <a:buNone/>
-            </a:pPr>
-            <a:r>
-              <a:rPr lang="en-US" sz="1800" dirty="0">
-                <a:cs typeface="Arial" panose="020B0604020202020204" pitchFamily="34" charset="0"/>
-              </a:rPr>
-              <a:t>This control is used for items that require several lines of user input, such as a comment area</a:t>
-            </a:r>
-            <a:r>
-              <a:rPr lang="en-US" sz="1800">
-                <a:cs typeface="Arial" panose="020B0604020202020204" pitchFamily="34" charset="0"/>
-              </a:rPr>
-              <a:t>. </a:t>
-            </a:r>
-          </a:p>
-          <a:p>
-            <a:pPr indent="0">
-              <a:buNone/>
-            </a:pPr>
-            <a:r>
-              <a:rPr lang="en-US" sz="1800">
-                <a:cs typeface="Arial" panose="020B0604020202020204" pitchFamily="34" charset="0"/>
-              </a:rPr>
-              <a:t>They </a:t>
-            </a:r>
-            <a:r>
-              <a:rPr lang="en-US" sz="1800" dirty="0">
-                <a:cs typeface="Arial" panose="020B0604020202020204" pitchFamily="34" charset="0"/>
-              </a:rPr>
-              <a:t>are created using </a:t>
-            </a:r>
-            <a:r>
-              <a:rPr lang="en-US" sz="1800">
-                <a:cs typeface="Arial" panose="020B0604020202020204" pitchFamily="34" charset="0"/>
-              </a:rPr>
-              <a:t>the </a:t>
-            </a:r>
-            <a:r>
-              <a:rPr lang="en-US" sz="1800" b="1">
-                <a:solidFill>
-                  <a:srgbClr val="00B0F0"/>
-                </a:solidFill>
-                <a:latin typeface="Consolas" panose="020B0609020204030204" pitchFamily="49" charset="0"/>
-                <a:cs typeface="Arial" panose="020B0604020202020204" pitchFamily="34" charset="0"/>
-                <a:hlinkClick r:id="rId2"/>
-              </a:rPr>
-              <a:t>&lt;</a:t>
-            </a:r>
-            <a:r>
-              <a:rPr lang="en-US" sz="1800" b="1" dirty="0">
-                <a:solidFill>
-                  <a:srgbClr val="00B0F0"/>
-                </a:solidFill>
-                <a:latin typeface="Consolas" panose="020B0609020204030204" pitchFamily="49" charset="0"/>
-                <a:cs typeface="Arial" panose="020B0604020202020204" pitchFamily="34" charset="0"/>
-                <a:hlinkClick r:id="rId2"/>
-              </a:rPr>
-              <a:t>textarea</a:t>
-            </a:r>
-            <a:r>
-              <a:rPr lang="en-US" sz="1800" b="1">
-                <a:solidFill>
-                  <a:srgbClr val="00B0F0"/>
-                </a:solidFill>
-                <a:latin typeface="Consolas" panose="020B0609020204030204" pitchFamily="49" charset="0"/>
-                <a:cs typeface="Arial" panose="020B0604020202020204" pitchFamily="34" charset="0"/>
-                <a:hlinkClick r:id="rId2"/>
-              </a:rPr>
-              <a:t>&gt;</a:t>
-            </a:r>
-            <a:r>
-              <a:rPr lang="en-US" sz="1800">
-                <a:cs typeface="Arial" panose="020B0604020202020204" pitchFamily="34" charset="0"/>
-              </a:rPr>
-              <a:t> tag.</a:t>
-            </a:r>
-            <a:endParaRPr lang="en-US" sz="1800" dirty="0">
-              <a:cs typeface="Arial" panose="020B0604020202020204" pitchFamily="34" charset="0"/>
-            </a:endParaRPr>
-          </a:p>
-          <a:p>
-            <a:pPr indent="0">
-              <a:buNone/>
-            </a:pPr>
-            <a:endParaRPr lang="en-US" sz="1800">
-              <a:cs typeface="Arial" panose="020B0604020202020204" pitchFamily="34" charset="0"/>
-            </a:endParaRPr>
-          </a:p>
-          <a:p>
-            <a:pPr indent="0">
-              <a:buNone/>
-            </a:pPr>
-            <a:r>
-              <a:rPr lang="en-US" sz="1800" b="1" u="sng">
-                <a:cs typeface="Arial" panose="020B0604020202020204" pitchFamily="34" charset="0"/>
-              </a:rPr>
-              <a:t>Example</a:t>
-            </a:r>
-            <a:endParaRPr lang="en-US" sz="1800" b="1" u="sng" dirty="0">
-              <a:cs typeface="Arial" panose="020B0604020202020204" pitchFamily="34" charset="0"/>
-            </a:endParaRPr>
-          </a:p>
-          <a:p>
-            <a:pPr indent="0">
-              <a:buNone/>
-            </a:pPr>
-            <a:r>
-              <a:rPr lang="en-US" sz="1800">
-                <a:latin typeface="Consolas" panose="020B0609020204030204" pitchFamily="49" charset="0"/>
-                <a:cs typeface="Arial" panose="020B0604020202020204" pitchFamily="34" charset="0"/>
-              </a:rPr>
-              <a:t>&lt;textarea id="comments" </a:t>
-            </a:r>
-            <a:r>
-              <a:rPr lang="en-US" sz="1800" dirty="0">
-                <a:latin typeface="Consolas" panose="020B0609020204030204" pitchFamily="49" charset="0"/>
-                <a:cs typeface="Arial" panose="020B0604020202020204" pitchFamily="34" charset="0"/>
-              </a:rPr>
-              <a:t>name="</a:t>
-            </a:r>
-            <a:r>
-              <a:rPr lang="en-US" sz="1800">
-                <a:latin typeface="Consolas" panose="020B0609020204030204" pitchFamily="49" charset="0"/>
-                <a:cs typeface="Arial" panose="020B0604020202020204" pitchFamily="34" charset="0"/>
-              </a:rPr>
-              <a:t>comments" rows</a:t>
-            </a:r>
-            <a:r>
-              <a:rPr lang="en-US" sz="1800" dirty="0">
-                <a:latin typeface="Consolas" panose="020B0609020204030204" pitchFamily="49" charset="0"/>
-                <a:cs typeface="Arial" panose="020B0604020202020204" pitchFamily="34" charset="0"/>
-              </a:rPr>
-              <a:t>="10" </a:t>
-            </a:r>
-            <a:r>
-              <a:rPr lang="en-US" sz="1800">
-                <a:latin typeface="Consolas" panose="020B0609020204030204" pitchFamily="49" charset="0"/>
-                <a:cs typeface="Arial" panose="020B0604020202020204" pitchFamily="34" charset="0"/>
-              </a:rPr>
-              <a:t>cols="50</a:t>
-            </a:r>
-            <a:r>
-              <a:rPr lang="en-US" sz="1800" dirty="0">
-                <a:latin typeface="Consolas" panose="020B0609020204030204" pitchFamily="49" charset="0"/>
-                <a:cs typeface="Arial" panose="020B0604020202020204" pitchFamily="34" charset="0"/>
-              </a:rPr>
-              <a:t>"&gt;&lt;/textarea&gt;</a:t>
-            </a:r>
-          </a:p>
-        </p:txBody>
-      </p:sp>
-      <p:sp>
-        <p:nvSpPr>
-          <p:cNvPr id="6" name="Slide Number Placeholder 5"/>
+        <p:spPr>
+          <a:xfrm>
+            <a:off x="3204594" y="1574612"/>
+            <a:ext cx="8623882" cy="4087955"/>
+          </a:xfrm>
+        </p:spPr>
+        <p:txBody>
+          <a:bodyPr/>
+          <a:lstStyle/>
+          <a:p>
+            <a:pPr marL="0" indent="0">
+              <a:lnSpc>
+                <a:spcPct val="120000"/>
+              </a:lnSpc>
+              <a:spcBef>
+                <a:spcPts val="0"/>
+              </a:spcBef>
+              <a:buNone/>
+            </a:pPr>
+            <a:r>
+              <a:rPr lang="en-US" sz="1600" b="1" u="sng">
+                <a:cs typeface="Arial" panose="020B0604020202020204" pitchFamily="34" charset="0"/>
+              </a:rPr>
+              <a:t>Type		Description			</a:t>
+            </a:r>
+            <a:endParaRPr lang="en-US"/>
+          </a:p>
+          <a:p>
+            <a:pPr marL="0" indent="0">
+              <a:lnSpc>
+                <a:spcPct val="120000"/>
+              </a:lnSpc>
+              <a:spcBef>
+                <a:spcPts val="0"/>
+              </a:spcBef>
+              <a:buNone/>
+            </a:pPr>
+            <a:r>
+              <a:rPr lang="en-US" b="1"/>
+              <a:t>password</a:t>
+            </a:r>
+            <a:r>
+              <a:rPr lang="en-US"/>
+              <a:t>		A single-line text field whose value is obscured.</a:t>
+            </a:r>
+          </a:p>
+          <a:p>
+            <a:pPr marL="0" indent="0">
+              <a:lnSpc>
+                <a:spcPct val="120000"/>
+              </a:lnSpc>
+              <a:spcBef>
+                <a:spcPts val="0"/>
+              </a:spcBef>
+              <a:buNone/>
+            </a:pPr>
+            <a:r>
+              <a:rPr lang="en-US" b="1"/>
+              <a:t>number</a:t>
+            </a:r>
+            <a:r>
+              <a:rPr lang="en-US"/>
+              <a:t>		A control for entering a number.</a:t>
+            </a:r>
+          </a:p>
+          <a:p>
+            <a:pPr marL="0" indent="0">
+              <a:lnSpc>
+                <a:spcPct val="120000"/>
+              </a:lnSpc>
+              <a:spcBef>
+                <a:spcPts val="0"/>
+              </a:spcBef>
+              <a:buNone/>
+            </a:pPr>
+            <a:r>
+              <a:rPr lang="en-US" b="1"/>
+              <a:t>date</a:t>
+            </a:r>
+            <a:r>
+              <a:rPr lang="en-US"/>
+              <a:t>		A control for entering a date.</a:t>
+            </a:r>
+          </a:p>
+          <a:p>
+            <a:pPr marL="0" indent="0">
+              <a:lnSpc>
+                <a:spcPct val="120000"/>
+              </a:lnSpc>
+              <a:spcBef>
+                <a:spcPts val="0"/>
+              </a:spcBef>
+              <a:buNone/>
+            </a:pPr>
+            <a:r>
+              <a:rPr lang="en-US" b="1"/>
+              <a:t>time</a:t>
+            </a:r>
+            <a:r>
+              <a:rPr lang="en-US"/>
+              <a:t>		A control for entering a time value with no time zone.</a:t>
+            </a:r>
+          </a:p>
+          <a:p>
+            <a:pPr marL="0" indent="0">
+              <a:lnSpc>
+                <a:spcPct val="120000"/>
+              </a:lnSpc>
+              <a:spcBef>
+                <a:spcPts val="0"/>
+              </a:spcBef>
+              <a:buNone/>
+            </a:pPr>
+            <a:r>
+              <a:rPr lang="en-US" b="1"/>
+              <a:t>datetime</a:t>
+            </a:r>
+            <a:r>
+              <a:rPr lang="en-US"/>
+              <a:t>		A control for entering a date and time based on UTC time zone.</a:t>
+            </a:r>
+          </a:p>
+          <a:p>
+            <a:pPr marL="0" indent="0">
+              <a:lnSpc>
+                <a:spcPct val="120000"/>
+              </a:lnSpc>
+              <a:spcBef>
+                <a:spcPts val="0"/>
+              </a:spcBef>
+              <a:buNone/>
+            </a:pPr>
+            <a:r>
+              <a:rPr lang="en-US" b="1"/>
+              <a:t>datetime-local</a:t>
+            </a:r>
+            <a:r>
+              <a:rPr lang="en-US"/>
+              <a:t>	A control for entering a date and time, with no time zone.</a:t>
+            </a:r>
+          </a:p>
+        </p:txBody>
+      </p:sp>
+      <p:sp>
+        <p:nvSpPr>
+          <p:cNvPr id="4" name="Slide Number Placeholder 3">
+            <a:extLst>
+              <a:ext uri="{FF2B5EF4-FFF2-40B4-BE49-F238E27FC236}">
+                <a16:creationId xmlns:a16="http://schemas.microsoft.com/office/drawing/2014/main" id="{EF71A34A-B6A1-49CE-89F2-D46942908977}"/>
+              </a:ext>
+            </a:extLst>
+          </p:cNvPr>
           <p:cNvSpPr>
             <a:spLocks noGrp="1"/>
           </p:cNvSpPr>
@@ -7729,10 +7801,10 @@
       </p:sp>
       <p:sp>
         <p:nvSpPr>
-          <p:cNvPr id="5" name="TextBox 4">
+          <p:cNvPr id="6" name="TextBox 5">
             <a:extLst>
               <a:ext uri="{FF2B5EF4-FFF2-40B4-BE49-F238E27FC236}">
-                <a16:creationId xmlns:a16="http://schemas.microsoft.com/office/drawing/2014/main" id="{8AECA8C5-A461-4275-8B88-FDEA6D87C4E6}"/>
+                <a16:creationId xmlns:a16="http://schemas.microsoft.com/office/drawing/2014/main" id="{2767D263-2589-44C7-BFF9-73442C5A7831}"/>
               </a:ext>
             </a:extLst>
           </p:cNvPr>
@@ -7741,7 +7813,7 @@
         </p:nvSpPr>
         <p:spPr>
           <a:xfrm>
-            <a:off x="1066800" y="5673412"/>
+            <a:off x="1066800" y="5687357"/>
             <a:ext cx="10058400" cy="861774"/>
           </a:xfrm>
           <a:prstGeom prst="rect">
@@ -7765,7 +7837,7 @@
               <a:rPr lang="en-US" sz="1600">
                 <a:hlinkClick r:id="rId2"/>
               </a:rPr>
-              <a:t>https://developer.mozilla.org/en-US/docs/Web/HTML/Element/textarea</a:t>
+              <a:t>https://developer.mozilla.org/en-US/docs/Web/HTML/Element/input</a:t>
             </a:r>
             <a:endParaRPr lang="en-US" sz="1600"/>
           </a:p>
@@ -7780,10 +7852,160 @@
           </a:p>
         </p:txBody>
       </p:sp>
+      <p:pic>
+        <p:nvPicPr>
+          <p:cNvPr id="5" name="Picture 4">
+            <a:extLst>
+              <a:ext uri="{FF2B5EF4-FFF2-40B4-BE49-F238E27FC236}">
+                <a16:creationId xmlns:a16="http://schemas.microsoft.com/office/drawing/2014/main" id="{16A096F4-625E-4BA6-B8F8-D45F6BAF4F32}"/>
+              </a:ext>
+            </a:extLst>
+          </p:cNvPr>
+          <p:cNvPicPr>
+            <a:picLocks noChangeAspect="1"/>
+          </p:cNvPicPr>
+          <p:nvPr/>
+        </p:nvPicPr>
+        <p:blipFill>
+          <a:blip r:embed="rId4"/>
+          <a:stretch>
+            <a:fillRect/>
+          </a:stretch>
+        </p:blipFill>
+        <p:spPr>
+          <a:xfrm>
+            <a:off x="1402272" y="1879844"/>
+            <a:ext cx="1800225" cy="323850"/>
+          </a:xfrm>
+          <a:prstGeom prst="rect">
+            <a:avLst/>
+          </a:prstGeom>
+        </p:spPr>
+      </p:pic>
+      <p:pic>
+        <p:nvPicPr>
+          <p:cNvPr id="8" name="Picture 7">
+            <a:extLst>
+              <a:ext uri="{FF2B5EF4-FFF2-40B4-BE49-F238E27FC236}">
+                <a16:creationId xmlns:a16="http://schemas.microsoft.com/office/drawing/2014/main" id="{EE2A2DA5-25F7-4BDB-A717-76F03E95DEAF}"/>
+              </a:ext>
+            </a:extLst>
+          </p:cNvPr>
+          <p:cNvPicPr>
+            <a:picLocks noChangeAspect="1"/>
+          </p:cNvPicPr>
+          <p:nvPr/>
+        </p:nvPicPr>
+        <p:blipFill>
+          <a:blip r:embed="rId5"/>
+          <a:stretch>
+            <a:fillRect/>
+          </a:stretch>
+        </p:blipFill>
+        <p:spPr>
+          <a:xfrm>
+            <a:off x="1735647" y="2419818"/>
+            <a:ext cx="1466850" cy="352425"/>
+          </a:xfrm>
+          <a:prstGeom prst="rect">
+            <a:avLst/>
+          </a:prstGeom>
+        </p:spPr>
+      </p:pic>
+      <p:pic>
+        <p:nvPicPr>
+          <p:cNvPr id="7" name="Picture 6">
+            <a:extLst>
+              <a:ext uri="{FF2B5EF4-FFF2-40B4-BE49-F238E27FC236}">
+                <a16:creationId xmlns:a16="http://schemas.microsoft.com/office/drawing/2014/main" id="{AF5508C0-E765-4E84-AC6C-24413731C56E}"/>
+              </a:ext>
+            </a:extLst>
+          </p:cNvPr>
+          <p:cNvPicPr>
+            <a:picLocks noChangeAspect="1"/>
+          </p:cNvPicPr>
+          <p:nvPr/>
+        </p:nvPicPr>
+        <p:blipFill>
+          <a:blip r:embed="rId6"/>
+          <a:stretch>
+            <a:fillRect/>
+          </a:stretch>
+        </p:blipFill>
+        <p:spPr>
+          <a:xfrm>
+            <a:off x="1421322" y="2152422"/>
+            <a:ext cx="1781175" cy="314325"/>
+          </a:xfrm>
+          <a:prstGeom prst="rect">
+            <a:avLst/>
+          </a:prstGeom>
+        </p:spPr>
+      </p:pic>
+      <p:pic>
+        <p:nvPicPr>
+          <p:cNvPr id="9" name="Picture 8">
+            <a:extLst>
+              <a:ext uri="{FF2B5EF4-FFF2-40B4-BE49-F238E27FC236}">
+                <a16:creationId xmlns:a16="http://schemas.microsoft.com/office/drawing/2014/main" id="{4A2468CA-11EB-4CCF-84D4-A770DF5A05C0}"/>
+              </a:ext>
+            </a:extLst>
+          </p:cNvPr>
+          <p:cNvPicPr>
+            <a:picLocks noChangeAspect="1"/>
+          </p:cNvPicPr>
+          <p:nvPr/>
+        </p:nvPicPr>
+        <p:blipFill>
+          <a:blip r:embed="rId7"/>
+          <a:stretch>
+            <a:fillRect/>
+          </a:stretch>
+        </p:blipFill>
+        <p:spPr>
+          <a:xfrm>
+            <a:off x="2204469" y="2707755"/>
+            <a:ext cx="1000125" cy="304800"/>
+          </a:xfrm>
+          <a:prstGeom prst="rect">
+            <a:avLst/>
+          </a:prstGeom>
+        </p:spPr>
+      </p:pic>
+      <p:pic>
+        <p:nvPicPr>
+          <p:cNvPr id="12" name="Picture 11">
+            <a:extLst>
+              <a:ext uri="{FF2B5EF4-FFF2-40B4-BE49-F238E27FC236}">
+                <a16:creationId xmlns:a16="http://schemas.microsoft.com/office/drawing/2014/main" id="{A06255D0-0DB5-436E-BF06-A79B6DACAD56}"/>
+              </a:ext>
+            </a:extLst>
+          </p:cNvPr>
+          <p:cNvPicPr>
+            <a:picLocks noChangeAspect="1"/>
+          </p:cNvPicPr>
+          <p:nvPr/>
+        </p:nvPicPr>
+        <p:blipFill>
+          <a:blip r:embed="rId8"/>
+          <a:stretch>
+            <a:fillRect/>
+          </a:stretch>
+        </p:blipFill>
+        <p:spPr>
+          <a:xfrm>
+            <a:off x="1066800" y="3263315"/>
+            <a:ext cx="2133600" cy="304800"/>
+          </a:xfrm>
+          <a:prstGeom prst="rect">
+            <a:avLst/>
+          </a:prstGeom>
+        </p:spPr>
+      </p:pic>
     </p:spTree>
     <p:extLst>
       <p:ext uri="{BB962C8B-B14F-4D97-AF65-F5344CB8AC3E}">
-        <p14:creationId xmlns:p14="http://schemas.microsoft.com/office/powerpoint/2010/main" val="2098603035"/>
+        <p14:creationId xmlns:p14="http://schemas.microsoft.com/office/powerpoint/2010/main" val="2742507744"/>
       </p:ext>
     </p:extLst>
   </p:cSld>
@@ -7990,12 +8212,8 @@
           <a:lstStyle/>
           <a:p>
             <a:r>
-              <a:rPr lang="en-US" u="sng"/>
-              <a:t>Radio </a:t>
-            </a:r>
-            <a:r>
               <a:rPr lang="en-US" u="sng" dirty="0"/>
-              <a:t>Button Control</a:t>
+              <a:t>Multi-Line Text Input Control</a:t>
             </a:r>
           </a:p>
         </p:txBody>
@@ -8030,51 +8248,42 @@
               <a:rPr lang="en-US" sz="1800" dirty="0">
                 <a:cs typeface="Arial" panose="020B0604020202020204" pitchFamily="34" charset="0"/>
               </a:rPr>
-              <a:t>This control is typically used for </a:t>
-            </a:r>
-            <a:r>
-              <a:rPr lang="en-US" sz="1800" i="1" dirty="0">
-                <a:cs typeface="Arial" panose="020B0604020202020204" pitchFamily="34" charset="0"/>
-              </a:rPr>
-              <a:t>mutually exclusive</a:t>
+              <a:t>This control is used for items that require several lines of user input, such as a comment area</a:t>
+            </a:r>
+            <a:r>
+              <a:rPr lang="en-US" sz="1800">
+                <a:cs typeface="Arial" panose="020B0604020202020204" pitchFamily="34" charset="0"/>
+              </a:rPr>
+              <a:t>. </a:t>
+            </a:r>
+          </a:p>
+          <a:p>
+            <a:pPr indent="0">
+              <a:buNone/>
+            </a:pPr>
+            <a:r>
+              <a:rPr lang="en-US" sz="1800">
+                <a:cs typeface="Arial" panose="020B0604020202020204" pitchFamily="34" charset="0"/>
+              </a:rPr>
+              <a:t>They </a:t>
             </a:r>
             <a:r>
               <a:rPr lang="en-US" sz="1800" dirty="0">
                 <a:cs typeface="Arial" panose="020B0604020202020204" pitchFamily="34" charset="0"/>
               </a:rPr>
-              <a:t> selections, e.g., Male / Female, etc</a:t>
+              <a:t>are created using </a:t>
             </a:r>
             <a:r>
               <a:rPr lang="en-US" sz="1800">
                 <a:cs typeface="Arial" panose="020B0604020202020204" pitchFamily="34" charset="0"/>
               </a:rPr>
-              <a:t>. </a:t>
-            </a:r>
-          </a:p>
-          <a:p>
-            <a:pPr indent="0">
-              <a:buNone/>
-            </a:pPr>
-            <a:r>
-              <a:rPr lang="en-US" sz="1800">
-                <a:cs typeface="Arial" panose="020B0604020202020204" pitchFamily="34" charset="0"/>
-              </a:rPr>
-              <a:t>They </a:t>
-            </a:r>
-            <a:r>
-              <a:rPr lang="en-US" sz="1800" dirty="0">
-                <a:cs typeface="Arial" panose="020B0604020202020204" pitchFamily="34" charset="0"/>
-              </a:rPr>
-              <a:t>are created using </a:t>
-            </a:r>
-            <a:r>
-              <a:rPr lang="en-US" sz="1800">
-                <a:cs typeface="Arial" panose="020B0604020202020204" pitchFamily="34" charset="0"/>
-              </a:rPr>
               <a:t>the </a:t>
             </a:r>
             <a:r>
               <a:rPr lang="en-US" sz="1800" b="1">
+                <a:solidFill>
+                  <a:srgbClr val="00B0F0"/>
+                </a:solidFill>
                 <a:latin typeface="Consolas" panose="020B0609020204030204" pitchFamily="49" charset="0"/>
                 <a:cs typeface="Arial" panose="020B0604020202020204" pitchFamily="34" charset="0"/>
                 <a:hlinkClick r:id="rId2"/>
@@ -8083,19 +8292,25 @@
             </a:r>
             <a:r>
               <a:rPr lang="en-US" sz="1800" b="1" dirty="0">
+                <a:solidFill>
+                  <a:srgbClr val="00B0F0"/>
+                </a:solidFill>
                 <a:latin typeface="Consolas" panose="020B0609020204030204" pitchFamily="49" charset="0"/>
                 <a:cs typeface="Arial" panose="020B0604020202020204" pitchFamily="34" charset="0"/>
                 <a:hlinkClick r:id="rId2"/>
               </a:rPr>
-              <a:t>input type="radio</a:t>
+              <a:t>textarea</a:t>
             </a:r>
             <a:r>
               <a:rPr lang="en-US" sz="1800" b="1">
+                <a:solidFill>
+                  <a:srgbClr val="00B0F0"/>
+                </a:solidFill>
                 <a:latin typeface="Consolas" panose="020B0609020204030204" pitchFamily="49" charset="0"/>
                 <a:cs typeface="Arial" panose="020B0604020202020204" pitchFamily="34" charset="0"/>
                 <a:hlinkClick r:id="rId2"/>
               </a:rPr>
-              <a:t>"&gt;</a:t>
+              <a:t>&gt;</a:t>
             </a:r>
             <a:r>
               <a:rPr lang="en-US" sz="1800">
@@ -8134,23 +8349,46 @@
               <a:buNone/>
             </a:pPr>
             <a:r>
+              <a:rPr lang="en-US" sz="1800">
+                <a:latin typeface="Consolas" panose="020B0609020204030204" pitchFamily="49" charset="0"/>
+                <a:cs typeface="Arial" panose="020B0604020202020204" pitchFamily="34" charset="0"/>
+              </a:rPr>
+              <a:t>&lt;textarea id="comments" </a:t>
+            </a:r>
+            <a:r>
               <a:rPr lang="en-US" sz="1800" dirty="0">
                 <a:latin typeface="Consolas" panose="020B0609020204030204" pitchFamily="49" charset="0"/>
                 <a:cs typeface="Arial" panose="020B0604020202020204" pitchFamily="34" charset="0"/>
               </a:rPr>
-              <a:t>&lt;input type="radio" name="gender" value="f"&gt; Female</a:t>
-            </a:r>
-          </a:p>
-          <a:p>
-            <a:pPr indent="0">
-              <a:buNone/>
-            </a:pPr>
+              <a:t>name="</a:t>
+            </a:r>
+            <a:r>
+              <a:rPr lang="en-US" sz="1800">
+                <a:latin typeface="Consolas" panose="020B0609020204030204" pitchFamily="49" charset="0"/>
+                <a:cs typeface="Arial" panose="020B0604020202020204" pitchFamily="34" charset="0"/>
+              </a:rPr>
+              <a:t>comments" rows</a:t>
+            </a:r>
             <a:r>
               <a:rPr lang="en-US" sz="1800" dirty="0">
                 <a:latin typeface="Consolas" panose="020B0609020204030204" pitchFamily="49" charset="0"/>
                 <a:cs typeface="Arial" panose="020B0604020202020204" pitchFamily="34" charset="0"/>
               </a:rPr>
-              <a:t>&lt;input type="radio" name="gender" value="m"&gt; Male</a:t>
+              <a:t>="10" </a:t>
+            </a:r>
+            <a:r>
+              <a:rPr lang="en-US" sz="1800">
+                <a:latin typeface="Consolas" panose="020B0609020204030204" pitchFamily="49" charset="0"/>
+                <a:cs typeface="Arial" panose="020B0604020202020204" pitchFamily="34" charset="0"/>
+              </a:rPr>
+              <a:t>cols="50</a:t>
+            </a:r>
+            <a:r>
+              <a:rPr lang="en-US" sz="1800" dirty="0">
+                <a:latin typeface="Consolas" panose="020B0609020204030204" pitchFamily="49" charset="0"/>
+                <a:cs typeface="Arial" panose="020B0604020202020204" pitchFamily="34" charset="0"/>
+              </a:rPr>
+              <a:t>"&gt;&lt;/textarea&gt;</a:t>
             </a:r>
           </a:p>
         </p:txBody>
@@ -8183,7 +8421,7 @@
           <p:cNvPr id="5" name="TextBox 4">
             <a:extLst>
               <a:ext uri="{FF2B5EF4-FFF2-40B4-BE49-F238E27FC236}">
-                <a16:creationId xmlns:a16="http://schemas.microsoft.com/office/drawing/2014/main" id="{7776CA2F-201D-480B-A621-6109709605BD}"/>
+                <a16:creationId xmlns:a16="http://schemas.microsoft.com/office/drawing/2014/main" id="{8AECA8C5-A461-4275-8B88-FDEA6D87C4E6}"/>
               </a:ext>
             </a:extLst>
           </p:cNvPr>
@@ -8192,7 +8430,7 @@
         </p:nvSpPr>
         <p:spPr>
           <a:xfrm>
-            <a:off x="1066800" y="5604153"/>
+            <a:off x="1066800" y="5673412"/>
             <a:ext cx="10058400" cy="861774"/>
           </a:xfrm>
           <a:prstGeom prst="rect">
@@ -8216,7 +8454,7 @@
               <a:rPr lang="en-US" sz="1600">
                 <a:hlinkClick r:id="rId2"/>
               </a:rPr>
-              <a:t>https://developer.mozilla.org/en-US/docs/Web/HTML/Element/input/radio</a:t>
+              <a:t>https://developer.mozilla.org/en-US/docs/Web/HTML/Element/textarea</a:t>
             </a:r>
             <a:endParaRPr lang="en-US" sz="1600"/>
           </a:p>
@@ -8225,16 +8463,46 @@
               <a:rPr lang="en-US" sz="1600">
                 <a:hlinkClick r:id="rId3"/>
               </a:rPr>
-              <a:t>https://balsamiq.com/learn/resources/ui-control-guidelines/radio-buttons-checkboxes/</a:t>
+              <a:t>https://balsamiq.com/learn/resources/ui-control-guidelines/text-input/</a:t>
             </a:r>
             <a:endParaRPr lang="en-US" sz="1600"/>
           </a:p>
         </p:txBody>
       </p:sp>
+      <p:pic>
+        <p:nvPicPr>
+          <p:cNvPr id="4" name="Picture 3">
+            <a:extLst>
+              <a:ext uri="{FF2B5EF4-FFF2-40B4-BE49-F238E27FC236}">
+                <a16:creationId xmlns:a16="http://schemas.microsoft.com/office/drawing/2014/main" id="{D75B10A2-0142-412A-88D2-AD88DA798155}"/>
+              </a:ext>
+            </a:extLst>
+          </p:cNvPr>
+          <p:cNvPicPr>
+            <a:picLocks noChangeAspect="1"/>
+          </p:cNvPicPr>
+          <p:nvPr/>
+        </p:nvPicPr>
+        <p:blipFill>
+          <a:blip r:embed="rId4"/>
+          <a:stretch>
+            <a:fillRect/>
+          </a:stretch>
+        </p:blipFill>
+        <p:spPr>
+          <a:xfrm>
+            <a:off x="8297563" y="4572995"/>
+            <a:ext cx="2653722" cy="1191750"/>
+          </a:xfrm>
+          <a:prstGeom prst="rect">
+            <a:avLst/>
+          </a:prstGeom>
+        </p:spPr>
+      </p:pic>
     </p:spTree>
     <p:extLst>
       <p:ext uri="{BB962C8B-B14F-4D97-AF65-F5344CB8AC3E}">
-        <p14:creationId xmlns:p14="http://schemas.microsoft.com/office/powerpoint/2010/main" val="362139198"/>
+        <p14:creationId xmlns:p14="http://schemas.microsoft.com/office/powerpoint/2010/main" val="2098603035"/>
       </p:ext>
     </p:extLst>
   </p:cSld>
@@ -8286,11 +8554,11 @@
           <a:p>
             <a:r>
               <a:rPr lang="en-US" u="sng"/>
-              <a:t>Check Box </a:t>
+              <a:t>Radio </a:t>
             </a:r>
             <a:r>
               <a:rPr lang="en-US" u="sng" dirty="0"/>
-              <a:t>Control</a:t>
+              <a:t>Button Control</a:t>
             </a:r>
           </a:p>
         </p:txBody>
@@ -8325,19 +8593,25 @@
               <a:rPr lang="en-US" sz="1800" dirty="0">
                 <a:cs typeface="Arial" panose="020B0604020202020204" pitchFamily="34" charset="0"/>
               </a:rPr>
-              <a:t>This control </a:t>
+              <a:t>This control is typically used for </a:t>
+            </a:r>
+            <a:r>
+              <a:rPr lang="en-US" sz="1800" i="1" dirty="0">
+                <a:cs typeface="Arial" panose="020B0604020202020204" pitchFamily="34" charset="0"/>
+              </a:rPr>
+              <a:t>mutually exclusive</a:t>
+            </a:r>
+            <a:r>
+              <a:rPr lang="en-US" sz="1800" dirty="0">
+                <a:cs typeface="Arial" panose="020B0604020202020204" pitchFamily="34" charset="0"/>
+              </a:rPr>
+              <a:t> selections, e.g., Male / Female, etc</a:t>
             </a:r>
             <a:r>
               <a:rPr lang="en-US" sz="1800">
                 <a:cs typeface="Arial" panose="020B0604020202020204" pitchFamily="34" charset="0"/>
               </a:rPr>
-              <a:t>is used for selections that are </a:t>
-            </a:r>
-            <a:r>
-              <a:rPr lang="en-US" sz="1800" i="1">
-                <a:cs typeface="Arial" panose="020B0604020202020204" pitchFamily="34" charset="0"/>
-              </a:rPr>
-              <a:t>not mutually exclusive.</a:t>
+              <a:t>. </a:t>
             </a:r>
           </a:p>
           <a:p>
@@ -8354,13 +8628,21 @@
               <a:rPr lang="en-US" sz="1800" dirty="0">
                 <a:cs typeface="Arial" panose="020B0604020202020204" pitchFamily="34" charset="0"/>
               </a:rPr>
-              <a:t>are created </a:t>
+              <a:t>are created using </a:t>
             </a:r>
             <a:r>
               <a:rPr lang="en-US" sz="1800">
                 <a:cs typeface="Arial" panose="020B0604020202020204" pitchFamily="34" charset="0"/>
               </a:rPr>
-              <a:t>using the </a:t>
+              <a:t>the </a:t>
+            </a:r>
+            <a:r>
+              <a:rPr lang="en-US" sz="1800" b="1">
+                <a:latin typeface="Consolas" panose="020B0609020204030204" pitchFamily="49" charset="0"/>
+                <a:cs typeface="Arial" panose="020B0604020202020204" pitchFamily="34" charset="0"/>
+                <a:hlinkClick r:id="rId2"/>
+              </a:rPr>
+              <a:t>&lt;</a:t>
             </a:r>
             <a:r>
               <a:rPr lang="en-US" sz="1800" b="1" dirty="0">
@@ -8368,7 +8650,7 @@
                 <a:cs typeface="Arial" panose="020B0604020202020204" pitchFamily="34" charset="0"/>
                 <a:hlinkClick r:id="rId2"/>
               </a:rPr>
-              <a:t>&lt;input </a:t>
+              <a:t>input type="radio</a:t>
             </a:r>
             <a:r>
               <a:rPr lang="en-US" sz="1800" b="1">
@@ -8376,7 +8658,7 @@
                 <a:cs typeface="Arial" panose="020B0604020202020204" pitchFamily="34" charset="0"/>
                 <a:hlinkClick r:id="rId2"/>
               </a:rPr>
-              <a:t>type="checkbox"&gt;</a:t>
+              <a:t>"&gt;</a:t>
             </a:r>
             <a:r>
               <a:rPr lang="en-US" sz="1800">
@@ -8419,19 +8701,8 @@
                 <a:latin typeface="Consolas" panose="020B0609020204030204" pitchFamily="49" charset="0"/>
                 <a:cs typeface="Arial" panose="020B0604020202020204" pitchFamily="34" charset="0"/>
               </a:rPr>
-              <a:t>&lt;input </a:t>
-            </a:r>
-            <a:r>
-              <a:rPr lang="en-US" sz="1800">
-                <a:latin typeface="Consolas" panose="020B0609020204030204" pitchFamily="49" charset="0"/>
-                <a:cs typeface="Arial" panose="020B0604020202020204" pitchFamily="34" charset="0"/>
-              </a:rPr>
-              <a:t>type="checkbox" name="topping" value="extra_cheese"&gt; Extra Cheese</a:t>
-            </a:r>
-            <a:endParaRPr lang="en-US" sz="1800" dirty="0">
-              <a:latin typeface="Consolas" panose="020B0609020204030204" pitchFamily="49" charset="0"/>
-              <a:cs typeface="Arial" panose="020B0604020202020204" pitchFamily="34" charset="0"/>
-            </a:endParaRPr>
+              <a:t>&lt;input type="radio" name="gender" value="f"&gt; Female</a:t>
+            </a:r>
           </a:p>
           <a:p>
             <a:pPr indent="0">
@@ -8442,19 +8713,8 @@
                 <a:latin typeface="Consolas" panose="020B0609020204030204" pitchFamily="49" charset="0"/>
                 <a:cs typeface="Arial" panose="020B0604020202020204" pitchFamily="34" charset="0"/>
               </a:rPr>
-              <a:t>&lt;input </a:t>
-            </a:r>
-            <a:r>
-              <a:rPr lang="en-US" sz="1800">
-                <a:latin typeface="Consolas" panose="020B0609020204030204" pitchFamily="49" charset="0"/>
-                <a:cs typeface="Arial" panose="020B0604020202020204" pitchFamily="34" charset="0"/>
-              </a:rPr>
-              <a:t>type="checkbox" name="topping" value="pepperoni"&gt; Pepperoni</a:t>
-            </a:r>
-            <a:endParaRPr lang="en-US" sz="1800" dirty="0">
-              <a:latin typeface="Consolas" panose="020B0609020204030204" pitchFamily="49" charset="0"/>
-              <a:cs typeface="Arial" panose="020B0604020202020204" pitchFamily="34" charset="0"/>
-            </a:endParaRPr>
+              <a:t>&lt;input type="radio" name="gender" value="m"&gt; Male</a:t>
+            </a:r>
           </a:p>
         </p:txBody>
       </p:sp>
@@ -8486,7 +8746,7 @@
           <p:cNvPr id="5" name="TextBox 4">
             <a:extLst>
               <a:ext uri="{FF2B5EF4-FFF2-40B4-BE49-F238E27FC236}">
-                <a16:creationId xmlns:a16="http://schemas.microsoft.com/office/drawing/2014/main" id="{A2801F11-11A2-4206-B122-2C5E72EC442A}"/>
+                <a16:creationId xmlns:a16="http://schemas.microsoft.com/office/drawing/2014/main" id="{7776CA2F-201D-480B-A621-6109709605BD}"/>
               </a:ext>
             </a:extLst>
           </p:cNvPr>
@@ -8495,7 +8755,7 @@
         </p:nvSpPr>
         <p:spPr>
           <a:xfrm>
-            <a:off x="1066800" y="5610783"/>
+            <a:off x="1066800" y="5604153"/>
             <a:ext cx="10058400" cy="861774"/>
           </a:xfrm>
           <a:prstGeom prst="rect">
@@ -8519,7 +8779,7 @@
               <a:rPr lang="en-US" sz="1600">
                 <a:hlinkClick r:id="rId2"/>
               </a:rPr>
-              <a:t>https://developer.mozilla.org/en-US/docs/Web/HTML/Element/input/checkbox</a:t>
+              <a:t>https://developer.mozilla.org/en-US/docs/Web/HTML/Element/input/radio</a:t>
             </a:r>
             <a:endParaRPr lang="en-US" sz="1600"/>
           </a:p>
@@ -8534,10 +8794,40 @@
           </a:p>
         </p:txBody>
       </p:sp>
+      <p:pic>
+        <p:nvPicPr>
+          <p:cNvPr id="7" name="Picture 6">
+            <a:extLst>
+              <a:ext uri="{FF2B5EF4-FFF2-40B4-BE49-F238E27FC236}">
+                <a16:creationId xmlns:a16="http://schemas.microsoft.com/office/drawing/2014/main" id="{430E9EB6-7507-4132-A5B7-4E6991EE6E2A}"/>
+              </a:ext>
+            </a:extLst>
+          </p:cNvPr>
+          <p:cNvPicPr>
+            <a:picLocks noChangeAspect="1"/>
+          </p:cNvPicPr>
+          <p:nvPr/>
+        </p:nvPicPr>
+        <p:blipFill>
+          <a:blip r:embed="rId4"/>
+          <a:stretch>
+            <a:fillRect/>
+          </a:stretch>
+        </p:blipFill>
+        <p:spPr>
+          <a:xfrm>
+            <a:off x="2093812" y="4757595"/>
+            <a:ext cx="2457450" cy="500063"/>
+          </a:xfrm>
+          <a:prstGeom prst="rect">
+            <a:avLst/>
+          </a:prstGeom>
+        </p:spPr>
+      </p:pic>
     </p:spTree>
     <p:extLst>
       <p:ext uri="{BB962C8B-B14F-4D97-AF65-F5344CB8AC3E}">
-        <p14:creationId xmlns:p14="http://schemas.microsoft.com/office/powerpoint/2010/main" val="456218439"/>
+        <p14:creationId xmlns:p14="http://schemas.microsoft.com/office/powerpoint/2010/main" val="362139198"/>
       </p:ext>
     </p:extLst>
   </p:cSld>
@@ -8588,8 +8878,12 @@
           <a:lstStyle/>
           <a:p>
             <a:r>
+              <a:rPr lang="en-US" u="sng"/>
+              <a:t>Check Box </a:t>
+            </a:r>
+            <a:r>
               <a:rPr lang="en-US" u="sng" dirty="0"/>
-              <a:t>File Upload Control</a:t>
+              <a:t>Control</a:t>
             </a:r>
           </a:p>
         </p:txBody>
@@ -8621,45 +8915,53 @@
               <a:buNone/>
             </a:pPr>
             <a:r>
+              <a:rPr lang="en-US" sz="1800" dirty="0">
+                <a:cs typeface="Arial" panose="020B0604020202020204" pitchFamily="34" charset="0"/>
+              </a:rPr>
+              <a:t>This control </a:t>
+            </a:r>
+            <a:r>
               <a:rPr lang="en-US" sz="1800">
                 <a:cs typeface="Arial" panose="020B0604020202020204" pitchFamily="34" charset="0"/>
               </a:rPr>
-              <a:t>This control is used </a:t>
+              <a:t>is used for selections that are </a:t>
+            </a:r>
+            <a:r>
+              <a:rPr lang="en-US" sz="1800" i="1">
+                <a:cs typeface="Arial" panose="020B0604020202020204" pitchFamily="34" charset="0"/>
+              </a:rPr>
+              <a:t>not mutually exclusive.</a:t>
+            </a:r>
+          </a:p>
+          <a:p>
+            <a:pPr indent="0">
+              <a:buNone/>
+            </a:pPr>
+            <a:r>
+              <a:rPr lang="en-US" sz="1800">
+                <a:cs typeface="Arial" panose="020B0604020202020204" pitchFamily="34" charset="0"/>
+              </a:rPr>
+              <a:t>They </a:t>
             </a:r>
             <a:r>
               <a:rPr lang="en-US" sz="1800" dirty="0">
                 <a:cs typeface="Arial" panose="020B0604020202020204" pitchFamily="34" charset="0"/>
               </a:rPr>
-              <a:t>to upload a file to a web site</a:t>
+              <a:t>are created </a:t>
             </a:r>
             <a:r>
               <a:rPr lang="en-US" sz="1800">
                 <a:cs typeface="Arial" panose="020B0604020202020204" pitchFamily="34" charset="0"/>
               </a:rPr>
-              <a:t>. </a:t>
-            </a:r>
-          </a:p>
-          <a:p>
-            <a:pPr indent="0">
-              <a:buNone/>
-            </a:pPr>
-            <a:r>
-              <a:rPr lang="en-US" sz="1800">
-                <a:cs typeface="Arial" panose="020B0604020202020204" pitchFamily="34" charset="0"/>
-              </a:rPr>
-              <a:t>They are </a:t>
-            </a:r>
-            <a:r>
-              <a:rPr lang="en-US" sz="1800" dirty="0">
-                <a:cs typeface="Arial" panose="020B0604020202020204" pitchFamily="34" charset="0"/>
-              </a:rPr>
-              <a:t>created </a:t>
-            </a:r>
-            <a:r>
-              <a:rPr lang="en-US" sz="1800">
-                <a:cs typeface="Arial" panose="020B0604020202020204" pitchFamily="34" charset="0"/>
-              </a:rPr>
               <a:t>using the </a:t>
+            </a:r>
+            <a:r>
+              <a:rPr lang="en-US" sz="1800" b="1" dirty="0">
+                <a:latin typeface="Consolas" panose="020B0609020204030204" pitchFamily="49" charset="0"/>
+                <a:cs typeface="Arial" panose="020B0604020202020204" pitchFamily="34" charset="0"/>
+                <a:hlinkClick r:id="rId2"/>
+              </a:rPr>
+              <a:t>&lt;input </a:t>
             </a:r>
             <a:r>
               <a:rPr lang="en-US" sz="1800" b="1">
@@ -8667,7 +8969,7 @@
                 <a:cs typeface="Arial" panose="020B0604020202020204" pitchFamily="34" charset="0"/>
                 <a:hlinkClick r:id="rId2"/>
               </a:rPr>
-              <a:t>&lt;input type="file"&gt;</a:t>
+              <a:t>type="checkbox"&gt;</a:t>
             </a:r>
             <a:r>
               <a:rPr lang="en-US" sz="1800">
@@ -8675,11 +8977,6 @@
               </a:rPr>
               <a:t> tag.</a:t>
             </a:r>
-          </a:p>
-          <a:p>
-            <a:pPr indent="0">
-              <a:buNone/>
-            </a:pPr>
             <a:endParaRPr lang="en-US" sz="1800" dirty="0">
               <a:cs typeface="Arial" panose="020B0604020202020204" pitchFamily="34" charset="0"/>
             </a:endParaRPr>
@@ -8688,6 +8985,14 @@
             <a:pPr indent="0">
               <a:buNone/>
             </a:pPr>
+            <a:endParaRPr lang="en-US" sz="1800">
+              <a:cs typeface="Arial" panose="020B0604020202020204" pitchFamily="34" charset="0"/>
+            </a:endParaRPr>
+          </a:p>
+          <a:p>
+            <a:pPr indent="0">
+              <a:buNone/>
+            </a:pPr>
             <a:r>
               <a:rPr lang="en-US" sz="1800" b="1" u="sng">
                 <a:cs typeface="Arial" panose="020B0604020202020204" pitchFamily="34" charset="0"/>
@@ -8703,25 +9008,41 @@
               <a:buNone/>
             </a:pPr>
             <a:r>
+              <a:rPr lang="en-US" sz="1800" dirty="0">
+                <a:latin typeface="Consolas" panose="020B0609020204030204" pitchFamily="49" charset="0"/>
+                <a:cs typeface="Arial" panose="020B0604020202020204" pitchFamily="34" charset="0"/>
+              </a:rPr>
+              <a:t>&lt;input </a:t>
+            </a:r>
+            <a:r>
               <a:rPr lang="en-US" sz="1800">
                 <a:latin typeface="Consolas" panose="020B0609020204030204" pitchFamily="49" charset="0"/>
                 <a:cs typeface="Arial" panose="020B0604020202020204" pitchFamily="34" charset="0"/>
               </a:rPr>
-              <a:t>&lt;input id="myFile" name="myFile" </a:t>
-            </a:r>
+              <a:t>type="checkbox" name="topping" value="extra_cheese"&gt; Extra Cheese</a:t>
+            </a:r>
+            <a:endParaRPr lang="en-US" sz="1800" dirty="0">
+              <a:latin typeface="Consolas" panose="020B0609020204030204" pitchFamily="49" charset="0"/>
+              <a:cs typeface="Arial" panose="020B0604020202020204" pitchFamily="34" charset="0"/>
+            </a:endParaRPr>
+          </a:p>
+          <a:p>
+            <a:pPr indent="0">
+              <a:buNone/>
+            </a:pPr>
             <a:r>
               <a:rPr lang="en-US" sz="1800" dirty="0">
                 <a:latin typeface="Consolas" panose="020B0609020204030204" pitchFamily="49" charset="0"/>
                 <a:cs typeface="Arial" panose="020B0604020202020204" pitchFamily="34" charset="0"/>
               </a:rPr>
-              <a:t>type="</a:t>
+              <a:t>&lt;input </a:t>
             </a:r>
             <a:r>
               <a:rPr lang="en-US" sz="1800">
                 <a:latin typeface="Consolas" panose="020B0609020204030204" pitchFamily="49" charset="0"/>
                 <a:cs typeface="Arial" panose="020B0604020202020204" pitchFamily="34" charset="0"/>
               </a:rPr>
-              <a:t>file"&gt;</a:t>
+              <a:t>type="checkbox" name="topping" value="pepperoni"&gt; Pepperoni</a:t>
             </a:r>
             <a:endParaRPr lang="en-US" sz="1800" dirty="0">
               <a:latin typeface="Consolas" panose="020B0609020204030204" pitchFamily="49" charset="0"/>
@@ -8758,7 +9079,7 @@
           <p:cNvPr id="5" name="TextBox 4">
             <a:extLst>
               <a:ext uri="{FF2B5EF4-FFF2-40B4-BE49-F238E27FC236}">
-                <a16:creationId xmlns:a16="http://schemas.microsoft.com/office/drawing/2014/main" id="{6CAF05EC-B2F3-4575-89C5-126C81BB9CEC}"/>
+                <a16:creationId xmlns:a16="http://schemas.microsoft.com/office/drawing/2014/main" id="{A2801F11-11A2-4206-B122-2C5E72EC442A}"/>
               </a:ext>
             </a:extLst>
           </p:cNvPr>
@@ -8767,8 +9088,8 @@
         </p:nvSpPr>
         <p:spPr>
           <a:xfrm>
-            <a:off x="1066800" y="5816025"/>
-            <a:ext cx="10058400" cy="584775"/>
+            <a:off x="1066800" y="5610783"/>
+            <a:ext cx="10058400" cy="861774"/>
           </a:xfrm>
           <a:prstGeom prst="rect">
             <a:avLst/>
@@ -8791,16 +9112,55 @@
               <a:rPr lang="en-US" sz="1600">
                 <a:hlinkClick r:id="rId2"/>
               </a:rPr>
-              <a:t>https://developer.mozilla.org/en-US/docs/Web/HTML/Element/input/file</a:t>
+              <a:t>https://developer.mozilla.org/en-US/docs/Web/HTML/Element/input/checkbox</a:t>
             </a:r>
             <a:endParaRPr lang="en-US" sz="1600"/>
           </a:p>
-        </p:txBody>
-      </p:sp>
+          <a:p>
+            <a:r>
+              <a:rPr lang="en-US" sz="1600">
+                <a:hlinkClick r:id="rId3"/>
+              </a:rPr>
+              <a:t>https://balsamiq.com/learn/resources/ui-control-guidelines/radio-buttons-checkboxes/</a:t>
+            </a:r>
+            <a:endParaRPr lang="en-US" sz="1600"/>
+          </a:p>
+        </p:txBody>
+      </p:sp>
+      <p:pic>
+        <p:nvPicPr>
+          <p:cNvPr id="4" name="Picture 3">
+            <a:extLst>
+              <a:ext uri="{FF2B5EF4-FFF2-40B4-BE49-F238E27FC236}">
+                <a16:creationId xmlns:a16="http://schemas.microsoft.com/office/drawing/2014/main" id="{EBC4AD00-D262-4EA3-92C0-BA073E943E17}"/>
+              </a:ext>
+            </a:extLst>
+          </p:cNvPr>
+          <p:cNvPicPr>
+            <a:picLocks noChangeAspect="1"/>
+          </p:cNvPicPr>
+          <p:nvPr/>
+        </p:nvPicPr>
+        <p:blipFill>
+          <a:blip r:embed="rId4"/>
+          <a:stretch>
+            <a:fillRect/>
+          </a:stretch>
+        </p:blipFill>
+        <p:spPr>
+          <a:xfrm>
+            <a:off x="2244524" y="4758439"/>
+            <a:ext cx="3429000" cy="485775"/>
+          </a:xfrm>
+          <a:prstGeom prst="rect">
+            <a:avLst/>
+          </a:prstGeom>
+        </p:spPr>
+      </p:pic>
     </p:spTree>
     <p:extLst>
       <p:ext uri="{BB962C8B-B14F-4D97-AF65-F5344CB8AC3E}">
-        <p14:creationId xmlns:p14="http://schemas.microsoft.com/office/powerpoint/2010/main" val="3162828408"/>
+        <p14:creationId xmlns:p14="http://schemas.microsoft.com/office/powerpoint/2010/main" val="456218439"/>
       </p:ext>
     </p:extLst>
   </p:cSld>
@@ -8832,7 +9192,7 @@
           <p:cNvPr id="2" name="Title 1">
             <a:extLst>
               <a:ext uri="{FF2B5EF4-FFF2-40B4-BE49-F238E27FC236}">
-                <a16:creationId xmlns:a16="http://schemas.microsoft.com/office/drawing/2014/main" id="{F21BA517-271D-444F-8E59-AE20FEA7C16D}"/>
+                <a16:creationId xmlns:a16="http://schemas.microsoft.com/office/drawing/2014/main" id="{BDFAC13C-59B1-436E-B58F-C304E1C705CF}"/>
               </a:ext>
             </a:extLst>
           </p:cNvPr>
@@ -8845,12 +9205,14 @@
         </p:nvSpPr>
         <p:spPr/>
         <p:txBody>
-          <a:bodyPr/>
-          <a:lstStyle/>
-          <a:p>
-            <a:r>
-              <a:rPr lang="en-US" u="sng"/>
-              <a:t>Range Slider Control</a:t>
+          <a:bodyPr>
+            <a:normAutofit/>
+          </a:bodyPr>
+          <a:lstStyle/>
+          <a:p>
+            <a:r>
+              <a:rPr lang="en-US" u="sng" dirty="0"/>
+              <a:t>File Upload Control</a:t>
             </a:r>
           </a:p>
         </p:txBody>
@@ -8860,7 +9222,7 @@
           <p:cNvPr id="3" name="Content Placeholder 2">
             <a:extLst>
               <a:ext uri="{FF2B5EF4-FFF2-40B4-BE49-F238E27FC236}">
-                <a16:creationId xmlns:a16="http://schemas.microsoft.com/office/drawing/2014/main" id="{AFE8EBE2-4167-480B-AF52-6847B22B6CD7}"/>
+                <a16:creationId xmlns:a16="http://schemas.microsoft.com/office/drawing/2014/main" id="{844A3DC5-46BF-4BFF-8008-98FD467C4904}"/>
               </a:ext>
             </a:extLst>
           </p:cNvPr>
@@ -8873,22 +9235,127 @@
         </p:nvSpPr>
         <p:spPr/>
         <p:txBody>
-          <a:bodyPr/>
-          <a:lstStyle/>
-          <a:p>
-            <a:endParaRPr lang="en-US"/>
-          </a:p>
-        </p:txBody>
-      </p:sp>
-      <p:sp>
-        <p:nvSpPr>
-          <p:cNvPr id="4" name="Slide Number Placeholder 3">
-            <a:extLst>
-              <a:ext uri="{FF2B5EF4-FFF2-40B4-BE49-F238E27FC236}">
-                <a16:creationId xmlns:a16="http://schemas.microsoft.com/office/drawing/2014/main" id="{4D4EE87B-03EB-4E0A-AE5C-FFB8432BA351}"/>
-              </a:ext>
-            </a:extLst>
-          </p:cNvPr>
+          <a:bodyPr>
+            <a:noAutofit/>
+          </a:bodyPr>
+          <a:lstStyle/>
+          <a:p>
+            <a:pPr indent="0">
+              <a:buNone/>
+            </a:pPr>
+            <a:r>
+              <a:rPr lang="en-US" sz="1800">
+                <a:cs typeface="Arial" panose="020B0604020202020204" pitchFamily="34" charset="0"/>
+              </a:rPr>
+              <a:t>This control is used </a:t>
+            </a:r>
+            <a:r>
+              <a:rPr lang="en-US" sz="1800" dirty="0">
+                <a:cs typeface="Arial" panose="020B0604020202020204" pitchFamily="34" charset="0"/>
+              </a:rPr>
+              <a:t>to upload a file to a web site</a:t>
+            </a:r>
+            <a:r>
+              <a:rPr lang="en-US" sz="1800">
+                <a:cs typeface="Arial" panose="020B0604020202020204" pitchFamily="34" charset="0"/>
+              </a:rPr>
+              <a:t>. </a:t>
+            </a:r>
+          </a:p>
+          <a:p>
+            <a:pPr indent="0">
+              <a:buNone/>
+            </a:pPr>
+            <a:r>
+              <a:rPr lang="en-US" sz="1800">
+                <a:cs typeface="Arial" panose="020B0604020202020204" pitchFamily="34" charset="0"/>
+              </a:rPr>
+              <a:t>They are </a:t>
+            </a:r>
+            <a:r>
+              <a:rPr lang="en-US" sz="1800" dirty="0">
+                <a:cs typeface="Arial" panose="020B0604020202020204" pitchFamily="34" charset="0"/>
+              </a:rPr>
+              <a:t>created </a:t>
+            </a:r>
+            <a:r>
+              <a:rPr lang="en-US" sz="1800">
+                <a:cs typeface="Arial" panose="020B0604020202020204" pitchFamily="34" charset="0"/>
+              </a:rPr>
+              <a:t>using the </a:t>
+            </a:r>
+            <a:r>
+              <a:rPr lang="en-US" sz="1800" b="1">
+                <a:latin typeface="Consolas" panose="020B0609020204030204" pitchFamily="49" charset="0"/>
+                <a:cs typeface="Arial" panose="020B0604020202020204" pitchFamily="34" charset="0"/>
+                <a:hlinkClick r:id="rId2"/>
+              </a:rPr>
+              <a:t>&lt;input type="file"&gt;</a:t>
+            </a:r>
+            <a:r>
+              <a:rPr lang="en-US" sz="1800">
+                <a:cs typeface="Arial" panose="020B0604020202020204" pitchFamily="34" charset="0"/>
+              </a:rPr>
+              <a:t> tag.</a:t>
+            </a:r>
+          </a:p>
+          <a:p>
+            <a:pPr indent="0">
+              <a:buNone/>
+            </a:pPr>
+            <a:endParaRPr lang="en-US" sz="1800" dirty="0">
+              <a:cs typeface="Arial" panose="020B0604020202020204" pitchFamily="34" charset="0"/>
+            </a:endParaRPr>
+          </a:p>
+          <a:p>
+            <a:pPr indent="0">
+              <a:buNone/>
+            </a:pPr>
+            <a:r>
+              <a:rPr lang="en-US" sz="1800" b="1" u="sng">
+                <a:cs typeface="Arial" panose="020B0604020202020204" pitchFamily="34" charset="0"/>
+              </a:rPr>
+              <a:t>Example</a:t>
+            </a:r>
+            <a:endParaRPr lang="en-US" sz="1800" b="1" u="sng" dirty="0">
+              <a:cs typeface="Arial" panose="020B0604020202020204" pitchFamily="34" charset="0"/>
+            </a:endParaRPr>
+          </a:p>
+          <a:p>
+            <a:pPr indent="0">
+              <a:buNone/>
+            </a:pPr>
+            <a:r>
+              <a:rPr lang="en-US" sz="1800">
+                <a:latin typeface="Consolas" panose="020B0609020204030204" pitchFamily="49" charset="0"/>
+                <a:cs typeface="Arial" panose="020B0604020202020204" pitchFamily="34" charset="0"/>
+              </a:rPr>
+              <a:t>&lt;input id="myFile" name="myFile" </a:t>
+            </a:r>
+            <a:r>
+              <a:rPr lang="en-US" sz="1800" dirty="0">
+                <a:latin typeface="Consolas" panose="020B0609020204030204" pitchFamily="49" charset="0"/>
+                <a:cs typeface="Arial" panose="020B0604020202020204" pitchFamily="34" charset="0"/>
+              </a:rPr>
+              <a:t>type="</a:t>
+            </a:r>
+            <a:r>
+              <a:rPr lang="en-US" sz="1800">
+                <a:latin typeface="Consolas" panose="020B0609020204030204" pitchFamily="49" charset="0"/>
+                <a:cs typeface="Arial" panose="020B0604020202020204" pitchFamily="34" charset="0"/>
+              </a:rPr>
+              <a:t>file"&gt;</a:t>
+            </a:r>
+            <a:endParaRPr lang="en-US" sz="1800" dirty="0">
+              <a:latin typeface="Consolas" panose="020B0609020204030204" pitchFamily="49" charset="0"/>
+              <a:cs typeface="Arial" panose="020B0604020202020204" pitchFamily="34" charset="0"/>
+            </a:endParaRPr>
+          </a:p>
+        </p:txBody>
+      </p:sp>
+      <p:sp>
+        <p:nvSpPr>
+          <p:cNvPr id="6" name="Slide Number Placeholder 5"/>
           <p:cNvSpPr>
             <a:spLocks noGrp="1"/>
           </p:cNvSpPr>
@@ -8909,10 +9376,84 @@
           </a:p>
         </p:txBody>
       </p:sp>
+      <p:sp>
+        <p:nvSpPr>
+          <p:cNvPr id="5" name="TextBox 4">
+            <a:extLst>
+              <a:ext uri="{FF2B5EF4-FFF2-40B4-BE49-F238E27FC236}">
+                <a16:creationId xmlns:a16="http://schemas.microsoft.com/office/drawing/2014/main" id="{6CAF05EC-B2F3-4575-89C5-126C81BB9CEC}"/>
+              </a:ext>
+            </a:extLst>
+          </p:cNvPr>
+          <p:cNvSpPr txBox="1"/>
+          <p:nvPr/>
+        </p:nvSpPr>
+        <p:spPr>
+          <a:xfrm>
+            <a:off x="1066800" y="5816025"/>
+            <a:ext cx="10058400" cy="584775"/>
+          </a:xfrm>
+          <a:prstGeom prst="rect">
+            <a:avLst/>
+          </a:prstGeom>
+          <a:noFill/>
+        </p:spPr>
+        <p:txBody>
+          <a:bodyPr wrap="square" rtlCol="0">
+            <a:spAutoFit/>
+          </a:bodyPr>
+          <a:lstStyle/>
+          <a:p>
+            <a:r>
+              <a:rPr lang="en-US" sz="1600" b="1"/>
+              <a:t>Source</a:t>
+            </a:r>
+          </a:p>
+          <a:p>
+            <a:r>
+              <a:rPr lang="en-US" sz="1600">
+                <a:hlinkClick r:id="rId2"/>
+              </a:rPr>
+              <a:t>https://developer.mozilla.org/en-US/docs/Web/HTML/Element/input/file</a:t>
+            </a:r>
+            <a:endParaRPr lang="en-US" sz="1600"/>
+          </a:p>
+        </p:txBody>
+      </p:sp>
+      <p:pic>
+        <p:nvPicPr>
+          <p:cNvPr id="4" name="Picture 3">
+            <a:extLst>
+              <a:ext uri="{FF2B5EF4-FFF2-40B4-BE49-F238E27FC236}">
+                <a16:creationId xmlns:a16="http://schemas.microsoft.com/office/drawing/2014/main" id="{007E38EC-6699-48BB-AC58-90088DD4D158}"/>
+              </a:ext>
+            </a:extLst>
+          </p:cNvPr>
+          <p:cNvPicPr>
+            <a:picLocks noChangeAspect="1"/>
+          </p:cNvPicPr>
+          <p:nvPr/>
+        </p:nvPicPr>
+        <p:blipFill>
+          <a:blip r:embed="rId3"/>
+          <a:stretch>
+            <a:fillRect/>
+          </a:stretch>
+        </p:blipFill>
+        <p:spPr>
+          <a:xfrm>
+            <a:off x="2074577" y="4417959"/>
+            <a:ext cx="2800350" cy="585788"/>
+          </a:xfrm>
+          <a:prstGeom prst="rect">
+            <a:avLst/>
+          </a:prstGeom>
+        </p:spPr>
+      </p:pic>
     </p:spTree>
     <p:extLst>
       <p:ext uri="{BB962C8B-B14F-4D97-AF65-F5344CB8AC3E}">
-        <p14:creationId xmlns:p14="http://schemas.microsoft.com/office/powerpoint/2010/main" val="2409522531"/>
+        <p14:creationId xmlns:p14="http://schemas.microsoft.com/office/powerpoint/2010/main" val="3162828408"/>
       </p:ext>
     </p:extLst>
   </p:cSld>
@@ -8944,7 +9485,7 @@
           <p:cNvPr id="2" name="Title 1">
             <a:extLst>
               <a:ext uri="{FF2B5EF4-FFF2-40B4-BE49-F238E27FC236}">
-                <a16:creationId xmlns:a16="http://schemas.microsoft.com/office/drawing/2014/main" id="{BDFAC13C-59B1-436E-B58F-C304E1C705CF}"/>
+                <a16:creationId xmlns:a16="http://schemas.microsoft.com/office/drawing/2014/main" id="{F21BA517-271D-444F-8E59-AE20FEA7C16D}"/>
               </a:ext>
             </a:extLst>
           </p:cNvPr>
@@ -8957,184 +9498,113 @@
         </p:nvSpPr>
         <p:spPr/>
         <p:txBody>
+          <a:bodyPr/>
+          <a:lstStyle/>
+          <a:p>
+            <a:r>
+              <a:rPr lang="en-US" u="sng"/>
+              <a:t>Range Slider Control</a:t>
+            </a:r>
+          </a:p>
+        </p:txBody>
+      </p:sp>
+      <p:sp>
+        <p:nvSpPr>
+          <p:cNvPr id="3" name="Content Placeholder 2">
+            <a:extLst>
+              <a:ext uri="{FF2B5EF4-FFF2-40B4-BE49-F238E27FC236}">
+                <a16:creationId xmlns:a16="http://schemas.microsoft.com/office/drawing/2014/main" id="{AFE8EBE2-4167-480B-AF52-6847B22B6CD7}"/>
+              </a:ext>
+            </a:extLst>
+          </p:cNvPr>
+          <p:cNvSpPr>
+            <a:spLocks noGrp="1"/>
+          </p:cNvSpPr>
+          <p:nvPr>
+            <p:ph idx="1"/>
+          </p:nvPr>
+        </p:nvSpPr>
+        <p:spPr/>
+        <p:txBody>
           <a:bodyPr>
             <a:normAutofit/>
           </a:bodyPr>
           <a:lstStyle/>
           <a:p>
-            <a:r>
-              <a:rPr lang="en-US" u="sng" dirty="0"/>
-              <a:t>Hidden Control</a:t>
-            </a:r>
-          </a:p>
-        </p:txBody>
-      </p:sp>
-      <p:sp>
-        <p:nvSpPr>
-          <p:cNvPr id="3" name="Content Placeholder 2">
+            <a:pPr marL="0" indent="0">
+              <a:buNone/>
+            </a:pPr>
+            <a:r>
+              <a:rPr lang="en-US" sz="1800"/>
+              <a:t>This control is for entering a number whose exact value is not important.</a:t>
+            </a:r>
+          </a:p>
+          <a:p>
+            <a:pPr marL="0" indent="0">
+              <a:buNone/>
+            </a:pPr>
+            <a:r>
+              <a:rPr lang="en-US" sz="1800"/>
+              <a:t>Used with </a:t>
+            </a:r>
+            <a:r>
+              <a:rPr lang="en-US" sz="1800" b="1">
+                <a:latin typeface="Consolas" panose="020B0609020204030204" pitchFamily="49" charset="0"/>
+              </a:rPr>
+              <a:t>min</a:t>
+            </a:r>
+            <a:r>
+              <a:rPr lang="en-US" sz="1800"/>
+              <a:t> and </a:t>
+            </a:r>
+            <a:r>
+              <a:rPr lang="en-US" sz="1800" b="1">
+                <a:latin typeface="Consolas" panose="020B0609020204030204" pitchFamily="49" charset="0"/>
+              </a:rPr>
+              <a:t>max</a:t>
+            </a:r>
+            <a:r>
+              <a:rPr lang="en-US" sz="1800"/>
+              <a:t> attributes to define the range of acceptable values.</a:t>
+            </a:r>
+          </a:p>
+          <a:p>
+            <a:pPr marL="0" indent="0">
+              <a:buNone/>
+            </a:pPr>
+            <a:endParaRPr lang="en-US" sz="1800"/>
+          </a:p>
+          <a:p>
+            <a:pPr marL="0" indent="0">
+              <a:buNone/>
+            </a:pPr>
+            <a:r>
+              <a:rPr lang="en-US" sz="1800" b="1" u="sng"/>
+              <a:t>Example</a:t>
+            </a:r>
+          </a:p>
+          <a:p>
+            <a:pPr marL="0" indent="0">
+              <a:buNone/>
+            </a:pPr>
+            <a:r>
+              <a:rPr lang="en-US" sz="1800">
+                <a:latin typeface="Consolas" panose="020B0609020204030204" pitchFamily="49" charset="0"/>
+              </a:rPr>
+              <a:t>&lt;input type="range" min="0" max="100" step="10" value="30"&gt;</a:t>
+            </a:r>
+          </a:p>
+        </p:txBody>
+      </p:sp>
+      <p:sp>
+        <p:nvSpPr>
+          <p:cNvPr id="4" name="Slide Number Placeholder 3">
             <a:extLst>
               <a:ext uri="{FF2B5EF4-FFF2-40B4-BE49-F238E27FC236}">
-                <a16:creationId xmlns:a16="http://schemas.microsoft.com/office/drawing/2014/main" id="{844A3DC5-46BF-4BFF-8008-98FD467C4904}"/>
+                <a16:creationId xmlns:a16="http://schemas.microsoft.com/office/drawing/2014/main" id="{4D4EE87B-03EB-4E0A-AE5C-FFB8432BA351}"/>
               </a:ext>
             </a:extLst>
           </p:cNvPr>
-          <p:cNvSpPr>
-            <a:spLocks noGrp="1"/>
-          </p:cNvSpPr>
-          <p:nvPr>
-            <p:ph idx="1"/>
-          </p:nvPr>
-        </p:nvSpPr>
-        <p:spPr/>
-        <p:txBody>
-          <a:bodyPr>
-            <a:noAutofit/>
-          </a:bodyPr>
-          <a:lstStyle/>
-          <a:p>
-            <a:pPr indent="0">
-              <a:buNone/>
-            </a:pPr>
-            <a:r>
-              <a:rPr lang="en-US" sz="1800">
-                <a:cs typeface="Arial" panose="020B0604020202020204" pitchFamily="34" charset="0"/>
-              </a:rPr>
-              <a:t>Used for necessary form fields that are not displayed to the user, </a:t>
-            </a:r>
-            <a:r>
-              <a:rPr lang="en-US" sz="1800" dirty="0">
-                <a:cs typeface="Arial" panose="020B0604020202020204" pitchFamily="34" charset="0"/>
-              </a:rPr>
-              <a:t>e.g</a:t>
-            </a:r>
-            <a:r>
-              <a:rPr lang="en-US" sz="1800">
-                <a:cs typeface="Arial" panose="020B0604020202020204" pitchFamily="34" charset="0"/>
-              </a:rPr>
-              <a:t>. entity IDs or confirmations codes. </a:t>
-            </a:r>
-          </a:p>
-          <a:p>
-            <a:pPr indent="0">
-              <a:buNone/>
-            </a:pPr>
-            <a:r>
-              <a:rPr lang="en-US" sz="1800">
-                <a:cs typeface="Arial" panose="020B0604020202020204" pitchFamily="34" charset="0"/>
-              </a:rPr>
-              <a:t>They are created </a:t>
-            </a:r>
-            <a:r>
-              <a:rPr lang="en-US" sz="1800" dirty="0">
-                <a:cs typeface="Arial" panose="020B0604020202020204" pitchFamily="34" charset="0"/>
-              </a:rPr>
-              <a:t>using </a:t>
-            </a:r>
-            <a:r>
-              <a:rPr lang="en-US" sz="1800">
-                <a:cs typeface="Arial" panose="020B0604020202020204" pitchFamily="34" charset="0"/>
-              </a:rPr>
-              <a:t>the </a:t>
-            </a:r>
-            <a:r>
-              <a:rPr lang="en-US" sz="1800" b="1">
-                <a:latin typeface="Consolas" panose="020B0609020204030204" pitchFamily="49" charset="0"/>
-                <a:cs typeface="Arial" panose="020B0604020202020204" pitchFamily="34" charset="0"/>
-                <a:hlinkClick r:id="rId2"/>
-              </a:rPr>
-              <a:t>&lt;input type="hidden"&gt;</a:t>
-            </a:r>
-            <a:r>
-              <a:rPr lang="en-US" sz="1800">
-                <a:cs typeface="Arial" panose="020B0604020202020204" pitchFamily="34" charset="0"/>
-              </a:rPr>
-              <a:t> tag.</a:t>
-            </a:r>
-          </a:p>
-          <a:p>
-            <a:pPr indent="0">
-              <a:buNone/>
-            </a:pPr>
-            <a:r>
-              <a:rPr lang="en-US" sz="1800">
-                <a:cs typeface="Arial" panose="020B0604020202020204" pitchFamily="34" charset="0"/>
-              </a:rPr>
-              <a:t>Generally has a </a:t>
-            </a:r>
-            <a:r>
-              <a:rPr lang="en-US" sz="1800" b="1">
-                <a:latin typeface="Consolas" panose="020B0609020204030204" pitchFamily="49" charset="0"/>
-                <a:cs typeface="Arial" panose="020B0604020202020204" pitchFamily="34" charset="0"/>
-              </a:rPr>
-              <a:t>value</a:t>
-            </a:r>
-            <a:r>
-              <a:rPr lang="en-US" sz="1800">
-                <a:cs typeface="Arial" panose="020B0604020202020204" pitchFamily="34" charset="0"/>
-              </a:rPr>
-              <a:t> attribute.</a:t>
-            </a:r>
-            <a:endParaRPr lang="en-US" sz="1800" dirty="0">
-              <a:cs typeface="Arial" panose="020B0604020202020204" pitchFamily="34" charset="0"/>
-            </a:endParaRPr>
-          </a:p>
-          <a:p>
-            <a:pPr indent="0">
-              <a:buNone/>
-            </a:pPr>
-            <a:endParaRPr lang="en-US" sz="1800">
-              <a:cs typeface="Arial" panose="020B0604020202020204" pitchFamily="34" charset="0"/>
-            </a:endParaRPr>
-          </a:p>
-          <a:p>
-            <a:pPr indent="0">
-              <a:buNone/>
-            </a:pPr>
-            <a:r>
-              <a:rPr lang="en-US" sz="1800" b="1" u="sng">
-                <a:cs typeface="Arial" panose="020B0604020202020204" pitchFamily="34" charset="0"/>
-              </a:rPr>
-              <a:t>Example</a:t>
-            </a:r>
-            <a:endParaRPr lang="en-US" sz="1800" b="1" u="sng" dirty="0">
-              <a:cs typeface="Arial" panose="020B0604020202020204" pitchFamily="34" charset="0"/>
-            </a:endParaRPr>
-          </a:p>
-          <a:p>
-            <a:pPr indent="0">
-              <a:buNone/>
-            </a:pPr>
-            <a:r>
-              <a:rPr lang="en-US" sz="1800">
-                <a:latin typeface="Consolas" panose="020B0609020204030204" pitchFamily="49" charset="0"/>
-                <a:cs typeface="Arial" panose="020B0604020202020204" pitchFamily="34" charset="0"/>
-              </a:rPr>
-              <a:t>&lt;input id="productId" name="productId" </a:t>
-            </a:r>
-            <a:r>
-              <a:rPr lang="en-US" sz="1800" dirty="0">
-                <a:latin typeface="Consolas" panose="020B0609020204030204" pitchFamily="49" charset="0"/>
-                <a:cs typeface="Arial" panose="020B0604020202020204" pitchFamily="34" charset="0"/>
-              </a:rPr>
-              <a:t>type="</a:t>
-            </a:r>
-            <a:r>
-              <a:rPr lang="en-US" sz="1800">
-                <a:latin typeface="Consolas" panose="020B0609020204030204" pitchFamily="49" charset="0"/>
-                <a:cs typeface="Arial" panose="020B0604020202020204" pitchFamily="34" charset="0"/>
-              </a:rPr>
-              <a:t>hidden" value="30"&gt;</a:t>
-            </a:r>
-            <a:endParaRPr lang="en-US" sz="1800" dirty="0">
-              <a:latin typeface="Consolas" panose="020B0609020204030204" pitchFamily="49" charset="0"/>
-              <a:cs typeface="Arial" panose="020B0604020202020204" pitchFamily="34" charset="0"/>
-            </a:endParaRPr>
-          </a:p>
-        </p:txBody>
-      </p:sp>
-      <p:sp>
-        <p:nvSpPr>
-          <p:cNvPr id="6" name="Slide Number Placeholder 5"/>
           <p:cNvSpPr>
             <a:spLocks noGrp="1"/>
           </p:cNvSpPr>
@@ -9155,12 +9625,42 @@
           </a:p>
         </p:txBody>
       </p:sp>
-      <p:sp>
-        <p:nvSpPr>
-          <p:cNvPr id="5" name="TextBox 4">
+      <p:pic>
+        <p:nvPicPr>
+          <p:cNvPr id="5" name="Picture 4">
             <a:extLst>
               <a:ext uri="{FF2B5EF4-FFF2-40B4-BE49-F238E27FC236}">
-                <a16:creationId xmlns:a16="http://schemas.microsoft.com/office/drawing/2014/main" id="{C125D556-C220-4CC0-AF36-35C253FE80FA}"/>
+                <a16:creationId xmlns:a16="http://schemas.microsoft.com/office/drawing/2014/main" id="{AAA95C75-4347-4921-8F19-624EF4499DCA}"/>
+              </a:ext>
+            </a:extLst>
+          </p:cNvPr>
+          <p:cNvPicPr>
+            <a:picLocks noChangeAspect="1"/>
+          </p:cNvPicPr>
+          <p:nvPr/>
+        </p:nvPicPr>
+        <p:blipFill>
+          <a:blip r:embed="rId2"/>
+          <a:stretch>
+            <a:fillRect/>
+          </a:stretch>
+        </p:blipFill>
+        <p:spPr>
+          <a:xfrm>
+            <a:off x="1577975" y="4673600"/>
+            <a:ext cx="2085975" cy="571500"/>
+          </a:xfrm>
+          <a:prstGeom prst="rect">
+            <a:avLst/>
+          </a:prstGeom>
+        </p:spPr>
+      </p:pic>
+      <p:sp>
+        <p:nvSpPr>
+          <p:cNvPr id="6" name="TextBox 5">
+            <a:extLst>
+              <a:ext uri="{FF2B5EF4-FFF2-40B4-BE49-F238E27FC236}">
+                <a16:creationId xmlns:a16="http://schemas.microsoft.com/office/drawing/2014/main" id="{AFDBE446-7A29-4279-B0A5-29041DD4BCA2}"/>
               </a:ext>
             </a:extLst>
           </p:cNvPr>
@@ -9191,18 +9691,31 @@
           <a:p>
             <a:r>
               <a:rPr lang="en-US" sz="1600">
-                <a:hlinkClick r:id="rId2"/>
-              </a:rPr>
-              <a:t>https://developer.mozilla.org/en-US/docs/Web/HTML/Element/input/hidden</a:t>
-            </a:r>
-            <a:endParaRPr lang="en-US" sz="1600"/>
+                <a:solidFill>
+                  <a:srgbClr val="00B0F0"/>
+                </a:solidFill>
+                <a:hlinkClick r:id="rId3">
+                  <a:extLst>
+                    <a:ext uri="{A12FA001-AC4F-418D-AE19-62706E023703}">
+                      <ahyp:hlinkClr xmlns:ahyp="http://schemas.microsoft.com/office/drawing/2018/hyperlinkcolor" val="tx"/>
+                    </a:ext>
+                  </a:extLst>
+                </a:hlinkClick>
+              </a:rPr>
+              <a:t>https://developer.mozilla.org/en-US/docs/Web/HTML/Element/input/range</a:t>
+            </a:r>
+            <a:endParaRPr lang="en-US" sz="1600">
+              <a:solidFill>
+                <a:srgbClr val="00B0F0"/>
+              </a:solidFill>
+            </a:endParaRPr>
           </a:p>
         </p:txBody>
       </p:sp>
     </p:spTree>
     <p:extLst>
       <p:ext uri="{BB962C8B-B14F-4D97-AF65-F5344CB8AC3E}">
-        <p14:creationId xmlns:p14="http://schemas.microsoft.com/office/powerpoint/2010/main" val="3044989063"/>
+        <p14:creationId xmlns:p14="http://schemas.microsoft.com/office/powerpoint/2010/main" val="2409522531"/>
       </p:ext>
     </p:extLst>
   </p:cSld>
@@ -9245,12 +9758,7 @@
             <p:ph type="title"/>
           </p:nvPr>
         </p:nvSpPr>
-        <p:spPr>
-          <a:xfrm>
-            <a:off x="1066800" y="356616"/>
-            <a:ext cx="10058400" cy="1371600"/>
-          </a:xfrm>
-        </p:spPr>
+        <p:spPr/>
         <p:txBody>
           <a:bodyPr>
             <a:normAutofit/>
@@ -9258,10 +9766,9 @@
           <a:lstStyle/>
           <a:p>
             <a:r>
-              <a:rPr lang="en-US" u="sng"/>
-              <a:t>Dropdown Menus</a:t>
-            </a:r>
-            <a:endParaRPr lang="en-US" u="sng" dirty="0"/>
+              <a:rPr lang="en-US" u="sng" dirty="0"/>
+              <a:t>Hidden Control</a:t>
+            </a:r>
           </a:p>
         </p:txBody>
       </p:sp>
@@ -9281,12 +9788,7 @@
             <p:ph idx="1"/>
           </p:nvPr>
         </p:nvSpPr>
-        <p:spPr>
-          <a:xfrm>
-            <a:off x="1066800" y="1417088"/>
-            <a:ext cx="10058400" cy="4197096"/>
-          </a:xfrm>
-        </p:spPr>
+        <p:spPr/>
         <p:txBody>
           <a:bodyPr>
             <a:noAutofit/>
@@ -9297,22 +9799,22 @@
               <a:buNone/>
             </a:pPr>
             <a:r>
+              <a:rPr lang="en-US" sz="1800">
+                <a:cs typeface="Arial" panose="020B0604020202020204" pitchFamily="34" charset="0"/>
+              </a:rPr>
+              <a:t>Used for necessary form fields that are not displayed to the user, </a:t>
+            </a:r>
+            <a:r>
               <a:rPr lang="en-US" sz="1800" dirty="0">
                 <a:cs typeface="Arial" panose="020B0604020202020204" pitchFamily="34" charset="0"/>
               </a:rPr>
-              <a:t>This control is typically used </a:t>
+              <a:t>e.g</a:t>
             </a:r>
             <a:r>
               <a:rPr lang="en-US" sz="1800">
                 <a:cs typeface="Arial" panose="020B0604020202020204" pitchFamily="34" charset="0"/>
               </a:rPr>
-              <a:t>for selections that involve </a:t>
-            </a:r>
-            <a:r>
-              <a:rPr lang="en-US" sz="1800" b="1">
-                <a:cs typeface="Arial" panose="020B0604020202020204" pitchFamily="34" charset="0"/>
-              </a:rPr>
-              <a:t>more than 3 options.</a:t>
+              <a:t>. entity IDs or confirmations codes. </a:t>
             </a:r>
           </a:p>
           <a:p>
@@ -9323,13 +9825,13 @@
               <a:rPr lang="en-US" sz="1800">
                 <a:cs typeface="Arial" panose="020B0604020202020204" pitchFamily="34" charset="0"/>
               </a:rPr>
-              <a:t>They </a:t>
+              <a:t>They are created </a:t>
             </a:r>
             <a:r>
               <a:rPr lang="en-US" sz="1800" dirty="0">
                 <a:cs typeface="Arial" panose="020B0604020202020204" pitchFamily="34" charset="0"/>
               </a:rPr>
-              <a:t>are created using </a:t>
+              <a:t>using </a:t>
             </a:r>
             <a:r>
               <a:rPr lang="en-US" sz="1800">
@@ -9341,47 +9843,40 @@
               <a:rPr lang="en-US" sz="1800" b="1">
                 <a:latin typeface="Consolas" panose="020B0609020204030204" pitchFamily="49" charset="0"/>
                 <a:cs typeface="Arial" panose="020B0604020202020204" pitchFamily="34" charset="0"/>
-              </a:rPr>
-              <a:t>&lt;</a:t>
-            </a:r>
-            <a:r>
-              <a:rPr lang="en-US" sz="1800" b="1" dirty="0">
-                <a:latin typeface="Consolas" panose="020B0609020204030204" pitchFamily="49" charset="0"/>
-                <a:cs typeface="Arial" panose="020B0604020202020204" pitchFamily="34" charset="0"/>
-              </a:rPr>
-              <a:t>select&gt;</a:t>
-            </a:r>
-            <a:r>
-              <a:rPr lang="en-US" sz="1800" dirty="0">
-                <a:cs typeface="Arial" panose="020B0604020202020204" pitchFamily="34" charset="0"/>
-              </a:rPr>
-              <a:t> and </a:t>
-            </a:r>
-            <a:r>
-              <a:rPr lang="en-US" sz="1800" b="1" dirty="0">
-                <a:latin typeface="Consolas" panose="020B0609020204030204" pitchFamily="49" charset="0"/>
-                <a:cs typeface="Arial" panose="020B0604020202020204" pitchFamily="34" charset="0"/>
-              </a:rPr>
-              <a:t>&lt;option</a:t>
+                <a:hlinkClick r:id="rId2"/>
+              </a:rPr>
+              <a:t>&lt;input type="hidden"&gt;</a:t>
+            </a:r>
+            <a:r>
+              <a:rPr lang="en-US" sz="1800">
+                <a:cs typeface="Arial" panose="020B0604020202020204" pitchFamily="34" charset="0"/>
+              </a:rPr>
+              <a:t> tag.</a:t>
+            </a:r>
+          </a:p>
+          <a:p>
+            <a:pPr indent="0">
+              <a:buNone/>
+            </a:pPr>
+            <a:r>
+              <a:rPr lang="en-US" sz="1800">
+                <a:cs typeface="Arial" panose="020B0604020202020204" pitchFamily="34" charset="0"/>
+              </a:rPr>
+              <a:t>Generally has a </a:t>
             </a:r>
             <a:r>
               <a:rPr lang="en-US" sz="1800" b="1">
                 <a:latin typeface="Consolas" panose="020B0609020204030204" pitchFamily="49" charset="0"/>
                 <a:cs typeface="Arial" panose="020B0604020202020204" pitchFamily="34" charset="0"/>
               </a:rPr>
-              <a:t>&gt;</a:t>
+              <a:t>value</a:t>
             </a:r>
             <a:r>
               <a:rPr lang="en-US" sz="1800">
                 <a:cs typeface="Arial" panose="020B0604020202020204" pitchFamily="34" charset="0"/>
               </a:rPr>
-              <a:t> tags.</a:t>
-            </a:r>
-          </a:p>
-          <a:p>
-            <a:pPr indent="0">
-              <a:buNone/>
-            </a:pPr>
+              <a:t> attribute.</a:t>
+            </a:r>
             <a:endParaRPr lang="en-US" sz="1800" dirty="0">
               <a:cs typeface="Arial" panose="020B0604020202020204" pitchFamily="34" charset="0"/>
             </a:endParaRPr>
@@ -9390,6 +9885,14 @@
             <a:pPr indent="0">
               <a:buNone/>
             </a:pPr>
+            <a:endParaRPr lang="en-US" sz="1800">
+              <a:cs typeface="Arial" panose="020B0604020202020204" pitchFamily="34" charset="0"/>
+            </a:endParaRPr>
+          </a:p>
+          <a:p>
+            <a:pPr indent="0">
+              <a:buNone/>
+            </a:pPr>
             <a:r>
               <a:rPr lang="en-US" sz="1800" b="1" u="sng">
                 <a:cs typeface="Arial" panose="020B0604020202020204" pitchFamily="34" charset="0"/>
@@ -9409,83 +9912,26 @@
                 <a:latin typeface="Consolas" panose="020B0609020204030204" pitchFamily="49" charset="0"/>
                 <a:cs typeface="Arial" panose="020B0604020202020204" pitchFamily="34" charset="0"/>
               </a:rPr>
-              <a:t>&lt;select id="vehicle_make" name="vehicle_make"&gt;</a:t>
-            </a:r>
-          </a:p>
-          <a:p>
-            <a:pPr indent="0">
-              <a:buNone/>
-            </a:pPr>
+              <a:t>&lt;input id="productId" name="productId" </a:t>
+            </a:r>
+            <a:r>
+              <a:rPr lang="en-US" sz="1800" dirty="0">
+                <a:latin typeface="Consolas" panose="020B0609020204030204" pitchFamily="49" charset="0"/>
+                <a:cs typeface="Arial" panose="020B0604020202020204" pitchFamily="34" charset="0"/>
+              </a:rPr>
+              <a:t>type="</a:t>
+            </a:r>
             <a:r>
               <a:rPr lang="en-US" sz="1800">
                 <a:latin typeface="Consolas" panose="020B0609020204030204" pitchFamily="49" charset="0"/>
                 <a:cs typeface="Arial" panose="020B0604020202020204" pitchFamily="34" charset="0"/>
               </a:rPr>
-              <a:t>  &lt;option value=""&gt;-- MAKE --&lt;/option&gt;</a:t>
+              <a:t>hidden" value="30"&gt;</a:t>
             </a:r>
             <a:endParaRPr lang="en-US" sz="1800" dirty="0">
               <a:latin typeface="Consolas" panose="020B0609020204030204" pitchFamily="49" charset="0"/>
               <a:cs typeface="Arial" panose="020B0604020202020204" pitchFamily="34" charset="0"/>
             </a:endParaRPr>
-          </a:p>
-          <a:p>
-            <a:pPr indent="0">
-              <a:buNone/>
-            </a:pPr>
-            <a:r>
-              <a:rPr lang="en-US" sz="1800" dirty="0">
-                <a:latin typeface="Consolas" panose="020B0609020204030204" pitchFamily="49" charset="0"/>
-                <a:cs typeface="Arial" panose="020B0604020202020204" pitchFamily="34" charset="0"/>
-              </a:rPr>
-              <a:t>  &lt;option value="Buick"&gt;Buick&lt;/</a:t>
-            </a:r>
-            <a:r>
-              <a:rPr lang="en-US" sz="1800">
-                <a:latin typeface="Consolas" panose="020B0609020204030204" pitchFamily="49" charset="0"/>
-                <a:cs typeface="Arial" panose="020B0604020202020204" pitchFamily="34" charset="0"/>
-              </a:rPr>
-              <a:t>option&gt;</a:t>
-            </a:r>
-          </a:p>
-          <a:p>
-            <a:pPr indent="0">
-              <a:buNone/>
-            </a:pPr>
-            <a:r>
-              <a:rPr lang="en-US" sz="1800">
-                <a:latin typeface="Consolas" panose="020B0609020204030204" pitchFamily="49" charset="0"/>
-                <a:cs typeface="Arial" panose="020B0604020202020204" pitchFamily="34" charset="0"/>
-              </a:rPr>
-              <a:t>  &lt;option value="Ford"&gt;Ford&lt;/option&gt;</a:t>
-            </a:r>
-          </a:p>
-          <a:p>
-            <a:pPr indent="0">
-              <a:buNone/>
-            </a:pPr>
-            <a:r>
-              <a:rPr lang="en-US" sz="1800">
-                <a:latin typeface="Consolas" panose="020B0609020204030204" pitchFamily="49" charset="0"/>
-                <a:cs typeface="Arial" panose="020B0604020202020204" pitchFamily="34" charset="0"/>
-              </a:rPr>
-              <a:t>  &lt;option value="Volkswagon"&gt;Volkswagon&lt;/option&gt;</a:t>
-            </a:r>
-            <a:endParaRPr lang="en-US" sz="1800" dirty="0">
-              <a:latin typeface="Consolas" panose="020B0609020204030204" pitchFamily="49" charset="0"/>
-              <a:cs typeface="Arial" panose="020B0604020202020204" pitchFamily="34" charset="0"/>
-            </a:endParaRPr>
-          </a:p>
-          <a:p>
-            <a:pPr indent="0">
-              <a:buNone/>
-            </a:pPr>
-            <a:r>
-              <a:rPr lang="en-US" sz="1800" dirty="0">
-                <a:latin typeface="Consolas" panose="020B0609020204030204" pitchFamily="49" charset="0"/>
-                <a:cs typeface="Arial" panose="020B0604020202020204" pitchFamily="34" charset="0"/>
-              </a:rPr>
-              <a:t>&lt;/select&gt;</a:t>
-            </a:r>
           </a:p>
         </p:txBody>
       </p:sp>
@@ -9517,7 +9963,7 @@
           <p:cNvPr id="5" name="TextBox 4">
             <a:extLst>
               <a:ext uri="{FF2B5EF4-FFF2-40B4-BE49-F238E27FC236}">
-                <a16:creationId xmlns:a16="http://schemas.microsoft.com/office/drawing/2014/main" id="{C57DECDC-98F8-439F-8CD8-3C24729AD3D4}"/>
+                <a16:creationId xmlns:a16="http://schemas.microsoft.com/office/drawing/2014/main" id="{C125D556-C220-4CC0-AF36-35C253FE80FA}"/>
               </a:ext>
             </a:extLst>
           </p:cNvPr>
@@ -9526,8 +9972,8 @@
         </p:nvSpPr>
         <p:spPr>
           <a:xfrm>
-            <a:off x="1066800" y="5708749"/>
-            <a:ext cx="10058400" cy="861774"/>
+            <a:off x="1066800" y="5816025"/>
+            <a:ext cx="10058400" cy="584775"/>
           </a:xfrm>
           <a:prstGeom prst="rect">
             <a:avLst/>
@@ -9548,53 +9994,18 @@
           <a:p>
             <a:r>
               <a:rPr lang="en-US" sz="1600">
-                <a:solidFill>
-                  <a:srgbClr val="00B0F0"/>
-                </a:solidFill>
-                <a:hlinkClick r:id="rId2">
-                  <a:extLst>
-                    <a:ext uri="{A12FA001-AC4F-418D-AE19-62706E023703}">
-                      <ahyp:hlinkClr xmlns:ahyp="http://schemas.microsoft.com/office/drawing/2018/hyperlinkcolor" val="tx"/>
-                    </a:ext>
-                  </a:extLst>
-                </a:hlinkClick>
-              </a:rPr>
-              <a:t>https://developer.mozilla.org/en-US/docs/Web/HTML/Element/select</a:t>
-            </a:r>
-            <a:endParaRPr lang="en-US" sz="1600">
-              <a:solidFill>
-                <a:srgbClr val="00B0F0"/>
-              </a:solidFill>
-            </a:endParaRPr>
-          </a:p>
-          <a:p>
-            <a:r>
-              <a:rPr lang="en-US" sz="1600">
-                <a:solidFill>
-                  <a:srgbClr val="00B0F0"/>
-                </a:solidFill>
-                <a:hlinkClick r:id="rId3">
-                  <a:extLst>
-                    <a:ext uri="{A12FA001-AC4F-418D-AE19-62706E023703}">
-                      <ahyp:hlinkClr xmlns:ahyp="http://schemas.microsoft.com/office/drawing/2018/hyperlinkcolor" val="tx"/>
-                    </a:ext>
-                  </a:extLst>
-                </a:hlinkClick>
-              </a:rPr>
-              <a:t>https://balsamiq.com/learn/resources/ui-control-guidelines/dropdown-menus/</a:t>
-            </a:r>
-            <a:endParaRPr lang="en-US" sz="1600">
-              <a:solidFill>
-                <a:srgbClr val="00B0F0"/>
-              </a:solidFill>
-            </a:endParaRPr>
+                <a:hlinkClick r:id="rId2"/>
+              </a:rPr>
+              <a:t>https://developer.mozilla.org/en-US/docs/Web/HTML/Element/input/hidden</a:t>
+            </a:r>
+            <a:endParaRPr lang="en-US" sz="1600"/>
           </a:p>
         </p:txBody>
       </p:sp>
     </p:spTree>
     <p:extLst>
       <p:ext uri="{BB962C8B-B14F-4D97-AF65-F5344CB8AC3E}">
-        <p14:creationId xmlns:p14="http://schemas.microsoft.com/office/powerpoint/2010/main" val="525630776"/>
+        <p14:creationId xmlns:p14="http://schemas.microsoft.com/office/powerpoint/2010/main" val="3044989063"/>
       </p:ext>
     </p:extLst>
   </p:cSld>
@@ -9626,7 +10037,7 @@
           <p:cNvPr id="2" name="Title 1">
             <a:extLst>
               <a:ext uri="{FF2B5EF4-FFF2-40B4-BE49-F238E27FC236}">
-                <a16:creationId xmlns:a16="http://schemas.microsoft.com/office/drawing/2014/main" id="{2E56A7A7-1951-4359-8A87-91726430CFDF}"/>
+                <a16:creationId xmlns:a16="http://schemas.microsoft.com/office/drawing/2014/main" id="{BDFAC13C-59B1-436E-B58F-C304E1C705CF}"/>
               </a:ext>
             </a:extLst>
           </p:cNvPr>
@@ -9637,15 +10048,23 @@
             <p:ph type="title"/>
           </p:nvPr>
         </p:nvSpPr>
-        <p:spPr/>
-        <p:txBody>
-          <a:bodyPr/>
+        <p:spPr>
+          <a:xfrm>
+            <a:off x="1066800" y="356616"/>
+            <a:ext cx="10058400" cy="1371600"/>
+          </a:xfrm>
+        </p:spPr>
+        <p:txBody>
+          <a:bodyPr>
+            <a:normAutofit/>
+          </a:bodyPr>
           <a:lstStyle/>
           <a:p>
             <a:r>
               <a:rPr lang="en-US" u="sng"/>
-              <a:t>Select Multiple</a:t>
-            </a:r>
+              <a:t>Dropdown Menus</a:t>
+            </a:r>
+            <a:endParaRPr lang="en-US" u="sng" dirty="0"/>
           </a:p>
         </p:txBody>
       </p:sp>
@@ -9654,7 +10073,7 @@
           <p:cNvPr id="3" name="Content Placeholder 2">
             <a:extLst>
               <a:ext uri="{FF2B5EF4-FFF2-40B4-BE49-F238E27FC236}">
-                <a16:creationId xmlns:a16="http://schemas.microsoft.com/office/drawing/2014/main" id="{806786DB-FB17-4A2A-B569-50027025A7B6}"/>
+                <a16:creationId xmlns:a16="http://schemas.microsoft.com/office/drawing/2014/main" id="{844A3DC5-46BF-4BFF-8008-98FD467C4904}"/>
               </a:ext>
             </a:extLst>
           </p:cNvPr>
@@ -9665,24 +10084,217 @@
             <p:ph idx="1"/>
           </p:nvPr>
         </p:nvSpPr>
-        <p:spPr/>
-        <p:txBody>
-          <a:bodyPr/>
-          <a:lstStyle/>
-          <a:p>
-            <a:endParaRPr lang="en-US"/>
-          </a:p>
-        </p:txBody>
-      </p:sp>
-      <p:sp>
-        <p:nvSpPr>
-          <p:cNvPr id="4" name="Slide Number Placeholder 3">
-            <a:extLst>
-              <a:ext uri="{FF2B5EF4-FFF2-40B4-BE49-F238E27FC236}">
-                <a16:creationId xmlns:a16="http://schemas.microsoft.com/office/drawing/2014/main" id="{AD150A5F-A45A-435F-87E0-4B49E5140974}"/>
-              </a:ext>
-            </a:extLst>
-          </p:cNvPr>
+        <p:spPr>
+          <a:xfrm>
+            <a:off x="1066800" y="1417088"/>
+            <a:ext cx="10058400" cy="4197096"/>
+          </a:xfrm>
+        </p:spPr>
+        <p:txBody>
+          <a:bodyPr>
+            <a:noAutofit/>
+          </a:bodyPr>
+          <a:lstStyle/>
+          <a:p>
+            <a:pPr indent="0">
+              <a:buNone/>
+            </a:pPr>
+            <a:r>
+              <a:rPr lang="en-US" sz="1800" dirty="0">
+                <a:cs typeface="Arial" panose="020B0604020202020204" pitchFamily="34" charset="0"/>
+              </a:rPr>
+              <a:t>This control is typically used </a:t>
+            </a:r>
+            <a:r>
+              <a:rPr lang="en-US" sz="1800">
+                <a:cs typeface="Arial" panose="020B0604020202020204" pitchFamily="34" charset="0"/>
+              </a:rPr>
+              <a:t>for selections that involve </a:t>
+            </a:r>
+            <a:r>
+              <a:rPr lang="en-US" sz="1800" b="1">
+                <a:cs typeface="Arial" panose="020B0604020202020204" pitchFamily="34" charset="0"/>
+              </a:rPr>
+              <a:t>more than 3 options.</a:t>
+            </a:r>
+          </a:p>
+          <a:p>
+            <a:pPr indent="0">
+              <a:buNone/>
+            </a:pPr>
+            <a:r>
+              <a:rPr lang="en-US" sz="1800">
+                <a:cs typeface="Arial" panose="020B0604020202020204" pitchFamily="34" charset="0"/>
+              </a:rPr>
+              <a:t>They </a:t>
+            </a:r>
+            <a:r>
+              <a:rPr lang="en-US" sz="1800" dirty="0">
+                <a:cs typeface="Arial" panose="020B0604020202020204" pitchFamily="34" charset="0"/>
+              </a:rPr>
+              <a:t>are created using </a:t>
+            </a:r>
+            <a:r>
+              <a:rPr lang="en-US" sz="1800">
+                <a:cs typeface="Arial" panose="020B0604020202020204" pitchFamily="34" charset="0"/>
+              </a:rPr>
+              <a:t>the </a:t>
+            </a:r>
+            <a:r>
+              <a:rPr lang="en-US" sz="1800" b="1">
+                <a:latin typeface="Consolas" panose="020B0609020204030204" pitchFamily="49" charset="0"/>
+                <a:cs typeface="Arial" panose="020B0604020202020204" pitchFamily="34" charset="0"/>
+              </a:rPr>
+              <a:t>&lt;</a:t>
+            </a:r>
+            <a:r>
+              <a:rPr lang="en-US" sz="1800" b="1" dirty="0">
+                <a:latin typeface="Consolas" panose="020B0609020204030204" pitchFamily="49" charset="0"/>
+                <a:cs typeface="Arial" panose="020B0604020202020204" pitchFamily="34" charset="0"/>
+              </a:rPr>
+              <a:t>select&gt;</a:t>
+            </a:r>
+            <a:r>
+              <a:rPr lang="en-US" sz="1800" dirty="0">
+                <a:cs typeface="Arial" panose="020B0604020202020204" pitchFamily="34" charset="0"/>
+              </a:rPr>
+              <a:t> and </a:t>
+            </a:r>
+            <a:r>
+              <a:rPr lang="en-US" sz="1800" b="1" dirty="0">
+                <a:latin typeface="Consolas" panose="020B0609020204030204" pitchFamily="49" charset="0"/>
+                <a:cs typeface="Arial" panose="020B0604020202020204" pitchFamily="34" charset="0"/>
+              </a:rPr>
+              <a:t>&lt;option</a:t>
+            </a:r>
+            <a:r>
+              <a:rPr lang="en-US" sz="1800" b="1">
+                <a:latin typeface="Consolas" panose="020B0609020204030204" pitchFamily="49" charset="0"/>
+                <a:cs typeface="Arial" panose="020B0604020202020204" pitchFamily="34" charset="0"/>
+              </a:rPr>
+              <a:t>&gt;</a:t>
+            </a:r>
+            <a:r>
+              <a:rPr lang="en-US" sz="1800">
+                <a:cs typeface="Arial" panose="020B0604020202020204" pitchFamily="34" charset="0"/>
+              </a:rPr>
+              <a:t> tags.</a:t>
+            </a:r>
+          </a:p>
+          <a:p>
+            <a:pPr indent="0">
+              <a:buNone/>
+            </a:pPr>
+            <a:endParaRPr lang="en-US" sz="1800" dirty="0">
+              <a:cs typeface="Arial" panose="020B0604020202020204" pitchFamily="34" charset="0"/>
+            </a:endParaRPr>
+          </a:p>
+          <a:p>
+            <a:pPr indent="0">
+              <a:buNone/>
+            </a:pPr>
+            <a:r>
+              <a:rPr lang="en-US" sz="1800" b="1" u="sng">
+                <a:cs typeface="Arial" panose="020B0604020202020204" pitchFamily="34" charset="0"/>
+              </a:rPr>
+              <a:t>Example</a:t>
+            </a:r>
+            <a:endParaRPr lang="en-US" sz="1800" b="1" u="sng" dirty="0">
+              <a:cs typeface="Arial" panose="020B0604020202020204" pitchFamily="34" charset="0"/>
+            </a:endParaRPr>
+          </a:p>
+          <a:p>
+            <a:pPr indent="0">
+              <a:buNone/>
+            </a:pPr>
+            <a:r>
+              <a:rPr lang="en-US" sz="1800">
+                <a:latin typeface="Consolas" panose="020B0609020204030204" pitchFamily="49" charset="0"/>
+                <a:cs typeface="Arial" panose="020B0604020202020204" pitchFamily="34" charset="0"/>
+              </a:rPr>
+              <a:t>&lt;select id="vehicle_make" name="vehicle_make"&gt;</a:t>
+            </a:r>
+          </a:p>
+          <a:p>
+            <a:pPr indent="0">
+              <a:buNone/>
+            </a:pPr>
+            <a:r>
+              <a:rPr lang="en-US" sz="1800">
+                <a:latin typeface="Consolas" panose="020B0609020204030204" pitchFamily="49" charset="0"/>
+                <a:cs typeface="Arial" panose="020B0604020202020204" pitchFamily="34" charset="0"/>
+              </a:rPr>
+              <a:t>  &lt;option value=""&gt;-- MAKE --&lt;/option&gt;</a:t>
+            </a:r>
+            <a:endParaRPr lang="en-US" sz="1800" dirty="0">
+              <a:latin typeface="Consolas" panose="020B0609020204030204" pitchFamily="49" charset="0"/>
+              <a:cs typeface="Arial" panose="020B0604020202020204" pitchFamily="34" charset="0"/>
+            </a:endParaRPr>
+          </a:p>
+          <a:p>
+            <a:pPr indent="0">
+              <a:buNone/>
+            </a:pPr>
+            <a:r>
+              <a:rPr lang="en-US" sz="1800" dirty="0">
+                <a:latin typeface="Consolas" panose="020B0609020204030204" pitchFamily="49" charset="0"/>
+                <a:cs typeface="Arial" panose="020B0604020202020204" pitchFamily="34" charset="0"/>
+              </a:rPr>
+              <a:t>  &lt;option value="Buick"&gt;Buick&lt;/</a:t>
+            </a:r>
+            <a:r>
+              <a:rPr lang="en-US" sz="1800">
+                <a:latin typeface="Consolas" panose="020B0609020204030204" pitchFamily="49" charset="0"/>
+                <a:cs typeface="Arial" panose="020B0604020202020204" pitchFamily="34" charset="0"/>
+              </a:rPr>
+              <a:t>option&gt;</a:t>
+            </a:r>
+          </a:p>
+          <a:p>
+            <a:pPr indent="0">
+              <a:buNone/>
+            </a:pPr>
+            <a:r>
+              <a:rPr lang="en-US" sz="1800">
+                <a:latin typeface="Consolas" panose="020B0609020204030204" pitchFamily="49" charset="0"/>
+                <a:cs typeface="Arial" panose="020B0604020202020204" pitchFamily="34" charset="0"/>
+              </a:rPr>
+              <a:t>  &lt;option value="Ford"&gt;Ford&lt;/option&gt;</a:t>
+            </a:r>
+          </a:p>
+          <a:p>
+            <a:pPr indent="0">
+              <a:buNone/>
+            </a:pPr>
+            <a:r>
+              <a:rPr lang="en-US" sz="1800">
+                <a:latin typeface="Consolas" panose="020B0609020204030204" pitchFamily="49" charset="0"/>
+                <a:cs typeface="Arial" panose="020B0604020202020204" pitchFamily="34" charset="0"/>
+              </a:rPr>
+              <a:t>  &lt;option value="Volkswagon"&gt;Volkswagon&lt;/option&gt;</a:t>
+            </a:r>
+            <a:endParaRPr lang="en-US" sz="1800" dirty="0">
+              <a:latin typeface="Consolas" panose="020B0609020204030204" pitchFamily="49" charset="0"/>
+              <a:cs typeface="Arial" panose="020B0604020202020204" pitchFamily="34" charset="0"/>
+            </a:endParaRPr>
+          </a:p>
+          <a:p>
+            <a:pPr indent="0">
+              <a:buNone/>
+            </a:pPr>
+            <a:r>
+              <a:rPr lang="en-US" sz="1800" dirty="0">
+                <a:latin typeface="Consolas" panose="020B0609020204030204" pitchFamily="49" charset="0"/>
+                <a:cs typeface="Arial" panose="020B0604020202020204" pitchFamily="34" charset="0"/>
+              </a:rPr>
+              <a:t>&lt;/select&gt;</a:t>
+            </a:r>
+          </a:p>
+        </p:txBody>
+      </p:sp>
+      <p:sp>
+        <p:nvSpPr>
+          <p:cNvPr id="6" name="Slide Number Placeholder 5"/>
           <p:cNvSpPr>
             <a:spLocks noGrp="1"/>
           </p:cNvSpPr>
@@ -9703,10 +10315,89 @@
           </a:p>
         </p:txBody>
       </p:sp>
+      <p:sp>
+        <p:nvSpPr>
+          <p:cNvPr id="5" name="TextBox 4">
+            <a:extLst>
+              <a:ext uri="{FF2B5EF4-FFF2-40B4-BE49-F238E27FC236}">
+                <a16:creationId xmlns:a16="http://schemas.microsoft.com/office/drawing/2014/main" id="{C57DECDC-98F8-439F-8CD8-3C24729AD3D4}"/>
+              </a:ext>
+            </a:extLst>
+          </p:cNvPr>
+          <p:cNvSpPr txBox="1"/>
+          <p:nvPr/>
+        </p:nvSpPr>
+        <p:spPr>
+          <a:xfrm>
+            <a:off x="1066800" y="5708749"/>
+            <a:ext cx="10058400" cy="861774"/>
+          </a:xfrm>
+          <a:prstGeom prst="rect">
+            <a:avLst/>
+          </a:prstGeom>
+          <a:noFill/>
+        </p:spPr>
+        <p:txBody>
+          <a:bodyPr wrap="square" rtlCol="0">
+            <a:spAutoFit/>
+          </a:bodyPr>
+          <a:lstStyle/>
+          <a:p>
+            <a:r>
+              <a:rPr lang="en-US" sz="1600" b="1"/>
+              <a:t>Source</a:t>
+            </a:r>
+          </a:p>
+          <a:p>
+            <a:r>
+              <a:rPr lang="en-US" sz="1600">
+                <a:solidFill>
+                  <a:srgbClr val="00B0F0"/>
+                </a:solidFill>
+                <a:hlinkClick r:id="rId2">
+                  <a:extLst>
+                    <a:ext uri="{A12FA001-AC4F-418D-AE19-62706E023703}">
+                      <ahyp:hlinkClr xmlns:ahyp="http://schemas.microsoft.com/office/drawing/2018/hyperlinkcolor" val="tx"/>
+                    </a:ext>
+                  </a:extLst>
+                </a:hlinkClick>
+              </a:rPr>
+              <a:t>https://developer.mozilla.org/en-US/docs/Web/HTML/Element/select</a:t>
+            </a:r>
+            <a:endParaRPr lang="en-US" sz="1600">
+              <a:solidFill>
+                <a:srgbClr val="00B0F0"/>
+              </a:solidFill>
+            </a:endParaRPr>
+          </a:p>
+          <a:p>
+            <a:r>
+              <a:rPr lang="en-US" sz="1600">
+                <a:solidFill>
+                  <a:srgbClr val="00B0F0"/>
+                </a:solidFill>
+                <a:hlinkClick r:id="rId3">
+                  <a:extLst>
+                    <a:ext uri="{A12FA001-AC4F-418D-AE19-62706E023703}">
+                      <ahyp:hlinkClr xmlns:ahyp="http://schemas.microsoft.com/office/drawing/2018/hyperlinkcolor" val="tx"/>
+                    </a:ext>
+                  </a:extLst>
+                </a:hlinkClick>
+              </a:rPr>
+              <a:t>https://balsamiq.com/learn/resources/ui-control-guidelines/dropdown-menus/</a:t>
+            </a:r>
+            <a:endParaRPr lang="en-US" sz="1600">
+              <a:solidFill>
+                <a:srgbClr val="00B0F0"/>
+              </a:solidFill>
+            </a:endParaRPr>
+          </a:p>
+        </p:txBody>
+      </p:sp>
     </p:spTree>
     <p:extLst>
       <p:ext uri="{BB962C8B-B14F-4D97-AF65-F5344CB8AC3E}">
-        <p14:creationId xmlns:p14="http://schemas.microsoft.com/office/powerpoint/2010/main" val="3730317073"/>
+        <p14:creationId xmlns:p14="http://schemas.microsoft.com/office/powerpoint/2010/main" val="525630776"/>
       </p:ext>
     </p:extLst>
   </p:cSld>
@@ -9735,10 +10426,10 @@
       </p:grpSpPr>
       <p:sp>
         <p:nvSpPr>
-          <p:cNvPr id="5" name="Title 4">
+          <p:cNvPr id="2" name="Title 1">
             <a:extLst>
               <a:ext uri="{FF2B5EF4-FFF2-40B4-BE49-F238E27FC236}">
-                <a16:creationId xmlns:a16="http://schemas.microsoft.com/office/drawing/2014/main" id="{32DD2FCB-65BD-4677-95FC-0D8364320FAC}"/>
+                <a16:creationId xmlns:a16="http://schemas.microsoft.com/office/drawing/2014/main" id="{2E56A7A7-1951-4359-8A87-91726430CFDF}"/>
               </a:ext>
             </a:extLst>
           </p:cNvPr>
@@ -9749,24 +10440,29 @@
             <p:ph type="title"/>
           </p:nvPr>
         </p:nvSpPr>
-        <p:spPr/>
+        <p:spPr>
+          <a:xfrm>
+            <a:off x="1066800" y="321581"/>
+            <a:ext cx="10058400" cy="1371600"/>
+          </a:xfrm>
+        </p:spPr>
         <p:txBody>
           <a:bodyPr/>
           <a:lstStyle/>
           <a:p>
             <a:r>
-              <a:rPr lang="en-US" cap="none"/>
-              <a:t>Buttons</a:t>
-            </a:r>
-          </a:p>
-        </p:txBody>
-      </p:sp>
-      <p:sp>
-        <p:nvSpPr>
-          <p:cNvPr id="6" name="Text Placeholder 5">
+              <a:rPr lang="en-US" u="sng"/>
+              <a:t>List Box Control</a:t>
+            </a:r>
+          </a:p>
+        </p:txBody>
+      </p:sp>
+      <p:sp>
+        <p:nvSpPr>
+          <p:cNvPr id="3" name="Content Placeholder 2">
             <a:extLst>
               <a:ext uri="{FF2B5EF4-FFF2-40B4-BE49-F238E27FC236}">
-                <a16:creationId xmlns:a16="http://schemas.microsoft.com/office/drawing/2014/main" id="{9F8C2387-D38D-4A8F-90A3-F1910993FCC1}"/>
+                <a16:creationId xmlns:a16="http://schemas.microsoft.com/office/drawing/2014/main" id="{806786DB-FB17-4A2A-B569-50027025A7B6}"/>
               </a:ext>
             </a:extLst>
           </p:cNvPr>
@@ -9774,17 +10470,173 @@
             <a:spLocks noGrp="1"/>
           </p:cNvSpPr>
           <p:nvPr>
-            <p:ph type="body" idx="1"/>
-          </p:nvPr>
-        </p:nvSpPr>
-        <p:spPr/>
+            <p:ph idx="1"/>
+          </p:nvPr>
+        </p:nvSpPr>
+        <p:spPr>
+          <a:xfrm>
+            <a:off x="1066800" y="1383274"/>
+            <a:ext cx="10058400" cy="4560326"/>
+          </a:xfrm>
+        </p:spPr>
         <p:txBody>
           <a:bodyPr/>
           <a:lstStyle/>
           <a:p>
+            <a:pPr marL="0" indent="0">
+              <a:buNone/>
+            </a:pPr>
             <a:r>
               <a:rPr lang="en-US"/>
-              <a:t>Adding buttons to your form.</a:t>
+              <a:t>The </a:t>
+            </a:r>
+            <a:r>
+              <a:rPr lang="en-US" b="1">
+                <a:latin typeface="Consolas" panose="020B0609020204030204" pitchFamily="49" charset="0"/>
+              </a:rPr>
+              <a:t>&lt;select&gt;</a:t>
+            </a:r>
+            <a:r>
+              <a:rPr lang="en-US"/>
+              <a:t> tag can also be used to allow the user to select more than one option.</a:t>
+            </a:r>
+          </a:p>
+          <a:p>
+            <a:pPr marL="0" indent="0">
+              <a:buNone/>
+            </a:pPr>
+            <a:r>
+              <a:rPr lang="en-US"/>
+              <a:t>To do so, you simply add the </a:t>
+            </a:r>
+            <a:r>
+              <a:rPr lang="en-US" b="1">
+                <a:highlight>
+                  <a:srgbClr val="FCF7F1"/>
+                </a:highlight>
+                <a:latin typeface="Consolas" panose="020B0609020204030204" pitchFamily="49" charset="0"/>
+              </a:rPr>
+              <a:t>multiple</a:t>
+            </a:r>
+            <a:r>
+              <a:rPr lang="en-US"/>
+              <a:t> boolean attriibute.</a:t>
+            </a:r>
+          </a:p>
+          <a:p>
+            <a:pPr marL="0" indent="0">
+              <a:buNone/>
+            </a:pPr>
+            <a:r>
+              <a:rPr lang="en-US"/>
+              <a:t>This can be helpful when there is a large or variable number of options.</a:t>
+            </a:r>
+          </a:p>
+          <a:p>
+            <a:pPr marL="0" indent="0">
+              <a:buNone/>
+            </a:pPr>
+            <a:endParaRPr lang="en-US"/>
+          </a:p>
+          <a:p>
+            <a:pPr marL="0" indent="0">
+              <a:buNone/>
+            </a:pPr>
+            <a:r>
+              <a:rPr lang="en-US" b="1" u="sng"/>
+              <a:t>Example</a:t>
+            </a:r>
+          </a:p>
+          <a:p>
+            <a:pPr marL="0" indent="0">
+              <a:buNone/>
+            </a:pPr>
+            <a:r>
+              <a:rPr lang="en-US">
+                <a:latin typeface="Consolas" panose="020B0609020204030204" pitchFamily="49" charset="0"/>
+              </a:rPr>
+              <a:t>&lt;select id="toppings" name="toppings" </a:t>
+            </a:r>
+            <a:r>
+              <a:rPr lang="en-US">
+                <a:highlight>
+                  <a:srgbClr val="FCF7F1"/>
+                </a:highlight>
+                <a:latin typeface="Consolas" panose="020B0609020204030204" pitchFamily="49" charset="0"/>
+              </a:rPr>
+              <a:t>multiple</a:t>
+            </a:r>
+            <a:r>
+              <a:rPr lang="en-US">
+                <a:latin typeface="Consolas" panose="020B0609020204030204" pitchFamily="49" charset="0"/>
+              </a:rPr>
+              <a:t>&gt;</a:t>
+            </a:r>
+          </a:p>
+          <a:p>
+            <a:pPr marL="0" indent="0">
+              <a:buNone/>
+            </a:pPr>
+            <a:r>
+              <a:rPr lang="en-US">
+                <a:latin typeface="Consolas" panose="020B0609020204030204" pitchFamily="49" charset="0"/>
+              </a:rPr>
+              <a:t>  &lt;option value="extra_cheese"&gt;Extra Cheese&lt;/option&gt;</a:t>
+            </a:r>
+          </a:p>
+          <a:p>
+            <a:pPr marL="0" indent="0">
+              <a:buNone/>
+            </a:pPr>
+            <a:r>
+              <a:rPr lang="en-US">
+                <a:latin typeface="Consolas" panose="020B0609020204030204" pitchFamily="49" charset="0"/>
+              </a:rPr>
+              <a:t>  &lt;option value="pepperoni"&gt;Pepperoni&lt;/option&gt;</a:t>
+            </a:r>
+          </a:p>
+          <a:p>
+            <a:pPr marL="0" indent="0">
+              <a:buNone/>
+            </a:pPr>
+            <a:r>
+              <a:rPr lang="en-US">
+                <a:latin typeface="Consolas" panose="020B0609020204030204" pitchFamily="49" charset="0"/>
+              </a:rPr>
+              <a:t>  &lt;option value="sausage"&gt;Sausage&lt;/option&gt;</a:t>
+            </a:r>
+          </a:p>
+          <a:p>
+            <a:pPr marL="0" indent="0">
+              <a:buNone/>
+            </a:pPr>
+            <a:r>
+              <a:rPr lang="en-US">
+                <a:latin typeface="Consolas" panose="020B0609020204030204" pitchFamily="49" charset="0"/>
+              </a:rPr>
+              <a:t>  &lt;option value="bacon"&gt;Bacon&lt;/option&gt;</a:t>
+            </a:r>
+          </a:p>
+          <a:p>
+            <a:pPr marL="0" indent="0">
+              <a:buNone/>
+            </a:pPr>
+            <a:r>
+              <a:rPr lang="en-US">
+                <a:latin typeface="Consolas" panose="020B0609020204030204" pitchFamily="49" charset="0"/>
+              </a:rPr>
+              <a:t>  &lt;option value="mushroom"&gt;Mushroom&lt;/option&gt;</a:t>
+            </a:r>
+          </a:p>
+          <a:p>
+            <a:pPr marL="0" indent="0">
+              <a:buNone/>
+            </a:pPr>
+            <a:r>
+              <a:rPr lang="en-US">
+                <a:latin typeface="Consolas" panose="020B0609020204030204" pitchFamily="49" charset="0"/>
+              </a:rPr>
+              <a:t>&lt;/select&gt;</a:t>
             </a:r>
           </a:p>
         </p:txBody>
@@ -9794,7 +10646,7 @@
           <p:cNvPr id="4" name="Slide Number Placeholder 3">
             <a:extLst>
               <a:ext uri="{FF2B5EF4-FFF2-40B4-BE49-F238E27FC236}">
-                <a16:creationId xmlns:a16="http://schemas.microsoft.com/office/drawing/2014/main" id="{A3C7D4DF-2CF7-4547-9BC0-23A56276AAC6}"/>
+                <a16:creationId xmlns:a16="http://schemas.microsoft.com/office/drawing/2014/main" id="{AD150A5F-A45A-435F-87E0-4B49E5140974}"/>
               </a:ext>
             </a:extLst>
           </p:cNvPr>
@@ -9818,10 +10670,97 @@
           </a:p>
         </p:txBody>
       </p:sp>
+      <p:pic>
+        <p:nvPicPr>
+          <p:cNvPr id="5" name="Picture 4">
+            <a:extLst>
+              <a:ext uri="{FF2B5EF4-FFF2-40B4-BE49-F238E27FC236}">
+                <a16:creationId xmlns:a16="http://schemas.microsoft.com/office/drawing/2014/main" id="{747CDCD5-B951-48D9-91B7-6D3C9CD958AA}"/>
+              </a:ext>
+            </a:extLst>
+          </p:cNvPr>
+          <p:cNvPicPr>
+            <a:picLocks noChangeAspect="1"/>
+          </p:cNvPicPr>
+          <p:nvPr/>
+        </p:nvPicPr>
+        <p:blipFill>
+          <a:blip r:embed="rId2"/>
+          <a:stretch>
+            <a:fillRect/>
+          </a:stretch>
+        </p:blipFill>
+        <p:spPr>
+          <a:xfrm>
+            <a:off x="7423974" y="3219856"/>
+            <a:ext cx="3701226" cy="2544593"/>
+          </a:xfrm>
+          <a:prstGeom prst="rect">
+            <a:avLst/>
+          </a:prstGeom>
+        </p:spPr>
+      </p:pic>
+      <p:sp>
+        <p:nvSpPr>
+          <p:cNvPr id="6" name="TextBox 5">
+            <a:extLst>
+              <a:ext uri="{FF2B5EF4-FFF2-40B4-BE49-F238E27FC236}">
+                <a16:creationId xmlns:a16="http://schemas.microsoft.com/office/drawing/2014/main" id="{9C9C972C-CF77-47EE-877E-0D947E21E325}"/>
+              </a:ext>
+            </a:extLst>
+          </p:cNvPr>
+          <p:cNvSpPr txBox="1"/>
+          <p:nvPr/>
+        </p:nvSpPr>
+        <p:spPr>
+          <a:xfrm>
+            <a:off x="1066800" y="5925532"/>
+            <a:ext cx="10058400" cy="584775"/>
+          </a:xfrm>
+          <a:prstGeom prst="rect">
+            <a:avLst/>
+          </a:prstGeom>
+          <a:noFill/>
+        </p:spPr>
+        <p:txBody>
+          <a:bodyPr wrap="square" rtlCol="0">
+            <a:spAutoFit/>
+          </a:bodyPr>
+          <a:lstStyle/>
+          <a:p>
+            <a:r>
+              <a:rPr lang="en-US" sz="1600" b="1"/>
+              <a:t>Source</a:t>
+            </a:r>
+          </a:p>
+          <a:p>
+            <a:r>
+              <a:rPr lang="en-US" sz="1600">
+                <a:solidFill>
+                  <a:srgbClr val="00B0F0"/>
+                </a:solidFill>
+                <a:hlinkClick r:id="rId3">
+                  <a:extLst>
+                    <a:ext uri="{A12FA001-AC4F-418D-AE19-62706E023703}">
+                      <ahyp:hlinkClr xmlns:ahyp="http://schemas.microsoft.com/office/drawing/2018/hyperlinkcolor" val="tx"/>
+                    </a:ext>
+                  </a:extLst>
+                </a:hlinkClick>
+              </a:rPr>
+              <a:t>https://developer.mozilla.org/en-US/docs/Web/HTML/Element/select</a:t>
+            </a:r>
+            <a:endParaRPr lang="en-US" sz="1600">
+              <a:solidFill>
+                <a:srgbClr val="00B0F0"/>
+              </a:solidFill>
+            </a:endParaRPr>
+          </a:p>
+        </p:txBody>
+      </p:sp>
     </p:spTree>
     <p:extLst>
       <p:ext uri="{BB962C8B-B14F-4D97-AF65-F5344CB8AC3E}">
-        <p14:creationId xmlns:p14="http://schemas.microsoft.com/office/powerpoint/2010/main" val="3166394972"/>
+        <p14:creationId xmlns:p14="http://schemas.microsoft.com/office/powerpoint/2010/main" val="3730317073"/>
       </p:ext>
     </p:extLst>
   </p:cSld>
@@ -9850,10 +10789,10 @@
       </p:grpSpPr>
       <p:sp>
         <p:nvSpPr>
-          <p:cNvPr id="2" name="Title 1">
+          <p:cNvPr id="5" name="Title 4">
             <a:extLst>
               <a:ext uri="{FF2B5EF4-FFF2-40B4-BE49-F238E27FC236}">
-                <a16:creationId xmlns:a16="http://schemas.microsoft.com/office/drawing/2014/main" id="{BDFAC13C-59B1-436E-B58F-C304E1C705CF}"/>
+                <a16:creationId xmlns:a16="http://schemas.microsoft.com/office/drawing/2014/main" id="{32DD2FCB-65BD-4677-95FC-0D8364320FAC}"/>
               </a:ext>
             </a:extLst>
           </p:cNvPr>
@@ -9866,24 +10805,22 @@
         </p:nvSpPr>
         <p:spPr/>
         <p:txBody>
-          <a:bodyPr>
-            <a:normAutofit/>
-          </a:bodyPr>
-          <a:lstStyle/>
-          <a:p>
-            <a:r>
-              <a:rPr lang="en-US" u="sng" dirty="0"/>
-              <a:t>Clickable Button Control</a:t>
-            </a:r>
-          </a:p>
-        </p:txBody>
-      </p:sp>
-      <p:sp>
-        <p:nvSpPr>
-          <p:cNvPr id="3" name="Content Placeholder 2">
+          <a:bodyPr/>
+          <a:lstStyle/>
+          <a:p>
+            <a:r>
+              <a:rPr lang="en-US" cap="none"/>
+              <a:t>Buttons</a:t>
+            </a:r>
+          </a:p>
+        </p:txBody>
+      </p:sp>
+      <p:sp>
+        <p:nvSpPr>
+          <p:cNvPr id="6" name="Text Placeholder 5">
             <a:extLst>
               <a:ext uri="{FF2B5EF4-FFF2-40B4-BE49-F238E27FC236}">
-                <a16:creationId xmlns:a16="http://schemas.microsoft.com/office/drawing/2014/main" id="{844A3DC5-46BF-4BFF-8008-98FD467C4904}"/>
+                <a16:creationId xmlns:a16="http://schemas.microsoft.com/office/drawing/2014/main" id="{9F8C2387-D38D-4A8F-90A3-F1910993FCC1}"/>
               </a:ext>
             </a:extLst>
           </p:cNvPr>
@@ -9891,170 +10828,30 @@
             <a:spLocks noGrp="1"/>
           </p:cNvSpPr>
           <p:nvPr>
-            <p:ph idx="1"/>
+            <p:ph type="body" idx="1"/>
           </p:nvPr>
         </p:nvSpPr>
         <p:spPr/>
         <p:txBody>
-          <a:bodyPr>
-            <a:noAutofit/>
-          </a:bodyPr>
-          <a:lstStyle/>
-          <a:p>
-            <a:pPr indent="0">
-              <a:buNone/>
-            </a:pPr>
-            <a:r>
-              <a:rPr lang="en-US" sz="1800" dirty="0">
-                <a:cs typeface="Arial" panose="020B0604020202020204" pitchFamily="34" charset="0"/>
-              </a:rPr>
-              <a:t>Used to create a button </a:t>
-            </a:r>
-            <a:r>
-              <a:rPr lang="en-US" sz="1800">
-                <a:cs typeface="Arial" panose="020B0604020202020204" pitchFamily="34" charset="0"/>
-              </a:rPr>
-              <a:t>which has </a:t>
-            </a:r>
-            <a:r>
-              <a:rPr lang="en-US" sz="1800" dirty="0">
-                <a:cs typeface="Arial" panose="020B0604020202020204" pitchFamily="34" charset="0"/>
-              </a:rPr>
-              <a:t>code associated to its click event</a:t>
-            </a:r>
-            <a:r>
-              <a:rPr lang="en-US" sz="1800">
-                <a:cs typeface="Arial" panose="020B0604020202020204" pitchFamily="34" charset="0"/>
-              </a:rPr>
-              <a:t>. </a:t>
-            </a:r>
-          </a:p>
-          <a:p>
-            <a:pPr indent="0">
-              <a:buNone/>
-            </a:pPr>
-            <a:r>
-              <a:rPr lang="en-US" sz="1800">
-                <a:cs typeface="Arial" panose="020B0604020202020204" pitchFamily="34" charset="0"/>
-              </a:rPr>
-              <a:t>They are </a:t>
-            </a:r>
-            <a:r>
-              <a:rPr lang="en-US" sz="1800" dirty="0">
-                <a:cs typeface="Arial" panose="020B0604020202020204" pitchFamily="34" charset="0"/>
-              </a:rPr>
-              <a:t>created </a:t>
-            </a:r>
-            <a:r>
-              <a:rPr lang="en-US" sz="1800">
-                <a:cs typeface="Arial" panose="020B0604020202020204" pitchFamily="34" charset="0"/>
-              </a:rPr>
-              <a:t>using either the </a:t>
-            </a:r>
-            <a:r>
-              <a:rPr lang="en-US" sz="1800" b="1">
-                <a:latin typeface="Consolas" panose="020B0609020204030204" pitchFamily="49" charset="0"/>
-                <a:cs typeface="Arial" panose="020B0604020202020204" pitchFamily="34" charset="0"/>
-              </a:rPr>
-              <a:t>&lt;button&gt;</a:t>
-            </a:r>
-            <a:r>
-              <a:rPr lang="en-US" sz="1800">
-                <a:cs typeface="Arial" panose="020B0604020202020204" pitchFamily="34" charset="0"/>
-              </a:rPr>
-              <a:t> or </a:t>
-            </a:r>
-            <a:r>
-              <a:rPr lang="en-US" sz="1800" b="1">
-                <a:latin typeface="Consolas" panose="020B0609020204030204" pitchFamily="49" charset="0"/>
-                <a:cs typeface="Arial" panose="020B0604020202020204" pitchFamily="34" charset="0"/>
-              </a:rPr>
-              <a:t>&lt;input&gt;</a:t>
-            </a:r>
-            <a:r>
-              <a:rPr lang="en-US" sz="1800">
-                <a:cs typeface="Arial" panose="020B0604020202020204" pitchFamily="34" charset="0"/>
-              </a:rPr>
-              <a:t> tag.</a:t>
-            </a:r>
-            <a:endParaRPr lang="en-US" sz="1800" dirty="0">
-              <a:cs typeface="Arial" panose="020B0604020202020204" pitchFamily="34" charset="0"/>
-            </a:endParaRPr>
-          </a:p>
-          <a:p>
-            <a:pPr indent="0">
-              <a:buNone/>
-            </a:pPr>
-            <a:endParaRPr lang="en-US" sz="1800">
-              <a:cs typeface="Arial" panose="020B0604020202020204" pitchFamily="34" charset="0"/>
-            </a:endParaRPr>
-          </a:p>
-          <a:p>
-            <a:pPr indent="0">
-              <a:buNone/>
-            </a:pPr>
-            <a:r>
-              <a:rPr lang="en-US" sz="1800" b="1" u="sng">
-                <a:cs typeface="Arial" panose="020B0604020202020204" pitchFamily="34" charset="0"/>
-              </a:rPr>
-              <a:t>Button Tag (Preferred)</a:t>
-            </a:r>
-          </a:p>
-          <a:p>
-            <a:pPr indent="0">
-              <a:buNone/>
-            </a:pPr>
-            <a:r>
-              <a:rPr lang="en-US" sz="1800">
-                <a:latin typeface="Consolas" panose="020B0609020204030204" pitchFamily="49" charset="0"/>
-                <a:cs typeface="Arial" panose="020B0604020202020204" pitchFamily="34" charset="0"/>
-              </a:rPr>
-              <a:t>&lt;button id="myButton" type="button"&gt;Click Me&lt;/button&gt;</a:t>
-            </a:r>
-          </a:p>
-          <a:p>
-            <a:pPr indent="0">
-              <a:buNone/>
-            </a:pPr>
-            <a:endParaRPr lang="en-US" sz="1800">
-              <a:cs typeface="Arial" panose="020B0604020202020204" pitchFamily="34" charset="0"/>
-            </a:endParaRPr>
-          </a:p>
-          <a:p>
-            <a:pPr indent="0">
-              <a:buNone/>
-            </a:pPr>
-            <a:r>
-              <a:rPr lang="en-US" sz="1800" b="1" u="sng">
-                <a:cs typeface="Arial" panose="020B0604020202020204" pitchFamily="34" charset="0"/>
-              </a:rPr>
-              <a:t>Input Tag</a:t>
-            </a:r>
-            <a:endParaRPr lang="en-US" sz="1800" b="1" u="sng" dirty="0">
-              <a:cs typeface="Arial" panose="020B0604020202020204" pitchFamily="34" charset="0"/>
-            </a:endParaRPr>
-          </a:p>
-          <a:p>
-            <a:pPr indent="0">
-              <a:buNone/>
-            </a:pPr>
-            <a:r>
-              <a:rPr lang="en-US" sz="1800">
-                <a:latin typeface="Consolas" panose="020B0609020204030204" pitchFamily="49" charset="0"/>
-                <a:cs typeface="Arial" panose="020B0604020202020204" pitchFamily="34" charset="0"/>
-              </a:rPr>
-              <a:t>&lt;input id="myButton" type="button" value="Click Me"&gt;</a:t>
-            </a:r>
-            <a:endParaRPr lang="en-US" sz="1800" dirty="0">
-              <a:latin typeface="Consolas" panose="020B0609020204030204" pitchFamily="49" charset="0"/>
-              <a:cs typeface="Arial" panose="020B0604020202020204" pitchFamily="34" charset="0"/>
-            </a:endParaRPr>
-          </a:p>
-        </p:txBody>
-      </p:sp>
-      <p:sp>
-        <p:nvSpPr>
-          <p:cNvPr id="6" name="Slide Number Placeholder 5"/>
+          <a:bodyPr/>
+          <a:lstStyle/>
+          <a:p>
+            <a:r>
+              <a:rPr lang="en-US"/>
+              <a:t>Adding buttons to your form.</a:t>
+            </a:r>
+          </a:p>
+        </p:txBody>
+      </p:sp>
+      <p:sp>
+        <p:nvSpPr>
+          <p:cNvPr id="4" name="Slide Number Placeholder 3">
+            <a:extLst>
+              <a:ext uri="{FF2B5EF4-FFF2-40B4-BE49-F238E27FC236}">
+                <a16:creationId xmlns:a16="http://schemas.microsoft.com/office/drawing/2014/main" id="{A3C7D4DF-2CF7-4547-9BC0-23A56276AAC6}"/>
+              </a:ext>
+            </a:extLst>
+          </p:cNvPr>
           <p:cNvSpPr>
             <a:spLocks noGrp="1"/>
           </p:cNvSpPr>
@@ -10075,67 +10872,10 @@
           </a:p>
         </p:txBody>
       </p:sp>
-      <p:sp>
-        <p:nvSpPr>
-          <p:cNvPr id="7" name="TextBox 6">
-            <a:extLst>
-              <a:ext uri="{FF2B5EF4-FFF2-40B4-BE49-F238E27FC236}">
-                <a16:creationId xmlns:a16="http://schemas.microsoft.com/office/drawing/2014/main" id="{95737CBB-388F-4C50-A737-9444882BD300}"/>
-              </a:ext>
-            </a:extLst>
-          </p:cNvPr>
-          <p:cNvSpPr txBox="1"/>
-          <p:nvPr/>
-        </p:nvSpPr>
-        <p:spPr>
-          <a:xfrm>
-            <a:off x="1066800" y="5708749"/>
-            <a:ext cx="10058400" cy="830997"/>
-          </a:xfrm>
-          <a:prstGeom prst="rect">
-            <a:avLst/>
-          </a:prstGeom>
-          <a:noFill/>
-        </p:spPr>
-        <p:txBody>
-          <a:bodyPr wrap="square" rtlCol="0">
-            <a:spAutoFit/>
-          </a:bodyPr>
-          <a:lstStyle/>
-          <a:p>
-            <a:r>
-              <a:rPr lang="en-US" sz="1600" b="1"/>
-              <a:t>Source</a:t>
-            </a:r>
-          </a:p>
-          <a:p>
-            <a:r>
-              <a:rPr lang="en-US" sz="1600">
-                <a:hlinkClick r:id="rId2"/>
-              </a:rPr>
-              <a:t>https://developer.mozilla.org/en-US/docs/Web/HTML/Element/button</a:t>
-            </a:r>
-            <a:endParaRPr lang="en-US" sz="1600">
-              <a:solidFill>
-                <a:srgbClr val="00B0F0"/>
-              </a:solidFill>
-            </a:endParaRPr>
-          </a:p>
-          <a:p>
-            <a:r>
-              <a:rPr lang="en-US" sz="1600">
-                <a:hlinkClick r:id="rId3"/>
-              </a:rPr>
-              <a:t>https://balsamiq.com/learn/resources/ui-control-guidelines/buttons</a:t>
-            </a:r>
-            <a:endParaRPr lang="en-US" sz="1600"/>
-          </a:p>
-        </p:txBody>
-      </p:sp>
     </p:spTree>
     <p:extLst>
       <p:ext uri="{BB962C8B-B14F-4D97-AF65-F5344CB8AC3E}">
-        <p14:creationId xmlns:p14="http://schemas.microsoft.com/office/powerpoint/2010/main" val="1822238955"/>
+        <p14:creationId xmlns:p14="http://schemas.microsoft.com/office/powerpoint/2010/main" val="3166394972"/>
       </p:ext>
     </p:extLst>
   </p:cSld>
@@ -10187,7 +10927,7 @@
           <a:p>
             <a:r>
               <a:rPr lang="en-US" u="sng" dirty="0"/>
-              <a:t>Submit Button Control</a:t>
+              <a:t>Clickable Button Control</a:t>
             </a:r>
           </a:p>
         </p:txBody>
@@ -10228,19 +10968,19 @@
               <a:rPr lang="en-US" sz="1800">
                 <a:cs typeface="Arial" panose="020B0604020202020204" pitchFamily="34" charset="0"/>
               </a:rPr>
-              <a:t>which submits </a:t>
+              <a:t>which has </a:t>
             </a:r>
             <a:r>
               <a:rPr lang="en-US" sz="1800" dirty="0">
                 <a:cs typeface="Arial" panose="020B0604020202020204" pitchFamily="34" charset="0"/>
               </a:rPr>
-              <a:t>the form to the server (may validate with JS first</a:t>
+              <a:t>code associated to its click event</a:t>
             </a:r>
             <a:r>
               <a:rPr lang="en-US" sz="1800">
                 <a:cs typeface="Arial" panose="020B0604020202020204" pitchFamily="34" charset="0"/>
               </a:rPr>
-              <a:t>). </a:t>
+              <a:t>. </a:t>
             </a:r>
           </a:p>
           <a:p>
@@ -10251,7 +10991,19 @@
               <a:rPr lang="en-US" sz="1800">
                 <a:cs typeface="Arial" panose="020B0604020202020204" pitchFamily="34" charset="0"/>
               </a:rPr>
-              <a:t>They are created using either the </a:t>
+              <a:t>They are </a:t>
+            </a:r>
+            <a:r>
+              <a:rPr lang="en-US" sz="1800" dirty="0">
+                <a:cs typeface="Arial" panose="020B0604020202020204" pitchFamily="34" charset="0"/>
+              </a:rPr>
+              <a:t>created </a:t>
+            </a:r>
+            <a:r>
+              <a:rPr lang="en-US" sz="1800">
+                <a:cs typeface="Arial" panose="020B0604020202020204" pitchFamily="34" charset="0"/>
+              </a:rPr>
+              <a:t>using either the </a:t>
             </a:r>
             <a:r>
               <a:rPr lang="en-US" sz="1800" b="1">
@@ -10279,6 +11031,9 @@
               </a:rPr>
               <a:t> tag.</a:t>
             </a:r>
+            <a:endParaRPr lang="en-US" sz="1800" dirty="0">
+              <a:cs typeface="Arial" panose="020B0604020202020204" pitchFamily="34" charset="0"/>
+            </a:endParaRPr>
           </a:p>
           <a:p>
             <a:pPr indent="0">
@@ -10308,7 +11063,7 @@
                 <a:latin typeface="Consolas" panose="020B0609020204030204" pitchFamily="49" charset="0"/>
                 <a:cs typeface="Arial" panose="020B0604020202020204" pitchFamily="34" charset="0"/>
               </a:rPr>
-              <a:t>&lt;button type="submit"&gt;Submit&lt;/button&gt;</a:t>
+              <a:t>&lt;button id="myButton" type="button"&gt;Click Me&lt;/button&gt;</a:t>
             </a:r>
           </a:p>
           <a:p>
@@ -10329,6 +11084,9 @@
               </a:rPr>
               <a:t>Input Tag</a:t>
             </a:r>
+            <a:endParaRPr lang="en-US" sz="1800" b="1" u="sng" dirty="0">
+              <a:cs typeface="Arial" panose="020B0604020202020204" pitchFamily="34" charset="0"/>
+            </a:endParaRPr>
           </a:p>
           <a:p>
             <a:pPr indent="0">
@@ -10339,10 +11097,10 @@
                 <a:latin typeface="Consolas" panose="020B0609020204030204" pitchFamily="49" charset="0"/>
                 <a:cs typeface="Arial" panose="020B0604020202020204" pitchFamily="34" charset="0"/>
               </a:rPr>
-              <a:t>&lt;input type="submit" value="Submit"&gt;</a:t>
+              <a:t>&lt;input id="myButton" type="button" value="Click Me"&gt;</a:t>
             </a:r>
             <a:endParaRPr lang="en-US" sz="1800" dirty="0">
-              <a:latin typeface="Arial" panose="020B0604020202020204" pitchFamily="34" charset="0"/>
+              <a:latin typeface="Consolas" panose="020B0609020204030204" pitchFamily="49" charset="0"/>
               <a:cs typeface="Arial" panose="020B0604020202020204" pitchFamily="34" charset="0"/>
             </a:endParaRPr>
           </a:p>
@@ -10376,7 +11134,7 @@
           <p:cNvPr id="7" name="TextBox 6">
             <a:extLst>
               <a:ext uri="{FF2B5EF4-FFF2-40B4-BE49-F238E27FC236}">
-                <a16:creationId xmlns:a16="http://schemas.microsoft.com/office/drawing/2014/main" id="{889CE173-1628-409E-BEB6-F34ED4E489D7}"/>
+                <a16:creationId xmlns:a16="http://schemas.microsoft.com/office/drawing/2014/main" id="{95737CBB-388F-4C50-A737-9444882BD300}"/>
               </a:ext>
             </a:extLst>
           </p:cNvPr>
@@ -10431,7 +11189,7 @@
     </p:spTree>
     <p:extLst>
       <p:ext uri="{BB962C8B-B14F-4D97-AF65-F5344CB8AC3E}">
-        <p14:creationId xmlns:p14="http://schemas.microsoft.com/office/powerpoint/2010/main" val="2453126519"/>
+        <p14:creationId xmlns:p14="http://schemas.microsoft.com/office/powerpoint/2010/main" val="1822238955"/>
       </p:ext>
     </p:extLst>
   </p:cSld>
@@ -10598,7 +11356,7 @@
           <a:p>
             <a:r>
               <a:rPr lang="en-US" u="sng" dirty="0"/>
-              <a:t>Reset Button Control</a:t>
+              <a:t>Submit Button Control</a:t>
             </a:r>
           </a:p>
         </p:txBody>
@@ -10633,13 +11391,25 @@
               <a:rPr lang="en-US" sz="1800" dirty="0">
                 <a:cs typeface="Arial" panose="020B0604020202020204" pitchFamily="34" charset="0"/>
               </a:rPr>
-              <a:t>Used to create a button which when clicked, resets form values to their defaults</a:t>
+              <a:t>Used to create a button </a:t>
             </a:r>
             <a:r>
               <a:rPr lang="en-US" sz="1800">
                 <a:cs typeface="Arial" panose="020B0604020202020204" pitchFamily="34" charset="0"/>
               </a:rPr>
-              <a:t>.  </a:t>
+              <a:t>which submits </a:t>
+            </a:r>
+            <a:r>
+              <a:rPr lang="en-US" sz="1800" dirty="0">
+                <a:cs typeface="Arial" panose="020B0604020202020204" pitchFamily="34" charset="0"/>
+              </a:rPr>
+              <a:t>the form to the server (may validate with JS first</a:t>
+            </a:r>
+            <a:r>
+              <a:rPr lang="en-US" sz="1800">
+                <a:cs typeface="Arial" panose="020B0604020202020204" pitchFamily="34" charset="0"/>
+              </a:rPr>
+              <a:t>). </a:t>
             </a:r>
           </a:p>
           <a:p>
@@ -10707,7 +11477,7 @@
                 <a:latin typeface="Consolas" panose="020B0609020204030204" pitchFamily="49" charset="0"/>
                 <a:cs typeface="Arial" panose="020B0604020202020204" pitchFamily="34" charset="0"/>
               </a:rPr>
-              <a:t>&lt;button type="reset"&gt;Reset&lt;/button&gt;</a:t>
+              <a:t>&lt;button type="submit"&gt;Submit&lt;/button&gt;</a:t>
             </a:r>
           </a:p>
           <a:p>
@@ -10738,7 +11508,7 @@
                 <a:latin typeface="Consolas" panose="020B0609020204030204" pitchFamily="49" charset="0"/>
                 <a:cs typeface="Arial" panose="020B0604020202020204" pitchFamily="34" charset="0"/>
               </a:rPr>
-              <a:t>&lt;input type="reset" value="Reset"&gt;</a:t>
+              <a:t>&lt;input type="submit" value="Submit"&gt;</a:t>
             </a:r>
             <a:endParaRPr lang="en-US" sz="1800" dirty="0">
               <a:latin typeface="Arial" panose="020B0604020202020204" pitchFamily="34" charset="0"/>
@@ -10772,10 +11542,10 @@
       </p:sp>
       <p:sp>
         <p:nvSpPr>
-          <p:cNvPr id="5" name="TextBox 4">
+          <p:cNvPr id="7" name="TextBox 6">
             <a:extLst>
               <a:ext uri="{FF2B5EF4-FFF2-40B4-BE49-F238E27FC236}">
-                <a16:creationId xmlns:a16="http://schemas.microsoft.com/office/drawing/2014/main" id="{7B5237F8-4535-4EF2-BF42-81B1FA092266}"/>
+                <a16:creationId xmlns:a16="http://schemas.microsoft.com/office/drawing/2014/main" id="{889CE173-1628-409E-BEB6-F34ED4E489D7}"/>
               </a:ext>
             </a:extLst>
           </p:cNvPr>
@@ -10830,7 +11600,7 @@
     </p:spTree>
     <p:extLst>
       <p:ext uri="{BB962C8B-B14F-4D97-AF65-F5344CB8AC3E}">
-        <p14:creationId xmlns:p14="http://schemas.microsoft.com/office/powerpoint/2010/main" val="929509029"/>
+        <p14:creationId xmlns:p14="http://schemas.microsoft.com/office/powerpoint/2010/main" val="2453126519"/>
       </p:ext>
     </p:extLst>
   </p:cSld>
@@ -10859,10 +11629,10 @@
       </p:grpSpPr>
       <p:sp>
         <p:nvSpPr>
-          <p:cNvPr id="5" name="Title 4">
+          <p:cNvPr id="2" name="Title 1">
             <a:extLst>
               <a:ext uri="{FF2B5EF4-FFF2-40B4-BE49-F238E27FC236}">
-                <a16:creationId xmlns:a16="http://schemas.microsoft.com/office/drawing/2014/main" id="{19920336-7909-426F-8081-AFA24B193F14}"/>
+                <a16:creationId xmlns:a16="http://schemas.microsoft.com/office/drawing/2014/main" id="{BDFAC13C-59B1-436E-B58F-C304E1C705CF}"/>
               </a:ext>
             </a:extLst>
           </p:cNvPr>
@@ -10875,22 +11645,24 @@
         </p:nvSpPr>
         <p:spPr/>
         <p:txBody>
-          <a:bodyPr/>
-          <a:lstStyle/>
-          <a:p>
-            <a:r>
-              <a:rPr lang="en-US" cap="none"/>
-              <a:t>Other Form Controls</a:t>
-            </a:r>
-          </a:p>
-        </p:txBody>
-      </p:sp>
-      <p:sp>
-        <p:nvSpPr>
-          <p:cNvPr id="6" name="Text Placeholder 5">
+          <a:bodyPr>
+            <a:normAutofit/>
+          </a:bodyPr>
+          <a:lstStyle/>
+          <a:p>
+            <a:r>
+              <a:rPr lang="en-US" u="sng" dirty="0"/>
+              <a:t>Reset Button Control</a:t>
+            </a:r>
+          </a:p>
+        </p:txBody>
+      </p:sp>
+      <p:sp>
+        <p:nvSpPr>
+          <p:cNvPr id="3" name="Content Placeholder 2">
             <a:extLst>
               <a:ext uri="{FF2B5EF4-FFF2-40B4-BE49-F238E27FC236}">
-                <a16:creationId xmlns:a16="http://schemas.microsoft.com/office/drawing/2014/main" id="{DAE3D404-51E4-4D64-88D7-AFA22CFBA8F7}"/>
+                <a16:creationId xmlns:a16="http://schemas.microsoft.com/office/drawing/2014/main" id="{844A3DC5-46BF-4BFF-8008-98FD467C4904}"/>
               </a:ext>
             </a:extLst>
           </p:cNvPr>
@@ -10898,27 +11670,140 @@
             <a:spLocks noGrp="1"/>
           </p:cNvSpPr>
           <p:nvPr>
-            <p:ph type="body" idx="1"/>
+            <p:ph idx="1"/>
           </p:nvPr>
         </p:nvSpPr>
         <p:spPr/>
         <p:txBody>
-          <a:bodyPr/>
-          <a:lstStyle/>
-          <a:p>
-            <a:endParaRPr lang="en-US"/>
-          </a:p>
-        </p:txBody>
-      </p:sp>
-      <p:sp>
-        <p:nvSpPr>
-          <p:cNvPr id="4" name="Slide Number Placeholder 3">
-            <a:extLst>
-              <a:ext uri="{FF2B5EF4-FFF2-40B4-BE49-F238E27FC236}">
-                <a16:creationId xmlns:a16="http://schemas.microsoft.com/office/drawing/2014/main" id="{B3E58610-8DF0-4BC8-B28F-9775BE8BC83F}"/>
-              </a:ext>
-            </a:extLst>
-          </p:cNvPr>
+          <a:bodyPr>
+            <a:noAutofit/>
+          </a:bodyPr>
+          <a:lstStyle/>
+          <a:p>
+            <a:pPr indent="0">
+              <a:buNone/>
+            </a:pPr>
+            <a:r>
+              <a:rPr lang="en-US" sz="1800" dirty="0">
+                <a:cs typeface="Arial" panose="020B0604020202020204" pitchFamily="34" charset="0"/>
+              </a:rPr>
+              <a:t>Used to create a button which when clicked, resets form values to their defaults</a:t>
+            </a:r>
+            <a:r>
+              <a:rPr lang="en-US" sz="1800">
+                <a:cs typeface="Arial" panose="020B0604020202020204" pitchFamily="34" charset="0"/>
+              </a:rPr>
+              <a:t>.  </a:t>
+            </a:r>
+          </a:p>
+          <a:p>
+            <a:pPr indent="0">
+              <a:buNone/>
+            </a:pPr>
+            <a:r>
+              <a:rPr lang="en-US" sz="1800">
+                <a:cs typeface="Arial" panose="020B0604020202020204" pitchFamily="34" charset="0"/>
+              </a:rPr>
+              <a:t>They are created using either the </a:t>
+            </a:r>
+            <a:r>
+              <a:rPr lang="en-US" sz="1800" b="1">
+                <a:latin typeface="Consolas" panose="020B0609020204030204" pitchFamily="49" charset="0"/>
+                <a:cs typeface="Arial" panose="020B0604020202020204" pitchFamily="34" charset="0"/>
+              </a:rPr>
+              <a:t>&lt;button&gt;</a:t>
+            </a:r>
+            <a:r>
+              <a:rPr lang="en-US" sz="1800">
+                <a:cs typeface="Arial" panose="020B0604020202020204" pitchFamily="34" charset="0"/>
+              </a:rPr>
+              <a:t> or </a:t>
+            </a:r>
+            <a:r>
+              <a:rPr lang="en-US" sz="1800" b="1">
+                <a:latin typeface="Consolas" panose="020B0609020204030204" pitchFamily="49" charset="0"/>
+                <a:cs typeface="Arial" panose="020B0604020202020204" pitchFamily="34" charset="0"/>
+              </a:rPr>
+              <a:t>&lt;input&gt;</a:t>
+            </a:r>
+            <a:r>
+              <a:rPr lang="en-US" sz="1800">
+                <a:cs typeface="Arial" panose="020B0604020202020204" pitchFamily="34" charset="0"/>
+              </a:rPr>
+              <a:t> tag.</a:t>
+            </a:r>
+          </a:p>
+          <a:p>
+            <a:pPr indent="0">
+              <a:buNone/>
+            </a:pPr>
+            <a:endParaRPr lang="en-US" sz="1800">
+              <a:cs typeface="Arial" panose="020B0604020202020204" pitchFamily="34" charset="0"/>
+            </a:endParaRPr>
+          </a:p>
+          <a:p>
+            <a:pPr indent="0">
+              <a:buNone/>
+            </a:pPr>
+            <a:r>
+              <a:rPr lang="en-US" sz="1800" b="1" u="sng">
+                <a:cs typeface="Arial" panose="020B0604020202020204" pitchFamily="34" charset="0"/>
+              </a:rPr>
+              <a:t>Button Tag (Preferred)</a:t>
+            </a:r>
+          </a:p>
+          <a:p>
+            <a:pPr indent="0">
+              <a:buNone/>
+            </a:pPr>
+            <a:r>
+              <a:rPr lang="en-US" sz="1800">
+                <a:latin typeface="Consolas" panose="020B0609020204030204" pitchFamily="49" charset="0"/>
+                <a:cs typeface="Arial" panose="020B0604020202020204" pitchFamily="34" charset="0"/>
+              </a:rPr>
+              <a:t>&lt;button type="reset"&gt;Reset&lt;/button&gt;</a:t>
+            </a:r>
+          </a:p>
+          <a:p>
+            <a:pPr indent="0">
+              <a:buNone/>
+            </a:pPr>
+            <a:endParaRPr lang="en-US" sz="1800">
+              <a:cs typeface="Arial" panose="020B0604020202020204" pitchFamily="34" charset="0"/>
+            </a:endParaRPr>
+          </a:p>
+          <a:p>
+            <a:pPr indent="0">
+              <a:buNone/>
+            </a:pPr>
+            <a:r>
+              <a:rPr lang="en-US" sz="1800" b="1" u="sng">
+                <a:cs typeface="Arial" panose="020B0604020202020204" pitchFamily="34" charset="0"/>
+              </a:rPr>
+              <a:t>Input Tag</a:t>
+            </a:r>
+          </a:p>
+          <a:p>
+            <a:pPr indent="0">
+              <a:buNone/>
+            </a:pPr>
+            <a:r>
+              <a:rPr lang="en-US" sz="1800">
+                <a:latin typeface="Consolas" panose="020B0609020204030204" pitchFamily="49" charset="0"/>
+                <a:cs typeface="Arial" panose="020B0604020202020204" pitchFamily="34" charset="0"/>
+              </a:rPr>
+              <a:t>&lt;input type="reset" value="Reset"&gt;</a:t>
+            </a:r>
+            <a:endParaRPr lang="en-US" sz="1800" dirty="0">
+              <a:latin typeface="Arial" panose="020B0604020202020204" pitchFamily="34" charset="0"/>
+              <a:cs typeface="Arial" panose="020B0604020202020204" pitchFamily="34" charset="0"/>
+            </a:endParaRPr>
+          </a:p>
+        </p:txBody>
+      </p:sp>
+      <p:sp>
+        <p:nvSpPr>
+          <p:cNvPr id="6" name="Slide Number Placeholder 5"/>
           <p:cNvSpPr>
             <a:spLocks noGrp="1"/>
           </p:cNvSpPr>
@@ -10939,10 +11824,67 @@
           </a:p>
         </p:txBody>
       </p:sp>
+      <p:sp>
+        <p:nvSpPr>
+          <p:cNvPr id="5" name="TextBox 4">
+            <a:extLst>
+              <a:ext uri="{FF2B5EF4-FFF2-40B4-BE49-F238E27FC236}">
+                <a16:creationId xmlns:a16="http://schemas.microsoft.com/office/drawing/2014/main" id="{7B5237F8-4535-4EF2-BF42-81B1FA092266}"/>
+              </a:ext>
+            </a:extLst>
+          </p:cNvPr>
+          <p:cNvSpPr txBox="1"/>
+          <p:nvPr/>
+        </p:nvSpPr>
+        <p:spPr>
+          <a:xfrm>
+            <a:off x="1066800" y="5708749"/>
+            <a:ext cx="10058400" cy="830997"/>
+          </a:xfrm>
+          <a:prstGeom prst="rect">
+            <a:avLst/>
+          </a:prstGeom>
+          <a:noFill/>
+        </p:spPr>
+        <p:txBody>
+          <a:bodyPr wrap="square" rtlCol="0">
+            <a:spAutoFit/>
+          </a:bodyPr>
+          <a:lstStyle/>
+          <a:p>
+            <a:r>
+              <a:rPr lang="en-US" sz="1600" b="1"/>
+              <a:t>Source</a:t>
+            </a:r>
+          </a:p>
+          <a:p>
+            <a:r>
+              <a:rPr lang="en-US" sz="1600">
+                <a:hlinkClick r:id="rId2"/>
+              </a:rPr>
+              <a:t>https://developer.mozilla.org/en-US/docs/Web/HTML/Element/button</a:t>
+            </a:r>
+            <a:endParaRPr lang="en-US" sz="1600">
+              <a:solidFill>
+                <a:srgbClr val="00B0F0"/>
+              </a:solidFill>
+            </a:endParaRPr>
+          </a:p>
+          <a:p>
+            <a:r>
+              <a:rPr lang="en-US" sz="1600">
+                <a:hlinkClick r:id="rId3"/>
+              </a:rPr>
+              <a:t>https://balsamiq.com/learn/resources/ui-control-guidelines/buttons</a:t>
+            </a:r>
+            <a:endParaRPr lang="en-US" sz="1600"/>
+          </a:p>
+        </p:txBody>
+      </p:sp>
     </p:spTree>
     <p:extLst>
       <p:ext uri="{BB962C8B-B14F-4D97-AF65-F5344CB8AC3E}">
-        <p14:creationId xmlns:p14="http://schemas.microsoft.com/office/powerpoint/2010/main" val="1957272137"/>
+        <p14:creationId xmlns:p14="http://schemas.microsoft.com/office/powerpoint/2010/main" val="929509029"/>
       </p:ext>
     </p:extLst>
   </p:cSld>
@@ -10971,10 +11913,10 @@
       </p:grpSpPr>
       <p:sp>
         <p:nvSpPr>
-          <p:cNvPr id="2" name="Title 1">
+          <p:cNvPr id="5" name="Title 4">
             <a:extLst>
               <a:ext uri="{FF2B5EF4-FFF2-40B4-BE49-F238E27FC236}">
-                <a16:creationId xmlns:a16="http://schemas.microsoft.com/office/drawing/2014/main" id="{BDFAC13C-59B1-436E-B58F-C304E1C705CF}"/>
+                <a16:creationId xmlns:a16="http://schemas.microsoft.com/office/drawing/2014/main" id="{19920336-7909-426F-8081-AFA24B193F14}"/>
               </a:ext>
             </a:extLst>
           </p:cNvPr>
@@ -10985,31 +11927,24 @@
             <p:ph type="title"/>
           </p:nvPr>
         </p:nvSpPr>
-        <p:spPr>
-          <a:xfrm>
-            <a:off x="664233" y="733579"/>
-            <a:ext cx="7810900" cy="1371600"/>
-          </a:xfrm>
-        </p:spPr>
-        <p:txBody>
-          <a:bodyPr>
-            <a:normAutofit/>
-          </a:bodyPr>
-          <a:lstStyle/>
-          <a:p>
-            <a:r>
-              <a:rPr lang="en-US" u="sng" dirty="0"/>
-              <a:t>HTML5 Datalist Control</a:t>
-            </a:r>
-          </a:p>
-        </p:txBody>
-      </p:sp>
-      <p:sp>
-        <p:nvSpPr>
-          <p:cNvPr id="3" name="Content Placeholder 2">
+        <p:spPr/>
+        <p:txBody>
+          <a:bodyPr/>
+          <a:lstStyle/>
+          <a:p>
+            <a:r>
+              <a:rPr lang="en-US" cap="none"/>
+              <a:t>Other Form Controls</a:t>
+            </a:r>
+          </a:p>
+        </p:txBody>
+      </p:sp>
+      <p:sp>
+        <p:nvSpPr>
+          <p:cNvPr id="6" name="Text Placeholder 5">
             <a:extLst>
               <a:ext uri="{FF2B5EF4-FFF2-40B4-BE49-F238E27FC236}">
-                <a16:creationId xmlns:a16="http://schemas.microsoft.com/office/drawing/2014/main" id="{844A3DC5-46BF-4BFF-8008-98FD467C4904}"/>
+                <a16:creationId xmlns:a16="http://schemas.microsoft.com/office/drawing/2014/main" id="{DAE3D404-51E4-4D64-88D7-AFA22CFBA8F7}"/>
               </a:ext>
             </a:extLst>
           </p:cNvPr>
@@ -11017,99 +11952,27 @@
             <a:spLocks noGrp="1"/>
           </p:cNvSpPr>
           <p:nvPr>
-            <p:ph idx="1"/>
-          </p:nvPr>
-        </p:nvSpPr>
-        <p:spPr>
-          <a:xfrm>
-            <a:off x="1066800" y="2733472"/>
-            <a:ext cx="10058400" cy="1919267"/>
-          </a:xfrm>
-        </p:spPr>
-        <p:txBody>
-          <a:bodyPr>
-            <a:noAutofit/>
-          </a:bodyPr>
-          <a:lstStyle/>
-          <a:p>
-            <a:pPr indent="0">
-              <a:buNone/>
-            </a:pPr>
-            <a:r>
-              <a:rPr lang="en-US" sz="1800" dirty="0">
-                <a:cs typeface="Arial" panose="020B0604020202020204" pitchFamily="34" charset="0"/>
-              </a:rPr>
-              <a:t>The &lt;datalist&gt; tag specifies a list of pre-defined options for an &lt;input&gt; element and provides an "autocomplete" feature </a:t>
-            </a:r>
-          </a:p>
-          <a:p>
-            <a:pPr indent="0">
-              <a:buNone/>
-            </a:pPr>
-            <a:r>
-              <a:rPr lang="en-US" sz="1800" dirty="0">
-                <a:cs typeface="Arial" panose="020B0604020202020204" pitchFamily="34" charset="0"/>
-              </a:rPr>
-              <a:t>Example:</a:t>
-            </a:r>
-          </a:p>
-          <a:p>
-            <a:pPr indent="0">
-              <a:buNone/>
-            </a:pPr>
-            <a:r>
-              <a:rPr lang="en-US" sz="1800" dirty="0">
-                <a:latin typeface="Consolas" panose="020B0609020204030204" pitchFamily="49" charset="0"/>
-                <a:cs typeface="Arial" panose="020B0604020202020204" pitchFamily="34" charset="0"/>
-              </a:rPr>
-              <a:t>&lt;datalist id="browsers"&gt;</a:t>
-            </a:r>
-          </a:p>
-          <a:p>
-            <a:pPr indent="0">
-              <a:buNone/>
-            </a:pPr>
-            <a:r>
-              <a:rPr lang="en-US" sz="1800" dirty="0">
-                <a:latin typeface="Consolas" panose="020B0609020204030204" pitchFamily="49" charset="0"/>
-                <a:cs typeface="Arial" panose="020B0604020202020204" pitchFamily="34" charset="0"/>
-              </a:rPr>
-              <a:t>  &lt;option value="Firefox"&gt;</a:t>
-            </a:r>
-          </a:p>
-          <a:p>
-            <a:pPr indent="0">
-              <a:buNone/>
-            </a:pPr>
-            <a:r>
-              <a:rPr lang="en-US" sz="1800" dirty="0">
-                <a:latin typeface="Consolas" panose="020B0609020204030204" pitchFamily="49" charset="0"/>
-                <a:cs typeface="Arial" panose="020B0604020202020204" pitchFamily="34" charset="0"/>
-              </a:rPr>
-              <a:t>  &lt;option value="Chrome"&gt;</a:t>
-            </a:r>
-          </a:p>
-          <a:p>
-            <a:pPr indent="0">
-              <a:buNone/>
-            </a:pPr>
-            <a:r>
-              <a:rPr lang="en-US" sz="1800" dirty="0">
-                <a:latin typeface="Consolas" panose="020B0609020204030204" pitchFamily="49" charset="0"/>
-                <a:cs typeface="Arial" panose="020B0604020202020204" pitchFamily="34" charset="0"/>
-              </a:rPr>
-              <a:t>&lt;/datalist&gt;</a:t>
-            </a:r>
-            <a:endParaRPr lang="en-US" sz="1800" dirty="0">
-              <a:latin typeface="Arial" panose="020B0604020202020204" pitchFamily="34" charset="0"/>
-              <a:cs typeface="Arial" panose="020B0604020202020204" pitchFamily="34" charset="0"/>
-            </a:endParaRPr>
-          </a:p>
-        </p:txBody>
-      </p:sp>
-      <p:sp>
-        <p:nvSpPr>
-          <p:cNvPr id="6" name="Slide Number Placeholder 5"/>
+            <p:ph type="body" idx="1"/>
+          </p:nvPr>
+        </p:nvSpPr>
+        <p:spPr/>
+        <p:txBody>
+          <a:bodyPr/>
+          <a:lstStyle/>
+          <a:p>
+            <a:endParaRPr lang="en-US"/>
+          </a:p>
+        </p:txBody>
+      </p:sp>
+      <p:sp>
+        <p:nvSpPr>
+          <p:cNvPr id="4" name="Slide Number Placeholder 3">
+            <a:extLst>
+              <a:ext uri="{FF2B5EF4-FFF2-40B4-BE49-F238E27FC236}">
+                <a16:creationId xmlns:a16="http://schemas.microsoft.com/office/drawing/2014/main" id="{B3E58610-8DF0-4BC8-B28F-9775BE8BC83F}"/>
+              </a:ext>
+            </a:extLst>
+          </p:cNvPr>
           <p:cNvSpPr>
             <a:spLocks noGrp="1"/>
           </p:cNvSpPr>
@@ -11133,7 +11996,7 @@
     </p:spTree>
     <p:extLst>
       <p:ext uri="{BB962C8B-B14F-4D97-AF65-F5344CB8AC3E}">
-        <p14:creationId xmlns:p14="http://schemas.microsoft.com/office/powerpoint/2010/main" val="775891022"/>
+        <p14:creationId xmlns:p14="http://schemas.microsoft.com/office/powerpoint/2010/main" val="1957272137"/>
       </p:ext>
     </p:extLst>
   </p:cSld>
@@ -11190,7 +12053,7 @@
           <a:p>
             <a:r>
               <a:rPr lang="en-US" u="sng" dirty="0"/>
-              <a:t>HTML5 Progress Control</a:t>
+              <a:t>HTML5 Datalist Control</a:t>
             </a:r>
           </a:p>
         </p:txBody>
@@ -11230,7 +12093,7 @@
               <a:rPr lang="en-US" sz="1800" dirty="0">
                 <a:cs typeface="Arial" panose="020B0604020202020204" pitchFamily="34" charset="0"/>
               </a:rPr>
-              <a:t>The progress element specifies the completion progress of a task. It is displayed as a progress bar and can be manipulated by JavaScript</a:t>
+              <a:t>The &lt;datalist&gt; tag specifies a list of pre-defined options for an &lt;input&gt; element and provides an "autocomplete" feature </a:t>
             </a:r>
           </a:p>
           <a:p>
@@ -11253,7 +12116,43 @@
                 <a:latin typeface="Consolas" panose="020B0609020204030204" pitchFamily="49" charset="0"/>
                 <a:cs typeface="Arial" panose="020B0604020202020204" pitchFamily="34" charset="0"/>
               </a:rPr>
-              <a:t>&lt;progress value="80" max="100"/&gt;</a:t>
+              <a:t>&lt;datalist id="browsers"&gt;</a:t>
+            </a:r>
+          </a:p>
+          <a:p>
+            <a:pPr indent="0">
+              <a:buNone/>
+            </a:pPr>
+            <a:r>
+              <a:rPr lang="en-US" sz="1800" dirty="0">
+                <a:latin typeface="Consolas" panose="020B0609020204030204" pitchFamily="49" charset="0"/>
+                <a:cs typeface="Arial" panose="020B0604020202020204" pitchFamily="34" charset="0"/>
+              </a:rPr>
+              <a:t>  &lt;option value="Firefox"&gt;</a:t>
+            </a:r>
+          </a:p>
+          <a:p>
+            <a:pPr indent="0">
+              <a:buNone/>
+            </a:pPr>
+            <a:r>
+              <a:rPr lang="en-US" sz="1800" dirty="0">
+                <a:latin typeface="Consolas" panose="020B0609020204030204" pitchFamily="49" charset="0"/>
+                <a:cs typeface="Arial" panose="020B0604020202020204" pitchFamily="34" charset="0"/>
+              </a:rPr>
+              <a:t>  &lt;option value="Chrome"&gt;</a:t>
+            </a:r>
+          </a:p>
+          <a:p>
+            <a:pPr indent="0">
+              <a:buNone/>
+            </a:pPr>
+            <a:r>
+              <a:rPr lang="en-US" sz="1800" dirty="0">
+                <a:latin typeface="Consolas" panose="020B0609020204030204" pitchFamily="49" charset="0"/>
+                <a:cs typeface="Arial" panose="020B0604020202020204" pitchFamily="34" charset="0"/>
+              </a:rPr>
+              <a:t>&lt;/datalist&gt;</a:t>
             </a:r>
             <a:endParaRPr lang="en-US" sz="1800" dirty="0">
               <a:latin typeface="Arial" panose="020B0604020202020204" pitchFamily="34" charset="0"/>
@@ -11288,7 +12187,7 @@
     </p:spTree>
     <p:extLst>
       <p:ext uri="{BB962C8B-B14F-4D97-AF65-F5344CB8AC3E}">
-        <p14:creationId xmlns:p14="http://schemas.microsoft.com/office/powerpoint/2010/main" val="3082850271"/>
+        <p14:creationId xmlns:p14="http://schemas.microsoft.com/office/powerpoint/2010/main" val="775891022"/>
       </p:ext>
     </p:extLst>
   </p:cSld>
@@ -11345,7 +12244,7 @@
           <a:p>
             <a:r>
               <a:rPr lang="en-US" u="sng" dirty="0"/>
-              <a:t>HTML5 Meter Control</a:t>
+              <a:t>HTML5 Progress Control</a:t>
             </a:r>
           </a:p>
         </p:txBody>
@@ -11385,7 +12284,7 @@
               <a:rPr lang="en-US" sz="1800" dirty="0">
                 <a:cs typeface="Arial" panose="020B0604020202020204" pitchFamily="34" charset="0"/>
               </a:rPr>
-              <a:t>The meter element specifies a scalar measurement within a known range (a.k.a. a gauge)</a:t>
+              <a:t>The progress element specifies the completion progress of a task. It is displayed as a progress bar and can be manipulated by JavaScript</a:t>
             </a:r>
           </a:p>
           <a:p>
@@ -11408,7 +12307,7 @@
                 <a:latin typeface="Consolas" panose="020B0609020204030204" pitchFamily="49" charset="0"/>
                 <a:cs typeface="Arial" panose="020B0604020202020204" pitchFamily="34" charset="0"/>
               </a:rPr>
-              <a:t>&lt;meter value="7" min="0" max="10"&gt;7 of 10&lt;/meter&gt;</a:t>
+              <a:t>&lt;progress value="80" max="100"/&gt;</a:t>
             </a:r>
             <a:endParaRPr lang="en-US" sz="1800" dirty="0">
               <a:latin typeface="Arial" panose="020B0604020202020204" pitchFamily="34" charset="0"/>
@@ -11443,7 +12342,7 @@
     </p:spTree>
     <p:extLst>
       <p:ext uri="{BB962C8B-B14F-4D97-AF65-F5344CB8AC3E}">
-        <p14:creationId xmlns:p14="http://schemas.microsoft.com/office/powerpoint/2010/main" val="3947041071"/>
+        <p14:creationId xmlns:p14="http://schemas.microsoft.com/office/powerpoint/2010/main" val="3082850271"/>
       </p:ext>
     </p:extLst>
   </p:cSld>
@@ -11472,10 +12371,10 @@
       </p:grpSpPr>
       <p:sp>
         <p:nvSpPr>
-          <p:cNvPr id="5" name="Title 4">
+          <p:cNvPr id="2" name="Title 1">
             <a:extLst>
               <a:ext uri="{FF2B5EF4-FFF2-40B4-BE49-F238E27FC236}">
-                <a16:creationId xmlns:a16="http://schemas.microsoft.com/office/drawing/2014/main" id="{19920336-7909-426F-8081-AFA24B193F14}"/>
+                <a16:creationId xmlns:a16="http://schemas.microsoft.com/office/drawing/2014/main" id="{BDFAC13C-59B1-436E-B58F-C304E1C705CF}"/>
               </a:ext>
             </a:extLst>
           </p:cNvPr>
@@ -11486,24 +12385,31 @@
             <p:ph type="title"/>
           </p:nvPr>
         </p:nvSpPr>
-        <p:spPr/>
-        <p:txBody>
-          <a:bodyPr/>
-          <a:lstStyle/>
-          <a:p>
-            <a:r>
-              <a:rPr lang="en-US" cap="none"/>
-              <a:t>&lt;fieldset&gt;</a:t>
-            </a:r>
-          </a:p>
-        </p:txBody>
-      </p:sp>
-      <p:sp>
-        <p:nvSpPr>
-          <p:cNvPr id="6" name="Text Placeholder 5">
+        <p:spPr>
+          <a:xfrm>
+            <a:off x="664233" y="733579"/>
+            <a:ext cx="7810900" cy="1371600"/>
+          </a:xfrm>
+        </p:spPr>
+        <p:txBody>
+          <a:bodyPr>
+            <a:normAutofit/>
+          </a:bodyPr>
+          <a:lstStyle/>
+          <a:p>
+            <a:r>
+              <a:rPr lang="en-US" u="sng" dirty="0"/>
+              <a:t>HTML5 Meter Control</a:t>
+            </a:r>
+          </a:p>
+        </p:txBody>
+      </p:sp>
+      <p:sp>
+        <p:nvSpPr>
+          <p:cNvPr id="3" name="Content Placeholder 2">
             <a:extLst>
               <a:ext uri="{FF2B5EF4-FFF2-40B4-BE49-F238E27FC236}">
-                <a16:creationId xmlns:a16="http://schemas.microsoft.com/office/drawing/2014/main" id="{DAE3D404-51E4-4D64-88D7-AFA22CFBA8F7}"/>
+                <a16:creationId xmlns:a16="http://schemas.microsoft.com/office/drawing/2014/main" id="{844A3DC5-46BF-4BFF-8008-98FD467C4904}"/>
               </a:ext>
             </a:extLst>
           </p:cNvPr>
@@ -11511,30 +12417,63 @@
             <a:spLocks noGrp="1"/>
           </p:cNvSpPr>
           <p:nvPr>
-            <p:ph type="body" idx="1"/>
-          </p:nvPr>
-        </p:nvSpPr>
-        <p:spPr/>
-        <p:txBody>
-          <a:bodyPr/>
-          <a:lstStyle/>
-          <a:p>
-            <a:r>
-              <a:rPr lang="en-US"/>
-              <a:t>Grouping controls with &lt;fieldset&gt; and &lt;legend&gt;.</a:t>
-            </a:r>
-          </a:p>
-        </p:txBody>
-      </p:sp>
-      <p:sp>
-        <p:nvSpPr>
-          <p:cNvPr id="4" name="Slide Number Placeholder 3">
-            <a:extLst>
-              <a:ext uri="{FF2B5EF4-FFF2-40B4-BE49-F238E27FC236}">
-                <a16:creationId xmlns:a16="http://schemas.microsoft.com/office/drawing/2014/main" id="{B3E58610-8DF0-4BC8-B28F-9775BE8BC83F}"/>
-              </a:ext>
-            </a:extLst>
-          </p:cNvPr>
+            <p:ph idx="1"/>
+          </p:nvPr>
+        </p:nvSpPr>
+        <p:spPr>
+          <a:xfrm>
+            <a:off x="1066800" y="2733472"/>
+            <a:ext cx="10058400" cy="1919267"/>
+          </a:xfrm>
+        </p:spPr>
+        <p:txBody>
+          <a:bodyPr>
+            <a:noAutofit/>
+          </a:bodyPr>
+          <a:lstStyle/>
+          <a:p>
+            <a:pPr indent="0">
+              <a:buNone/>
+            </a:pPr>
+            <a:r>
+              <a:rPr lang="en-US" sz="1800" dirty="0">
+                <a:cs typeface="Arial" panose="020B0604020202020204" pitchFamily="34" charset="0"/>
+              </a:rPr>
+              <a:t>The meter element specifies a scalar measurement within a known range (a.k.a. a gauge)</a:t>
+            </a:r>
+          </a:p>
+          <a:p>
+            <a:pPr indent="0">
+              <a:buNone/>
+            </a:pPr>
+            <a:r>
+              <a:rPr lang="en-US" sz="1800" dirty="0">
+                <a:cs typeface="Arial" panose="020B0604020202020204" pitchFamily="34" charset="0"/>
+              </a:rPr>
+              <a:t>Example:</a:t>
+            </a:r>
+          </a:p>
+          <a:p>
+            <a:pPr indent="0">
+              <a:buNone/>
+            </a:pPr>
+            <a:r>
+              <a:rPr lang="en-US" sz="1800" dirty="0">
+                <a:latin typeface="Consolas" panose="020B0609020204030204" pitchFamily="49" charset="0"/>
+                <a:cs typeface="Arial" panose="020B0604020202020204" pitchFamily="34" charset="0"/>
+              </a:rPr>
+              <a:t>&lt;meter value="7" min="0" max="10"&gt;7 of 10&lt;/meter&gt;</a:t>
+            </a:r>
+            <a:endParaRPr lang="en-US" sz="1800" dirty="0">
+              <a:latin typeface="Arial" panose="020B0604020202020204" pitchFamily="34" charset="0"/>
+              <a:cs typeface="Arial" panose="020B0604020202020204" pitchFamily="34" charset="0"/>
+            </a:endParaRPr>
+          </a:p>
+        </p:txBody>
+      </p:sp>
+      <p:sp>
+        <p:nvSpPr>
+          <p:cNvPr id="6" name="Slide Number Placeholder 5"/>
           <p:cNvSpPr>
             <a:spLocks noGrp="1"/>
           </p:cNvSpPr>
@@ -11558,7 +12497,7 @@
     </p:spTree>
     <p:extLst>
       <p:ext uri="{BB962C8B-B14F-4D97-AF65-F5344CB8AC3E}">
-        <p14:creationId xmlns:p14="http://schemas.microsoft.com/office/powerpoint/2010/main" val="3455449113"/>
+        <p14:creationId xmlns:p14="http://schemas.microsoft.com/office/powerpoint/2010/main" val="3947041071"/>
       </p:ext>
     </p:extLst>
   </p:cSld>
@@ -11608,7 +12547,7 @@
           <a:p>
             <a:r>
               <a:rPr lang="en-US" cap="none"/>
-              <a:t>Autocomplete</a:t>
+              <a:t>&lt;fieldset&gt;</a:t>
             </a:r>
           </a:p>
         </p:txBody>
@@ -11636,7 +12575,7 @@
           <a:p>
             <a:r>
               <a:rPr lang="en-US"/>
-              <a:t>Speedy data entry with autocomplete/autofill.</a:t>
+              <a:t>Grouping controls with &lt;fieldset&gt; and &lt;legend&gt;.</a:t>
             </a:r>
           </a:p>
         </p:txBody>
@@ -11673,7 +12612,7 @@
     </p:spTree>
     <p:extLst>
       <p:ext uri="{BB962C8B-B14F-4D97-AF65-F5344CB8AC3E}">
-        <p14:creationId xmlns:p14="http://schemas.microsoft.com/office/powerpoint/2010/main" val="317122887"/>
+        <p14:creationId xmlns:p14="http://schemas.microsoft.com/office/powerpoint/2010/main" val="3455449113"/>
       </p:ext>
     </p:extLst>
   </p:cSld>
@@ -11723,7 +12662,7 @@
           <a:p>
             <a:r>
               <a:rPr lang="en-US" cap="none"/>
-              <a:t>Example Forms</a:t>
+              <a:t>Autocomplete</a:t>
             </a:r>
           </a:p>
         </p:txBody>
@@ -11751,7 +12690,7 @@
           <a:p>
             <a:r>
               <a:rPr lang="en-US"/>
-              <a:t>Let's build some forms!</a:t>
+              <a:t>Speedy data entry with autocomplete/autofill.</a:t>
             </a:r>
           </a:p>
         </p:txBody>
@@ -11788,7 +12727,7 @@
     </p:spTree>
     <p:extLst>
       <p:ext uri="{BB962C8B-B14F-4D97-AF65-F5344CB8AC3E}">
-        <p14:creationId xmlns:p14="http://schemas.microsoft.com/office/powerpoint/2010/main" val="492562823"/>
+        <p14:creationId xmlns:p14="http://schemas.microsoft.com/office/powerpoint/2010/main" val="317122887"/>
       </p:ext>
     </p:extLst>
   </p:cSld>
@@ -11817,10 +12756,10 @@
       </p:grpSpPr>
       <p:sp>
         <p:nvSpPr>
-          <p:cNvPr id="2" name="Title 1">
+          <p:cNvPr id="5" name="Title 4">
             <a:extLst>
               <a:ext uri="{FF2B5EF4-FFF2-40B4-BE49-F238E27FC236}">
-                <a16:creationId xmlns:a16="http://schemas.microsoft.com/office/drawing/2014/main" id="{BDFAC13C-59B1-436E-B58F-C304E1C705CF}"/>
+                <a16:creationId xmlns:a16="http://schemas.microsoft.com/office/drawing/2014/main" id="{19920336-7909-426F-8081-AFA24B193F14}"/>
               </a:ext>
             </a:extLst>
           </p:cNvPr>
@@ -11831,31 +12770,24 @@
             <p:ph type="title"/>
           </p:nvPr>
         </p:nvSpPr>
-        <p:spPr>
-          <a:xfrm>
-            <a:off x="664233" y="733579"/>
-            <a:ext cx="7810900" cy="1371600"/>
-          </a:xfrm>
-        </p:spPr>
-        <p:txBody>
-          <a:bodyPr>
-            <a:normAutofit/>
-          </a:bodyPr>
-          <a:lstStyle/>
-          <a:p>
-            <a:r>
-              <a:rPr lang="en-US" u="sng" dirty="0"/>
-              <a:t>HTML Form Example</a:t>
-            </a:r>
-          </a:p>
-        </p:txBody>
-      </p:sp>
-      <p:sp>
-        <p:nvSpPr>
-          <p:cNvPr id="3" name="Content Placeholder 2">
+        <p:spPr/>
+        <p:txBody>
+          <a:bodyPr/>
+          <a:lstStyle/>
+          <a:p>
+            <a:r>
+              <a:rPr lang="en-US" cap="none"/>
+              <a:t>Example Forms</a:t>
+            </a:r>
+          </a:p>
+        </p:txBody>
+      </p:sp>
+      <p:sp>
+        <p:nvSpPr>
+          <p:cNvPr id="6" name="Text Placeholder 5">
             <a:extLst>
               <a:ext uri="{FF2B5EF4-FFF2-40B4-BE49-F238E27FC236}">
-                <a16:creationId xmlns:a16="http://schemas.microsoft.com/office/drawing/2014/main" id="{844A3DC5-46BF-4BFF-8008-98FD467C4904}"/>
+                <a16:creationId xmlns:a16="http://schemas.microsoft.com/office/drawing/2014/main" id="{DAE3D404-51E4-4D64-88D7-AFA22CFBA8F7}"/>
               </a:ext>
             </a:extLst>
           </p:cNvPr>
@@ -11863,187 +12795,30 @@
             <a:spLocks noGrp="1"/>
           </p:cNvSpPr>
           <p:nvPr>
-            <p:ph idx="1"/>
-          </p:nvPr>
-        </p:nvSpPr>
-        <p:spPr>
-          <a:xfrm>
-            <a:off x="1066800" y="1803400"/>
-            <a:ext cx="10058400" cy="2849339"/>
-          </a:xfrm>
-        </p:spPr>
-        <p:txBody>
-          <a:bodyPr>
-            <a:noAutofit/>
-          </a:bodyPr>
-          <a:lstStyle/>
-          <a:p>
-            <a:pPr marL="0" indent="0">
-              <a:buNone/>
-            </a:pPr>
-            <a:r>
-              <a:rPr lang="en-US" sz="1800" dirty="0">
-                <a:cs typeface="Arial" panose="020B0604020202020204" pitchFamily="34" charset="0"/>
-              </a:rPr>
-              <a:t>CSS Part 1:</a:t>
-            </a:r>
-          </a:p>
-          <a:p>
-            <a:pPr indent="0">
-              <a:buNone/>
-            </a:pPr>
-            <a:r>
-              <a:rPr lang="en-US" sz="1100" dirty="0">
-                <a:latin typeface="Consolas" panose="020B0609020204030204" pitchFamily="49" charset="0"/>
-              </a:rPr>
-              <a:t>&lt;style&gt;</a:t>
-            </a:r>
-          </a:p>
-          <a:p>
-            <a:pPr indent="0">
-              <a:buNone/>
-            </a:pPr>
-            <a:r>
-              <a:rPr lang="en-US" sz="1100" dirty="0">
-                <a:latin typeface="Consolas" panose="020B0609020204030204" pitchFamily="49" charset="0"/>
-              </a:rPr>
-              <a:t>  body {font-family: Arial, Helvetica, sans-serif;}</a:t>
-            </a:r>
-          </a:p>
-          <a:p>
-            <a:pPr indent="0">
-              <a:buNone/>
-            </a:pPr>
-            <a:r>
-              <a:rPr lang="en-US" sz="1100" dirty="0">
-                <a:latin typeface="Consolas" panose="020B0609020204030204" pitchFamily="49" charset="0"/>
-              </a:rPr>
-              <a:t>  * {box-sizing: border-box;}</a:t>
-            </a:r>
-          </a:p>
-          <a:p>
-            <a:pPr indent="0">
-              <a:buNone/>
-            </a:pPr>
-            <a:endParaRPr lang="en-US" sz="1100" dirty="0">
-              <a:latin typeface="Consolas" panose="020B0609020204030204" pitchFamily="49" charset="0"/>
-            </a:endParaRPr>
-          </a:p>
-          <a:p>
-            <a:pPr indent="0">
-              <a:buNone/>
-            </a:pPr>
-            <a:r>
-              <a:rPr lang="en-US" sz="1100" dirty="0">
-                <a:latin typeface="Consolas" panose="020B0609020204030204" pitchFamily="49" charset="0"/>
-              </a:rPr>
-              <a:t>  input[type=text], select, textarea {</a:t>
-            </a:r>
-          </a:p>
-          <a:p>
-            <a:pPr indent="0">
-              <a:buNone/>
-            </a:pPr>
-            <a:r>
-              <a:rPr lang="en-US" sz="1100" dirty="0">
-                <a:latin typeface="Consolas" panose="020B0609020204030204" pitchFamily="49" charset="0"/>
-              </a:rPr>
-              <a:t>      width: 100%;</a:t>
-            </a:r>
-          </a:p>
-          <a:p>
-            <a:pPr indent="0">
-              <a:buNone/>
-            </a:pPr>
-            <a:r>
-              <a:rPr lang="en-US" sz="1100" dirty="0">
-                <a:latin typeface="Consolas" panose="020B0609020204030204" pitchFamily="49" charset="0"/>
-              </a:rPr>
-              <a:t>      padding: 12px;</a:t>
-            </a:r>
-          </a:p>
-          <a:p>
-            <a:pPr indent="0">
-              <a:buNone/>
-            </a:pPr>
-            <a:r>
-              <a:rPr lang="en-US" sz="1100" dirty="0">
-                <a:latin typeface="Consolas" panose="020B0609020204030204" pitchFamily="49" charset="0"/>
-              </a:rPr>
-              <a:t>      border: 1px solid #ccc;</a:t>
-            </a:r>
-          </a:p>
-          <a:p>
-            <a:pPr indent="0">
-              <a:buNone/>
-            </a:pPr>
-            <a:r>
-              <a:rPr lang="en-US" sz="1100" dirty="0">
-                <a:latin typeface="Consolas" panose="020B0609020204030204" pitchFamily="49" charset="0"/>
-              </a:rPr>
-              <a:t>      border-radius: 4px;</a:t>
-            </a:r>
-          </a:p>
-          <a:p>
-            <a:pPr indent="0">
-              <a:buNone/>
-            </a:pPr>
-            <a:r>
-              <a:rPr lang="en-US" sz="1100" dirty="0">
-                <a:latin typeface="Consolas" panose="020B0609020204030204" pitchFamily="49" charset="0"/>
-              </a:rPr>
-              <a:t>      box-sizing: border-box;</a:t>
-            </a:r>
-          </a:p>
-          <a:p>
-            <a:pPr indent="0">
-              <a:buNone/>
-            </a:pPr>
-            <a:r>
-              <a:rPr lang="en-US" sz="1100" dirty="0">
-                <a:latin typeface="Consolas" panose="020B0609020204030204" pitchFamily="49" charset="0"/>
-              </a:rPr>
-              <a:t>      margin-top: 6px;</a:t>
-            </a:r>
-          </a:p>
-          <a:p>
-            <a:pPr indent="0">
-              <a:buNone/>
-            </a:pPr>
-            <a:r>
-              <a:rPr lang="en-US" sz="1100" dirty="0">
-                <a:latin typeface="Consolas" panose="020B0609020204030204" pitchFamily="49" charset="0"/>
-              </a:rPr>
-              <a:t>      margin-bottom: 16px;</a:t>
-            </a:r>
-          </a:p>
-          <a:p>
-            <a:pPr indent="0">
-              <a:buNone/>
-            </a:pPr>
-            <a:r>
-              <a:rPr lang="en-US" sz="1100" dirty="0">
-                <a:latin typeface="Consolas" panose="020B0609020204030204" pitchFamily="49" charset="0"/>
-              </a:rPr>
-              <a:t>      resize: vertical;</a:t>
-            </a:r>
-          </a:p>
-          <a:p>
-            <a:pPr indent="0">
-              <a:buNone/>
-            </a:pPr>
-            <a:r>
-              <a:rPr lang="en-US" sz="1100" dirty="0">
-                <a:latin typeface="Consolas" panose="020B0609020204030204" pitchFamily="49" charset="0"/>
-              </a:rPr>
-              <a:t>  }</a:t>
-            </a:r>
-          </a:p>
-        </p:txBody>
-      </p:sp>
-      <p:sp>
-        <p:nvSpPr>
-          <p:cNvPr id="6" name="Slide Number Placeholder 5"/>
+            <p:ph type="body" idx="1"/>
+          </p:nvPr>
+        </p:nvSpPr>
+        <p:spPr/>
+        <p:txBody>
+          <a:bodyPr/>
+          <a:lstStyle/>
+          <a:p>
+            <a:r>
+              <a:rPr lang="en-US"/>
+              <a:t>Let's build some forms!</a:t>
+            </a:r>
+          </a:p>
+        </p:txBody>
+      </p:sp>
+      <p:sp>
+        <p:nvSpPr>
+          <p:cNvPr id="4" name="Slide Number Placeholder 3">
+            <a:extLst>
+              <a:ext uri="{FF2B5EF4-FFF2-40B4-BE49-F238E27FC236}">
+                <a16:creationId xmlns:a16="http://schemas.microsoft.com/office/drawing/2014/main" id="{B3E58610-8DF0-4BC8-B28F-9775BE8BC83F}"/>
+              </a:ext>
+            </a:extLst>
+          </p:cNvPr>
           <p:cNvSpPr>
             <a:spLocks noGrp="1"/>
           </p:cNvSpPr>
@@ -12067,7 +12842,7 @@
     </p:spTree>
     <p:extLst>
       <p:ext uri="{BB962C8B-B14F-4D97-AF65-F5344CB8AC3E}">
-        <p14:creationId xmlns:p14="http://schemas.microsoft.com/office/powerpoint/2010/main" val="702269583"/>
+        <p14:creationId xmlns:p14="http://schemas.microsoft.com/office/powerpoint/2010/main" val="492562823"/>
       </p:ext>
     </p:extLst>
   </p:cSld>
@@ -12164,7 +12939,7 @@
               <a:rPr lang="en-US" sz="1800" dirty="0">
                 <a:cs typeface="Arial" panose="020B0604020202020204" pitchFamily="34" charset="0"/>
               </a:rPr>
-              <a:t>CSS Part 2:</a:t>
+              <a:t>CSS Part 1:</a:t>
             </a:r>
           </a:p>
           <a:p>
@@ -12175,7 +12950,7 @@
               <a:rPr lang="en-US" sz="1100" dirty="0">
                 <a:latin typeface="Consolas" panose="020B0609020204030204" pitchFamily="49" charset="0"/>
               </a:rPr>
-              <a:t>input[type=submit] {</a:t>
+              <a:t>&lt;style&gt;</a:t>
             </a:r>
           </a:p>
           <a:p>
@@ -12186,7 +12961,7 @@
               <a:rPr lang="en-US" sz="1100" dirty="0">
                 <a:latin typeface="Consolas" panose="020B0609020204030204" pitchFamily="49" charset="0"/>
               </a:rPr>
-              <a:t>  background-color: #4CAF50;</a:t>
+              <a:t>  body {font-family: Arial, Helvetica, sans-serif;}</a:t>
             </a:r>
           </a:p>
           <a:p>
@@ -12197,62 +12972,7 @@
               <a:rPr lang="en-US" sz="1100" dirty="0">
                 <a:latin typeface="Consolas" panose="020B0609020204030204" pitchFamily="49" charset="0"/>
               </a:rPr>
-              <a:t>    color: white;</a:t>
-            </a:r>
-          </a:p>
-          <a:p>
-            <a:pPr indent="0">
-              <a:buNone/>
-            </a:pPr>
-            <a:r>
-              <a:rPr lang="en-US" sz="1100" dirty="0">
-                <a:latin typeface="Consolas" panose="020B0609020204030204" pitchFamily="49" charset="0"/>
-              </a:rPr>
-              <a:t>    padding: 12px 20px;</a:t>
-            </a:r>
-          </a:p>
-          <a:p>
-            <a:pPr indent="0">
-              <a:buNone/>
-            </a:pPr>
-            <a:r>
-              <a:rPr lang="en-US" sz="1100" dirty="0">
-                <a:latin typeface="Consolas" panose="020B0609020204030204" pitchFamily="49" charset="0"/>
-              </a:rPr>
-              <a:t>    border: none;</a:t>
-            </a:r>
-          </a:p>
-          <a:p>
-            <a:pPr indent="0">
-              <a:buNone/>
-            </a:pPr>
-            <a:r>
-              <a:rPr lang="en-US" sz="1100" dirty="0">
-                <a:latin typeface="Consolas" panose="020B0609020204030204" pitchFamily="49" charset="0"/>
-              </a:rPr>
-              <a:t>    border-radius: 4px;</a:t>
-            </a:r>
-          </a:p>
-          <a:p>
-            <a:pPr indent="0">
-              <a:buNone/>
-            </a:pPr>
-            <a:r>
-              <a:rPr lang="en-US" sz="1100" dirty="0">
-                <a:latin typeface="Consolas" panose="020B0609020204030204" pitchFamily="49" charset="0"/>
-              </a:rPr>
-              <a:t>    cursor: pointer;</a:t>
-            </a:r>
-          </a:p>
-          <a:p>
-            <a:pPr indent="0">
-              <a:buNone/>
-            </a:pPr>
-            <a:r>
-              <a:rPr lang="en-US" sz="1100" dirty="0">
-                <a:latin typeface="Consolas" panose="020B0609020204030204" pitchFamily="49" charset="0"/>
-              </a:rPr>
-              <a:t>}</a:t>
+              <a:t>  * {box-sizing: border-box;}</a:t>
             </a:r>
           </a:p>
           <a:p>
@@ -12271,7 +12991,7 @@
               <a:rPr lang="en-US" sz="1100" dirty="0">
                 <a:latin typeface="Consolas" panose="020B0609020204030204" pitchFamily="49" charset="0"/>
               </a:rPr>
-              <a:t>input[type=submit]:hover {</a:t>
+              <a:t>  input[type=text], select, textarea {</a:t>
             </a:r>
           </a:p>
           <a:p>
@@ -12282,7 +13002,7 @@
               <a:rPr lang="en-US" sz="1100" dirty="0">
                 <a:latin typeface="Consolas" panose="020B0609020204030204" pitchFamily="49" charset="0"/>
               </a:rPr>
-              <a:t>  background-color: #45a049;</a:t>
+              <a:t>      width: 100%;</a:t>
             </a:r>
           </a:p>
           <a:p>
@@ -12293,7 +13013,84 @@
               <a:rPr lang="en-US" sz="1100" dirty="0">
                 <a:latin typeface="Consolas" panose="020B0609020204030204" pitchFamily="49" charset="0"/>
               </a:rPr>
-              <a:t>}</a:t>
+              <a:t>      padding: 12px;</a:t>
+            </a:r>
+          </a:p>
+          <a:p>
+            <a:pPr indent="0">
+              <a:buNone/>
+            </a:pPr>
+            <a:r>
+              <a:rPr lang="en-US" sz="1100" dirty="0">
+                <a:latin typeface="Consolas" panose="020B0609020204030204" pitchFamily="49" charset="0"/>
+              </a:rPr>
+              <a:t>      border: 1px solid #ccc;</a:t>
+            </a:r>
+          </a:p>
+          <a:p>
+            <a:pPr indent="0">
+              <a:buNone/>
+            </a:pPr>
+            <a:r>
+              <a:rPr lang="en-US" sz="1100" dirty="0">
+                <a:latin typeface="Consolas" panose="020B0609020204030204" pitchFamily="49" charset="0"/>
+              </a:rPr>
+              <a:t>      border-radius: 4px;</a:t>
+            </a:r>
+          </a:p>
+          <a:p>
+            <a:pPr indent="0">
+              <a:buNone/>
+            </a:pPr>
+            <a:r>
+              <a:rPr lang="en-US" sz="1100" dirty="0">
+                <a:latin typeface="Consolas" panose="020B0609020204030204" pitchFamily="49" charset="0"/>
+              </a:rPr>
+              <a:t>      box-sizing: border-box;</a:t>
+            </a:r>
+          </a:p>
+          <a:p>
+            <a:pPr indent="0">
+              <a:buNone/>
+            </a:pPr>
+            <a:r>
+              <a:rPr lang="en-US" sz="1100" dirty="0">
+                <a:latin typeface="Consolas" panose="020B0609020204030204" pitchFamily="49" charset="0"/>
+              </a:rPr>
+              <a:t>      margin-top: 6px;</a:t>
+            </a:r>
+          </a:p>
+          <a:p>
+            <a:pPr indent="0">
+              <a:buNone/>
+            </a:pPr>
+            <a:r>
+              <a:rPr lang="en-US" sz="1100" dirty="0">
+                <a:latin typeface="Consolas" panose="020B0609020204030204" pitchFamily="49" charset="0"/>
+              </a:rPr>
+              <a:t>      margin-bottom: 16px;</a:t>
+            </a:r>
+          </a:p>
+          <a:p>
+            <a:pPr indent="0">
+              <a:buNone/>
+            </a:pPr>
+            <a:r>
+              <a:rPr lang="en-US" sz="1100" dirty="0">
+                <a:latin typeface="Consolas" panose="020B0609020204030204" pitchFamily="49" charset="0"/>
+              </a:rPr>
+              <a:t>      resize: vertical;</a:t>
+            </a:r>
+          </a:p>
+          <a:p>
+            <a:pPr indent="0">
+              <a:buNone/>
+            </a:pPr>
+            <a:r>
+              <a:rPr lang="en-US" sz="1100" dirty="0">
+                <a:latin typeface="Consolas" panose="020B0609020204030204" pitchFamily="49" charset="0"/>
+              </a:rPr>
+              <a:t>  }</a:t>
             </a:r>
           </a:p>
         </p:txBody>
@@ -12324,7 +13121,7 @@
     </p:spTree>
     <p:extLst>
       <p:ext uri="{BB962C8B-B14F-4D97-AF65-F5344CB8AC3E}">
-        <p14:creationId xmlns:p14="http://schemas.microsoft.com/office/powerpoint/2010/main" val="230329818"/>
+        <p14:creationId xmlns:p14="http://schemas.microsoft.com/office/powerpoint/2010/main" val="702269583"/>
       </p:ext>
     </p:extLst>
   </p:cSld>
@@ -12576,7 +13373,7 @@
               <a:rPr lang="en-US" sz="1800" dirty="0">
                 <a:cs typeface="Arial" panose="020B0604020202020204" pitchFamily="34" charset="0"/>
               </a:rPr>
-              <a:t>CSS Part 3:</a:t>
+              <a:t>CSS Part 2:</a:t>
             </a:r>
           </a:p>
           <a:p>
@@ -12587,7 +13384,7 @@
               <a:rPr lang="en-US" sz="1100" dirty="0">
                 <a:latin typeface="Consolas" panose="020B0609020204030204" pitchFamily="49" charset="0"/>
               </a:rPr>
-              <a:t>.container {</a:t>
+              <a:t>input[type=submit] {</a:t>
             </a:r>
           </a:p>
           <a:p>
@@ -12598,7 +13395,7 @@
               <a:rPr lang="en-US" sz="1100" dirty="0">
                 <a:latin typeface="Consolas" panose="020B0609020204030204" pitchFamily="49" charset="0"/>
               </a:rPr>
-              <a:t>	  border-radius: 5px;</a:t>
+              <a:t>  background-color: #4CAF50;</a:t>
             </a:r>
           </a:p>
           <a:p>
@@ -12609,7 +13406,7 @@
               <a:rPr lang="en-US" sz="1100" dirty="0">
                 <a:latin typeface="Consolas" panose="020B0609020204030204" pitchFamily="49" charset="0"/>
               </a:rPr>
-              <a:t>	  background-color: #f2f2f2;</a:t>
+              <a:t>    color: white;</a:t>
             </a:r>
           </a:p>
           <a:p>
@@ -12620,7 +13417,7 @@
               <a:rPr lang="en-US" sz="1100" dirty="0">
                 <a:latin typeface="Consolas" panose="020B0609020204030204" pitchFamily="49" charset="0"/>
               </a:rPr>
-              <a:t>	  padding: 20px;</a:t>
+              <a:t>    padding: 12px 20px;</a:t>
             </a:r>
           </a:p>
           <a:p>
@@ -12631,7 +13428,7 @@
               <a:rPr lang="en-US" sz="1100" dirty="0">
                 <a:latin typeface="Consolas" panose="020B0609020204030204" pitchFamily="49" charset="0"/>
               </a:rPr>
-              <a:t>	}</a:t>
+              <a:t>    border: none;</a:t>
             </a:r>
           </a:p>
           <a:p>
@@ -12642,7 +13439,70 @@
               <a:rPr lang="en-US" sz="1100" dirty="0">
                 <a:latin typeface="Consolas" panose="020B0609020204030204" pitchFamily="49" charset="0"/>
               </a:rPr>
-              <a:t>&lt;/style&gt;</a:t>
+              <a:t>    border-radius: 4px;</a:t>
+            </a:r>
+          </a:p>
+          <a:p>
+            <a:pPr indent="0">
+              <a:buNone/>
+            </a:pPr>
+            <a:r>
+              <a:rPr lang="en-US" sz="1100" dirty="0">
+                <a:latin typeface="Consolas" panose="020B0609020204030204" pitchFamily="49" charset="0"/>
+              </a:rPr>
+              <a:t>    cursor: pointer;</a:t>
+            </a:r>
+          </a:p>
+          <a:p>
+            <a:pPr indent="0">
+              <a:buNone/>
+            </a:pPr>
+            <a:r>
+              <a:rPr lang="en-US" sz="1100" dirty="0">
+                <a:latin typeface="Consolas" panose="020B0609020204030204" pitchFamily="49" charset="0"/>
+              </a:rPr>
+              <a:t>}</a:t>
+            </a:r>
+          </a:p>
+          <a:p>
+            <a:pPr indent="0">
+              <a:buNone/>
+            </a:pPr>
+            <a:endParaRPr lang="en-US" sz="1100" dirty="0">
+              <a:latin typeface="Consolas" panose="020B0609020204030204" pitchFamily="49" charset="0"/>
+            </a:endParaRPr>
+          </a:p>
+          <a:p>
+            <a:pPr indent="0">
+              <a:buNone/>
+            </a:pPr>
+            <a:r>
+              <a:rPr lang="en-US" sz="1100" dirty="0">
+                <a:latin typeface="Consolas" panose="020B0609020204030204" pitchFamily="49" charset="0"/>
+              </a:rPr>
+              <a:t>input[type=submit]:hover {</a:t>
+            </a:r>
+          </a:p>
+          <a:p>
+            <a:pPr indent="0">
+              <a:buNone/>
+            </a:pPr>
+            <a:r>
+              <a:rPr lang="en-US" sz="1100" dirty="0">
+                <a:latin typeface="Consolas" panose="020B0609020204030204" pitchFamily="49" charset="0"/>
+              </a:rPr>
+              <a:t>  background-color: #45a049;</a:t>
+            </a:r>
+          </a:p>
+          <a:p>
+            <a:pPr indent="0">
+              <a:buNone/>
+            </a:pPr>
+            <a:r>
+              <a:rPr lang="en-US" sz="1100" dirty="0">
+                <a:latin typeface="Consolas" panose="020B0609020204030204" pitchFamily="49" charset="0"/>
+              </a:rPr>
+              <a:t>}</a:t>
             </a:r>
           </a:p>
         </p:txBody>
@@ -12673,7 +13533,7 @@
     </p:spTree>
     <p:extLst>
       <p:ext uri="{BB962C8B-B14F-4D97-AF65-F5344CB8AC3E}">
-        <p14:creationId xmlns:p14="http://schemas.microsoft.com/office/powerpoint/2010/main" val="2290289765"/>
+        <p14:creationId xmlns:p14="http://schemas.microsoft.com/office/powerpoint/2010/main" val="230329818"/>
       </p:ext>
     </p:extLst>
   </p:cSld>
@@ -12770,7 +13630,7 @@
               <a:rPr lang="en-US" sz="1800" dirty="0">
                 <a:cs typeface="Arial" panose="020B0604020202020204" pitchFamily="34" charset="0"/>
               </a:rPr>
-              <a:t>Body Code Part 1:</a:t>
+              <a:t>CSS Part 3:</a:t>
             </a:r>
           </a:p>
           <a:p>
@@ -12781,7 +13641,7 @@
               <a:rPr lang="en-US" sz="1100" dirty="0">
                 <a:latin typeface="Consolas" panose="020B0609020204030204" pitchFamily="49" charset="0"/>
               </a:rPr>
-              <a:t>&lt;h3&gt;Contact Form&lt;/h3&gt;</a:t>
+              <a:t>.container {</a:t>
             </a:r>
           </a:p>
           <a:p>
@@ -12792,7 +13652,7 @@
               <a:rPr lang="en-US" sz="1100" dirty="0">
                 <a:latin typeface="Consolas" panose="020B0609020204030204" pitchFamily="49" charset="0"/>
               </a:rPr>
-              <a:t>&lt;div class="container"&gt;</a:t>
+              <a:t>	  border-radius: 5px;</a:t>
             </a:r>
           </a:p>
           <a:p>
@@ -12803,7 +13663,7 @@
               <a:rPr lang="en-US" sz="1100" dirty="0">
                 <a:latin typeface="Consolas" panose="020B0609020204030204" pitchFamily="49" charset="0"/>
               </a:rPr>
-              <a:t>  &lt;form action="/action_page.php"&gt;</a:t>
+              <a:t>	  background-color: #f2f2f2;</a:t>
             </a:r>
           </a:p>
           <a:p>
@@ -12814,7 +13674,7 @@
               <a:rPr lang="en-US" sz="1100" dirty="0">
                 <a:latin typeface="Consolas" panose="020B0609020204030204" pitchFamily="49" charset="0"/>
               </a:rPr>
-              <a:t>    &lt;label for="fname"&gt;First Name&lt;/label&gt;</a:t>
+              <a:t>	  padding: 20px;</a:t>
             </a:r>
           </a:p>
           <a:p>
@@ -12825,7 +13685,7 @@
               <a:rPr lang="en-US" sz="1100" dirty="0">
                 <a:latin typeface="Consolas" panose="020B0609020204030204" pitchFamily="49" charset="0"/>
               </a:rPr>
-              <a:t>    &lt;input type="text" id="fname" name="firstname" placeholder="Your name.."&gt;</a:t>
+              <a:t>	}</a:t>
             </a:r>
           </a:p>
           <a:p>
@@ -12836,29 +13696,7 @@
               <a:rPr lang="en-US" sz="1100" dirty="0">
                 <a:latin typeface="Consolas" panose="020B0609020204030204" pitchFamily="49" charset="0"/>
               </a:rPr>
-              <a:t>    &lt;label for="lname"&gt;Last Name&lt;/label&gt;</a:t>
-            </a:r>
-          </a:p>
-          <a:p>
-            <a:pPr indent="0">
-              <a:buNone/>
-            </a:pPr>
-            <a:r>
-              <a:rPr lang="en-US" sz="1100" dirty="0">
-                <a:latin typeface="Consolas" panose="020B0609020204030204" pitchFamily="49" charset="0"/>
-              </a:rPr>
-              <a:t>    &lt;input type="text" id="lname" name="lastname" placeholder="Your last name.."&gt;</a:t>
-            </a:r>
-          </a:p>
-          <a:p>
-            <a:pPr indent="0">
-              <a:buNone/>
-            </a:pPr>
-            <a:r>
-              <a:rPr lang="en-US" sz="1100" dirty="0">
-                <a:latin typeface="Consolas" panose="020B0609020204030204" pitchFamily="49" charset="0"/>
-              </a:rPr>
-              <a:t>    &lt;label for="country"&gt;Country&lt;/label&gt;</a:t>
+              <a:t>&lt;/style&gt;</a:t>
             </a:r>
           </a:p>
         </p:txBody>
@@ -12889,7 +13727,7 @@
     </p:spTree>
     <p:extLst>
       <p:ext uri="{BB962C8B-B14F-4D97-AF65-F5344CB8AC3E}">
-        <p14:creationId xmlns:p14="http://schemas.microsoft.com/office/powerpoint/2010/main" val="77573620"/>
+        <p14:creationId xmlns:p14="http://schemas.microsoft.com/office/powerpoint/2010/main" val="2290289765"/>
       </p:ext>
     </p:extLst>
   </p:cSld>
@@ -12986,7 +13824,7 @@
               <a:rPr lang="en-US" sz="1800" dirty="0">
                 <a:cs typeface="Arial" panose="020B0604020202020204" pitchFamily="34" charset="0"/>
               </a:rPr>
-              <a:t>Body Code Part 2:</a:t>
+              <a:t>Body Code Part 1:</a:t>
             </a:r>
           </a:p>
           <a:p>
@@ -12997,7 +13835,7 @@
               <a:rPr lang="en-US" sz="1100" dirty="0">
                 <a:latin typeface="Consolas" panose="020B0609020204030204" pitchFamily="49" charset="0"/>
               </a:rPr>
-              <a:t>&lt;select id="country" name="country"&gt;</a:t>
+              <a:t>&lt;h3&gt;Contact Form&lt;/h3&gt;</a:t>
             </a:r>
           </a:p>
           <a:p>
@@ -13008,7 +13846,7 @@
               <a:rPr lang="en-US" sz="1100" dirty="0">
                 <a:latin typeface="Consolas" panose="020B0609020204030204" pitchFamily="49" charset="0"/>
               </a:rPr>
-              <a:t>    &lt;option value="australia"&gt;Australia&lt;/option&gt;</a:t>
+              <a:t>&lt;div class="container"&gt;</a:t>
             </a:r>
           </a:p>
           <a:p>
@@ -13019,7 +13857,7 @@
               <a:rPr lang="en-US" sz="1100" dirty="0">
                 <a:latin typeface="Consolas" panose="020B0609020204030204" pitchFamily="49" charset="0"/>
               </a:rPr>
-              <a:t>    &lt;option value="canada"&gt;Canada&lt;/option&gt;</a:t>
+              <a:t>  &lt;form action="/action_page.php"&gt;</a:t>
             </a:r>
           </a:p>
           <a:p>
@@ -13030,7 +13868,7 @@
               <a:rPr lang="en-US" sz="1100" dirty="0">
                 <a:latin typeface="Consolas" panose="020B0609020204030204" pitchFamily="49" charset="0"/>
               </a:rPr>
-              <a:t>    &lt;option value="usa"&gt;USA&lt;/option&gt;</a:t>
+              <a:t>    &lt;label for="fname"&gt;First Name&lt;/label&gt;</a:t>
             </a:r>
           </a:p>
           <a:p>
@@ -13041,7 +13879,7 @@
               <a:rPr lang="en-US" sz="1100" dirty="0">
                 <a:latin typeface="Consolas" panose="020B0609020204030204" pitchFamily="49" charset="0"/>
               </a:rPr>
-              <a:t>  &lt;/select&gt;</a:t>
+              <a:t>    &lt;input type="text" id="fname" name="firstname" placeholder="Your name.."&gt;</a:t>
             </a:r>
           </a:p>
           <a:p>
@@ -13052,7 +13890,7 @@
               <a:rPr lang="en-US" sz="1100" dirty="0">
                 <a:latin typeface="Consolas" panose="020B0609020204030204" pitchFamily="49" charset="0"/>
               </a:rPr>
-              <a:t>  &lt;label for="subject"&gt;Subject&lt;/label&gt;</a:t>
+              <a:t>    &lt;label for="lname"&gt;Last Name&lt;/label&gt;</a:t>
             </a:r>
           </a:p>
           <a:p>
@@ -13063,7 +13901,7 @@
               <a:rPr lang="en-US" sz="1100" dirty="0">
                 <a:latin typeface="Consolas" panose="020B0609020204030204" pitchFamily="49" charset="0"/>
               </a:rPr>
-              <a:t>  &lt;textarea id="subject" name="subject" placeholder="Write something.." style="height:200px"&gt;&lt;/textarea&gt;</a:t>
+              <a:t>    &lt;input type="text" id="lname" name="lastname" placeholder="Your last name.."&gt;</a:t>
             </a:r>
           </a:p>
           <a:p>
@@ -13074,29 +13912,7 @@
               <a:rPr lang="en-US" sz="1100" dirty="0">
                 <a:latin typeface="Consolas" panose="020B0609020204030204" pitchFamily="49" charset="0"/>
               </a:rPr>
-              <a:t>  &lt;input type="submit" value="Submit"&gt;</a:t>
-            </a:r>
-          </a:p>
-          <a:p>
-            <a:pPr indent="0">
-              <a:buNone/>
-            </a:pPr>
-            <a:r>
-              <a:rPr lang="en-US" sz="1100" dirty="0">
-                <a:latin typeface="Consolas" panose="020B0609020204030204" pitchFamily="49" charset="0"/>
-              </a:rPr>
-              <a:t>  &lt;/form&gt;</a:t>
-            </a:r>
-          </a:p>
-          <a:p>
-            <a:pPr indent="0">
-              <a:buNone/>
-            </a:pPr>
-            <a:r>
-              <a:rPr lang="en-US" sz="1100" dirty="0">
-                <a:latin typeface="Consolas" panose="020B0609020204030204" pitchFamily="49" charset="0"/>
-              </a:rPr>
-              <a:t>&lt;/div&gt;</a:t>
+              <a:t>    &lt;label for="country"&gt;Country&lt;/label&gt;</a:t>
             </a:r>
           </a:p>
         </p:txBody>
@@ -13127,7 +13943,7 @@
     </p:spTree>
     <p:extLst>
       <p:ext uri="{BB962C8B-B14F-4D97-AF65-F5344CB8AC3E}">
-        <p14:creationId xmlns:p14="http://schemas.microsoft.com/office/powerpoint/2010/main" val="1670295028"/>
+        <p14:creationId xmlns:p14="http://schemas.microsoft.com/office/powerpoint/2010/main" val="77573620"/>
       </p:ext>
     </p:extLst>
   </p:cSld>
@@ -13191,6 +14007,156 @@
       </p:sp>
       <p:sp>
         <p:nvSpPr>
+          <p:cNvPr id="3" name="Content Placeholder 2">
+            <a:extLst>
+              <a:ext uri="{FF2B5EF4-FFF2-40B4-BE49-F238E27FC236}">
+                <a16:creationId xmlns:a16="http://schemas.microsoft.com/office/drawing/2014/main" id="{844A3DC5-46BF-4BFF-8008-98FD467C4904}"/>
+              </a:ext>
+            </a:extLst>
+          </p:cNvPr>
+          <p:cNvSpPr>
+            <a:spLocks noGrp="1"/>
+          </p:cNvSpPr>
+          <p:nvPr>
+            <p:ph idx="1"/>
+          </p:nvPr>
+        </p:nvSpPr>
+        <p:spPr>
+          <a:xfrm>
+            <a:off x="1066800" y="1803400"/>
+            <a:ext cx="10058400" cy="2849339"/>
+          </a:xfrm>
+        </p:spPr>
+        <p:txBody>
+          <a:bodyPr>
+            <a:noAutofit/>
+          </a:bodyPr>
+          <a:lstStyle/>
+          <a:p>
+            <a:pPr marL="0" indent="0">
+              <a:buNone/>
+            </a:pPr>
+            <a:r>
+              <a:rPr lang="en-US" sz="1800" dirty="0">
+                <a:cs typeface="Arial" panose="020B0604020202020204" pitchFamily="34" charset="0"/>
+              </a:rPr>
+              <a:t>Body Code Part 2:</a:t>
+            </a:r>
+          </a:p>
+          <a:p>
+            <a:pPr indent="0">
+              <a:buNone/>
+            </a:pPr>
+            <a:r>
+              <a:rPr lang="en-US" sz="1100" dirty="0">
+                <a:latin typeface="Consolas" panose="020B0609020204030204" pitchFamily="49" charset="0"/>
+              </a:rPr>
+              <a:t>&lt;select id="country" name="country"&gt;</a:t>
+            </a:r>
+          </a:p>
+          <a:p>
+            <a:pPr indent="0">
+              <a:buNone/>
+            </a:pPr>
+            <a:r>
+              <a:rPr lang="en-US" sz="1100" dirty="0">
+                <a:latin typeface="Consolas" panose="020B0609020204030204" pitchFamily="49" charset="0"/>
+              </a:rPr>
+              <a:t>    &lt;option value="australia"&gt;Australia&lt;/option&gt;</a:t>
+            </a:r>
+          </a:p>
+          <a:p>
+            <a:pPr indent="0">
+              <a:buNone/>
+            </a:pPr>
+            <a:r>
+              <a:rPr lang="en-US" sz="1100" dirty="0">
+                <a:latin typeface="Consolas" panose="020B0609020204030204" pitchFamily="49" charset="0"/>
+              </a:rPr>
+              <a:t>    &lt;option value="canada"&gt;Canada&lt;/option&gt;</a:t>
+            </a:r>
+          </a:p>
+          <a:p>
+            <a:pPr indent="0">
+              <a:buNone/>
+            </a:pPr>
+            <a:r>
+              <a:rPr lang="en-US" sz="1100" dirty="0">
+                <a:latin typeface="Consolas" panose="020B0609020204030204" pitchFamily="49" charset="0"/>
+              </a:rPr>
+              <a:t>    &lt;option value="usa"&gt;USA&lt;/option&gt;</a:t>
+            </a:r>
+          </a:p>
+          <a:p>
+            <a:pPr indent="0">
+              <a:buNone/>
+            </a:pPr>
+            <a:r>
+              <a:rPr lang="en-US" sz="1100" dirty="0">
+                <a:latin typeface="Consolas" panose="020B0609020204030204" pitchFamily="49" charset="0"/>
+              </a:rPr>
+              <a:t>  &lt;/select&gt;</a:t>
+            </a:r>
+          </a:p>
+          <a:p>
+            <a:pPr indent="0">
+              <a:buNone/>
+            </a:pPr>
+            <a:r>
+              <a:rPr lang="en-US" sz="1100" dirty="0">
+                <a:latin typeface="Consolas" panose="020B0609020204030204" pitchFamily="49" charset="0"/>
+              </a:rPr>
+              <a:t>  &lt;label for="subject"&gt;Subject&lt;/label&gt;</a:t>
+            </a:r>
+          </a:p>
+          <a:p>
+            <a:pPr indent="0">
+              <a:buNone/>
+            </a:pPr>
+            <a:r>
+              <a:rPr lang="en-US" sz="1100" dirty="0">
+                <a:latin typeface="Consolas" panose="020B0609020204030204" pitchFamily="49" charset="0"/>
+              </a:rPr>
+              <a:t>  &lt;textarea id="subject" name="subject" placeholder="Write something.." style="height:200px"&gt;&lt;/textarea&gt;</a:t>
+            </a:r>
+          </a:p>
+          <a:p>
+            <a:pPr indent="0">
+              <a:buNone/>
+            </a:pPr>
+            <a:r>
+              <a:rPr lang="en-US" sz="1100" dirty="0">
+                <a:latin typeface="Consolas" panose="020B0609020204030204" pitchFamily="49" charset="0"/>
+              </a:rPr>
+              <a:t>  &lt;input type="submit" value="Submit"&gt;</a:t>
+            </a:r>
+          </a:p>
+          <a:p>
+            <a:pPr indent="0">
+              <a:buNone/>
+            </a:pPr>
+            <a:r>
+              <a:rPr lang="en-US" sz="1100" dirty="0">
+                <a:latin typeface="Consolas" panose="020B0609020204030204" pitchFamily="49" charset="0"/>
+              </a:rPr>
+              <a:t>  &lt;/form&gt;</a:t>
+            </a:r>
+          </a:p>
+          <a:p>
+            <a:pPr indent="0">
+              <a:buNone/>
+            </a:pPr>
+            <a:r>
+              <a:rPr lang="en-US" sz="1100" dirty="0">
+                <a:latin typeface="Consolas" panose="020B0609020204030204" pitchFamily="49" charset="0"/>
+              </a:rPr>
+              <a:t>&lt;/div&gt;</a:t>
+            </a:r>
+          </a:p>
+        </p:txBody>
+      </p:sp>
+      <p:sp>
+        <p:nvSpPr>
           <p:cNvPr id="6" name="Slide Number Placeholder 5"/>
           <p:cNvSpPr>
             <a:spLocks noGrp="1"/>
@@ -13207,6 +14173,94 @@
             <a:fld id="{34B7E4EF-A1BD-40F4-AB7B-04F084DD991D}" type="slidenum">
               <a:rPr lang="en-US" smtClean="0"/>
               <a:t>43</a:t>
+            </a:fld>
+            <a:endParaRPr lang="en-US" dirty="0"/>
+          </a:p>
+        </p:txBody>
+      </p:sp>
+    </p:spTree>
+    <p:extLst>
+      <p:ext uri="{BB962C8B-B14F-4D97-AF65-F5344CB8AC3E}">
+        <p14:creationId xmlns:p14="http://schemas.microsoft.com/office/powerpoint/2010/main" val="1670295028"/>
+      </p:ext>
+    </p:extLst>
+  </p:cSld>
+  <p:clrMapOvr>
+    <a:masterClrMapping/>
+  </p:clrMapOvr>
+</p:sld>
+</file>
+
+<file path=ppt/slides/slide44.xml><?xml version="1.0" encoding="utf-8"?>
+<p:sld xmlns:a="http://schemas.openxmlformats.org/drawingml/2006/main" xmlns:r="http://schemas.openxmlformats.org/officeDocument/2006/relationships" xmlns:p="http://schemas.openxmlformats.org/presentationml/2006/main">
+  <p:cSld>
+    <p:spTree>
+      <p:nvGrpSpPr>
+        <p:cNvPr id="1" name=""/>
+        <p:cNvGrpSpPr/>
+        <p:nvPr/>
+      </p:nvGrpSpPr>
+      <p:grpSpPr>
+        <a:xfrm>
+          <a:off x="0" y="0"/>
+          <a:ext cx="0" cy="0"/>
+          <a:chOff x="0" y="0"/>
+          <a:chExt cx="0" cy="0"/>
+        </a:xfrm>
+      </p:grpSpPr>
+      <p:sp>
+        <p:nvSpPr>
+          <p:cNvPr id="2" name="Title 1">
+            <a:extLst>
+              <a:ext uri="{FF2B5EF4-FFF2-40B4-BE49-F238E27FC236}">
+                <a16:creationId xmlns:a16="http://schemas.microsoft.com/office/drawing/2014/main" id="{BDFAC13C-59B1-436E-B58F-C304E1C705CF}"/>
+              </a:ext>
+            </a:extLst>
+          </p:cNvPr>
+          <p:cNvSpPr>
+            <a:spLocks noGrp="1"/>
+          </p:cNvSpPr>
+          <p:nvPr>
+            <p:ph type="title"/>
+          </p:nvPr>
+        </p:nvSpPr>
+        <p:spPr>
+          <a:xfrm>
+            <a:off x="664233" y="733579"/>
+            <a:ext cx="7810900" cy="1371600"/>
+          </a:xfrm>
+        </p:spPr>
+        <p:txBody>
+          <a:bodyPr>
+            <a:normAutofit/>
+          </a:bodyPr>
+          <a:lstStyle/>
+          <a:p>
+            <a:r>
+              <a:rPr lang="en-US" u="sng" dirty="0"/>
+              <a:t>HTML Form Example</a:t>
+            </a:r>
+          </a:p>
+        </p:txBody>
+      </p:sp>
+      <p:sp>
+        <p:nvSpPr>
+          <p:cNvPr id="6" name="Slide Number Placeholder 5"/>
+          <p:cNvSpPr>
+            <a:spLocks noGrp="1"/>
+          </p:cNvSpPr>
+          <p:nvPr>
+            <p:ph type="sldNum" sz="quarter" idx="12"/>
+          </p:nvPr>
+        </p:nvSpPr>
+        <p:spPr/>
+        <p:txBody>
+          <a:bodyPr/>
+          <a:lstStyle/>
+          <a:p>
+            <a:fld id="{34B7E4EF-A1BD-40F4-AB7B-04F084DD991D}" type="slidenum">
+              <a:rPr lang="en-US" smtClean="0"/>
+              <a:t>44</a:t>
             </a:fld>
             <a:endParaRPr lang="en-US" dirty="0"/>
           </a:p>
@@ -13249,121 +14303,6 @@
 </p:sld>
 </file>
 
-<file path=ppt/slides/slide44.xml><?xml version="1.0" encoding="utf-8"?>
-<p:sld xmlns:a="http://schemas.openxmlformats.org/drawingml/2006/main" xmlns:r="http://schemas.openxmlformats.org/officeDocument/2006/relationships" xmlns:p="http://schemas.openxmlformats.org/presentationml/2006/main">
-  <p:cSld>
-    <p:spTree>
-      <p:nvGrpSpPr>
-        <p:cNvPr id="1" name=""/>
-        <p:cNvGrpSpPr/>
-        <p:nvPr/>
-      </p:nvGrpSpPr>
-      <p:grpSpPr>
-        <a:xfrm>
-          <a:off x="0" y="0"/>
-          <a:ext cx="0" cy="0"/>
-          <a:chOff x="0" y="0"/>
-          <a:chExt cx="0" cy="0"/>
-        </a:xfrm>
-      </p:grpSpPr>
-      <p:sp>
-        <p:nvSpPr>
-          <p:cNvPr id="5" name="Title 4">
-            <a:extLst>
-              <a:ext uri="{FF2B5EF4-FFF2-40B4-BE49-F238E27FC236}">
-                <a16:creationId xmlns:a16="http://schemas.microsoft.com/office/drawing/2014/main" id="{19920336-7909-426F-8081-AFA24B193F14}"/>
-              </a:ext>
-            </a:extLst>
-          </p:cNvPr>
-          <p:cNvSpPr>
-            <a:spLocks noGrp="1"/>
-          </p:cNvSpPr>
-          <p:nvPr>
-            <p:ph type="title"/>
-          </p:nvPr>
-        </p:nvSpPr>
-        <p:spPr/>
-        <p:txBody>
-          <a:bodyPr/>
-          <a:lstStyle/>
-          <a:p>
-            <a:r>
-              <a:rPr lang="en-US" cap="none"/>
-              <a:t>Conclusion</a:t>
-            </a:r>
-          </a:p>
-        </p:txBody>
-      </p:sp>
-      <p:sp>
-        <p:nvSpPr>
-          <p:cNvPr id="6" name="Text Placeholder 5">
-            <a:extLst>
-              <a:ext uri="{FF2B5EF4-FFF2-40B4-BE49-F238E27FC236}">
-                <a16:creationId xmlns:a16="http://schemas.microsoft.com/office/drawing/2014/main" id="{DAE3D404-51E4-4D64-88D7-AFA22CFBA8F7}"/>
-              </a:ext>
-            </a:extLst>
-          </p:cNvPr>
-          <p:cNvSpPr>
-            <a:spLocks noGrp="1"/>
-          </p:cNvSpPr>
-          <p:nvPr>
-            <p:ph type="body" idx="1"/>
-          </p:nvPr>
-        </p:nvSpPr>
-        <p:spPr/>
-        <p:txBody>
-          <a:bodyPr/>
-          <a:lstStyle/>
-          <a:p>
-            <a:r>
-              <a:rPr lang="en-US"/>
-              <a:t>What did we learn today?</a:t>
-            </a:r>
-          </a:p>
-        </p:txBody>
-      </p:sp>
-      <p:sp>
-        <p:nvSpPr>
-          <p:cNvPr id="4" name="Slide Number Placeholder 3">
-            <a:extLst>
-              <a:ext uri="{FF2B5EF4-FFF2-40B4-BE49-F238E27FC236}">
-                <a16:creationId xmlns:a16="http://schemas.microsoft.com/office/drawing/2014/main" id="{B3E58610-8DF0-4BC8-B28F-9775BE8BC83F}"/>
-              </a:ext>
-            </a:extLst>
-          </p:cNvPr>
-          <p:cNvSpPr>
-            <a:spLocks noGrp="1"/>
-          </p:cNvSpPr>
-          <p:nvPr>
-            <p:ph type="sldNum" sz="quarter" idx="12"/>
-          </p:nvPr>
-        </p:nvSpPr>
-        <p:spPr/>
-        <p:txBody>
-          <a:bodyPr/>
-          <a:lstStyle/>
-          <a:p>
-            <a:fld id="{34B7E4EF-A1BD-40F4-AB7B-04F084DD991D}" type="slidenum">
-              <a:rPr lang="en-US" smtClean="0"/>
-              <a:t>44</a:t>
-            </a:fld>
-            <a:endParaRPr lang="en-US" dirty="0"/>
-          </a:p>
-        </p:txBody>
-      </p:sp>
-    </p:spTree>
-    <p:extLst>
-      <p:ext uri="{BB962C8B-B14F-4D97-AF65-F5344CB8AC3E}">
-        <p14:creationId xmlns:p14="http://schemas.microsoft.com/office/powerpoint/2010/main" val="1909237733"/>
-      </p:ext>
-    </p:extLst>
-  </p:cSld>
-  <p:clrMapOvr>
-    <a:masterClrMapping/>
-  </p:clrMapOvr>
-</p:sld>
-</file>
-
 <file path=ppt/slides/slide45.xml><?xml version="1.0" encoding="utf-8"?>
 <p:sld xmlns:a="http://schemas.openxmlformats.org/drawingml/2006/main" xmlns:r="http://schemas.openxmlformats.org/officeDocument/2006/relationships" xmlns:p="http://schemas.openxmlformats.org/presentationml/2006/main">
   <p:cSld>
@@ -13383,10 +14322,10 @@
       </p:grpSpPr>
       <p:sp>
         <p:nvSpPr>
-          <p:cNvPr id="2" name="Title 1">
+          <p:cNvPr id="5" name="Title 4">
             <a:extLst>
               <a:ext uri="{FF2B5EF4-FFF2-40B4-BE49-F238E27FC236}">
-                <a16:creationId xmlns:a16="http://schemas.microsoft.com/office/drawing/2014/main" id="{BDFAC13C-59B1-436E-B58F-C304E1C705CF}"/>
+                <a16:creationId xmlns:a16="http://schemas.microsoft.com/office/drawing/2014/main" id="{19920336-7909-426F-8081-AFA24B193F14}"/>
               </a:ext>
             </a:extLst>
           </p:cNvPr>
@@ -13399,24 +14338,22 @@
         </p:nvSpPr>
         <p:spPr/>
         <p:txBody>
-          <a:bodyPr>
-            <a:normAutofit/>
-          </a:bodyPr>
-          <a:lstStyle/>
-          <a:p>
-            <a:r>
-              <a:rPr lang="en-US" u="sng" dirty="0"/>
-              <a:t>What We Covered</a:t>
-            </a:r>
-          </a:p>
-        </p:txBody>
-      </p:sp>
-      <p:sp>
-        <p:nvSpPr>
-          <p:cNvPr id="3" name="Content Placeholder 2">
+          <a:bodyPr/>
+          <a:lstStyle/>
+          <a:p>
+            <a:r>
+              <a:rPr lang="en-US" cap="none"/>
+              <a:t>Conclusion</a:t>
+            </a:r>
+          </a:p>
+        </p:txBody>
+      </p:sp>
+      <p:sp>
+        <p:nvSpPr>
+          <p:cNvPr id="6" name="Text Placeholder 5">
             <a:extLst>
               <a:ext uri="{FF2B5EF4-FFF2-40B4-BE49-F238E27FC236}">
-                <a16:creationId xmlns:a16="http://schemas.microsoft.com/office/drawing/2014/main" id="{844A3DC5-46BF-4BFF-8008-98FD467C4904}"/>
+                <a16:creationId xmlns:a16="http://schemas.microsoft.com/office/drawing/2014/main" id="{DAE3D404-51E4-4D64-88D7-AFA22CFBA8F7}"/>
               </a:ext>
             </a:extLst>
           </p:cNvPr>
@@ -13424,69 +14361,30 @@
             <a:spLocks noGrp="1"/>
           </p:cNvSpPr>
           <p:nvPr>
-            <p:ph idx="1"/>
+            <p:ph type="body" idx="1"/>
           </p:nvPr>
         </p:nvSpPr>
         <p:spPr/>
         <p:txBody>
-          <a:bodyPr>
-            <a:normAutofit/>
-          </a:bodyPr>
-          <a:lstStyle/>
-          <a:p>
-            <a:r>
-              <a:rPr lang="en-US" sz="2400" dirty="0">
-                <a:cs typeface="Arial" panose="020B0604020202020204" pitchFamily="34" charset="0"/>
-              </a:rPr>
-              <a:t>Give a brief overview of HTML Forms</a:t>
-            </a:r>
-          </a:p>
-          <a:p>
-            <a:r>
-              <a:rPr lang="en-US" sz="2400" dirty="0">
-                <a:cs typeface="Arial" panose="020B0604020202020204" pitchFamily="34" charset="0"/>
-              </a:rPr>
-              <a:t>Explain usage of &lt;form&gt; element attributes</a:t>
-            </a:r>
-          </a:p>
-          <a:p>
-            <a:r>
-              <a:rPr lang="en-US" sz="2400" dirty="0">
-                <a:cs typeface="Arial" panose="020B0604020202020204" pitchFamily="34" charset="0"/>
-              </a:rPr>
-              <a:t>Discuss various form controls</a:t>
-            </a:r>
-          </a:p>
-          <a:p>
-            <a:r>
-              <a:rPr lang="en-US" sz="2400" dirty="0">
-                <a:cs typeface="Arial" panose="020B0604020202020204" pitchFamily="34" charset="0"/>
-              </a:rPr>
-              <a:t>Discuss grouping inputs with &lt;fieldset&gt; and &lt;legend&gt;</a:t>
-            </a:r>
-          </a:p>
-          <a:p>
-            <a:r>
-              <a:rPr lang="en-US" sz="2400" dirty="0">
-                <a:cs typeface="Arial" panose="020B0604020202020204" pitchFamily="34" charset="0"/>
-              </a:rPr>
-              <a:t>Discuss autocomplete</a:t>
-            </a:r>
-          </a:p>
-          <a:p>
-            <a:r>
-              <a:rPr lang="en-US" sz="2400" dirty="0">
-                <a:cs typeface="Arial" panose="020B0604020202020204" pitchFamily="34" charset="0"/>
-              </a:rPr>
-              <a:t>Build example forms</a:t>
-            </a:r>
-            <a:endParaRPr lang="en-US" sz="2400" dirty="0"/>
-          </a:p>
-        </p:txBody>
-      </p:sp>
-      <p:sp>
-        <p:nvSpPr>
-          <p:cNvPr id="5" name="Slide Number Placeholder 4"/>
+          <a:bodyPr/>
+          <a:lstStyle/>
+          <a:p>
+            <a:r>
+              <a:rPr lang="en-US"/>
+              <a:t>What did we learn today?</a:t>
+            </a:r>
+          </a:p>
+        </p:txBody>
+      </p:sp>
+      <p:sp>
+        <p:nvSpPr>
+          <p:cNvPr id="4" name="Slide Number Placeholder 3">
+            <a:extLst>
+              <a:ext uri="{FF2B5EF4-FFF2-40B4-BE49-F238E27FC236}">
+                <a16:creationId xmlns:a16="http://schemas.microsoft.com/office/drawing/2014/main" id="{B3E58610-8DF0-4BC8-B28F-9775BE8BC83F}"/>
+              </a:ext>
+            </a:extLst>
+          </p:cNvPr>
           <p:cNvSpPr>
             <a:spLocks noGrp="1"/>
           </p:cNvSpPr>
@@ -13510,7 +14408,7 @@
     </p:spTree>
     <p:extLst>
       <p:ext uri="{BB962C8B-B14F-4D97-AF65-F5344CB8AC3E}">
-        <p14:creationId xmlns:p14="http://schemas.microsoft.com/office/powerpoint/2010/main" val="2820098090"/>
+        <p14:creationId xmlns:p14="http://schemas.microsoft.com/office/powerpoint/2010/main" val="1909237733"/>
       </p:ext>
     </p:extLst>
   </p:cSld>
@@ -13562,7 +14460,7 @@
           <a:p>
             <a:r>
               <a:rPr lang="en-US" u="sng" dirty="0"/>
-              <a:t>Some Useful URLs</a:t>
+              <a:t>What We Covered</a:t>
             </a:r>
           </a:p>
         </p:txBody>
@@ -13591,6 +14489,162 @@
           <a:lstStyle/>
           <a:p>
             <a:r>
+              <a:rPr lang="en-US" sz="2400" dirty="0">
+                <a:cs typeface="Arial" panose="020B0604020202020204" pitchFamily="34" charset="0"/>
+              </a:rPr>
+              <a:t>Give a brief overview of HTML Forms</a:t>
+            </a:r>
+          </a:p>
+          <a:p>
+            <a:r>
+              <a:rPr lang="en-US" sz="2400" dirty="0">
+                <a:cs typeface="Arial" panose="020B0604020202020204" pitchFamily="34" charset="0"/>
+              </a:rPr>
+              <a:t>Explain usage of &lt;form&gt; element attributes</a:t>
+            </a:r>
+          </a:p>
+          <a:p>
+            <a:r>
+              <a:rPr lang="en-US" sz="2400" dirty="0">
+                <a:cs typeface="Arial" panose="020B0604020202020204" pitchFamily="34" charset="0"/>
+              </a:rPr>
+              <a:t>Discuss various form controls</a:t>
+            </a:r>
+          </a:p>
+          <a:p>
+            <a:r>
+              <a:rPr lang="en-US" sz="2400" dirty="0">
+                <a:cs typeface="Arial" panose="020B0604020202020204" pitchFamily="34" charset="0"/>
+              </a:rPr>
+              <a:t>Discuss grouping inputs with &lt;fieldset&gt; and &lt;legend&gt;</a:t>
+            </a:r>
+          </a:p>
+          <a:p>
+            <a:r>
+              <a:rPr lang="en-US" sz="2400" dirty="0">
+                <a:cs typeface="Arial" panose="020B0604020202020204" pitchFamily="34" charset="0"/>
+              </a:rPr>
+              <a:t>Discuss autocomplete</a:t>
+            </a:r>
+          </a:p>
+          <a:p>
+            <a:r>
+              <a:rPr lang="en-US" sz="2400" dirty="0">
+                <a:cs typeface="Arial" panose="020B0604020202020204" pitchFamily="34" charset="0"/>
+              </a:rPr>
+              <a:t>Build example forms</a:t>
+            </a:r>
+            <a:endParaRPr lang="en-US" sz="2400" dirty="0"/>
+          </a:p>
+        </p:txBody>
+      </p:sp>
+      <p:sp>
+        <p:nvSpPr>
+          <p:cNvPr id="5" name="Slide Number Placeholder 4"/>
+          <p:cNvSpPr>
+            <a:spLocks noGrp="1"/>
+          </p:cNvSpPr>
+          <p:nvPr>
+            <p:ph type="sldNum" sz="quarter" idx="12"/>
+          </p:nvPr>
+        </p:nvSpPr>
+        <p:spPr/>
+        <p:txBody>
+          <a:bodyPr/>
+          <a:lstStyle/>
+          <a:p>
+            <a:fld id="{34B7E4EF-A1BD-40F4-AB7B-04F084DD991D}" type="slidenum">
+              <a:rPr lang="en-US" smtClean="0"/>
+              <a:t>46</a:t>
+            </a:fld>
+            <a:endParaRPr lang="en-US" dirty="0"/>
+          </a:p>
+        </p:txBody>
+      </p:sp>
+    </p:spTree>
+    <p:extLst>
+      <p:ext uri="{BB962C8B-B14F-4D97-AF65-F5344CB8AC3E}">
+        <p14:creationId xmlns:p14="http://schemas.microsoft.com/office/powerpoint/2010/main" val="2820098090"/>
+      </p:ext>
+    </p:extLst>
+  </p:cSld>
+  <p:clrMapOvr>
+    <a:masterClrMapping/>
+  </p:clrMapOvr>
+</p:sld>
+</file>
+
+<file path=ppt/slides/slide47.xml><?xml version="1.0" encoding="utf-8"?>
+<p:sld xmlns:a="http://schemas.openxmlformats.org/drawingml/2006/main" xmlns:r="http://schemas.openxmlformats.org/officeDocument/2006/relationships" xmlns:p="http://schemas.openxmlformats.org/presentationml/2006/main">
+  <p:cSld>
+    <p:spTree>
+      <p:nvGrpSpPr>
+        <p:cNvPr id="1" name=""/>
+        <p:cNvGrpSpPr/>
+        <p:nvPr/>
+      </p:nvGrpSpPr>
+      <p:grpSpPr>
+        <a:xfrm>
+          <a:off x="0" y="0"/>
+          <a:ext cx="0" cy="0"/>
+          <a:chOff x="0" y="0"/>
+          <a:chExt cx="0" cy="0"/>
+        </a:xfrm>
+      </p:grpSpPr>
+      <p:sp>
+        <p:nvSpPr>
+          <p:cNvPr id="2" name="Title 1">
+            <a:extLst>
+              <a:ext uri="{FF2B5EF4-FFF2-40B4-BE49-F238E27FC236}">
+                <a16:creationId xmlns:a16="http://schemas.microsoft.com/office/drawing/2014/main" id="{BDFAC13C-59B1-436E-B58F-C304E1C705CF}"/>
+              </a:ext>
+            </a:extLst>
+          </p:cNvPr>
+          <p:cNvSpPr>
+            <a:spLocks noGrp="1"/>
+          </p:cNvSpPr>
+          <p:nvPr>
+            <p:ph type="title"/>
+          </p:nvPr>
+        </p:nvSpPr>
+        <p:spPr/>
+        <p:txBody>
+          <a:bodyPr>
+            <a:normAutofit/>
+          </a:bodyPr>
+          <a:lstStyle/>
+          <a:p>
+            <a:r>
+              <a:rPr lang="en-US" u="sng" dirty="0"/>
+              <a:t>Some Useful URLs</a:t>
+            </a:r>
+          </a:p>
+        </p:txBody>
+      </p:sp>
+      <p:sp>
+        <p:nvSpPr>
+          <p:cNvPr id="3" name="Content Placeholder 2">
+            <a:extLst>
+              <a:ext uri="{FF2B5EF4-FFF2-40B4-BE49-F238E27FC236}">
+                <a16:creationId xmlns:a16="http://schemas.microsoft.com/office/drawing/2014/main" id="{844A3DC5-46BF-4BFF-8008-98FD467C4904}"/>
+              </a:ext>
+            </a:extLst>
+          </p:cNvPr>
+          <p:cNvSpPr>
+            <a:spLocks noGrp="1"/>
+          </p:cNvSpPr>
+          <p:nvPr>
+            <p:ph idx="1"/>
+          </p:nvPr>
+        </p:nvSpPr>
+        <p:spPr/>
+        <p:txBody>
+          <a:bodyPr>
+            <a:normAutofit/>
+          </a:bodyPr>
+          <a:lstStyle/>
+          <a:p>
+            <a:r>
               <a:rPr lang="en-US" sz="1800">
                 <a:hlinkClick r:id="rId3"/>
               </a:rPr>
@@ -13664,7 +14718,7 @@
           <a:p>
             <a:fld id="{34B7E4EF-A1BD-40F4-AB7B-04F084DD991D}" type="slidenum">
               <a:rPr lang="en-US" smtClean="0"/>
-              <a:t>46</a:t>
+              <a:t>47</a:t>
             </a:fld>
             <a:endParaRPr lang="en-US" dirty="0"/>
           </a:p>
@@ -15298,24 +16352,6 @@
 </file>
 
 <file path=customXml/item1.xml><?xml version="1.0" encoding="utf-8"?>
-<?mso-contentType ?>
-<FormTemplates xmlns="http://schemas.microsoft.com/sharepoint/v3/contenttype/forms">
-  <Display>DocumentLibraryForm</Display>
-  <Edit>DocumentLibraryForm</Edit>
-  <New>DocumentLibraryForm</New>
-</FormTemplates>
-</file>
-
-<file path=customXml/item2.xml><?xml version="1.0" encoding="utf-8"?>
-<p:properties xmlns:p="http://schemas.microsoft.com/office/2006/metadata/properties" xmlns:xsi="http://www.w3.org/2001/XMLSchema-instance" xmlns:pc="http://schemas.microsoft.com/office/infopath/2007/PartnerControls">
-  <documentManagement>
-    <Status xmlns="71af3243-3dd4-4a8d-8c0d-dd76da1f02a5">Not started</Status>
-    <MediaServiceKeyPoints xmlns="71af3243-3dd4-4a8d-8c0d-dd76da1f02a5" xsi:nil="true"/>
-  </documentManagement>
-</p:properties>
-</file>
-
-<file path=customXml/item3.xml><?xml version="1.0" encoding="utf-8"?>
 <ct:contentTypeSchema xmlns:ct="http://schemas.microsoft.com/office/2006/metadata/contentType" xmlns:ma="http://schemas.microsoft.com/office/2006/metadata/properties/metaAttributes" ct:_="" ma:_="" ma:contentTypeName="Document" ma:contentTypeID="0x01010079F111ED35F8CC479449609E8A0923A6" ma:contentTypeVersion="12" ma:contentTypeDescription="Create a new document." ma:contentTypeScope="" ma:versionID="a410dd7f93c95333ffa1b60ed6adedd1">
   <xsd:schema xmlns:xsd="http://www.w3.org/2001/XMLSchema" xmlns:xs="http://www.w3.org/2001/XMLSchema" xmlns:p="http://schemas.microsoft.com/office/2006/metadata/properties" xmlns:ns2="71af3243-3dd4-4a8d-8c0d-dd76da1f02a5" xmlns:ns3="16c05727-aa75-4e4a-9b5f-8a80a1165891" targetNamespace="http://schemas.microsoft.com/office/2006/metadata/properties" ma:root="true" ma:fieldsID="a936d9baba76aa3866493feff160faab" ns2:_="" ns3:_="">
     <xsd:import namespace="71af3243-3dd4-4a8d-8c0d-dd76da1f02a5"/>
@@ -15536,32 +16572,25 @@
 </ct:contentTypeSchema>
 </file>
 
-<file path=customXml/itemProps1.xml><?xml version="1.0" encoding="utf-8"?>
-<ds:datastoreItem xmlns:ds="http://schemas.openxmlformats.org/officeDocument/2006/customXml" ds:itemID="{CDB58277-F8DF-46FF-84EC-EF41B835E69F}">
-  <ds:schemaRefs>
-    <ds:schemaRef ds:uri="http://schemas.microsoft.com/sharepoint/v3/contenttype/forms"/>
-  </ds:schemaRefs>
-</ds:datastoreItem>
+<file path=customXml/item2.xml><?xml version="1.0" encoding="utf-8"?>
+<?mso-contentType ?>
+<FormTemplates xmlns="http://schemas.microsoft.com/sharepoint/v3/contenttype/forms">
+  <Display>DocumentLibraryForm</Display>
+  <Edit>DocumentLibraryForm</Edit>
+  <New>DocumentLibraryForm</New>
+</FormTemplates>
 </file>
 
-<file path=customXml/itemProps2.xml><?xml version="1.0" encoding="utf-8"?>
-<ds:datastoreItem xmlns:ds="http://schemas.openxmlformats.org/officeDocument/2006/customXml" ds:itemID="{137651BA-F45C-4845-9AB3-E0A65B39F5E1}">
-  <ds:schemaRefs>
-    <ds:schemaRef ds:uri="http://purl.org/dc/terms/"/>
-    <ds:schemaRef ds:uri="http://schemas.openxmlformats.org/package/2006/metadata/core-properties"/>
-    <ds:schemaRef ds:uri="16c05727-aa75-4e4a-9b5f-8a80a1165891"/>
-    <ds:schemaRef ds:uri="http://schemas.microsoft.com/office/2006/documentManagement/types"/>
-    <ds:schemaRef ds:uri="http://schemas.microsoft.com/office/infopath/2007/PartnerControls"/>
-    <ds:schemaRef ds:uri="http://purl.org/dc/elements/1.1/"/>
-    <ds:schemaRef ds:uri="http://schemas.microsoft.com/office/2006/metadata/properties"/>
-    <ds:schemaRef ds:uri="71af3243-3dd4-4a8d-8c0d-dd76da1f02a5"/>
-    <ds:schemaRef ds:uri="http://www.w3.org/XML/1998/namespace"/>
-    <ds:schemaRef ds:uri="http://purl.org/dc/dcmitype/"/>
-  </ds:schemaRefs>
-</ds:datastoreItem>
+<file path=customXml/item3.xml><?xml version="1.0" encoding="utf-8"?>
+<p:properties xmlns:p="http://schemas.microsoft.com/office/2006/metadata/properties" xmlns:xsi="http://www.w3.org/2001/XMLSchema-instance" xmlns:pc="http://schemas.microsoft.com/office/infopath/2007/PartnerControls">
+  <documentManagement>
+    <Status xmlns="71af3243-3dd4-4a8d-8c0d-dd76da1f02a5">Not started</Status>
+    <MediaServiceKeyPoints xmlns="71af3243-3dd4-4a8d-8c0d-dd76da1f02a5" xsi:nil="true"/>
+  </documentManagement>
+</p:properties>
 </file>
 
-<file path=customXml/itemProps3.xml><?xml version="1.0" encoding="utf-8"?>
+<file path=customXml/itemProps1.xml><?xml version="1.0" encoding="utf-8"?>
 <ds:datastoreItem xmlns:ds="http://schemas.openxmlformats.org/officeDocument/2006/customXml" ds:itemID="{2D276E62-80A3-44DD-9BCC-97ED2B99B57F}">
   <ds:schemaRefs>
     <ds:schemaRef ds:uri="http://schemas.microsoft.com/office/2006/metadata/contentType"/>
@@ -15578,4 +16607,29 @@
     <ds:schemaRef ds:uri="http://schemas.microsoft.com/internal/obd"/>
   </ds:schemaRefs>
 </ds:datastoreItem>
+</file>
+
+<file path=customXml/itemProps2.xml><?xml version="1.0" encoding="utf-8"?>
+<ds:datastoreItem xmlns:ds="http://schemas.openxmlformats.org/officeDocument/2006/customXml" ds:itemID="{CDB58277-F8DF-46FF-84EC-EF41B835E69F}">
+  <ds:schemaRefs>
+    <ds:schemaRef ds:uri="http://schemas.microsoft.com/sharepoint/v3/contenttype/forms"/>
+  </ds:schemaRefs>
+</ds:datastoreItem>
+</file>
+
+<file path=customXml/itemProps3.xml><?xml version="1.0" encoding="utf-8"?>
+<ds:datastoreItem xmlns:ds="http://schemas.openxmlformats.org/officeDocument/2006/customXml" ds:itemID="{137651BA-F45C-4845-9AB3-E0A65B39F5E1}">
+  <ds:schemaRefs>
+    <ds:schemaRef ds:uri="http://purl.org/dc/terms/"/>
+    <ds:schemaRef ds:uri="http://schemas.openxmlformats.org/package/2006/metadata/core-properties"/>
+    <ds:schemaRef ds:uri="16c05727-aa75-4e4a-9b5f-8a80a1165891"/>
+    <ds:schemaRef ds:uri="http://schemas.microsoft.com/office/2006/documentManagement/types"/>
+    <ds:schemaRef ds:uri="http://schemas.microsoft.com/office/infopath/2007/PartnerControls"/>
+    <ds:schemaRef ds:uri="http://purl.org/dc/elements/1.1/"/>
+    <ds:schemaRef ds:uri="http://schemas.microsoft.com/office/2006/metadata/properties"/>
+    <ds:schemaRef ds:uri="71af3243-3dd4-4a8d-8c0d-dd76da1f02a5"/>
+    <ds:schemaRef ds:uri="http://www.w3.org/XML/1998/namespace"/>
+    <ds:schemaRef ds:uri="http://purl.org/dc/dcmitype/"/>
+  </ds:schemaRefs>
+</ds:datastoreItem>
 </file>
--- a/unit_00/html_review/02 HTML Forms.pptx
+++ b/unit_00/html_review/02 HTML Forms.pptx
@@ -5,7 +5,7 @@
     <p:sldMasterId id="2147483673" r:id="rId4"/>
   </p:sldMasterIdLst>
   <p:notesMasterIdLst>
-    <p:notesMasterId r:id="rId52"/>
+    <p:notesMasterId r:id="rId53"/>
   </p:notesMasterIdLst>
   <p:sldIdLst>
     <p:sldId id="257" r:id="rId5"/>
@@ -39,22 +39,23 @@
     <p:sldId id="416" r:id="rId33"/>
     <p:sldId id="417" r:id="rId34"/>
     <p:sldId id="418" r:id="rId35"/>
-    <p:sldId id="438" r:id="rId36"/>
-    <p:sldId id="419" r:id="rId37"/>
-    <p:sldId id="422" r:id="rId38"/>
-    <p:sldId id="423" r:id="rId39"/>
-    <p:sldId id="439" r:id="rId40"/>
-    <p:sldId id="442" r:id="rId41"/>
-    <p:sldId id="441" r:id="rId42"/>
-    <p:sldId id="424" r:id="rId43"/>
-    <p:sldId id="425" r:id="rId44"/>
-    <p:sldId id="426" r:id="rId45"/>
-    <p:sldId id="427" r:id="rId46"/>
-    <p:sldId id="428" r:id="rId47"/>
-    <p:sldId id="429" r:id="rId48"/>
-    <p:sldId id="440" r:id="rId49"/>
-    <p:sldId id="280" r:id="rId50"/>
-    <p:sldId id="277" r:id="rId51"/>
+    <p:sldId id="439" r:id="rId36"/>
+    <p:sldId id="450" r:id="rId37"/>
+    <p:sldId id="442" r:id="rId38"/>
+    <p:sldId id="453" r:id="rId39"/>
+    <p:sldId id="419" r:id="rId40"/>
+    <p:sldId id="449" r:id="rId41"/>
+    <p:sldId id="452" r:id="rId42"/>
+    <p:sldId id="451" r:id="rId43"/>
+    <p:sldId id="454" r:id="rId44"/>
+    <p:sldId id="455" r:id="rId45"/>
+    <p:sldId id="456" r:id="rId46"/>
+    <p:sldId id="457" r:id="rId47"/>
+    <p:sldId id="441" r:id="rId48"/>
+    <p:sldId id="429" r:id="rId49"/>
+    <p:sldId id="440" r:id="rId50"/>
+    <p:sldId id="280" r:id="rId51"/>
+    <p:sldId id="277" r:id="rId52"/>
   </p:sldIdLst>
   <p:sldSz cx="12192000" cy="6858000"/>
   <p:notesSz cx="6858000" cy="9144000"/>
@@ -159,6 +160,3216 @@
     </p:ext>
   </p:extLst>
 </p:presentation>
+</file>
+
+<file path=ppt/diagrams/colors1.xml><?xml version="1.0" encoding="utf-8"?>
+<dgm:colorsDef xmlns:dgm="http://schemas.openxmlformats.org/drawingml/2006/diagram" xmlns:a="http://schemas.openxmlformats.org/drawingml/2006/main" uniqueId="urn:microsoft.com/office/officeart/2005/8/colors/accent0_2">
+  <dgm:title val=""/>
+  <dgm:desc val=""/>
+  <dgm:catLst>
+    <dgm:cat type="mainScheme" pri="10200"/>
+  </dgm:catLst>
+  <dgm:styleLbl name="node0">
+    <dgm:fillClrLst meth="repeat">
+      <a:schemeClr val="lt1"/>
+    </dgm:fillClrLst>
+    <dgm:linClrLst meth="repeat">
+      <a:schemeClr val="dk2">
+        <a:shade val="80000"/>
+      </a:schemeClr>
+    </dgm:linClrLst>
+    <dgm:effectClrLst/>
+    <dgm:txLinClrLst/>
+    <dgm:txFillClrLst meth="repeat">
+      <a:schemeClr val="dk2"/>
+    </dgm:txFillClrLst>
+    <dgm:txEffectClrLst/>
+  </dgm:styleLbl>
+  <dgm:styleLbl name="node1">
+    <dgm:fillClrLst meth="repeat">
+      <a:schemeClr val="lt1"/>
+    </dgm:fillClrLst>
+    <dgm:linClrLst meth="repeat">
+      <a:schemeClr val="dk2">
+        <a:shade val="80000"/>
+      </a:schemeClr>
+    </dgm:linClrLst>
+    <dgm:effectClrLst/>
+    <dgm:txLinClrLst/>
+    <dgm:txFillClrLst meth="repeat">
+      <a:schemeClr val="dk2"/>
+    </dgm:txFillClrLst>
+    <dgm:txEffectClrLst/>
+  </dgm:styleLbl>
+  <dgm:styleLbl name="alignNode1">
+    <dgm:fillClrLst meth="repeat">
+      <a:schemeClr val="lt1"/>
+    </dgm:fillClrLst>
+    <dgm:linClrLst meth="repeat">
+      <a:schemeClr val="dk2">
+        <a:shade val="80000"/>
+      </a:schemeClr>
+    </dgm:linClrLst>
+    <dgm:effectClrLst/>
+    <dgm:txLinClrLst/>
+    <dgm:txFillClrLst meth="repeat">
+      <a:schemeClr val="dk2"/>
+    </dgm:txFillClrLst>
+    <dgm:txEffectClrLst/>
+  </dgm:styleLbl>
+  <dgm:styleLbl name="lnNode1">
+    <dgm:fillClrLst meth="repeat">
+      <a:schemeClr val="lt1"/>
+    </dgm:fillClrLst>
+    <dgm:linClrLst meth="repeat">
+      <a:schemeClr val="dk2">
+        <a:shade val="80000"/>
+      </a:schemeClr>
+    </dgm:linClrLst>
+    <dgm:effectClrLst/>
+    <dgm:txLinClrLst/>
+    <dgm:txFillClrLst meth="repeat">
+      <a:schemeClr val="dk2"/>
+    </dgm:txFillClrLst>
+    <dgm:txEffectClrLst/>
+  </dgm:styleLbl>
+  <dgm:styleLbl name="vennNode1">
+    <dgm:fillClrLst meth="repeat">
+      <a:schemeClr val="lt1">
+        <a:alpha val="50000"/>
+      </a:schemeClr>
+    </dgm:fillClrLst>
+    <dgm:linClrLst meth="repeat">
+      <a:schemeClr val="dk2">
+        <a:shade val="80000"/>
+      </a:schemeClr>
+    </dgm:linClrLst>
+    <dgm:effectClrLst/>
+    <dgm:txLinClrLst/>
+    <dgm:txFillClrLst/>
+    <dgm:txEffectClrLst/>
+  </dgm:styleLbl>
+  <dgm:styleLbl name="node2">
+    <dgm:fillClrLst meth="repeat">
+      <a:schemeClr val="lt1"/>
+    </dgm:fillClrLst>
+    <dgm:linClrLst meth="repeat">
+      <a:schemeClr val="dk2">
+        <a:shade val="80000"/>
+      </a:schemeClr>
+    </dgm:linClrLst>
+    <dgm:effectClrLst/>
+    <dgm:txLinClrLst/>
+    <dgm:txFillClrLst meth="repeat">
+      <a:schemeClr val="dk2"/>
+    </dgm:txFillClrLst>
+    <dgm:txEffectClrLst/>
+  </dgm:styleLbl>
+  <dgm:styleLbl name="node3">
+    <dgm:fillClrLst meth="repeat">
+      <a:schemeClr val="lt1"/>
+    </dgm:fillClrLst>
+    <dgm:linClrLst meth="repeat">
+      <a:schemeClr val="dk2">
+        <a:shade val="80000"/>
+      </a:schemeClr>
+    </dgm:linClrLst>
+    <dgm:effectClrLst/>
+    <dgm:txLinClrLst/>
+    <dgm:txFillClrLst meth="repeat">
+      <a:schemeClr val="dk2"/>
+    </dgm:txFillClrLst>
+    <dgm:txEffectClrLst/>
+  </dgm:styleLbl>
+  <dgm:styleLbl name="node4">
+    <dgm:fillClrLst meth="repeat">
+      <a:schemeClr val="lt1"/>
+    </dgm:fillClrLst>
+    <dgm:linClrLst meth="repeat">
+      <a:schemeClr val="dk2">
+        <a:shade val="80000"/>
+      </a:schemeClr>
+    </dgm:linClrLst>
+    <dgm:effectClrLst/>
+    <dgm:txLinClrLst/>
+    <dgm:txFillClrLst meth="repeat">
+      <a:schemeClr val="dk2"/>
+    </dgm:txFillClrLst>
+    <dgm:txEffectClrLst/>
+  </dgm:styleLbl>
+  <dgm:styleLbl name="fgImgPlace1">
+    <dgm:fillClrLst meth="repeat">
+      <a:schemeClr val="dk2">
+        <a:tint val="40000"/>
+      </a:schemeClr>
+    </dgm:fillClrLst>
+    <dgm:linClrLst meth="repeat">
+      <a:schemeClr val="dk2">
+        <a:shade val="80000"/>
+      </a:schemeClr>
+    </dgm:linClrLst>
+    <dgm:effectClrLst/>
+    <dgm:txLinClrLst/>
+    <dgm:txFillClrLst meth="repeat">
+      <a:schemeClr val="lt1"/>
+    </dgm:txFillClrLst>
+    <dgm:txEffectClrLst/>
+  </dgm:styleLbl>
+  <dgm:styleLbl name="alignImgPlace1">
+    <dgm:fillClrLst meth="repeat">
+      <a:schemeClr val="dk2">
+        <a:tint val="40000"/>
+      </a:schemeClr>
+    </dgm:fillClrLst>
+    <dgm:linClrLst meth="repeat">
+      <a:schemeClr val="dk2">
+        <a:shade val="80000"/>
+      </a:schemeClr>
+    </dgm:linClrLst>
+    <dgm:effectClrLst/>
+    <dgm:txLinClrLst/>
+    <dgm:txFillClrLst meth="repeat">
+      <a:schemeClr val="lt1"/>
+    </dgm:txFillClrLst>
+    <dgm:txEffectClrLst/>
+  </dgm:styleLbl>
+  <dgm:styleLbl name="bgImgPlace1">
+    <dgm:fillClrLst meth="repeat">
+      <a:schemeClr val="dk2">
+        <a:tint val="40000"/>
+      </a:schemeClr>
+    </dgm:fillClrLst>
+    <dgm:linClrLst meth="repeat">
+      <a:schemeClr val="dk2">
+        <a:shade val="80000"/>
+      </a:schemeClr>
+    </dgm:linClrLst>
+    <dgm:effectClrLst/>
+    <dgm:txLinClrLst/>
+    <dgm:txFillClrLst meth="repeat">
+      <a:schemeClr val="lt1"/>
+    </dgm:txFillClrLst>
+    <dgm:txEffectClrLst/>
+  </dgm:styleLbl>
+  <dgm:styleLbl name="sibTrans2D1">
+    <dgm:fillClrLst meth="repeat">
+      <a:schemeClr val="dk2">
+        <a:tint val="60000"/>
+      </a:schemeClr>
+    </dgm:fillClrLst>
+    <dgm:linClrLst meth="repeat">
+      <a:schemeClr val="dk2">
+        <a:tint val="60000"/>
+      </a:schemeClr>
+    </dgm:linClrLst>
+    <dgm:effectClrLst/>
+    <dgm:txLinClrLst/>
+    <dgm:txFillClrLst meth="repeat">
+      <a:schemeClr val="dk2"/>
+    </dgm:txFillClrLst>
+    <dgm:txEffectClrLst/>
+  </dgm:styleLbl>
+  <dgm:styleLbl name="fgSibTrans2D1">
+    <dgm:fillClrLst meth="repeat">
+      <a:schemeClr val="dk2">
+        <a:tint val="60000"/>
+      </a:schemeClr>
+    </dgm:fillClrLst>
+    <dgm:linClrLst meth="repeat">
+      <a:schemeClr val="dk2">
+        <a:tint val="60000"/>
+      </a:schemeClr>
+    </dgm:linClrLst>
+    <dgm:effectClrLst/>
+    <dgm:txLinClrLst/>
+    <dgm:txFillClrLst meth="repeat">
+      <a:schemeClr val="dk2"/>
+    </dgm:txFillClrLst>
+    <dgm:txEffectClrLst/>
+  </dgm:styleLbl>
+  <dgm:styleLbl name="bgSibTrans2D1">
+    <dgm:fillClrLst meth="repeat">
+      <a:schemeClr val="dk2">
+        <a:tint val="60000"/>
+      </a:schemeClr>
+    </dgm:fillClrLst>
+    <dgm:linClrLst meth="repeat">
+      <a:schemeClr val="dk2">
+        <a:tint val="60000"/>
+      </a:schemeClr>
+    </dgm:linClrLst>
+    <dgm:effectClrLst/>
+    <dgm:txLinClrLst/>
+    <dgm:txFillClrLst meth="repeat">
+      <a:schemeClr val="dk2"/>
+    </dgm:txFillClrLst>
+    <dgm:txEffectClrLst/>
+  </dgm:styleLbl>
+  <dgm:styleLbl name="sibTrans1D1">
+    <dgm:fillClrLst meth="repeat">
+      <a:schemeClr val="dk2"/>
+    </dgm:fillClrLst>
+    <dgm:linClrLst meth="repeat">
+      <a:schemeClr val="dk2"/>
+    </dgm:linClrLst>
+    <dgm:effectClrLst/>
+    <dgm:txLinClrLst/>
+    <dgm:txFillClrLst meth="repeat">
+      <a:schemeClr val="tx1"/>
+    </dgm:txFillClrLst>
+    <dgm:txEffectClrLst/>
+  </dgm:styleLbl>
+  <dgm:styleLbl name="callout">
+    <dgm:fillClrLst meth="repeat">
+      <a:schemeClr val="dk2"/>
+    </dgm:fillClrLst>
+    <dgm:linClrLst meth="repeat">
+      <a:schemeClr val="dk2"/>
+    </dgm:linClrLst>
+    <dgm:effectClrLst/>
+    <dgm:txLinClrLst/>
+    <dgm:txFillClrLst meth="repeat">
+      <a:schemeClr val="tx1"/>
+    </dgm:txFillClrLst>
+    <dgm:txEffectClrLst/>
+  </dgm:styleLbl>
+  <dgm:styleLbl name="asst0">
+    <dgm:fillClrLst meth="repeat">
+      <a:schemeClr val="lt1"/>
+    </dgm:fillClrLst>
+    <dgm:linClrLst meth="repeat">
+      <a:schemeClr val="dk2">
+        <a:shade val="80000"/>
+      </a:schemeClr>
+    </dgm:linClrLst>
+    <dgm:effectClrLst/>
+    <dgm:txLinClrLst/>
+    <dgm:txFillClrLst meth="repeat">
+      <a:schemeClr val="dk2"/>
+    </dgm:txFillClrLst>
+    <dgm:txEffectClrLst/>
+  </dgm:styleLbl>
+  <dgm:styleLbl name="asst1">
+    <dgm:fillClrLst meth="repeat">
+      <a:schemeClr val="lt1"/>
+    </dgm:fillClrLst>
+    <dgm:linClrLst meth="repeat">
+      <a:schemeClr val="dk2">
+        <a:shade val="80000"/>
+      </a:schemeClr>
+    </dgm:linClrLst>
+    <dgm:effectClrLst/>
+    <dgm:txLinClrLst/>
+    <dgm:txFillClrLst meth="repeat">
+      <a:schemeClr val="dk2"/>
+    </dgm:txFillClrLst>
+    <dgm:txEffectClrLst/>
+  </dgm:styleLbl>
+  <dgm:styleLbl name="asst2">
+    <dgm:fillClrLst meth="repeat">
+      <a:schemeClr val="lt1"/>
+    </dgm:fillClrLst>
+    <dgm:linClrLst meth="repeat">
+      <a:schemeClr val="dk2">
+        <a:shade val="80000"/>
+      </a:schemeClr>
+    </dgm:linClrLst>
+    <dgm:effectClrLst/>
+    <dgm:txLinClrLst/>
+    <dgm:txFillClrLst meth="repeat">
+      <a:schemeClr val="dk2"/>
+    </dgm:txFillClrLst>
+    <dgm:txEffectClrLst/>
+  </dgm:styleLbl>
+  <dgm:styleLbl name="asst3">
+    <dgm:fillClrLst meth="repeat">
+      <a:schemeClr val="lt1"/>
+    </dgm:fillClrLst>
+    <dgm:linClrLst meth="repeat">
+      <a:schemeClr val="dk2">
+        <a:shade val="80000"/>
+      </a:schemeClr>
+    </dgm:linClrLst>
+    <dgm:effectClrLst/>
+    <dgm:txLinClrLst/>
+    <dgm:txFillClrLst meth="repeat">
+      <a:schemeClr val="dk2"/>
+    </dgm:txFillClrLst>
+    <dgm:txEffectClrLst/>
+  </dgm:styleLbl>
+  <dgm:styleLbl name="asst4">
+    <dgm:fillClrLst meth="repeat">
+      <a:schemeClr val="lt1"/>
+    </dgm:fillClrLst>
+    <dgm:linClrLst meth="repeat">
+      <a:schemeClr val="dk2">
+        <a:shade val="80000"/>
+      </a:schemeClr>
+    </dgm:linClrLst>
+    <dgm:effectClrLst/>
+    <dgm:txLinClrLst/>
+    <dgm:txFillClrLst meth="repeat">
+      <a:schemeClr val="dk2"/>
+    </dgm:txFillClrLst>
+    <dgm:txEffectClrLst/>
+  </dgm:styleLbl>
+  <dgm:styleLbl name="parChTrans2D1">
+    <dgm:fillClrLst meth="repeat">
+      <a:schemeClr val="dk2">
+        <a:tint val="60000"/>
+      </a:schemeClr>
+    </dgm:fillClrLst>
+    <dgm:linClrLst meth="repeat">
+      <a:schemeClr val="dk2">
+        <a:tint val="60000"/>
+      </a:schemeClr>
+    </dgm:linClrLst>
+    <dgm:effectClrLst/>
+    <dgm:txLinClrLst/>
+    <dgm:txFillClrLst/>
+    <dgm:txEffectClrLst/>
+  </dgm:styleLbl>
+  <dgm:styleLbl name="parChTrans2D2">
+    <dgm:fillClrLst meth="repeat">
+      <a:schemeClr val="dk2"/>
+    </dgm:fillClrLst>
+    <dgm:linClrLst meth="repeat">
+      <a:schemeClr val="dk2"/>
+    </dgm:linClrLst>
+    <dgm:effectClrLst/>
+    <dgm:txLinClrLst/>
+    <dgm:txFillClrLst/>
+    <dgm:txEffectClrLst/>
+  </dgm:styleLbl>
+  <dgm:styleLbl name="parChTrans2D3">
+    <dgm:fillClrLst meth="repeat">
+      <a:schemeClr val="dk2"/>
+    </dgm:fillClrLst>
+    <dgm:linClrLst meth="repeat">
+      <a:schemeClr val="dk2"/>
+    </dgm:linClrLst>
+    <dgm:effectClrLst/>
+    <dgm:txLinClrLst/>
+    <dgm:txFillClrLst/>
+    <dgm:txEffectClrLst/>
+  </dgm:styleLbl>
+  <dgm:styleLbl name="parChTrans2D4">
+    <dgm:fillClrLst meth="repeat">
+      <a:schemeClr val="dk2"/>
+    </dgm:fillClrLst>
+    <dgm:linClrLst meth="repeat">
+      <a:schemeClr val="dk2"/>
+    </dgm:linClrLst>
+    <dgm:effectClrLst/>
+    <dgm:txLinClrLst/>
+    <dgm:txFillClrLst meth="repeat">
+      <a:schemeClr val="lt1"/>
+    </dgm:txFillClrLst>
+    <dgm:txEffectClrLst/>
+  </dgm:styleLbl>
+  <dgm:styleLbl name="parChTrans1D1">
+    <dgm:fillClrLst meth="repeat">
+      <a:schemeClr val="dk2"/>
+    </dgm:fillClrLst>
+    <dgm:linClrLst meth="repeat">
+      <a:schemeClr val="dk2">
+        <a:shade val="60000"/>
+      </a:schemeClr>
+    </dgm:linClrLst>
+    <dgm:effectClrLst/>
+    <dgm:txLinClrLst/>
+    <dgm:txFillClrLst meth="repeat">
+      <a:schemeClr val="tx1"/>
+    </dgm:txFillClrLst>
+    <dgm:txEffectClrLst/>
+  </dgm:styleLbl>
+  <dgm:styleLbl name="parChTrans1D2">
+    <dgm:fillClrLst meth="repeat">
+      <a:schemeClr val="dk2"/>
+    </dgm:fillClrLst>
+    <dgm:linClrLst meth="repeat">
+      <a:schemeClr val="dk2">
+        <a:shade val="60000"/>
+      </a:schemeClr>
+    </dgm:linClrLst>
+    <dgm:effectClrLst/>
+    <dgm:txLinClrLst/>
+    <dgm:txFillClrLst meth="repeat">
+      <a:schemeClr val="tx1"/>
+    </dgm:txFillClrLst>
+    <dgm:txEffectClrLst/>
+  </dgm:styleLbl>
+  <dgm:styleLbl name="parChTrans1D3">
+    <dgm:fillClrLst meth="repeat">
+      <a:schemeClr val="dk2"/>
+    </dgm:fillClrLst>
+    <dgm:linClrLst meth="repeat">
+      <a:schemeClr val="dk2">
+        <a:shade val="80000"/>
+      </a:schemeClr>
+    </dgm:linClrLst>
+    <dgm:effectClrLst/>
+    <dgm:txLinClrLst/>
+    <dgm:txFillClrLst meth="repeat">
+      <a:schemeClr val="tx1"/>
+    </dgm:txFillClrLst>
+    <dgm:txEffectClrLst/>
+  </dgm:styleLbl>
+  <dgm:styleLbl name="parChTrans1D4">
+    <dgm:fillClrLst meth="repeat">
+      <a:schemeClr val="dk2"/>
+    </dgm:fillClrLst>
+    <dgm:linClrLst meth="repeat">
+      <a:schemeClr val="dk2">
+        <a:shade val="80000"/>
+      </a:schemeClr>
+    </dgm:linClrLst>
+    <dgm:effectClrLst/>
+    <dgm:txLinClrLst/>
+    <dgm:txFillClrLst meth="repeat">
+      <a:schemeClr val="tx1"/>
+    </dgm:txFillClrLst>
+    <dgm:txEffectClrLst/>
+  </dgm:styleLbl>
+  <dgm:styleLbl name="fgAcc1">
+    <dgm:fillClrLst meth="repeat">
+      <a:schemeClr val="dk2">
+        <a:alpha val="90000"/>
+        <a:tint val="40000"/>
+      </a:schemeClr>
+    </dgm:fillClrLst>
+    <dgm:linClrLst meth="repeat">
+      <a:schemeClr val="dk2"/>
+    </dgm:linClrLst>
+    <dgm:effectClrLst/>
+    <dgm:txLinClrLst/>
+    <dgm:txFillClrLst meth="repeat">
+      <a:schemeClr val="dk2"/>
+    </dgm:txFillClrLst>
+    <dgm:txEffectClrLst/>
+  </dgm:styleLbl>
+  <dgm:styleLbl name="conFgAcc1">
+    <dgm:fillClrLst meth="repeat">
+      <a:schemeClr val="dk2">
+        <a:alpha val="90000"/>
+        <a:tint val="40000"/>
+      </a:schemeClr>
+    </dgm:fillClrLst>
+    <dgm:linClrLst meth="repeat">
+      <a:schemeClr val="dk2"/>
+    </dgm:linClrLst>
+    <dgm:effectClrLst/>
+    <dgm:txLinClrLst/>
+    <dgm:txFillClrLst meth="repeat">
+      <a:schemeClr val="dk2"/>
+    </dgm:txFillClrLst>
+    <dgm:txEffectClrLst/>
+  </dgm:styleLbl>
+  <dgm:styleLbl name="alignAcc1">
+    <dgm:fillClrLst meth="repeat">
+      <a:schemeClr val="dk2">
+        <a:alpha val="90000"/>
+        <a:tint val="40000"/>
+      </a:schemeClr>
+    </dgm:fillClrLst>
+    <dgm:linClrLst meth="repeat">
+      <a:schemeClr val="dk2"/>
+    </dgm:linClrLst>
+    <dgm:effectClrLst/>
+    <dgm:txLinClrLst/>
+    <dgm:txFillClrLst meth="repeat">
+      <a:schemeClr val="dk2"/>
+    </dgm:txFillClrLst>
+    <dgm:txEffectClrLst/>
+  </dgm:styleLbl>
+  <dgm:styleLbl name="trAlignAcc1">
+    <dgm:fillClrLst meth="repeat">
+      <a:schemeClr val="dk2">
+        <a:alpha val="40000"/>
+        <a:tint val="40000"/>
+      </a:schemeClr>
+    </dgm:fillClrLst>
+    <dgm:linClrLst meth="repeat">
+      <a:schemeClr val="dk2"/>
+    </dgm:linClrLst>
+    <dgm:effectClrLst/>
+    <dgm:txLinClrLst/>
+    <dgm:txFillClrLst meth="repeat">
+      <a:schemeClr val="dk2"/>
+    </dgm:txFillClrLst>
+    <dgm:txEffectClrLst/>
+  </dgm:styleLbl>
+  <dgm:styleLbl name="bgAcc1">
+    <dgm:fillClrLst meth="repeat">
+      <a:schemeClr val="dk2">
+        <a:alpha val="90000"/>
+        <a:tint val="40000"/>
+      </a:schemeClr>
+    </dgm:fillClrLst>
+    <dgm:linClrLst meth="repeat">
+      <a:schemeClr val="dk2"/>
+    </dgm:linClrLst>
+    <dgm:effectClrLst/>
+    <dgm:txLinClrLst/>
+    <dgm:txFillClrLst meth="repeat">
+      <a:schemeClr val="dk2"/>
+    </dgm:txFillClrLst>
+    <dgm:txEffectClrLst/>
+  </dgm:styleLbl>
+  <dgm:styleLbl name="solidFgAcc1">
+    <dgm:fillClrLst meth="repeat">
+      <a:schemeClr val="lt1"/>
+    </dgm:fillClrLst>
+    <dgm:linClrLst meth="repeat">
+      <a:schemeClr val="dk2"/>
+    </dgm:linClrLst>
+    <dgm:effectClrLst/>
+    <dgm:txLinClrLst/>
+    <dgm:txFillClrLst meth="repeat">
+      <a:schemeClr val="dk2"/>
+    </dgm:txFillClrLst>
+    <dgm:txEffectClrLst/>
+  </dgm:styleLbl>
+  <dgm:styleLbl name="solidAlignAcc1">
+    <dgm:fillClrLst meth="repeat">
+      <a:schemeClr val="lt1"/>
+    </dgm:fillClrLst>
+    <dgm:linClrLst meth="repeat">
+      <a:schemeClr val="dk2"/>
+    </dgm:linClrLst>
+    <dgm:effectClrLst/>
+    <dgm:txLinClrLst/>
+    <dgm:txFillClrLst meth="repeat">
+      <a:schemeClr val="dk2"/>
+    </dgm:txFillClrLst>
+    <dgm:txEffectClrLst/>
+  </dgm:styleLbl>
+  <dgm:styleLbl name="solidBgAcc1">
+    <dgm:fillClrLst meth="repeat">
+      <a:schemeClr val="lt1"/>
+    </dgm:fillClrLst>
+    <dgm:linClrLst meth="repeat">
+      <a:schemeClr val="dk2"/>
+    </dgm:linClrLst>
+    <dgm:effectClrLst/>
+    <dgm:txLinClrLst/>
+    <dgm:txFillClrLst meth="repeat">
+      <a:schemeClr val="dk2"/>
+    </dgm:txFillClrLst>
+    <dgm:txEffectClrLst/>
+  </dgm:styleLbl>
+  <dgm:styleLbl name="fgAccFollowNode1">
+    <dgm:fillClrLst meth="repeat">
+      <a:schemeClr val="lt1">
+        <a:alpha val="90000"/>
+        <a:tint val="40000"/>
+      </a:schemeClr>
+    </dgm:fillClrLst>
+    <dgm:linClrLst meth="repeat">
+      <a:schemeClr val="dk2">
+        <a:alpha val="90000"/>
+      </a:schemeClr>
+    </dgm:linClrLst>
+    <dgm:effectClrLst/>
+    <dgm:txLinClrLst/>
+    <dgm:txFillClrLst meth="repeat">
+      <a:schemeClr val="dk2"/>
+    </dgm:txFillClrLst>
+    <dgm:txEffectClrLst/>
+  </dgm:styleLbl>
+  <dgm:styleLbl name="alignAccFollowNode1">
+    <dgm:fillClrLst meth="repeat">
+      <a:schemeClr val="lt1">
+        <a:alpha val="90000"/>
+        <a:tint val="40000"/>
+      </a:schemeClr>
+    </dgm:fillClrLst>
+    <dgm:linClrLst meth="repeat">
+      <a:schemeClr val="dk2">
+        <a:alpha val="90000"/>
+      </a:schemeClr>
+    </dgm:linClrLst>
+    <dgm:effectClrLst/>
+    <dgm:txLinClrLst/>
+    <dgm:txFillClrLst meth="repeat">
+      <a:schemeClr val="dk2"/>
+    </dgm:txFillClrLst>
+    <dgm:txEffectClrLst/>
+  </dgm:styleLbl>
+  <dgm:styleLbl name="bgAccFollowNode1">
+    <dgm:fillClrLst meth="repeat">
+      <a:schemeClr val="lt1">
+        <a:alpha val="90000"/>
+        <a:tint val="40000"/>
+      </a:schemeClr>
+    </dgm:fillClrLst>
+    <dgm:linClrLst meth="repeat">
+      <a:schemeClr val="dk2">
+        <a:alpha val="90000"/>
+      </a:schemeClr>
+    </dgm:linClrLst>
+    <dgm:effectClrLst/>
+    <dgm:txLinClrLst/>
+    <dgm:txFillClrLst meth="repeat">
+      <a:schemeClr val="dk2"/>
+    </dgm:txFillClrLst>
+    <dgm:txEffectClrLst/>
+  </dgm:styleLbl>
+  <dgm:styleLbl name="fgAcc0">
+    <dgm:fillClrLst meth="repeat">
+      <a:schemeClr val="dk2">
+        <a:alpha val="90000"/>
+        <a:tint val="40000"/>
+      </a:schemeClr>
+    </dgm:fillClrLst>
+    <dgm:linClrLst meth="repeat">
+      <a:schemeClr val="dk2"/>
+    </dgm:linClrLst>
+    <dgm:effectClrLst/>
+    <dgm:txLinClrLst/>
+    <dgm:txFillClrLst meth="repeat">
+      <a:schemeClr val="dk2"/>
+    </dgm:txFillClrLst>
+    <dgm:txEffectClrLst/>
+  </dgm:styleLbl>
+  <dgm:styleLbl name="fgAcc2">
+    <dgm:fillClrLst meth="repeat">
+      <a:schemeClr val="dk2">
+        <a:alpha val="90000"/>
+        <a:tint val="40000"/>
+      </a:schemeClr>
+    </dgm:fillClrLst>
+    <dgm:linClrLst meth="repeat">
+      <a:schemeClr val="dk2"/>
+    </dgm:linClrLst>
+    <dgm:effectClrLst/>
+    <dgm:txLinClrLst/>
+    <dgm:txFillClrLst meth="repeat">
+      <a:schemeClr val="dk2"/>
+    </dgm:txFillClrLst>
+    <dgm:txEffectClrLst/>
+  </dgm:styleLbl>
+  <dgm:styleLbl name="fgAcc3">
+    <dgm:fillClrLst meth="repeat">
+      <a:schemeClr val="dk2">
+        <a:alpha val="90000"/>
+        <a:tint val="40000"/>
+      </a:schemeClr>
+    </dgm:fillClrLst>
+    <dgm:linClrLst meth="repeat">
+      <a:schemeClr val="dk2"/>
+    </dgm:linClrLst>
+    <dgm:effectClrLst/>
+    <dgm:txLinClrLst/>
+    <dgm:txFillClrLst meth="repeat">
+      <a:schemeClr val="dk2"/>
+    </dgm:txFillClrLst>
+    <dgm:txEffectClrLst/>
+  </dgm:styleLbl>
+  <dgm:styleLbl name="fgAcc4">
+    <dgm:fillClrLst meth="repeat">
+      <a:schemeClr val="dk2">
+        <a:alpha val="90000"/>
+        <a:tint val="40000"/>
+      </a:schemeClr>
+    </dgm:fillClrLst>
+    <dgm:linClrLst meth="repeat">
+      <a:schemeClr val="dk2"/>
+    </dgm:linClrLst>
+    <dgm:effectClrLst/>
+    <dgm:txLinClrLst/>
+    <dgm:txFillClrLst meth="repeat">
+      <a:schemeClr val="dk2"/>
+    </dgm:txFillClrLst>
+    <dgm:txEffectClrLst/>
+  </dgm:styleLbl>
+  <dgm:styleLbl name="bgShp">
+    <dgm:fillClrLst meth="repeat">
+      <a:schemeClr val="dk2">
+        <a:tint val="40000"/>
+      </a:schemeClr>
+    </dgm:fillClrLst>
+    <dgm:linClrLst meth="repeat">
+      <a:schemeClr val="dk2"/>
+    </dgm:linClrLst>
+    <dgm:effectClrLst/>
+    <dgm:txLinClrLst/>
+    <dgm:txFillClrLst meth="repeat">
+      <a:schemeClr val="dk1"/>
+    </dgm:txFillClrLst>
+    <dgm:txEffectClrLst/>
+  </dgm:styleLbl>
+  <dgm:styleLbl name="dkBgShp">
+    <dgm:fillClrLst meth="repeat">
+      <a:schemeClr val="dk2">
+        <a:shade val="80000"/>
+      </a:schemeClr>
+    </dgm:fillClrLst>
+    <dgm:linClrLst meth="repeat">
+      <a:schemeClr val="dk2"/>
+    </dgm:linClrLst>
+    <dgm:effectClrLst/>
+    <dgm:txLinClrLst/>
+    <dgm:txFillClrLst meth="repeat">
+      <a:schemeClr val="lt2"/>
+    </dgm:txFillClrLst>
+    <dgm:txEffectClrLst/>
+  </dgm:styleLbl>
+  <dgm:styleLbl name="trBgShp">
+    <dgm:fillClrLst meth="repeat">
+      <a:schemeClr val="dk2">
+        <a:tint val="50000"/>
+        <a:alpha val="40000"/>
+      </a:schemeClr>
+    </dgm:fillClrLst>
+    <dgm:linClrLst meth="repeat">
+      <a:schemeClr val="dk2"/>
+    </dgm:linClrLst>
+    <dgm:effectClrLst/>
+    <dgm:txLinClrLst/>
+    <dgm:txFillClrLst meth="repeat">
+      <a:schemeClr val="lt2"/>
+    </dgm:txFillClrLst>
+    <dgm:txEffectClrLst/>
+  </dgm:styleLbl>
+  <dgm:styleLbl name="fgShp">
+    <dgm:fillClrLst meth="repeat">
+      <a:schemeClr val="dk2">
+        <a:tint val="60000"/>
+      </a:schemeClr>
+    </dgm:fillClrLst>
+    <dgm:linClrLst meth="repeat">
+      <a:schemeClr val="lt1"/>
+    </dgm:linClrLst>
+    <dgm:effectClrLst/>
+    <dgm:txLinClrLst/>
+    <dgm:txFillClrLst meth="repeat">
+      <a:schemeClr val="dk2"/>
+    </dgm:txFillClrLst>
+    <dgm:txEffectClrLst/>
+  </dgm:styleLbl>
+  <dgm:styleLbl name="revTx">
+    <dgm:fillClrLst meth="repeat">
+      <a:schemeClr val="lt1">
+        <a:alpha val="0"/>
+      </a:schemeClr>
+    </dgm:fillClrLst>
+    <dgm:linClrLst meth="repeat">
+      <a:schemeClr val="dk2">
+        <a:alpha val="0"/>
+      </a:schemeClr>
+    </dgm:linClrLst>
+    <dgm:effectClrLst/>
+    <dgm:txLinClrLst/>
+    <dgm:txFillClrLst meth="repeat">
+      <a:schemeClr val="tx1"/>
+    </dgm:txFillClrLst>
+    <dgm:txEffectClrLst/>
+  </dgm:styleLbl>
+</dgm:colorsDef>
+</file>
+
+<file path=ppt/diagrams/data1.xml><?xml version="1.0" encoding="utf-8"?>
+<dgm:dataModel xmlns:dgm="http://schemas.openxmlformats.org/drawingml/2006/diagram" xmlns:a="http://schemas.openxmlformats.org/drawingml/2006/main">
+  <dgm:ptLst>
+    <dgm:pt modelId="{F66FD664-5A64-427A-AD62-2D89899A6E8F}" type="doc">
+      <dgm:prSet loTypeId="urn:microsoft.com/office/officeart/2018/2/layout/IconVerticalSolidList" loCatId="icon" qsTypeId="urn:microsoft.com/office/officeart/2005/8/quickstyle/simple4" qsCatId="simple" csTypeId="urn:microsoft.com/office/officeart/2005/8/colors/accent0_2" csCatId="mainScheme" phldr="1"/>
+      <dgm:spPr/>
+      <dgm:t>
+        <a:bodyPr/>
+        <a:lstStyle/>
+        <a:p>
+          <a:endParaRPr lang="en-US"/>
+        </a:p>
+      </dgm:t>
+    </dgm:pt>
+    <dgm:pt modelId="{B127DF5F-1ADE-40FB-97D9-B2C439C4542A}">
+      <dgm:prSet/>
+      <dgm:spPr/>
+      <dgm:t>
+        <a:bodyPr/>
+        <a:lstStyle/>
+        <a:p>
+          <a:pPr>
+            <a:lnSpc>
+              <a:spcPct val="100000"/>
+            </a:lnSpc>
+          </a:pPr>
+          <a:r>
+            <a:rPr lang="en-US"/>
+            <a:t>Improved Usablity</a:t>
+          </a:r>
+        </a:p>
+      </dgm:t>
+    </dgm:pt>
+    <dgm:pt modelId="{37085163-CFF9-492C-B7E9-403CB0C89325}" type="parTrans" cxnId="{A319B1FF-7B5E-4B63-9A9D-485CA7B67808}">
+      <dgm:prSet/>
+      <dgm:spPr/>
+      <dgm:t>
+        <a:bodyPr/>
+        <a:lstStyle/>
+        <a:p>
+          <a:endParaRPr lang="en-US"/>
+        </a:p>
+      </dgm:t>
+    </dgm:pt>
+    <dgm:pt modelId="{534F2CB4-82D5-4577-9A55-4231BE941075}" type="sibTrans" cxnId="{A319B1FF-7B5E-4B63-9A9D-485CA7B67808}">
+      <dgm:prSet/>
+      <dgm:spPr/>
+      <dgm:t>
+        <a:bodyPr/>
+        <a:lstStyle/>
+        <a:p>
+          <a:endParaRPr lang="en-US"/>
+        </a:p>
+      </dgm:t>
+    </dgm:pt>
+    <dgm:pt modelId="{14BDD67A-673B-4B5B-8F0A-DE680650AA08}">
+      <dgm:prSet/>
+      <dgm:spPr/>
+      <dgm:t>
+        <a:bodyPr/>
+        <a:lstStyle/>
+        <a:p>
+          <a:pPr>
+            <a:lnSpc>
+              <a:spcPct val="100000"/>
+            </a:lnSpc>
+          </a:pPr>
+          <a:r>
+            <a:rPr lang="en-US"/>
+            <a:t>Faster Checkout / Registration</a:t>
+          </a:r>
+        </a:p>
+      </dgm:t>
+    </dgm:pt>
+    <dgm:pt modelId="{EF665B08-35C4-4C1A-B180-A6F9DE2B5EE3}" type="parTrans" cxnId="{0FC9F54D-AF65-4B62-98B8-92E4E4CC1860}">
+      <dgm:prSet/>
+      <dgm:spPr/>
+      <dgm:t>
+        <a:bodyPr/>
+        <a:lstStyle/>
+        <a:p>
+          <a:endParaRPr lang="en-US"/>
+        </a:p>
+      </dgm:t>
+    </dgm:pt>
+    <dgm:pt modelId="{5813782C-C158-4BA2-A122-36DC47331887}" type="sibTrans" cxnId="{0FC9F54D-AF65-4B62-98B8-92E4E4CC1860}">
+      <dgm:prSet/>
+      <dgm:spPr/>
+      <dgm:t>
+        <a:bodyPr/>
+        <a:lstStyle/>
+        <a:p>
+          <a:endParaRPr lang="en-US"/>
+        </a:p>
+      </dgm:t>
+    </dgm:pt>
+    <dgm:pt modelId="{B2004ADE-2FFA-4CE9-A9C8-4E981639AEDA}">
+      <dgm:prSet/>
+      <dgm:spPr/>
+      <dgm:t>
+        <a:bodyPr/>
+        <a:lstStyle/>
+        <a:p>
+          <a:pPr>
+            <a:lnSpc>
+              <a:spcPct val="100000"/>
+            </a:lnSpc>
+          </a:pPr>
+          <a:r>
+            <a:rPr lang="en-US"/>
+            <a:t>Fewer Data Entry Errors</a:t>
+          </a:r>
+        </a:p>
+      </dgm:t>
+    </dgm:pt>
+    <dgm:pt modelId="{2F5EE408-BE04-41A3-BAD2-B9F28093A0A2}" type="parTrans" cxnId="{FCDDDAAB-E466-4E91-9C33-5F56E361DD18}">
+      <dgm:prSet/>
+      <dgm:spPr/>
+      <dgm:t>
+        <a:bodyPr/>
+        <a:lstStyle/>
+        <a:p>
+          <a:endParaRPr lang="en-US"/>
+        </a:p>
+      </dgm:t>
+    </dgm:pt>
+    <dgm:pt modelId="{D677021E-E4D3-46E4-96BF-0BEAC6116CD9}" type="sibTrans" cxnId="{FCDDDAAB-E466-4E91-9C33-5F56E361DD18}">
+      <dgm:prSet/>
+      <dgm:spPr/>
+      <dgm:t>
+        <a:bodyPr/>
+        <a:lstStyle/>
+        <a:p>
+          <a:endParaRPr lang="en-US"/>
+        </a:p>
+      </dgm:t>
+    </dgm:pt>
+    <dgm:pt modelId="{51C996CA-D8E4-4727-AF13-D4EC480EBF34}">
+      <dgm:prSet/>
+      <dgm:spPr/>
+      <dgm:t>
+        <a:bodyPr/>
+        <a:lstStyle/>
+        <a:p>
+          <a:pPr>
+            <a:lnSpc>
+              <a:spcPct val="100000"/>
+            </a:lnSpc>
+          </a:pPr>
+          <a:r>
+            <a:rPr lang="en-US">
+              <a:solidFill>
+                <a:schemeClr val="bg1"/>
+              </a:solidFill>
+            </a:rPr>
+            <a:t>The browser's built-in autofill functionality needs your help to work properly. If you don't help it, it will cause data entry errors.</a:t>
+          </a:r>
+        </a:p>
+      </dgm:t>
+    </dgm:pt>
+    <dgm:pt modelId="{7FB06DCD-99B7-4355-B4C8-2A0923FE4F0E}" type="parTrans" cxnId="{2A42465E-F676-403D-9DE8-B55D62F18FB1}">
+      <dgm:prSet/>
+      <dgm:spPr/>
+      <dgm:t>
+        <a:bodyPr/>
+        <a:lstStyle/>
+        <a:p>
+          <a:endParaRPr lang="en-US"/>
+        </a:p>
+      </dgm:t>
+    </dgm:pt>
+    <dgm:pt modelId="{2A8BCB10-7B1A-41E0-82F8-98610041E0D1}" type="sibTrans" cxnId="{2A42465E-F676-403D-9DE8-B55D62F18FB1}">
+      <dgm:prSet/>
+      <dgm:spPr/>
+      <dgm:t>
+        <a:bodyPr/>
+        <a:lstStyle/>
+        <a:p>
+          <a:endParaRPr lang="en-US"/>
+        </a:p>
+      </dgm:t>
+    </dgm:pt>
+    <dgm:pt modelId="{82A05886-A1DB-4C3D-A840-23E1A43A4E0E}" type="pres">
+      <dgm:prSet presAssocID="{F66FD664-5A64-427A-AD62-2D89899A6E8F}" presName="root" presStyleCnt="0">
+        <dgm:presLayoutVars>
+          <dgm:dir/>
+          <dgm:resizeHandles val="exact"/>
+        </dgm:presLayoutVars>
+      </dgm:prSet>
+      <dgm:spPr/>
+    </dgm:pt>
+    <dgm:pt modelId="{EEF51030-EC90-43B6-8E00-DFF705C957DF}" type="pres">
+      <dgm:prSet presAssocID="{B127DF5F-1ADE-40FB-97D9-B2C439C4542A}" presName="compNode" presStyleCnt="0"/>
+      <dgm:spPr/>
+    </dgm:pt>
+    <dgm:pt modelId="{2326387C-A19B-463A-BEF6-1268032034A1}" type="pres">
+      <dgm:prSet presAssocID="{B127DF5F-1ADE-40FB-97D9-B2C439C4542A}" presName="bgRect" presStyleLbl="bgShp" presStyleIdx="0" presStyleCnt="4" custLinFactNeighborX="0" custLinFactNeighborY="-27951"/>
+      <dgm:spPr>
+        <a:solidFill>
+          <a:schemeClr val="accent5"/>
+        </a:solidFill>
+      </dgm:spPr>
+    </dgm:pt>
+    <dgm:pt modelId="{39C4EB02-C0F8-4237-A2CD-46ECF4DC9062}" type="pres">
+      <dgm:prSet presAssocID="{B127DF5F-1ADE-40FB-97D9-B2C439C4542A}" presName="iconRect" presStyleLbl="node1" presStyleIdx="0" presStyleCnt="4"/>
+      <dgm:spPr>
+        <a:blipFill>
+          <a:blip xmlns:r="http://schemas.openxmlformats.org/officeDocument/2006/relationships" r:embed="rId1">
+            <a:extLst>
+              <a:ext uri="{96DAC541-7B7A-43D3-8B79-37D633B846F1}">
+                <asvg:svgBlip xmlns:asvg="http://schemas.microsoft.com/office/drawing/2016/SVG/main" r:embed="rId2"/>
+              </a:ext>
+            </a:extLst>
+          </a:blip>
+          <a:srcRect/>
+          <a:stretch>
+            <a:fillRect/>
+          </a:stretch>
+        </a:blipFill>
+      </dgm:spPr>
+      <dgm:extLst>
+        <a:ext uri="{E40237B7-FDA0-4F09-8148-C483321AD2D9}">
+          <dgm14:cNvPr xmlns:dgm14="http://schemas.microsoft.com/office/drawing/2010/diagram" id="0" name="" descr="User"/>
+        </a:ext>
+      </dgm:extLst>
+    </dgm:pt>
+    <dgm:pt modelId="{ED7AB5E5-1E62-471F-AEDD-421CD3CCBB72}" type="pres">
+      <dgm:prSet presAssocID="{B127DF5F-1ADE-40FB-97D9-B2C439C4542A}" presName="spaceRect" presStyleCnt="0"/>
+      <dgm:spPr/>
+    </dgm:pt>
+    <dgm:pt modelId="{E23B0781-A5F6-462C-B527-0A83B20896F6}" type="pres">
+      <dgm:prSet presAssocID="{B127DF5F-1ADE-40FB-97D9-B2C439C4542A}" presName="parTx" presStyleLbl="revTx" presStyleIdx="0" presStyleCnt="4">
+        <dgm:presLayoutVars>
+          <dgm:chMax val="0"/>
+          <dgm:chPref val="0"/>
+        </dgm:presLayoutVars>
+      </dgm:prSet>
+      <dgm:spPr/>
+    </dgm:pt>
+    <dgm:pt modelId="{215278E7-D12D-4C88-BA28-16B4DD3C43CB}" type="pres">
+      <dgm:prSet presAssocID="{534F2CB4-82D5-4577-9A55-4231BE941075}" presName="sibTrans" presStyleCnt="0"/>
+      <dgm:spPr/>
+    </dgm:pt>
+    <dgm:pt modelId="{662AEC05-5064-4210-8B44-799F532ACAC4}" type="pres">
+      <dgm:prSet presAssocID="{14BDD67A-673B-4B5B-8F0A-DE680650AA08}" presName="compNode" presStyleCnt="0"/>
+      <dgm:spPr/>
+    </dgm:pt>
+    <dgm:pt modelId="{9603C05D-8833-47AC-BC5C-B4B65815664F}" type="pres">
+      <dgm:prSet presAssocID="{14BDD67A-673B-4B5B-8F0A-DE680650AA08}" presName="bgRect" presStyleLbl="bgShp" presStyleIdx="1" presStyleCnt="4" custLinFactNeighborX="0" custLinFactNeighborY="-2132"/>
+      <dgm:spPr>
+        <a:solidFill>
+          <a:schemeClr val="accent5"/>
+        </a:solidFill>
+      </dgm:spPr>
+    </dgm:pt>
+    <dgm:pt modelId="{3A6DD24B-00E1-4923-8613-5BFA2C3DC9A1}" type="pres">
+      <dgm:prSet presAssocID="{14BDD67A-673B-4B5B-8F0A-DE680650AA08}" presName="iconRect" presStyleLbl="node1" presStyleIdx="1" presStyleCnt="4"/>
+      <dgm:spPr>
+        <a:blipFill>
+          <a:blip xmlns:r="http://schemas.openxmlformats.org/officeDocument/2006/relationships" r:embed="rId3">
+            <a:extLst>
+              <a:ext uri="{96DAC541-7B7A-43D3-8B79-37D633B846F1}">
+                <asvg:svgBlip xmlns:asvg="http://schemas.microsoft.com/office/drawing/2016/SVG/main" r:embed="rId4"/>
+              </a:ext>
+            </a:extLst>
+          </a:blip>
+          <a:srcRect/>
+          <a:stretch>
+            <a:fillRect/>
+          </a:stretch>
+        </a:blipFill>
+      </dgm:spPr>
+      <dgm:extLst>
+        <a:ext uri="{E40237B7-FDA0-4F09-8148-C483321AD2D9}">
+          <dgm14:cNvPr xmlns:dgm14="http://schemas.microsoft.com/office/drawing/2010/diagram" id="0" name="" descr="Shopping cart"/>
+        </a:ext>
+      </dgm:extLst>
+    </dgm:pt>
+    <dgm:pt modelId="{FBF78ECB-7AC3-41A5-B22B-78CF0A3F1430}" type="pres">
+      <dgm:prSet presAssocID="{14BDD67A-673B-4B5B-8F0A-DE680650AA08}" presName="spaceRect" presStyleCnt="0"/>
+      <dgm:spPr/>
+    </dgm:pt>
+    <dgm:pt modelId="{8B6288CC-C0AC-4FC3-BA5B-B9691B71E696}" type="pres">
+      <dgm:prSet presAssocID="{14BDD67A-673B-4B5B-8F0A-DE680650AA08}" presName="parTx" presStyleLbl="revTx" presStyleIdx="1" presStyleCnt="4">
+        <dgm:presLayoutVars>
+          <dgm:chMax val="0"/>
+          <dgm:chPref val="0"/>
+        </dgm:presLayoutVars>
+      </dgm:prSet>
+      <dgm:spPr/>
+    </dgm:pt>
+    <dgm:pt modelId="{E164B23D-A097-45F0-AC96-D5A5AD16ADAA}" type="pres">
+      <dgm:prSet presAssocID="{5813782C-C158-4BA2-A122-36DC47331887}" presName="sibTrans" presStyleCnt="0"/>
+      <dgm:spPr/>
+    </dgm:pt>
+    <dgm:pt modelId="{2F264B9A-EA54-43BC-8606-BC548F2D40AC}" type="pres">
+      <dgm:prSet presAssocID="{B2004ADE-2FFA-4CE9-A9C8-4E981639AEDA}" presName="compNode" presStyleCnt="0"/>
+      <dgm:spPr/>
+    </dgm:pt>
+    <dgm:pt modelId="{4FDA565F-2FD5-4972-8903-A1E18F557B1E}" type="pres">
+      <dgm:prSet presAssocID="{B2004ADE-2FFA-4CE9-A9C8-4E981639AEDA}" presName="bgRect" presStyleLbl="bgShp" presStyleIdx="2" presStyleCnt="4"/>
+      <dgm:spPr>
+        <a:solidFill>
+          <a:schemeClr val="accent5"/>
+        </a:solidFill>
+      </dgm:spPr>
+    </dgm:pt>
+    <dgm:pt modelId="{A3FE3597-D209-4E52-A6DE-2BA3EADB87AC}" type="pres">
+      <dgm:prSet presAssocID="{B2004ADE-2FFA-4CE9-A9C8-4E981639AEDA}" presName="iconRect" presStyleLbl="node1" presStyleIdx="2" presStyleCnt="4"/>
+      <dgm:spPr>
+        <a:blipFill>
+          <a:blip xmlns:r="http://schemas.openxmlformats.org/officeDocument/2006/relationships" r:embed="rId5">
+            <a:extLst>
+              <a:ext uri="{96DAC541-7B7A-43D3-8B79-37D633B846F1}">
+                <asvg:svgBlip xmlns:asvg="http://schemas.microsoft.com/office/drawing/2016/SVG/main" r:embed="rId6"/>
+              </a:ext>
+            </a:extLst>
+          </a:blip>
+          <a:srcRect/>
+          <a:stretch>
+            <a:fillRect/>
+          </a:stretch>
+        </a:blipFill>
+      </dgm:spPr>
+      <dgm:extLst>
+        <a:ext uri="{E40237B7-FDA0-4F09-8148-C483321AD2D9}">
+          <dgm14:cNvPr xmlns:dgm14="http://schemas.microsoft.com/office/drawing/2010/diagram" id="0" name="" descr="Bug"/>
+        </a:ext>
+      </dgm:extLst>
+    </dgm:pt>
+    <dgm:pt modelId="{C5B6F5D2-52A8-403C-B9B2-991716B5AAD0}" type="pres">
+      <dgm:prSet presAssocID="{B2004ADE-2FFA-4CE9-A9C8-4E981639AEDA}" presName="spaceRect" presStyleCnt="0"/>
+      <dgm:spPr/>
+    </dgm:pt>
+    <dgm:pt modelId="{DEC04D24-230D-48FD-9445-387AFFBA5532}" type="pres">
+      <dgm:prSet presAssocID="{B2004ADE-2FFA-4CE9-A9C8-4E981639AEDA}" presName="parTx" presStyleLbl="revTx" presStyleIdx="2" presStyleCnt="4">
+        <dgm:presLayoutVars>
+          <dgm:chMax val="0"/>
+          <dgm:chPref val="0"/>
+        </dgm:presLayoutVars>
+      </dgm:prSet>
+      <dgm:spPr/>
+    </dgm:pt>
+    <dgm:pt modelId="{450C59D6-D686-40B0-BA98-B4CE37BC4681}" type="pres">
+      <dgm:prSet presAssocID="{D677021E-E4D3-46E4-96BF-0BEAC6116CD9}" presName="sibTrans" presStyleCnt="0"/>
+      <dgm:spPr/>
+    </dgm:pt>
+    <dgm:pt modelId="{77CBFF94-29B6-4844-B64D-10BF5630C017}" type="pres">
+      <dgm:prSet presAssocID="{51C996CA-D8E4-4727-AF13-D4EC480EBF34}" presName="compNode" presStyleCnt="0"/>
+      <dgm:spPr/>
+    </dgm:pt>
+    <dgm:pt modelId="{55925D48-35AD-4EB4-8006-8A1BC8E6CDFA}" type="pres">
+      <dgm:prSet presAssocID="{51C996CA-D8E4-4727-AF13-D4EC480EBF34}" presName="bgRect" presStyleLbl="bgShp" presStyleIdx="3" presStyleCnt="4"/>
+      <dgm:spPr>
+        <a:solidFill>
+          <a:schemeClr val="accent2"/>
+        </a:solidFill>
+      </dgm:spPr>
+    </dgm:pt>
+    <dgm:pt modelId="{038CD203-F91D-496F-8834-C39FAB58F10C}" type="pres">
+      <dgm:prSet presAssocID="{51C996CA-D8E4-4727-AF13-D4EC480EBF34}" presName="iconRect" presStyleLbl="node1" presStyleIdx="3" presStyleCnt="4"/>
+      <dgm:spPr>
+        <a:blipFill>
+          <a:blip xmlns:r="http://schemas.openxmlformats.org/officeDocument/2006/relationships" r:embed="rId7">
+            <a:extLst>
+              <a:ext uri="{96DAC541-7B7A-43D3-8B79-37D633B846F1}">
+                <asvg:svgBlip xmlns:asvg="http://schemas.microsoft.com/office/drawing/2016/SVG/main" r:embed="rId8"/>
+              </a:ext>
+            </a:extLst>
+          </a:blip>
+          <a:srcRect/>
+          <a:stretch>
+            <a:fillRect/>
+          </a:stretch>
+        </a:blipFill>
+      </dgm:spPr>
+      <dgm:extLst>
+        <a:ext uri="{E40237B7-FDA0-4F09-8148-C483321AD2D9}">
+          <dgm14:cNvPr xmlns:dgm14="http://schemas.microsoft.com/office/drawing/2010/diagram" id="0" name="" descr="Warning"/>
+        </a:ext>
+      </dgm:extLst>
+    </dgm:pt>
+    <dgm:pt modelId="{20EFB158-EA6C-4E34-864C-207230E7E93A}" type="pres">
+      <dgm:prSet presAssocID="{51C996CA-D8E4-4727-AF13-D4EC480EBF34}" presName="spaceRect" presStyleCnt="0"/>
+      <dgm:spPr/>
+    </dgm:pt>
+    <dgm:pt modelId="{D1413F29-1DBC-470F-8373-5B120601BD85}" type="pres">
+      <dgm:prSet presAssocID="{51C996CA-D8E4-4727-AF13-D4EC480EBF34}" presName="parTx" presStyleLbl="revTx" presStyleIdx="3" presStyleCnt="4">
+        <dgm:presLayoutVars>
+          <dgm:chMax val="0"/>
+          <dgm:chPref val="0"/>
+        </dgm:presLayoutVars>
+      </dgm:prSet>
+      <dgm:spPr/>
+    </dgm:pt>
+  </dgm:ptLst>
+  <dgm:cxnLst>
+    <dgm:cxn modelId="{C9307706-CB77-4FCD-B0D6-D5BAE9C6994D}" type="presOf" srcId="{F66FD664-5A64-427A-AD62-2D89899A6E8F}" destId="{82A05886-A1DB-4C3D-A840-23E1A43A4E0E}" srcOrd="0" destOrd="0" presId="urn:microsoft.com/office/officeart/2018/2/layout/IconVerticalSolidList"/>
+    <dgm:cxn modelId="{2A42465E-F676-403D-9DE8-B55D62F18FB1}" srcId="{F66FD664-5A64-427A-AD62-2D89899A6E8F}" destId="{51C996CA-D8E4-4727-AF13-D4EC480EBF34}" srcOrd="3" destOrd="0" parTransId="{7FB06DCD-99B7-4355-B4C8-2A0923FE4F0E}" sibTransId="{2A8BCB10-7B1A-41E0-82F8-98610041E0D1}"/>
+    <dgm:cxn modelId="{0BEA1E61-95CF-4530-8391-9AADBE45C4B9}" type="presOf" srcId="{B127DF5F-1ADE-40FB-97D9-B2C439C4542A}" destId="{E23B0781-A5F6-462C-B527-0A83B20896F6}" srcOrd="0" destOrd="0" presId="urn:microsoft.com/office/officeart/2018/2/layout/IconVerticalSolidList"/>
+    <dgm:cxn modelId="{0FC9F54D-AF65-4B62-98B8-92E4E4CC1860}" srcId="{F66FD664-5A64-427A-AD62-2D89899A6E8F}" destId="{14BDD67A-673B-4B5B-8F0A-DE680650AA08}" srcOrd="1" destOrd="0" parTransId="{EF665B08-35C4-4C1A-B180-A6F9DE2B5EE3}" sibTransId="{5813782C-C158-4BA2-A122-36DC47331887}"/>
+    <dgm:cxn modelId="{C0AA1E54-AC5B-4032-AFE3-95EC9B48016E}" type="presOf" srcId="{51C996CA-D8E4-4727-AF13-D4EC480EBF34}" destId="{D1413F29-1DBC-470F-8373-5B120601BD85}" srcOrd="0" destOrd="0" presId="urn:microsoft.com/office/officeart/2018/2/layout/IconVerticalSolidList"/>
+    <dgm:cxn modelId="{74D42591-E481-4C2C-B6DF-D7F5D9DB2FF5}" type="presOf" srcId="{14BDD67A-673B-4B5B-8F0A-DE680650AA08}" destId="{8B6288CC-C0AC-4FC3-BA5B-B9691B71E696}" srcOrd="0" destOrd="0" presId="urn:microsoft.com/office/officeart/2018/2/layout/IconVerticalSolidList"/>
+    <dgm:cxn modelId="{5C80849F-9A0E-4196-84EB-5F80BD70ABCB}" type="presOf" srcId="{B2004ADE-2FFA-4CE9-A9C8-4E981639AEDA}" destId="{DEC04D24-230D-48FD-9445-387AFFBA5532}" srcOrd="0" destOrd="0" presId="urn:microsoft.com/office/officeart/2018/2/layout/IconVerticalSolidList"/>
+    <dgm:cxn modelId="{FCDDDAAB-E466-4E91-9C33-5F56E361DD18}" srcId="{F66FD664-5A64-427A-AD62-2D89899A6E8F}" destId="{B2004ADE-2FFA-4CE9-A9C8-4E981639AEDA}" srcOrd="2" destOrd="0" parTransId="{2F5EE408-BE04-41A3-BAD2-B9F28093A0A2}" sibTransId="{D677021E-E4D3-46E4-96BF-0BEAC6116CD9}"/>
+    <dgm:cxn modelId="{A319B1FF-7B5E-4B63-9A9D-485CA7B67808}" srcId="{F66FD664-5A64-427A-AD62-2D89899A6E8F}" destId="{B127DF5F-1ADE-40FB-97D9-B2C439C4542A}" srcOrd="0" destOrd="0" parTransId="{37085163-CFF9-492C-B7E9-403CB0C89325}" sibTransId="{534F2CB4-82D5-4577-9A55-4231BE941075}"/>
+    <dgm:cxn modelId="{4B4446F3-E3A5-491F-AB34-2F66648C2F7B}" type="presParOf" srcId="{82A05886-A1DB-4C3D-A840-23E1A43A4E0E}" destId="{EEF51030-EC90-43B6-8E00-DFF705C957DF}" srcOrd="0" destOrd="0" presId="urn:microsoft.com/office/officeart/2018/2/layout/IconVerticalSolidList"/>
+    <dgm:cxn modelId="{30A86A20-C8E0-4C30-B773-B40E4E605778}" type="presParOf" srcId="{EEF51030-EC90-43B6-8E00-DFF705C957DF}" destId="{2326387C-A19B-463A-BEF6-1268032034A1}" srcOrd="0" destOrd="0" presId="urn:microsoft.com/office/officeart/2018/2/layout/IconVerticalSolidList"/>
+    <dgm:cxn modelId="{B6A89FC4-1CF2-4D5F-8272-F1F3EFADF5B8}" type="presParOf" srcId="{EEF51030-EC90-43B6-8E00-DFF705C957DF}" destId="{39C4EB02-C0F8-4237-A2CD-46ECF4DC9062}" srcOrd="1" destOrd="0" presId="urn:microsoft.com/office/officeart/2018/2/layout/IconVerticalSolidList"/>
+    <dgm:cxn modelId="{1AA7BF11-221A-4BEA-AD86-3A26E2BE1C2B}" type="presParOf" srcId="{EEF51030-EC90-43B6-8E00-DFF705C957DF}" destId="{ED7AB5E5-1E62-471F-AEDD-421CD3CCBB72}" srcOrd="2" destOrd="0" presId="urn:microsoft.com/office/officeart/2018/2/layout/IconVerticalSolidList"/>
+    <dgm:cxn modelId="{926A11D4-5D5F-428F-9A49-81C02E3BB1D3}" type="presParOf" srcId="{EEF51030-EC90-43B6-8E00-DFF705C957DF}" destId="{E23B0781-A5F6-462C-B527-0A83B20896F6}" srcOrd="3" destOrd="0" presId="urn:microsoft.com/office/officeart/2018/2/layout/IconVerticalSolidList"/>
+    <dgm:cxn modelId="{242F286B-8700-4476-8915-477C8B24FF12}" type="presParOf" srcId="{82A05886-A1DB-4C3D-A840-23E1A43A4E0E}" destId="{215278E7-D12D-4C88-BA28-16B4DD3C43CB}" srcOrd="1" destOrd="0" presId="urn:microsoft.com/office/officeart/2018/2/layout/IconVerticalSolidList"/>
+    <dgm:cxn modelId="{221C7B48-E378-469E-8132-26611FD3372C}" type="presParOf" srcId="{82A05886-A1DB-4C3D-A840-23E1A43A4E0E}" destId="{662AEC05-5064-4210-8B44-799F532ACAC4}" srcOrd="2" destOrd="0" presId="urn:microsoft.com/office/officeart/2018/2/layout/IconVerticalSolidList"/>
+    <dgm:cxn modelId="{3A46B3C2-9E4C-4383-B12A-A085B492D44D}" type="presParOf" srcId="{662AEC05-5064-4210-8B44-799F532ACAC4}" destId="{9603C05D-8833-47AC-BC5C-B4B65815664F}" srcOrd="0" destOrd="0" presId="urn:microsoft.com/office/officeart/2018/2/layout/IconVerticalSolidList"/>
+    <dgm:cxn modelId="{AC79679C-D846-4E52-8565-065B4FAA956E}" type="presParOf" srcId="{662AEC05-5064-4210-8B44-799F532ACAC4}" destId="{3A6DD24B-00E1-4923-8613-5BFA2C3DC9A1}" srcOrd="1" destOrd="0" presId="urn:microsoft.com/office/officeart/2018/2/layout/IconVerticalSolidList"/>
+    <dgm:cxn modelId="{654CBE8E-5DFE-4BFE-BC44-4551A695E3F4}" type="presParOf" srcId="{662AEC05-5064-4210-8B44-799F532ACAC4}" destId="{FBF78ECB-7AC3-41A5-B22B-78CF0A3F1430}" srcOrd="2" destOrd="0" presId="urn:microsoft.com/office/officeart/2018/2/layout/IconVerticalSolidList"/>
+    <dgm:cxn modelId="{CFE752D2-934F-46E6-B8C7-FADD8CACD780}" type="presParOf" srcId="{662AEC05-5064-4210-8B44-799F532ACAC4}" destId="{8B6288CC-C0AC-4FC3-BA5B-B9691B71E696}" srcOrd="3" destOrd="0" presId="urn:microsoft.com/office/officeart/2018/2/layout/IconVerticalSolidList"/>
+    <dgm:cxn modelId="{54760AB8-25B7-4C62-9031-4AF6A5C2BA91}" type="presParOf" srcId="{82A05886-A1DB-4C3D-A840-23E1A43A4E0E}" destId="{E164B23D-A097-45F0-AC96-D5A5AD16ADAA}" srcOrd="3" destOrd="0" presId="urn:microsoft.com/office/officeart/2018/2/layout/IconVerticalSolidList"/>
+    <dgm:cxn modelId="{8E2D20ED-E9BE-438D-B09E-0AE6B3A861B2}" type="presParOf" srcId="{82A05886-A1DB-4C3D-A840-23E1A43A4E0E}" destId="{2F264B9A-EA54-43BC-8606-BC548F2D40AC}" srcOrd="4" destOrd="0" presId="urn:microsoft.com/office/officeart/2018/2/layout/IconVerticalSolidList"/>
+    <dgm:cxn modelId="{CD84E736-5571-4444-99A2-506252802F59}" type="presParOf" srcId="{2F264B9A-EA54-43BC-8606-BC548F2D40AC}" destId="{4FDA565F-2FD5-4972-8903-A1E18F557B1E}" srcOrd="0" destOrd="0" presId="urn:microsoft.com/office/officeart/2018/2/layout/IconVerticalSolidList"/>
+    <dgm:cxn modelId="{AD3B487A-B775-41A5-AB92-ADA296AB9E8F}" type="presParOf" srcId="{2F264B9A-EA54-43BC-8606-BC548F2D40AC}" destId="{A3FE3597-D209-4E52-A6DE-2BA3EADB87AC}" srcOrd="1" destOrd="0" presId="urn:microsoft.com/office/officeart/2018/2/layout/IconVerticalSolidList"/>
+    <dgm:cxn modelId="{94E95807-4AA9-46E5-950C-1BF8959271DB}" type="presParOf" srcId="{2F264B9A-EA54-43BC-8606-BC548F2D40AC}" destId="{C5B6F5D2-52A8-403C-B9B2-991716B5AAD0}" srcOrd="2" destOrd="0" presId="urn:microsoft.com/office/officeart/2018/2/layout/IconVerticalSolidList"/>
+    <dgm:cxn modelId="{CC6418E7-C11A-4ED2-AE80-90E5335EE19B}" type="presParOf" srcId="{2F264B9A-EA54-43BC-8606-BC548F2D40AC}" destId="{DEC04D24-230D-48FD-9445-387AFFBA5532}" srcOrd="3" destOrd="0" presId="urn:microsoft.com/office/officeart/2018/2/layout/IconVerticalSolidList"/>
+    <dgm:cxn modelId="{10CA1537-D093-4237-8500-ED6F52FF6BAF}" type="presParOf" srcId="{82A05886-A1DB-4C3D-A840-23E1A43A4E0E}" destId="{450C59D6-D686-40B0-BA98-B4CE37BC4681}" srcOrd="5" destOrd="0" presId="urn:microsoft.com/office/officeart/2018/2/layout/IconVerticalSolidList"/>
+    <dgm:cxn modelId="{E6232BCA-C592-40C6-8CE5-0BDFD47AB4CF}" type="presParOf" srcId="{82A05886-A1DB-4C3D-A840-23E1A43A4E0E}" destId="{77CBFF94-29B6-4844-B64D-10BF5630C017}" srcOrd="6" destOrd="0" presId="urn:microsoft.com/office/officeart/2018/2/layout/IconVerticalSolidList"/>
+    <dgm:cxn modelId="{1708A36A-40A9-429B-A6D1-27B04311AD61}" type="presParOf" srcId="{77CBFF94-29B6-4844-B64D-10BF5630C017}" destId="{55925D48-35AD-4EB4-8006-8A1BC8E6CDFA}" srcOrd="0" destOrd="0" presId="urn:microsoft.com/office/officeart/2018/2/layout/IconVerticalSolidList"/>
+    <dgm:cxn modelId="{0CC5CE1F-1FC3-4F0B-B915-7585A4C000B1}" type="presParOf" srcId="{77CBFF94-29B6-4844-B64D-10BF5630C017}" destId="{038CD203-F91D-496F-8834-C39FAB58F10C}" srcOrd="1" destOrd="0" presId="urn:microsoft.com/office/officeart/2018/2/layout/IconVerticalSolidList"/>
+    <dgm:cxn modelId="{9DA67D8E-99B5-4861-8559-8FDDC90790E3}" type="presParOf" srcId="{77CBFF94-29B6-4844-B64D-10BF5630C017}" destId="{20EFB158-EA6C-4E34-864C-207230E7E93A}" srcOrd="2" destOrd="0" presId="urn:microsoft.com/office/officeart/2018/2/layout/IconVerticalSolidList"/>
+    <dgm:cxn modelId="{EE7A148F-55F4-4BDC-B746-2F5674A213D5}" type="presParOf" srcId="{77CBFF94-29B6-4844-B64D-10BF5630C017}" destId="{D1413F29-1DBC-470F-8373-5B120601BD85}" srcOrd="3" destOrd="0" presId="urn:microsoft.com/office/officeart/2018/2/layout/IconVerticalSolidList"/>
+  </dgm:cxnLst>
+  <dgm:bg/>
+  <dgm:whole/>
+  <dgm:extLst>
+    <a:ext uri="http://schemas.microsoft.com/office/drawing/2008/diagram">
+      <dsp:dataModelExt xmlns:dsp="http://schemas.microsoft.com/office/drawing/2008/diagram" relId="rId7" minVer="http://schemas.openxmlformats.org/drawingml/2006/diagram"/>
+    </a:ext>
+    <a:ext uri="{C62137D5-CB1D-491B-B009-E17868A290BF}">
+      <dgm14:recolorImg xmlns:dgm14="http://schemas.microsoft.com/office/drawing/2010/diagram" val="1"/>
+    </a:ext>
+  </dgm:extLst>
+</dgm:dataModel>
+</file>
+
+<file path=ppt/diagrams/drawing1.xml><?xml version="1.0" encoding="utf-8"?>
+<dsp:drawing xmlns:dgm="http://schemas.openxmlformats.org/drawingml/2006/diagram" xmlns:dsp="http://schemas.microsoft.com/office/drawing/2008/diagram" xmlns:a="http://schemas.openxmlformats.org/drawingml/2006/main">
+  <dsp:spTree>
+    <dsp:nvGrpSpPr>
+      <dsp:cNvPr id="0" name=""/>
+      <dsp:cNvGrpSpPr/>
+    </dsp:nvGrpSpPr>
+    <dsp:grpSpPr/>
+    <dsp:sp modelId="{2326387C-A19B-463A-BEF6-1268032034A1}">
+      <dsp:nvSpPr>
+        <dsp:cNvPr id="0" name=""/>
+        <dsp:cNvSpPr/>
+      </dsp:nvSpPr>
+      <dsp:spPr>
+        <a:xfrm>
+          <a:off x="0" y="0"/>
+          <a:ext cx="10058399" cy="809774"/>
+        </a:xfrm>
+        <a:prstGeom prst="roundRect">
+          <a:avLst>
+            <a:gd name="adj" fmla="val 10000"/>
+          </a:avLst>
+        </a:prstGeom>
+        <a:solidFill>
+          <a:schemeClr val="accent5"/>
+        </a:solidFill>
+        <a:ln>
+          <a:noFill/>
+        </a:ln>
+        <a:effectLst>
+          <a:outerShdw blurRad="38100" dist="12700" dir="5400000" algn="ctr" rotWithShape="0">
+            <a:srgbClr val="000000">
+              <a:alpha val="63000"/>
+            </a:srgbClr>
+          </a:outerShdw>
+        </a:effectLst>
+      </dsp:spPr>
+      <dsp:style>
+        <a:lnRef idx="0">
+          <a:scrgbClr r="0" g="0" b="0"/>
+        </a:lnRef>
+        <a:fillRef idx="1">
+          <a:scrgbClr r="0" g="0" b="0"/>
+        </a:fillRef>
+        <a:effectRef idx="2">
+          <a:scrgbClr r="0" g="0" b="0"/>
+        </a:effectRef>
+        <a:fontRef idx="minor"/>
+      </dsp:style>
+    </dsp:sp>
+    <dsp:sp modelId="{39C4EB02-C0F8-4237-A2CD-46ECF4DC9062}">
+      <dsp:nvSpPr>
+        <dsp:cNvPr id="0" name=""/>
+        <dsp:cNvSpPr/>
+      </dsp:nvSpPr>
+      <dsp:spPr>
+        <a:xfrm>
+          <a:off x="244956" y="183796"/>
+          <a:ext cx="445375" cy="445375"/>
+        </a:xfrm>
+        <a:prstGeom prst="rect">
+          <a:avLst/>
+        </a:prstGeom>
+        <a:blipFill>
+          <a:blip xmlns:r="http://schemas.openxmlformats.org/officeDocument/2006/relationships" r:embed="rId1">
+            <a:extLst>
+              <a:ext uri="{96DAC541-7B7A-43D3-8B79-37D633B846F1}">
+                <asvg:svgBlip xmlns:asvg="http://schemas.microsoft.com/office/drawing/2016/SVG/main" r:embed="rId2"/>
+              </a:ext>
+            </a:extLst>
+          </a:blip>
+          <a:srcRect/>
+          <a:stretch>
+            <a:fillRect/>
+          </a:stretch>
+        </a:blipFill>
+        <a:ln>
+          <a:noFill/>
+        </a:ln>
+        <a:effectLst>
+          <a:outerShdw blurRad="38100" dist="12700" dir="5400000" algn="ctr" rotWithShape="0">
+            <a:srgbClr val="000000">
+              <a:alpha val="63000"/>
+            </a:srgbClr>
+          </a:outerShdw>
+        </a:effectLst>
+      </dsp:spPr>
+      <dsp:style>
+        <a:lnRef idx="0">
+          <a:scrgbClr r="0" g="0" b="0"/>
+        </a:lnRef>
+        <a:fillRef idx="3">
+          <a:scrgbClr r="0" g="0" b="0"/>
+        </a:fillRef>
+        <a:effectRef idx="2">
+          <a:scrgbClr r="0" g="0" b="0"/>
+        </a:effectRef>
+        <a:fontRef idx="minor">
+          <a:schemeClr val="lt1"/>
+        </a:fontRef>
+      </dsp:style>
+    </dsp:sp>
+    <dsp:sp modelId="{E23B0781-A5F6-462C-B527-0A83B20896F6}">
+      <dsp:nvSpPr>
+        <dsp:cNvPr id="0" name=""/>
+        <dsp:cNvSpPr/>
+      </dsp:nvSpPr>
+      <dsp:spPr>
+        <a:xfrm>
+          <a:off x="935289" y="1597"/>
+          <a:ext cx="9123110" cy="809774"/>
+        </a:xfrm>
+        <a:prstGeom prst="rect">
+          <a:avLst/>
+        </a:prstGeom>
+        <a:noFill/>
+        <a:ln>
+          <a:noFill/>
+        </a:ln>
+        <a:effectLst/>
+      </dsp:spPr>
+      <dsp:style>
+        <a:lnRef idx="0">
+          <a:scrgbClr r="0" g="0" b="0"/>
+        </a:lnRef>
+        <a:fillRef idx="0">
+          <a:scrgbClr r="0" g="0" b="0"/>
+        </a:fillRef>
+        <a:effectRef idx="0">
+          <a:scrgbClr r="0" g="0" b="0"/>
+        </a:effectRef>
+        <a:fontRef idx="minor"/>
+      </dsp:style>
+      <dsp:txBody>
+        <a:bodyPr spcFirstLastPara="0" vert="horz" wrap="square" lIns="85701" tIns="85701" rIns="85701" bIns="85701" numCol="1" spcCol="1270" anchor="ctr" anchorCtr="0">
+          <a:noAutofit/>
+        </a:bodyPr>
+        <a:lstStyle/>
+        <a:p>
+          <a:pPr marL="0" lvl="0" indent="0" algn="l" defTabSz="889000">
+            <a:lnSpc>
+              <a:spcPct val="100000"/>
+            </a:lnSpc>
+            <a:spcBef>
+              <a:spcPct val="0"/>
+            </a:spcBef>
+            <a:spcAft>
+              <a:spcPct val="35000"/>
+            </a:spcAft>
+            <a:buNone/>
+          </a:pPr>
+          <a:r>
+            <a:rPr lang="en-US" sz="2000" kern="1200"/>
+            <a:t>Improved Usablity</a:t>
+          </a:r>
+        </a:p>
+      </dsp:txBody>
+      <dsp:txXfrm>
+        <a:off x="935289" y="1597"/>
+        <a:ext cx="9123110" cy="809774"/>
+      </dsp:txXfrm>
+    </dsp:sp>
+    <dsp:sp modelId="{9603C05D-8833-47AC-BC5C-B4B65815664F}">
+      <dsp:nvSpPr>
+        <dsp:cNvPr id="0" name=""/>
+        <dsp:cNvSpPr/>
+      </dsp:nvSpPr>
+      <dsp:spPr>
+        <a:xfrm>
+          <a:off x="0" y="996551"/>
+          <a:ext cx="10058399" cy="809774"/>
+        </a:xfrm>
+        <a:prstGeom prst="roundRect">
+          <a:avLst>
+            <a:gd name="adj" fmla="val 10000"/>
+          </a:avLst>
+        </a:prstGeom>
+        <a:solidFill>
+          <a:schemeClr val="accent5"/>
+        </a:solidFill>
+        <a:ln>
+          <a:noFill/>
+        </a:ln>
+        <a:effectLst>
+          <a:outerShdw blurRad="38100" dist="12700" dir="5400000" algn="ctr" rotWithShape="0">
+            <a:srgbClr val="000000">
+              <a:alpha val="63000"/>
+            </a:srgbClr>
+          </a:outerShdw>
+        </a:effectLst>
+      </dsp:spPr>
+      <dsp:style>
+        <a:lnRef idx="0">
+          <a:scrgbClr r="0" g="0" b="0"/>
+        </a:lnRef>
+        <a:fillRef idx="1">
+          <a:scrgbClr r="0" g="0" b="0"/>
+        </a:fillRef>
+        <a:effectRef idx="2">
+          <a:scrgbClr r="0" g="0" b="0"/>
+        </a:effectRef>
+        <a:fontRef idx="minor"/>
+      </dsp:style>
+    </dsp:sp>
+    <dsp:sp modelId="{3A6DD24B-00E1-4923-8613-5BFA2C3DC9A1}">
+      <dsp:nvSpPr>
+        <dsp:cNvPr id="0" name=""/>
+        <dsp:cNvSpPr/>
+      </dsp:nvSpPr>
+      <dsp:spPr>
+        <a:xfrm>
+          <a:off x="244956" y="1196015"/>
+          <a:ext cx="445375" cy="445375"/>
+        </a:xfrm>
+        <a:prstGeom prst="rect">
+          <a:avLst/>
+        </a:prstGeom>
+        <a:blipFill>
+          <a:blip xmlns:r="http://schemas.openxmlformats.org/officeDocument/2006/relationships" r:embed="rId3">
+            <a:extLst>
+              <a:ext uri="{96DAC541-7B7A-43D3-8B79-37D633B846F1}">
+                <asvg:svgBlip xmlns:asvg="http://schemas.microsoft.com/office/drawing/2016/SVG/main" r:embed="rId4"/>
+              </a:ext>
+            </a:extLst>
+          </a:blip>
+          <a:srcRect/>
+          <a:stretch>
+            <a:fillRect/>
+          </a:stretch>
+        </a:blipFill>
+        <a:ln>
+          <a:noFill/>
+        </a:ln>
+        <a:effectLst>
+          <a:outerShdw blurRad="38100" dist="12700" dir="5400000" algn="ctr" rotWithShape="0">
+            <a:srgbClr val="000000">
+              <a:alpha val="63000"/>
+            </a:srgbClr>
+          </a:outerShdw>
+        </a:effectLst>
+      </dsp:spPr>
+      <dsp:style>
+        <a:lnRef idx="0">
+          <a:scrgbClr r="0" g="0" b="0"/>
+        </a:lnRef>
+        <a:fillRef idx="3">
+          <a:scrgbClr r="0" g="0" b="0"/>
+        </a:fillRef>
+        <a:effectRef idx="2">
+          <a:scrgbClr r="0" g="0" b="0"/>
+        </a:effectRef>
+        <a:fontRef idx="minor">
+          <a:schemeClr val="lt1"/>
+        </a:fontRef>
+      </dsp:style>
+    </dsp:sp>
+    <dsp:sp modelId="{8B6288CC-C0AC-4FC3-BA5B-B9691B71E696}">
+      <dsp:nvSpPr>
+        <dsp:cNvPr id="0" name=""/>
+        <dsp:cNvSpPr/>
+      </dsp:nvSpPr>
+      <dsp:spPr>
+        <a:xfrm>
+          <a:off x="935289" y="1013815"/>
+          <a:ext cx="9123110" cy="809774"/>
+        </a:xfrm>
+        <a:prstGeom prst="rect">
+          <a:avLst/>
+        </a:prstGeom>
+        <a:noFill/>
+        <a:ln>
+          <a:noFill/>
+        </a:ln>
+        <a:effectLst/>
+      </dsp:spPr>
+      <dsp:style>
+        <a:lnRef idx="0">
+          <a:scrgbClr r="0" g="0" b="0"/>
+        </a:lnRef>
+        <a:fillRef idx="0">
+          <a:scrgbClr r="0" g="0" b="0"/>
+        </a:fillRef>
+        <a:effectRef idx="0">
+          <a:scrgbClr r="0" g="0" b="0"/>
+        </a:effectRef>
+        <a:fontRef idx="minor"/>
+      </dsp:style>
+      <dsp:txBody>
+        <a:bodyPr spcFirstLastPara="0" vert="horz" wrap="square" lIns="85701" tIns="85701" rIns="85701" bIns="85701" numCol="1" spcCol="1270" anchor="ctr" anchorCtr="0">
+          <a:noAutofit/>
+        </a:bodyPr>
+        <a:lstStyle/>
+        <a:p>
+          <a:pPr marL="0" lvl="0" indent="0" algn="l" defTabSz="889000">
+            <a:lnSpc>
+              <a:spcPct val="100000"/>
+            </a:lnSpc>
+            <a:spcBef>
+              <a:spcPct val="0"/>
+            </a:spcBef>
+            <a:spcAft>
+              <a:spcPct val="35000"/>
+            </a:spcAft>
+            <a:buNone/>
+          </a:pPr>
+          <a:r>
+            <a:rPr lang="en-US" sz="2000" kern="1200"/>
+            <a:t>Faster Checkout / Registration</a:t>
+          </a:r>
+        </a:p>
+      </dsp:txBody>
+      <dsp:txXfrm>
+        <a:off x="935289" y="1013815"/>
+        <a:ext cx="9123110" cy="809774"/>
+      </dsp:txXfrm>
+    </dsp:sp>
+    <dsp:sp modelId="{4FDA565F-2FD5-4972-8903-A1E18F557B1E}">
+      <dsp:nvSpPr>
+        <dsp:cNvPr id="0" name=""/>
+        <dsp:cNvSpPr/>
+      </dsp:nvSpPr>
+      <dsp:spPr>
+        <a:xfrm>
+          <a:off x="0" y="2026033"/>
+          <a:ext cx="10058399" cy="809774"/>
+        </a:xfrm>
+        <a:prstGeom prst="roundRect">
+          <a:avLst>
+            <a:gd name="adj" fmla="val 10000"/>
+          </a:avLst>
+        </a:prstGeom>
+        <a:solidFill>
+          <a:schemeClr val="accent5"/>
+        </a:solidFill>
+        <a:ln>
+          <a:noFill/>
+        </a:ln>
+        <a:effectLst>
+          <a:outerShdw blurRad="38100" dist="12700" dir="5400000" algn="ctr" rotWithShape="0">
+            <a:srgbClr val="000000">
+              <a:alpha val="63000"/>
+            </a:srgbClr>
+          </a:outerShdw>
+        </a:effectLst>
+      </dsp:spPr>
+      <dsp:style>
+        <a:lnRef idx="0">
+          <a:scrgbClr r="0" g="0" b="0"/>
+        </a:lnRef>
+        <a:fillRef idx="1">
+          <a:scrgbClr r="0" g="0" b="0"/>
+        </a:fillRef>
+        <a:effectRef idx="2">
+          <a:scrgbClr r="0" g="0" b="0"/>
+        </a:effectRef>
+        <a:fontRef idx="minor"/>
+      </dsp:style>
+    </dsp:sp>
+    <dsp:sp modelId="{A3FE3597-D209-4E52-A6DE-2BA3EADB87AC}">
+      <dsp:nvSpPr>
+        <dsp:cNvPr id="0" name=""/>
+        <dsp:cNvSpPr/>
+      </dsp:nvSpPr>
+      <dsp:spPr>
+        <a:xfrm>
+          <a:off x="244956" y="2208233"/>
+          <a:ext cx="445375" cy="445375"/>
+        </a:xfrm>
+        <a:prstGeom prst="rect">
+          <a:avLst/>
+        </a:prstGeom>
+        <a:blipFill>
+          <a:blip xmlns:r="http://schemas.openxmlformats.org/officeDocument/2006/relationships" r:embed="rId5">
+            <a:extLst>
+              <a:ext uri="{96DAC541-7B7A-43D3-8B79-37D633B846F1}">
+                <asvg:svgBlip xmlns:asvg="http://schemas.microsoft.com/office/drawing/2016/SVG/main" r:embed="rId6"/>
+              </a:ext>
+            </a:extLst>
+          </a:blip>
+          <a:srcRect/>
+          <a:stretch>
+            <a:fillRect/>
+          </a:stretch>
+        </a:blipFill>
+        <a:ln>
+          <a:noFill/>
+        </a:ln>
+        <a:effectLst>
+          <a:outerShdw blurRad="38100" dist="12700" dir="5400000" algn="ctr" rotWithShape="0">
+            <a:srgbClr val="000000">
+              <a:alpha val="63000"/>
+            </a:srgbClr>
+          </a:outerShdw>
+        </a:effectLst>
+      </dsp:spPr>
+      <dsp:style>
+        <a:lnRef idx="0">
+          <a:scrgbClr r="0" g="0" b="0"/>
+        </a:lnRef>
+        <a:fillRef idx="3">
+          <a:scrgbClr r="0" g="0" b="0"/>
+        </a:fillRef>
+        <a:effectRef idx="2">
+          <a:scrgbClr r="0" g="0" b="0"/>
+        </a:effectRef>
+        <a:fontRef idx="minor">
+          <a:schemeClr val="lt1"/>
+        </a:fontRef>
+      </dsp:style>
+    </dsp:sp>
+    <dsp:sp modelId="{DEC04D24-230D-48FD-9445-387AFFBA5532}">
+      <dsp:nvSpPr>
+        <dsp:cNvPr id="0" name=""/>
+        <dsp:cNvSpPr/>
+      </dsp:nvSpPr>
+      <dsp:spPr>
+        <a:xfrm>
+          <a:off x="935289" y="2026033"/>
+          <a:ext cx="9123110" cy="809774"/>
+        </a:xfrm>
+        <a:prstGeom prst="rect">
+          <a:avLst/>
+        </a:prstGeom>
+        <a:noFill/>
+        <a:ln>
+          <a:noFill/>
+        </a:ln>
+        <a:effectLst/>
+      </dsp:spPr>
+      <dsp:style>
+        <a:lnRef idx="0">
+          <a:scrgbClr r="0" g="0" b="0"/>
+        </a:lnRef>
+        <a:fillRef idx="0">
+          <a:scrgbClr r="0" g="0" b="0"/>
+        </a:fillRef>
+        <a:effectRef idx="0">
+          <a:scrgbClr r="0" g="0" b="0"/>
+        </a:effectRef>
+        <a:fontRef idx="minor"/>
+      </dsp:style>
+      <dsp:txBody>
+        <a:bodyPr spcFirstLastPara="0" vert="horz" wrap="square" lIns="85701" tIns="85701" rIns="85701" bIns="85701" numCol="1" spcCol="1270" anchor="ctr" anchorCtr="0">
+          <a:noAutofit/>
+        </a:bodyPr>
+        <a:lstStyle/>
+        <a:p>
+          <a:pPr marL="0" lvl="0" indent="0" algn="l" defTabSz="889000">
+            <a:lnSpc>
+              <a:spcPct val="100000"/>
+            </a:lnSpc>
+            <a:spcBef>
+              <a:spcPct val="0"/>
+            </a:spcBef>
+            <a:spcAft>
+              <a:spcPct val="35000"/>
+            </a:spcAft>
+            <a:buNone/>
+          </a:pPr>
+          <a:r>
+            <a:rPr lang="en-US" sz="2000" kern="1200"/>
+            <a:t>Fewer Data Entry Errors</a:t>
+          </a:r>
+        </a:p>
+      </dsp:txBody>
+      <dsp:txXfrm>
+        <a:off x="935289" y="2026033"/>
+        <a:ext cx="9123110" cy="809774"/>
+      </dsp:txXfrm>
+    </dsp:sp>
+    <dsp:sp modelId="{55925D48-35AD-4EB4-8006-8A1BC8E6CDFA}">
+      <dsp:nvSpPr>
+        <dsp:cNvPr id="0" name=""/>
+        <dsp:cNvSpPr/>
+      </dsp:nvSpPr>
+      <dsp:spPr>
+        <a:xfrm>
+          <a:off x="0" y="3038251"/>
+          <a:ext cx="10058399" cy="809774"/>
+        </a:xfrm>
+        <a:prstGeom prst="roundRect">
+          <a:avLst>
+            <a:gd name="adj" fmla="val 10000"/>
+          </a:avLst>
+        </a:prstGeom>
+        <a:solidFill>
+          <a:schemeClr val="accent2"/>
+        </a:solidFill>
+        <a:ln>
+          <a:noFill/>
+        </a:ln>
+        <a:effectLst>
+          <a:outerShdw blurRad="38100" dist="12700" dir="5400000" algn="ctr" rotWithShape="0">
+            <a:srgbClr val="000000">
+              <a:alpha val="63000"/>
+            </a:srgbClr>
+          </a:outerShdw>
+        </a:effectLst>
+      </dsp:spPr>
+      <dsp:style>
+        <a:lnRef idx="0">
+          <a:scrgbClr r="0" g="0" b="0"/>
+        </a:lnRef>
+        <a:fillRef idx="1">
+          <a:scrgbClr r="0" g="0" b="0"/>
+        </a:fillRef>
+        <a:effectRef idx="2">
+          <a:scrgbClr r="0" g="0" b="0"/>
+        </a:effectRef>
+        <a:fontRef idx="minor"/>
+      </dsp:style>
+    </dsp:sp>
+    <dsp:sp modelId="{038CD203-F91D-496F-8834-C39FAB58F10C}">
+      <dsp:nvSpPr>
+        <dsp:cNvPr id="0" name=""/>
+        <dsp:cNvSpPr/>
+      </dsp:nvSpPr>
+      <dsp:spPr>
+        <a:xfrm>
+          <a:off x="244956" y="3220451"/>
+          <a:ext cx="445375" cy="445375"/>
+        </a:xfrm>
+        <a:prstGeom prst="rect">
+          <a:avLst/>
+        </a:prstGeom>
+        <a:blipFill>
+          <a:blip xmlns:r="http://schemas.openxmlformats.org/officeDocument/2006/relationships" r:embed="rId7">
+            <a:extLst>
+              <a:ext uri="{96DAC541-7B7A-43D3-8B79-37D633B846F1}">
+                <asvg:svgBlip xmlns:asvg="http://schemas.microsoft.com/office/drawing/2016/SVG/main" r:embed="rId8"/>
+              </a:ext>
+            </a:extLst>
+          </a:blip>
+          <a:srcRect/>
+          <a:stretch>
+            <a:fillRect/>
+          </a:stretch>
+        </a:blipFill>
+        <a:ln>
+          <a:noFill/>
+        </a:ln>
+        <a:effectLst>
+          <a:outerShdw blurRad="38100" dist="12700" dir="5400000" algn="ctr" rotWithShape="0">
+            <a:srgbClr val="000000">
+              <a:alpha val="63000"/>
+            </a:srgbClr>
+          </a:outerShdw>
+        </a:effectLst>
+      </dsp:spPr>
+      <dsp:style>
+        <a:lnRef idx="0">
+          <a:scrgbClr r="0" g="0" b="0"/>
+        </a:lnRef>
+        <a:fillRef idx="3">
+          <a:scrgbClr r="0" g="0" b="0"/>
+        </a:fillRef>
+        <a:effectRef idx="2">
+          <a:scrgbClr r="0" g="0" b="0"/>
+        </a:effectRef>
+        <a:fontRef idx="minor">
+          <a:schemeClr val="lt1"/>
+        </a:fontRef>
+      </dsp:style>
+    </dsp:sp>
+    <dsp:sp modelId="{D1413F29-1DBC-470F-8373-5B120601BD85}">
+      <dsp:nvSpPr>
+        <dsp:cNvPr id="0" name=""/>
+        <dsp:cNvSpPr/>
+      </dsp:nvSpPr>
+      <dsp:spPr>
+        <a:xfrm>
+          <a:off x="935289" y="3038251"/>
+          <a:ext cx="9123110" cy="809774"/>
+        </a:xfrm>
+        <a:prstGeom prst="rect">
+          <a:avLst/>
+        </a:prstGeom>
+        <a:noFill/>
+        <a:ln>
+          <a:noFill/>
+        </a:ln>
+        <a:effectLst/>
+      </dsp:spPr>
+      <dsp:style>
+        <a:lnRef idx="0">
+          <a:scrgbClr r="0" g="0" b="0"/>
+        </a:lnRef>
+        <a:fillRef idx="0">
+          <a:scrgbClr r="0" g="0" b="0"/>
+        </a:fillRef>
+        <a:effectRef idx="0">
+          <a:scrgbClr r="0" g="0" b="0"/>
+        </a:effectRef>
+        <a:fontRef idx="minor"/>
+      </dsp:style>
+      <dsp:txBody>
+        <a:bodyPr spcFirstLastPara="0" vert="horz" wrap="square" lIns="85701" tIns="85701" rIns="85701" bIns="85701" numCol="1" spcCol="1270" anchor="ctr" anchorCtr="0">
+          <a:noAutofit/>
+        </a:bodyPr>
+        <a:lstStyle/>
+        <a:p>
+          <a:pPr marL="0" lvl="0" indent="0" algn="l" defTabSz="889000">
+            <a:lnSpc>
+              <a:spcPct val="100000"/>
+            </a:lnSpc>
+            <a:spcBef>
+              <a:spcPct val="0"/>
+            </a:spcBef>
+            <a:spcAft>
+              <a:spcPct val="35000"/>
+            </a:spcAft>
+            <a:buNone/>
+          </a:pPr>
+          <a:r>
+            <a:rPr lang="en-US" sz="2000" kern="1200">
+              <a:solidFill>
+                <a:schemeClr val="bg1"/>
+              </a:solidFill>
+            </a:rPr>
+            <a:t>The browser's built-in autofill functionality needs your help to work properly. If you don't help it, it will cause data entry errors.</a:t>
+          </a:r>
+        </a:p>
+      </dsp:txBody>
+      <dsp:txXfrm>
+        <a:off x="935289" y="3038251"/>
+        <a:ext cx="9123110" cy="809774"/>
+      </dsp:txXfrm>
+    </dsp:sp>
+  </dsp:spTree>
+</dsp:drawing>
+</file>
+
+<file path=ppt/diagrams/layout1.xml><?xml version="1.0" encoding="utf-8"?>
+<dgm:layoutDef xmlns:dgm="http://schemas.openxmlformats.org/drawingml/2006/diagram" xmlns:a="http://schemas.openxmlformats.org/drawingml/2006/main" uniqueId="urn:microsoft.com/office/officeart/2018/2/layout/IconVerticalSolidList">
+  <dgm:title val="Icon Vertical Solid List"/>
+  <dgm:desc val="Use to show a series of visuals from top to bottom with Level 1 or Level 1 and Level 2 text grouped in a shape. Works best with icons or small pictures with lengthier descriptions."/>
+  <dgm:catLst>
+    <dgm:cat type="icon" pri="500"/>
+  </dgm:catLst>
+  <dgm:sampData useDef="1">
+    <dgm:dataModel>
+      <dgm:ptLst/>
+      <dgm:bg/>
+      <dgm:whole/>
+    </dgm:dataModel>
+  </dgm:sampData>
+  <dgm:styleData useDef="1">
+    <dgm:dataModel>
+      <dgm:ptLst/>
+      <dgm:bg/>
+      <dgm:whole/>
+    </dgm:dataModel>
+  </dgm:styleData>
+  <dgm:clrData useDef="1">
+    <dgm:dataModel>
+      <dgm:ptLst/>
+      <dgm:bg/>
+      <dgm:whole/>
+    </dgm:dataModel>
+  </dgm:clrData>
+  <dgm:layoutNode name="root">
+    <dgm:varLst>
+      <dgm:dir/>
+      <dgm:resizeHandles val="exact"/>
+    </dgm:varLst>
+    <dgm:choose name="Name0">
+      <dgm:if name="Name1" axis="self" func="var" arg="dir" op="equ" val="norm">
+        <dgm:alg type="lin">
+          <dgm:param type="linDir" val="fromT"/>
+          <dgm:param type="nodeHorzAlign" val="l"/>
+        </dgm:alg>
+      </dgm:if>
+      <dgm:else name="Name2">
+        <dgm:alg type="lin">
+          <dgm:param type="linDir" val="fromT"/>
+          <dgm:param type="nodeHorzAlign" val="r"/>
+        </dgm:alg>
+      </dgm:else>
+    </dgm:choose>
+    <dgm:shape xmlns:r="http://schemas.openxmlformats.org/officeDocument/2006/relationships" r:blip="">
+      <dgm:adjLst/>
+    </dgm:shape>
+    <dgm:presOf/>
+    <dgm:choose name="Name3">
+      <dgm:if name="Name4" axis="ch" ptType="node" func="cnt" op="lte" val="3">
+        <dgm:constrLst>
+          <dgm:constr type="h" for="ch" forName="compNode" refType="h" fact="0.3"/>
+          <dgm:constr type="w" for="ch" forName="compNode" refType="w"/>
+          <dgm:constr type="h" for="ch" forName="sibTrans" refType="h" refFor="ch" refForName="compNode" fact="0.25"/>
+          <dgm:constr type="primFontSz" for="des" forName="parTx" val="25"/>
+          <dgm:constr type="primFontSz" for="des" forName="desTx" refType="primFontSz" refFor="des" refForName="parTx" op="lte" fact="0.75"/>
+          <dgm:constr type="h" for="des" forName="compNode" op="equ"/>
+          <dgm:constr type="h" for="des" forName="bgRect" op="equ"/>
+          <dgm:constr type="h" for="des" forName="iconRect" op="equ"/>
+          <dgm:constr type="w" for="des" forName="iconRect" op="equ"/>
+          <dgm:constr type="h" for="des" forName="spaceRect" op="equ"/>
+          <dgm:constr type="h" for="des" forName="parTx" op="equ"/>
+          <dgm:constr type="h" for="des" forName="desTx" op="equ"/>
+        </dgm:constrLst>
+      </dgm:if>
+      <dgm:if name="Name5" axis="ch" ptType="node" func="cnt" op="lte" val="4">
+        <dgm:constrLst>
+          <dgm:constr type="h" for="ch" forName="compNode" refType="h" fact="0.3"/>
+          <dgm:constr type="w" for="ch" forName="compNode" refType="w"/>
+          <dgm:constr type="h" for="ch" forName="sibTrans" refType="h" refFor="ch" refForName="compNode" fact="0.25"/>
+          <dgm:constr type="primFontSz" for="des" forName="parTx" val="22"/>
+          <dgm:constr type="primFontSz" for="des" forName="desTx" refType="primFontSz" refFor="des" refForName="parTx" op="lte" fact="0.75"/>
+          <dgm:constr type="h" for="des" forName="compNode" op="equ"/>
+          <dgm:constr type="h" for="des" forName="bgRect" op="equ"/>
+          <dgm:constr type="h" for="des" forName="iconRect" op="equ"/>
+          <dgm:constr type="w" for="des" forName="iconRect" op="equ"/>
+          <dgm:constr type="h" for="des" forName="spaceRect" op="equ"/>
+          <dgm:constr type="h" for="des" forName="parTx" op="equ"/>
+          <dgm:constr type="h" for="des" forName="desTx" op="equ"/>
+        </dgm:constrLst>
+      </dgm:if>
+      <dgm:if name="Name6" axis="ch" ptType="node" func="cnt" op="lte" val="6">
+        <dgm:constrLst>
+          <dgm:constr type="h" for="ch" forName="compNode" refType="h" fact="0.3"/>
+          <dgm:constr type="w" for="ch" forName="compNode" refType="w"/>
+          <dgm:constr type="h" for="ch" forName="sibTrans" refType="h" refFor="ch" refForName="compNode" fact="0.25"/>
+          <dgm:constr type="primFontSz" for="des" forName="parTx" val="19"/>
+          <dgm:constr type="primFontSz" for="des" forName="desTx" refType="primFontSz" refFor="des" refForName="parTx" op="lte" fact="0.75"/>
+          <dgm:constr type="h" for="des" forName="compNode" op="equ"/>
+          <dgm:constr type="h" for="des" forName="bgRect" op="equ"/>
+          <dgm:constr type="h" for="des" forName="iconRect" op="equ"/>
+          <dgm:constr type="w" for="des" forName="iconRect" op="equ"/>
+          <dgm:constr type="h" for="des" forName="spaceRect" op="equ"/>
+          <dgm:constr type="h" for="des" forName="parTx" op="equ"/>
+          <dgm:constr type="h" for="des" forName="desTx" op="equ"/>
+        </dgm:constrLst>
+      </dgm:if>
+      <dgm:else name="Name7">
+        <dgm:constrLst>
+          <dgm:constr type="h" for="ch" forName="compNode" refType="h" fact="0.3"/>
+          <dgm:constr type="w" for="ch" forName="compNode" refType="w"/>
+          <dgm:constr type="h" for="ch" forName="sibTrans" refType="h" refFor="ch" refForName="compNode" fact="0.25"/>
+          <dgm:constr type="primFontSz" for="des" forName="parTx" val="16"/>
+          <dgm:constr type="primFontSz" for="des" forName="desTx" refType="primFontSz" refFor="des" refForName="parTx" op="lte" fact="0.75"/>
+          <dgm:constr type="h" for="des" forName="compNode" op="equ"/>
+          <dgm:constr type="h" for="des" forName="bgRect" op="equ"/>
+          <dgm:constr type="h" for="des" forName="iconRect" op="equ"/>
+          <dgm:constr type="w" for="des" forName="iconRect" op="equ"/>
+          <dgm:constr type="h" for="des" forName="spaceRect" op="equ"/>
+          <dgm:constr type="h" for="des" forName="parTx" op="equ"/>
+          <dgm:constr type="h" for="des" forName="desTx" op="equ"/>
+        </dgm:constrLst>
+      </dgm:else>
+    </dgm:choose>
+    <dgm:ruleLst>
+      <dgm:rule type="h" for="ch" forName="compNode" val="0" fact="NaN" max="NaN"/>
+    </dgm:ruleLst>
+    <dgm:forEach name="Name8" axis="ch" ptType="node">
+      <dgm:layoutNode name="compNode">
+        <dgm:alg type="composite"/>
+        <dgm:shape xmlns:r="http://schemas.openxmlformats.org/officeDocument/2006/relationships" r:blip="">
+          <dgm:adjLst/>
+        </dgm:shape>
+        <dgm:presOf axis="self"/>
+        <dgm:choose name="Name9">
+          <dgm:if name="Name10" axis="ch" ptType="node" func="cnt" op="gte" val="1">
+            <dgm:constrLst>
+              <dgm:constr type="w" for="ch" forName="bgRect" refType="w"/>
+              <dgm:constr type="h" for="ch" forName="bgRect" refType="h"/>
+              <dgm:constr type="l" for="ch" forName="bgRect"/>
+              <dgm:constr type="t" for="ch" forName="bgRect"/>
+              <dgm:constr type="h" for="ch" forName="iconRect" refType="h" fact="0.55"/>
+              <dgm:constr type="w" for="ch" forName="iconRect" refType="h" refFor="ch" refForName="iconRect"/>
+              <dgm:constr type="l" for="ch" forName="iconRect" refType="h" refFor="ch" refForName="iconRect" fact="0.55"/>
+              <dgm:constr type="ctrY" for="ch" forName="iconRect" refType="ctrY" refFor="ch" refForName="bgRect"/>
+              <dgm:constr type="w" for="ch" forName="spaceRect" refType="l" refFor="ch" refForName="iconRect"/>
+              <dgm:constr type="h" for="ch" forName="spaceRect" refType="h"/>
+              <dgm:constr type="l" for="ch" forName="spaceRect" refType="r" refFor="ch" refForName="iconRect"/>
+              <dgm:constr type="t" for="ch" forName="spaceRect"/>
+              <dgm:constr type="w" for="ch" forName="parTx" refType="w" fact="0.45"/>
+              <dgm:constr type="h" for="ch" forName="parTx" refType="h"/>
+              <dgm:constr type="l" for="ch" forName="parTx" refType="r" refFor="ch" refForName="spaceRect"/>
+              <dgm:constr type="t" for="ch" forName="parTx"/>
+              <dgm:constr type="h" for="ch" forName="desTx" refType="h"/>
+              <dgm:constr type="l" for="ch" forName="desTx" refType="r" refFor="ch" refForName="parTx"/>
+              <dgm:constr type="t" for="ch" forName="desTx"/>
+            </dgm:constrLst>
+          </dgm:if>
+          <dgm:else name="Name11">
+            <dgm:constrLst>
+              <dgm:constr type="w" for="ch" forName="bgRect" refType="w"/>
+              <dgm:constr type="h" for="ch" forName="bgRect" refType="h"/>
+              <dgm:constr type="l" for="ch" forName="bgRect"/>
+              <dgm:constr type="t" for="ch" forName="bgRect"/>
+              <dgm:constr type="h" for="ch" forName="iconRect" refType="h" fact="0.55"/>
+              <dgm:constr type="w" for="ch" forName="iconRect" refType="h" refFor="ch" refForName="iconRect"/>
+              <dgm:constr type="l" for="ch" forName="iconRect" refType="h" refFor="ch" refForName="iconRect" fact="0.55"/>
+              <dgm:constr type="ctrY" for="ch" forName="iconRect" refType="ctrY" refFor="ch" refForName="bgRect"/>
+              <dgm:constr type="w" for="ch" forName="spaceRect" refType="l" refFor="ch" refForName="iconRect"/>
+              <dgm:constr type="h" for="ch" forName="spaceRect" refType="h"/>
+              <dgm:constr type="l" for="ch" forName="spaceRect" refType="r" refFor="ch" refForName="iconRect"/>
+              <dgm:constr type="t" for="ch" forName="spaceRect"/>
+              <dgm:constr type="h" for="ch" forName="parTx" refType="h"/>
+              <dgm:constr type="l" for="ch" forName="parTx" refType="r" refFor="ch" refForName="spaceRect"/>
+              <dgm:constr type="t" for="ch" forName="parTx"/>
+            </dgm:constrLst>
+          </dgm:else>
+        </dgm:choose>
+        <dgm:ruleLst>
+          <dgm:rule type="h" val="INF" fact="NaN" max="NaN"/>
+        </dgm:ruleLst>
+        <dgm:layoutNode name="bgRect" styleLbl="bgShp">
+          <dgm:alg type="sp"/>
+          <dgm:shape xmlns:r="http://schemas.openxmlformats.org/officeDocument/2006/relationships" type="roundRect" r:blip="">
+            <dgm:adjLst>
+              <dgm:adj idx="1" val="0.1"/>
+            </dgm:adjLst>
+          </dgm:shape>
+          <dgm:presOf/>
+          <dgm:constrLst/>
+          <dgm:ruleLst/>
+        </dgm:layoutNode>
+        <dgm:layoutNode name="iconRect" styleLbl="node1">
+          <dgm:alg type="sp"/>
+          <dgm:shape xmlns:r="http://schemas.openxmlformats.org/officeDocument/2006/relationships" type="rect" r:blip="" blipPhldr="1">
+            <dgm:adjLst/>
+          </dgm:shape>
+          <dgm:presOf/>
+          <dgm:constrLst/>
+          <dgm:ruleLst/>
+        </dgm:layoutNode>
+        <dgm:layoutNode name="spaceRect">
+          <dgm:alg type="sp"/>
+          <dgm:shape xmlns:r="http://schemas.openxmlformats.org/officeDocument/2006/relationships" r:blip="">
+            <dgm:adjLst/>
+          </dgm:shape>
+          <dgm:presOf/>
+          <dgm:constrLst/>
+          <dgm:ruleLst/>
+        </dgm:layoutNode>
+        <dgm:layoutNode name="parTx" styleLbl="revTx">
+          <dgm:varLst>
+            <dgm:chMax val="0"/>
+            <dgm:chPref val="0"/>
+          </dgm:varLst>
+          <dgm:alg type="tx">
+            <dgm:param type="txAnchorVert" val="mid"/>
+            <dgm:param type="parTxLTRAlign" val="l"/>
+            <dgm:param type="shpTxLTRAlignCh" val="l"/>
+            <dgm:param type="parTxRTLAlign" val="r"/>
+            <dgm:param type="shpTxRTLAlignCh" val="r"/>
+          </dgm:alg>
+          <dgm:shape xmlns:r="http://schemas.openxmlformats.org/officeDocument/2006/relationships" type="rect" r:blip="">
+            <dgm:adjLst/>
+          </dgm:shape>
+          <dgm:presOf axis="self" ptType="node"/>
+          <dgm:constrLst>
+            <dgm:constr type="lMarg" refType="h" fact="0.3"/>
+            <dgm:constr type="rMarg" refType="h" fact="0.3"/>
+            <dgm:constr type="tMarg" refType="h" fact="0.3"/>
+            <dgm:constr type="bMarg" refType="h" fact="0.3"/>
+          </dgm:constrLst>
+          <dgm:ruleLst>
+            <dgm:rule type="primFontSz" val="14" fact="NaN" max="NaN"/>
+            <dgm:rule type="h" val="INF" fact="NaN" max="NaN"/>
+          </dgm:ruleLst>
+        </dgm:layoutNode>
+        <dgm:choose name="Name12">
+          <dgm:if name="Name13" axis="ch" ptType="node" func="cnt" op="gte" val="1">
+            <dgm:layoutNode name="desTx" styleLbl="revTx">
+              <dgm:varLst/>
+              <dgm:alg type="tx">
+                <dgm:param type="txAnchorVertCh" val="mid"/>
+                <dgm:param type="parTxLTRAlign" val="l"/>
+                <dgm:param type="shpTxLTRAlignCh" val="l"/>
+                <dgm:param type="parTxRTLAlign" val="r"/>
+                <dgm:param type="shpTxRTLAlignCh" val="r"/>
+                <dgm:param type="stBulletLvl" val="0"/>
+              </dgm:alg>
+              <dgm:shape xmlns:r="http://schemas.openxmlformats.org/officeDocument/2006/relationships" type="rect" r:blip="">
+                <dgm:adjLst/>
+              </dgm:shape>
+              <dgm:presOf axis="des" ptType="node"/>
+              <dgm:constrLst>
+                <dgm:constr type="primFontSz" val="18"/>
+                <dgm:constr type="secFontSz" refType="primFontSz"/>
+                <dgm:constr type="lMarg" refType="h" fact="0.3"/>
+                <dgm:constr type="rMarg" refType="h" fact="0.3"/>
+                <dgm:constr type="tMarg" refType="h" fact="0.3"/>
+                <dgm:constr type="bMarg" refType="h" fact="0.3"/>
+              </dgm:constrLst>
+              <dgm:ruleLst>
+                <dgm:rule type="primFontSz" val="11" fact="NaN" max="NaN"/>
+              </dgm:ruleLst>
+            </dgm:layoutNode>
+          </dgm:if>
+          <dgm:else name="Name14"/>
+        </dgm:choose>
+      </dgm:layoutNode>
+      <dgm:forEach name="Name15" axis="followSib" ptType="sibTrans" cnt="1">
+        <dgm:layoutNode name="sibTrans">
+          <dgm:alg type="sp"/>
+          <dgm:shape xmlns:r="http://schemas.openxmlformats.org/officeDocument/2006/relationships" r:blip="">
+            <dgm:adjLst/>
+          </dgm:shape>
+          <dgm:presOf axis="self"/>
+          <dgm:constrLst/>
+          <dgm:ruleLst/>
+        </dgm:layoutNode>
+      </dgm:forEach>
+    </dgm:forEach>
+  </dgm:layoutNode>
+  <dgm:extLst>
+    <a:ext uri="{68A01E43-0DF5-4B5B-8FA6-DAF915123BFB}">
+      <dgm1612:lstStyle xmlns:dgm1612="http://schemas.microsoft.com/office/drawing/2016/12/diagram">
+        <a:lvl1pPr>
+          <a:lnSpc>
+            <a:spcPct val="100000"/>
+          </a:lnSpc>
+        </a:lvl1pPr>
+        <a:lvl2pPr>
+          <a:lnSpc>
+            <a:spcPct val="100000"/>
+          </a:lnSpc>
+        </a:lvl2pPr>
+      </dgm1612:lstStyle>
+    </a:ext>
+  </dgm:extLst>
+</dgm:layoutDef>
+</file>
+
+<file path=ppt/diagrams/quickStyle1.xml><?xml version="1.0" encoding="utf-8"?>
+<dgm:styleDef xmlns:dgm="http://schemas.openxmlformats.org/drawingml/2006/diagram" xmlns:a="http://schemas.openxmlformats.org/drawingml/2006/main" uniqueId="urn:microsoft.com/office/officeart/2005/8/quickstyle/simple4">
+  <dgm:title val=""/>
+  <dgm:desc val=""/>
+  <dgm:catLst>
+    <dgm:cat type="simple" pri="10400"/>
+  </dgm:catLst>
+  <dgm:scene3d>
+    <a:camera prst="orthographicFront"/>
+    <a:lightRig rig="threePt" dir="t"/>
+  </dgm:scene3d>
+  <dgm:styleLbl name="node0">
+    <dgm:scene3d>
+      <a:camera prst="orthographicFront"/>
+      <a:lightRig rig="threePt" dir="t"/>
+    </dgm:scene3d>
+    <dgm:sp3d/>
+    <dgm:txPr/>
+    <dgm:style>
+      <a:lnRef idx="0">
+        <a:scrgbClr r="0" g="0" b="0"/>
+      </a:lnRef>
+      <a:fillRef idx="3">
+        <a:scrgbClr r="0" g="0" b="0"/>
+      </a:fillRef>
+      <a:effectRef idx="2">
+        <a:scrgbClr r="0" g="0" b="0"/>
+      </a:effectRef>
+      <a:fontRef idx="minor">
+        <a:schemeClr val="lt1"/>
+      </a:fontRef>
+    </dgm:style>
+  </dgm:styleLbl>
+  <dgm:styleLbl name="lnNode1">
+    <dgm:scene3d>
+      <a:camera prst="orthographicFront"/>
+      <a:lightRig rig="threePt" dir="t"/>
+    </dgm:scene3d>
+    <dgm:sp3d/>
+    <dgm:txPr/>
+    <dgm:style>
+      <a:lnRef idx="1">
+        <a:scrgbClr r="0" g="0" b="0"/>
+      </a:lnRef>
+      <a:fillRef idx="3">
+        <a:scrgbClr r="0" g="0" b="0"/>
+      </a:fillRef>
+      <a:effectRef idx="2">
+        <a:scrgbClr r="0" g="0" b="0"/>
+      </a:effectRef>
+      <a:fontRef idx="minor">
+        <a:schemeClr val="lt1"/>
+      </a:fontRef>
+    </dgm:style>
+  </dgm:styleLbl>
+  <dgm:styleLbl name="vennNode1">
+    <dgm:scene3d>
+      <a:camera prst="orthographicFront"/>
+      <a:lightRig rig="threePt" dir="t"/>
+    </dgm:scene3d>
+    <dgm:sp3d/>
+    <dgm:txPr/>
+    <dgm:style>
+      <a:lnRef idx="0">
+        <a:scrgbClr r="0" g="0" b="0"/>
+      </a:lnRef>
+      <a:fillRef idx="3">
+        <a:scrgbClr r="0" g="0" b="0"/>
+      </a:fillRef>
+      <a:effectRef idx="0">
+        <a:scrgbClr r="0" g="0" b="0"/>
+      </a:effectRef>
+      <a:fontRef idx="minor">
+        <a:schemeClr val="tx1"/>
+      </a:fontRef>
+    </dgm:style>
+  </dgm:styleLbl>
+  <dgm:styleLbl name="alignNode1">
+    <dgm:scene3d>
+      <a:camera prst="orthographicFront"/>
+      <a:lightRig rig="threePt" dir="t"/>
+    </dgm:scene3d>
+    <dgm:sp3d/>
+    <dgm:txPr/>
+    <dgm:style>
+      <a:lnRef idx="1">
+        <a:scrgbClr r="0" g="0" b="0"/>
+      </a:lnRef>
+      <a:fillRef idx="3">
+        <a:scrgbClr r="0" g="0" b="0"/>
+      </a:fillRef>
+      <a:effectRef idx="2">
+        <a:scrgbClr r="0" g="0" b="0"/>
+      </a:effectRef>
+      <a:fontRef idx="minor">
+        <a:schemeClr val="lt1"/>
+      </a:fontRef>
+    </dgm:style>
+  </dgm:styleLbl>
+  <dgm:styleLbl name="node1">
+    <dgm:scene3d>
+      <a:camera prst="orthographicFront"/>
+      <a:lightRig rig="threePt" dir="t"/>
+    </dgm:scene3d>
+    <dgm:sp3d/>
+    <dgm:txPr/>
+    <dgm:style>
+      <a:lnRef idx="0">
+        <a:scrgbClr r="0" g="0" b="0"/>
+      </a:lnRef>
+      <a:fillRef idx="3">
+        <a:scrgbClr r="0" g="0" b="0"/>
+      </a:fillRef>
+      <a:effectRef idx="2">
+        <a:scrgbClr r="0" g="0" b="0"/>
+      </a:effectRef>
+      <a:fontRef idx="minor">
+        <a:schemeClr val="lt1"/>
+      </a:fontRef>
+    </dgm:style>
+  </dgm:styleLbl>
+  <dgm:styleLbl name="node2">
+    <dgm:scene3d>
+      <a:camera prst="orthographicFront"/>
+      <a:lightRig rig="threePt" dir="t"/>
+    </dgm:scene3d>
+    <dgm:sp3d/>
+    <dgm:txPr/>
+    <dgm:style>
+      <a:lnRef idx="0">
+        <a:scrgbClr r="0" g="0" b="0"/>
+      </a:lnRef>
+      <a:fillRef idx="3">
+        <a:scrgbClr r="0" g="0" b="0"/>
+      </a:fillRef>
+      <a:effectRef idx="2">
+        <a:scrgbClr r="0" g="0" b="0"/>
+      </a:effectRef>
+      <a:fontRef idx="minor">
+        <a:schemeClr val="lt1"/>
+      </a:fontRef>
+    </dgm:style>
+  </dgm:styleLbl>
+  <dgm:styleLbl name="node3">
+    <dgm:scene3d>
+      <a:camera prst="orthographicFront"/>
+      <a:lightRig rig="threePt" dir="t"/>
+    </dgm:scene3d>
+    <dgm:sp3d/>
+    <dgm:txPr/>
+    <dgm:style>
+      <a:lnRef idx="0">
+        <a:scrgbClr r="0" g="0" b="0"/>
+      </a:lnRef>
+      <a:fillRef idx="3">
+        <a:scrgbClr r="0" g="0" b="0"/>
+      </a:fillRef>
+      <a:effectRef idx="2">
+        <a:scrgbClr r="0" g="0" b="0"/>
+      </a:effectRef>
+      <a:fontRef idx="minor">
+        <a:schemeClr val="lt1"/>
+      </a:fontRef>
+    </dgm:style>
+  </dgm:styleLbl>
+  <dgm:styleLbl name="node4">
+    <dgm:scene3d>
+      <a:camera prst="orthographicFront"/>
+      <a:lightRig rig="threePt" dir="t"/>
+    </dgm:scene3d>
+    <dgm:sp3d/>
+    <dgm:txPr/>
+    <dgm:style>
+      <a:lnRef idx="0">
+        <a:scrgbClr r="0" g="0" b="0"/>
+      </a:lnRef>
+      <a:fillRef idx="3">
+        <a:scrgbClr r="0" g="0" b="0"/>
+      </a:fillRef>
+      <a:effectRef idx="2">
+        <a:scrgbClr r="0" g="0" b="0"/>
+      </a:effectRef>
+      <a:fontRef idx="minor">
+        <a:schemeClr val="lt1"/>
+      </a:fontRef>
+    </dgm:style>
+  </dgm:styleLbl>
+  <dgm:styleLbl name="fgImgPlace1">
+    <dgm:scene3d>
+      <a:camera prst="orthographicFront"/>
+      <a:lightRig rig="threePt" dir="t"/>
+    </dgm:scene3d>
+    <dgm:sp3d/>
+    <dgm:txPr/>
+    <dgm:style>
+      <a:lnRef idx="0">
+        <a:scrgbClr r="0" g="0" b="0"/>
+      </a:lnRef>
+      <a:fillRef idx="1">
+        <a:scrgbClr r="0" g="0" b="0"/>
+      </a:fillRef>
+      <a:effectRef idx="2">
+        <a:scrgbClr r="0" g="0" b="0"/>
+      </a:effectRef>
+      <a:fontRef idx="minor"/>
+    </dgm:style>
+  </dgm:styleLbl>
+  <dgm:styleLbl name="alignImgPlace1">
+    <dgm:scene3d>
+      <a:camera prst="orthographicFront"/>
+      <a:lightRig rig="threePt" dir="t"/>
+    </dgm:scene3d>
+    <dgm:sp3d/>
+    <dgm:txPr/>
+    <dgm:style>
+      <a:lnRef idx="0">
+        <a:scrgbClr r="0" g="0" b="0"/>
+      </a:lnRef>
+      <a:fillRef idx="1">
+        <a:scrgbClr r="0" g="0" b="0"/>
+      </a:fillRef>
+      <a:effectRef idx="2">
+        <a:scrgbClr r="0" g="0" b="0"/>
+      </a:effectRef>
+      <a:fontRef idx="minor"/>
+    </dgm:style>
+  </dgm:styleLbl>
+  <dgm:styleLbl name="bgImgPlace1">
+    <dgm:scene3d>
+      <a:camera prst="orthographicFront"/>
+      <a:lightRig rig="threePt" dir="t"/>
+    </dgm:scene3d>
+    <dgm:sp3d/>
+    <dgm:txPr/>
+    <dgm:style>
+      <a:lnRef idx="0">
+        <a:scrgbClr r="0" g="0" b="0"/>
+      </a:lnRef>
+      <a:fillRef idx="1">
+        <a:scrgbClr r="0" g="0" b="0"/>
+      </a:fillRef>
+      <a:effectRef idx="2">
+        <a:scrgbClr r="0" g="0" b="0"/>
+      </a:effectRef>
+      <a:fontRef idx="minor"/>
+    </dgm:style>
+  </dgm:styleLbl>
+  <dgm:styleLbl name="sibTrans2D1">
+    <dgm:scene3d>
+      <a:camera prst="orthographicFront"/>
+      <a:lightRig rig="threePt" dir="t"/>
+    </dgm:scene3d>
+    <dgm:sp3d/>
+    <dgm:txPr/>
+    <dgm:style>
+      <a:lnRef idx="0">
+        <a:scrgbClr r="0" g="0" b="0"/>
+      </a:lnRef>
+      <a:fillRef idx="3">
+        <a:scrgbClr r="0" g="0" b="0"/>
+      </a:fillRef>
+      <a:effectRef idx="2">
+        <a:scrgbClr r="0" g="0" b="0"/>
+      </a:effectRef>
+      <a:fontRef idx="minor">
+        <a:schemeClr val="lt1"/>
+      </a:fontRef>
+    </dgm:style>
+  </dgm:styleLbl>
+  <dgm:styleLbl name="fgSibTrans2D1">
+    <dgm:scene3d>
+      <a:camera prst="orthographicFront"/>
+      <a:lightRig rig="threePt" dir="t"/>
+    </dgm:scene3d>
+    <dgm:sp3d/>
+    <dgm:txPr/>
+    <dgm:style>
+      <a:lnRef idx="0">
+        <a:scrgbClr r="0" g="0" b="0"/>
+      </a:lnRef>
+      <a:fillRef idx="3">
+        <a:scrgbClr r="0" g="0" b="0"/>
+      </a:fillRef>
+      <a:effectRef idx="2">
+        <a:scrgbClr r="0" g="0" b="0"/>
+      </a:effectRef>
+      <a:fontRef idx="minor">
+        <a:schemeClr val="lt1"/>
+      </a:fontRef>
+    </dgm:style>
+  </dgm:styleLbl>
+  <dgm:styleLbl name="bgSibTrans2D1">
+    <dgm:scene3d>
+      <a:camera prst="orthographicFront"/>
+      <a:lightRig rig="threePt" dir="t"/>
+    </dgm:scene3d>
+    <dgm:sp3d/>
+    <dgm:txPr/>
+    <dgm:style>
+      <a:lnRef idx="0">
+        <a:scrgbClr r="0" g="0" b="0"/>
+      </a:lnRef>
+      <a:fillRef idx="3">
+        <a:scrgbClr r="0" g="0" b="0"/>
+      </a:fillRef>
+      <a:effectRef idx="2">
+        <a:scrgbClr r="0" g="0" b="0"/>
+      </a:effectRef>
+      <a:fontRef idx="minor">
+        <a:schemeClr val="lt1"/>
+      </a:fontRef>
+    </dgm:style>
+  </dgm:styleLbl>
+  <dgm:styleLbl name="sibTrans1D1">
+    <dgm:scene3d>
+      <a:camera prst="orthographicFront"/>
+      <a:lightRig rig="threePt" dir="t"/>
+    </dgm:scene3d>
+    <dgm:sp3d/>
+    <dgm:txPr/>
+    <dgm:style>
+      <a:lnRef idx="1">
+        <a:scrgbClr r="0" g="0" b="0"/>
+      </a:lnRef>
+      <a:fillRef idx="0">
+        <a:scrgbClr r="0" g="0" b="0"/>
+      </a:fillRef>
+      <a:effectRef idx="0">
+        <a:scrgbClr r="0" g="0" b="0"/>
+      </a:effectRef>
+      <a:fontRef idx="minor"/>
+    </dgm:style>
+  </dgm:styleLbl>
+  <dgm:styleLbl name="callout">
+    <dgm:scene3d>
+      <a:camera prst="orthographicFront"/>
+      <a:lightRig rig="threePt" dir="t"/>
+    </dgm:scene3d>
+    <dgm:sp3d/>
+    <dgm:txPr/>
+    <dgm:style>
+      <a:lnRef idx="2">
+        <a:scrgbClr r="0" g="0" b="0"/>
+      </a:lnRef>
+      <a:fillRef idx="1">
+        <a:scrgbClr r="0" g="0" b="0"/>
+      </a:fillRef>
+      <a:effectRef idx="1">
+        <a:scrgbClr r="0" g="0" b="0"/>
+      </a:effectRef>
+      <a:fontRef idx="minor"/>
+    </dgm:style>
+  </dgm:styleLbl>
+  <dgm:styleLbl name="asst0">
+    <dgm:scene3d>
+      <a:camera prst="orthographicFront"/>
+      <a:lightRig rig="threePt" dir="t"/>
+    </dgm:scene3d>
+    <dgm:sp3d/>
+    <dgm:txPr/>
+    <dgm:style>
+      <a:lnRef idx="0">
+        <a:scrgbClr r="0" g="0" b="0"/>
+      </a:lnRef>
+      <a:fillRef idx="3">
+        <a:scrgbClr r="0" g="0" b="0"/>
+      </a:fillRef>
+      <a:effectRef idx="2">
+        <a:scrgbClr r="0" g="0" b="0"/>
+      </a:effectRef>
+      <a:fontRef idx="minor">
+        <a:schemeClr val="lt1"/>
+      </a:fontRef>
+    </dgm:style>
+  </dgm:styleLbl>
+  <dgm:styleLbl name="asst1">
+    <dgm:scene3d>
+      <a:camera prst="orthographicFront"/>
+      <a:lightRig rig="threePt" dir="t"/>
+    </dgm:scene3d>
+    <dgm:sp3d/>
+    <dgm:txPr/>
+    <dgm:style>
+      <a:lnRef idx="0">
+        <a:scrgbClr r="0" g="0" b="0"/>
+      </a:lnRef>
+      <a:fillRef idx="3">
+        <a:scrgbClr r="0" g="0" b="0"/>
+      </a:fillRef>
+      <a:effectRef idx="2">
+        <a:scrgbClr r="0" g="0" b="0"/>
+      </a:effectRef>
+      <a:fontRef idx="minor">
+        <a:schemeClr val="lt1"/>
+      </a:fontRef>
+    </dgm:style>
+  </dgm:styleLbl>
+  <dgm:styleLbl name="asst2">
+    <dgm:scene3d>
+      <a:camera prst="orthographicFront"/>
+      <a:lightRig rig="threePt" dir="t"/>
+    </dgm:scene3d>
+    <dgm:sp3d/>
+    <dgm:txPr/>
+    <dgm:style>
+      <a:lnRef idx="0">
+        <a:scrgbClr r="0" g="0" b="0"/>
+      </a:lnRef>
+      <a:fillRef idx="3">
+        <a:scrgbClr r="0" g="0" b="0"/>
+      </a:fillRef>
+      <a:effectRef idx="2">
+        <a:scrgbClr r="0" g="0" b="0"/>
+      </a:effectRef>
+      <a:fontRef idx="minor">
+        <a:schemeClr val="lt1"/>
+      </a:fontRef>
+    </dgm:style>
+  </dgm:styleLbl>
+  <dgm:styleLbl name="asst3">
+    <dgm:scene3d>
+      <a:camera prst="orthographicFront"/>
+      <a:lightRig rig="threePt" dir="t"/>
+    </dgm:scene3d>
+    <dgm:sp3d/>
+    <dgm:txPr/>
+    <dgm:style>
+      <a:lnRef idx="0">
+        <a:scrgbClr r="0" g="0" b="0"/>
+      </a:lnRef>
+      <a:fillRef idx="3">
+        <a:scrgbClr r="0" g="0" b="0"/>
+      </a:fillRef>
+      <a:effectRef idx="2">
+        <a:scrgbClr r="0" g="0" b="0"/>
+      </a:effectRef>
+      <a:fontRef idx="minor">
+        <a:schemeClr val="lt1"/>
+      </a:fontRef>
+    </dgm:style>
+  </dgm:styleLbl>
+  <dgm:styleLbl name="asst4">
+    <dgm:scene3d>
+      <a:camera prst="orthographicFront"/>
+      <a:lightRig rig="threePt" dir="t"/>
+    </dgm:scene3d>
+    <dgm:sp3d/>
+    <dgm:txPr/>
+    <dgm:style>
+      <a:lnRef idx="0">
+        <a:scrgbClr r="0" g="0" b="0"/>
+      </a:lnRef>
+      <a:fillRef idx="3">
+        <a:scrgbClr r="0" g="0" b="0"/>
+      </a:fillRef>
+      <a:effectRef idx="2">
+        <a:scrgbClr r="0" g="0" b="0"/>
+      </a:effectRef>
+      <a:fontRef idx="minor">
+        <a:schemeClr val="lt1"/>
+      </a:fontRef>
+    </dgm:style>
+  </dgm:styleLbl>
+  <dgm:styleLbl name="parChTrans2D1">
+    <dgm:scene3d>
+      <a:camera prst="orthographicFront"/>
+      <a:lightRig rig="threePt" dir="t"/>
+    </dgm:scene3d>
+    <dgm:sp3d/>
+    <dgm:txPr/>
+    <dgm:style>
+      <a:lnRef idx="0">
+        <a:scrgbClr r="0" g="0" b="0"/>
+      </a:lnRef>
+      <a:fillRef idx="3">
+        <a:scrgbClr r="0" g="0" b="0"/>
+      </a:fillRef>
+      <a:effectRef idx="2">
+        <a:scrgbClr r="0" g="0" b="0"/>
+      </a:effectRef>
+      <a:fontRef idx="minor">
+        <a:schemeClr val="lt1"/>
+      </a:fontRef>
+    </dgm:style>
+  </dgm:styleLbl>
+  <dgm:styleLbl name="parChTrans2D2">
+    <dgm:scene3d>
+      <a:camera prst="orthographicFront"/>
+      <a:lightRig rig="threePt" dir="t"/>
+    </dgm:scene3d>
+    <dgm:sp3d/>
+    <dgm:txPr/>
+    <dgm:style>
+      <a:lnRef idx="0">
+        <a:scrgbClr r="0" g="0" b="0"/>
+      </a:lnRef>
+      <a:fillRef idx="3">
+        <a:scrgbClr r="0" g="0" b="0"/>
+      </a:fillRef>
+      <a:effectRef idx="2">
+        <a:scrgbClr r="0" g="0" b="0"/>
+      </a:effectRef>
+      <a:fontRef idx="minor">
+        <a:schemeClr val="lt1"/>
+      </a:fontRef>
+    </dgm:style>
+  </dgm:styleLbl>
+  <dgm:styleLbl name="parChTrans2D3">
+    <dgm:scene3d>
+      <a:camera prst="orthographicFront"/>
+      <a:lightRig rig="threePt" dir="t"/>
+    </dgm:scene3d>
+    <dgm:sp3d/>
+    <dgm:txPr/>
+    <dgm:style>
+      <a:lnRef idx="1">
+        <a:scrgbClr r="0" g="0" b="0"/>
+      </a:lnRef>
+      <a:fillRef idx="3">
+        <a:scrgbClr r="0" g="0" b="0"/>
+      </a:fillRef>
+      <a:effectRef idx="2">
+        <a:scrgbClr r="0" g="0" b="0"/>
+      </a:effectRef>
+      <a:fontRef idx="minor">
+        <a:schemeClr val="lt1"/>
+      </a:fontRef>
+    </dgm:style>
+  </dgm:styleLbl>
+  <dgm:styleLbl name="parChTrans2D4">
+    <dgm:scene3d>
+      <a:camera prst="orthographicFront"/>
+      <a:lightRig rig="threePt" dir="t"/>
+    </dgm:scene3d>
+    <dgm:sp3d/>
+    <dgm:txPr/>
+    <dgm:style>
+      <a:lnRef idx="1">
+        <a:scrgbClr r="0" g="0" b="0"/>
+      </a:lnRef>
+      <a:fillRef idx="3">
+        <a:scrgbClr r="0" g="0" b="0"/>
+      </a:fillRef>
+      <a:effectRef idx="2">
+        <a:scrgbClr r="0" g="0" b="0"/>
+      </a:effectRef>
+      <a:fontRef idx="minor">
+        <a:schemeClr val="lt1"/>
+      </a:fontRef>
+    </dgm:style>
+  </dgm:styleLbl>
+  <dgm:styleLbl name="parChTrans1D1">
+    <dgm:scene3d>
+      <a:camera prst="orthographicFront"/>
+      <a:lightRig rig="threePt" dir="t"/>
+    </dgm:scene3d>
+    <dgm:sp3d/>
+    <dgm:txPr/>
+    <dgm:style>
+      <a:lnRef idx="1">
+        <a:scrgbClr r="0" g="0" b="0"/>
+      </a:lnRef>
+      <a:fillRef idx="0">
+        <a:scrgbClr r="0" g="0" b="0"/>
+      </a:fillRef>
+      <a:effectRef idx="0">
+        <a:scrgbClr r="0" g="0" b="0"/>
+      </a:effectRef>
+      <a:fontRef idx="minor"/>
+    </dgm:style>
+  </dgm:styleLbl>
+  <dgm:styleLbl name="parChTrans1D2">
+    <dgm:scene3d>
+      <a:camera prst="orthographicFront"/>
+      <a:lightRig rig="threePt" dir="t"/>
+    </dgm:scene3d>
+    <dgm:sp3d/>
+    <dgm:txPr/>
+    <dgm:style>
+      <a:lnRef idx="1">
+        <a:scrgbClr r="0" g="0" b="0"/>
+      </a:lnRef>
+      <a:fillRef idx="0">
+        <a:scrgbClr r="0" g="0" b="0"/>
+      </a:fillRef>
+      <a:effectRef idx="0">
+        <a:scrgbClr r="0" g="0" b="0"/>
+      </a:effectRef>
+      <a:fontRef idx="minor"/>
+    </dgm:style>
+  </dgm:styleLbl>
+  <dgm:styleLbl name="parChTrans1D3">
+    <dgm:scene3d>
+      <a:camera prst="orthographicFront"/>
+      <a:lightRig rig="threePt" dir="t"/>
+    </dgm:scene3d>
+    <dgm:sp3d/>
+    <dgm:txPr/>
+    <dgm:style>
+      <a:lnRef idx="1">
+        <a:scrgbClr r="0" g="0" b="0"/>
+      </a:lnRef>
+      <a:fillRef idx="0">
+        <a:scrgbClr r="0" g="0" b="0"/>
+      </a:fillRef>
+      <a:effectRef idx="0">
+        <a:scrgbClr r="0" g="0" b="0"/>
+      </a:effectRef>
+      <a:fontRef idx="minor"/>
+    </dgm:style>
+  </dgm:styleLbl>
+  <dgm:styleLbl name="parChTrans1D4">
+    <dgm:scene3d>
+      <a:camera prst="orthographicFront"/>
+      <a:lightRig rig="threePt" dir="t"/>
+    </dgm:scene3d>
+    <dgm:sp3d/>
+    <dgm:txPr/>
+    <dgm:style>
+      <a:lnRef idx="1">
+        <a:scrgbClr r="0" g="0" b="0"/>
+      </a:lnRef>
+      <a:fillRef idx="0">
+        <a:scrgbClr r="0" g="0" b="0"/>
+      </a:fillRef>
+      <a:effectRef idx="0">
+        <a:scrgbClr r="0" g="0" b="0"/>
+      </a:effectRef>
+      <a:fontRef idx="minor"/>
+    </dgm:style>
+  </dgm:styleLbl>
+  <dgm:styleLbl name="fgAcc1">
+    <dgm:scene3d>
+      <a:camera prst="orthographicFront"/>
+      <a:lightRig rig="threePt" dir="t"/>
+    </dgm:scene3d>
+    <dgm:sp3d/>
+    <dgm:txPr/>
+    <dgm:style>
+      <a:lnRef idx="1">
+        <a:scrgbClr r="0" g="0" b="0"/>
+      </a:lnRef>
+      <a:fillRef idx="1">
+        <a:scrgbClr r="0" g="0" b="0"/>
+      </a:fillRef>
+      <a:effectRef idx="0">
+        <a:scrgbClr r="0" g="0" b="0"/>
+      </a:effectRef>
+      <a:fontRef idx="minor"/>
+    </dgm:style>
+  </dgm:styleLbl>
+  <dgm:styleLbl name="conFgAcc1">
+    <dgm:scene3d>
+      <a:camera prst="orthographicFront"/>
+      <a:lightRig rig="threePt" dir="t"/>
+    </dgm:scene3d>
+    <dgm:sp3d/>
+    <dgm:txPr/>
+    <dgm:style>
+      <a:lnRef idx="1">
+        <a:scrgbClr r="0" g="0" b="0"/>
+      </a:lnRef>
+      <a:fillRef idx="1">
+        <a:scrgbClr r="0" g="0" b="0"/>
+      </a:fillRef>
+      <a:effectRef idx="0">
+        <a:scrgbClr r="0" g="0" b="0"/>
+      </a:effectRef>
+      <a:fontRef idx="minor"/>
+    </dgm:style>
+  </dgm:styleLbl>
+  <dgm:styleLbl name="alignAcc1">
+    <dgm:scene3d>
+      <a:camera prst="orthographicFront"/>
+      <a:lightRig rig="threePt" dir="t"/>
+    </dgm:scene3d>
+    <dgm:sp3d/>
+    <dgm:txPr/>
+    <dgm:style>
+      <a:lnRef idx="1">
+        <a:scrgbClr r="0" g="0" b="0"/>
+      </a:lnRef>
+      <a:fillRef idx="1">
+        <a:scrgbClr r="0" g="0" b="0"/>
+      </a:fillRef>
+      <a:effectRef idx="0">
+        <a:scrgbClr r="0" g="0" b="0"/>
+      </a:effectRef>
+      <a:fontRef idx="minor"/>
+    </dgm:style>
+  </dgm:styleLbl>
+  <dgm:styleLbl name="trAlignAcc1">
+    <dgm:scene3d>
+      <a:camera prst="orthographicFront"/>
+      <a:lightRig rig="threePt" dir="t"/>
+    </dgm:scene3d>
+    <dgm:sp3d/>
+    <dgm:txPr/>
+    <dgm:style>
+      <a:lnRef idx="1">
+        <a:scrgbClr r="0" g="0" b="0"/>
+      </a:lnRef>
+      <a:fillRef idx="1">
+        <a:scrgbClr r="0" g="0" b="0"/>
+      </a:fillRef>
+      <a:effectRef idx="0">
+        <a:scrgbClr r="0" g="0" b="0"/>
+      </a:effectRef>
+      <a:fontRef idx="minor"/>
+    </dgm:style>
+  </dgm:styleLbl>
+  <dgm:styleLbl name="bgAcc1">
+    <dgm:scene3d>
+      <a:camera prst="orthographicFront"/>
+      <a:lightRig rig="threePt" dir="t"/>
+    </dgm:scene3d>
+    <dgm:sp3d/>
+    <dgm:txPr/>
+    <dgm:style>
+      <a:lnRef idx="1">
+        <a:scrgbClr r="0" g="0" b="0"/>
+      </a:lnRef>
+      <a:fillRef idx="1">
+        <a:scrgbClr r="0" g="0" b="0"/>
+      </a:fillRef>
+      <a:effectRef idx="0">
+        <a:scrgbClr r="0" g="0" b="0"/>
+      </a:effectRef>
+      <a:fontRef idx="minor"/>
+    </dgm:style>
+  </dgm:styleLbl>
+  <dgm:styleLbl name="solidFgAcc1">
+    <dgm:scene3d>
+      <a:camera prst="orthographicFront"/>
+      <a:lightRig rig="threePt" dir="t"/>
+    </dgm:scene3d>
+    <dgm:sp3d/>
+    <dgm:txPr/>
+    <dgm:style>
+      <a:lnRef idx="1">
+        <a:scrgbClr r="0" g="0" b="0"/>
+      </a:lnRef>
+      <a:fillRef idx="1">
+        <a:scrgbClr r="0" g="0" b="0"/>
+      </a:fillRef>
+      <a:effectRef idx="0">
+        <a:scrgbClr r="0" g="0" b="0"/>
+      </a:effectRef>
+      <a:fontRef idx="minor"/>
+    </dgm:style>
+  </dgm:styleLbl>
+  <dgm:styleLbl name="solidAlignAcc1">
+    <dgm:scene3d>
+      <a:camera prst="orthographicFront"/>
+      <a:lightRig rig="threePt" dir="t"/>
+    </dgm:scene3d>
+    <dgm:sp3d/>
+    <dgm:txPr/>
+    <dgm:style>
+      <a:lnRef idx="1">
+        <a:scrgbClr r="0" g="0" b="0"/>
+      </a:lnRef>
+      <a:fillRef idx="1">
+        <a:scrgbClr r="0" g="0" b="0"/>
+      </a:fillRef>
+      <a:effectRef idx="0">
+        <a:scrgbClr r="0" g="0" b="0"/>
+      </a:effectRef>
+      <a:fontRef idx="minor"/>
+    </dgm:style>
+  </dgm:styleLbl>
+  <dgm:styleLbl name="solidBgAcc1">
+    <dgm:scene3d>
+      <a:camera prst="orthographicFront"/>
+      <a:lightRig rig="threePt" dir="t"/>
+    </dgm:scene3d>
+    <dgm:sp3d/>
+    <dgm:txPr/>
+    <dgm:style>
+      <a:lnRef idx="1">
+        <a:scrgbClr r="0" g="0" b="0"/>
+      </a:lnRef>
+      <a:fillRef idx="1">
+        <a:scrgbClr r="0" g="0" b="0"/>
+      </a:fillRef>
+      <a:effectRef idx="0">
+        <a:scrgbClr r="0" g="0" b="0"/>
+      </a:effectRef>
+      <a:fontRef idx="minor"/>
+    </dgm:style>
+  </dgm:styleLbl>
+  <dgm:styleLbl name="fgAccFollowNode1">
+    <dgm:scene3d>
+      <a:camera prst="orthographicFront"/>
+      <a:lightRig rig="threePt" dir="t"/>
+    </dgm:scene3d>
+    <dgm:sp3d/>
+    <dgm:txPr/>
+    <dgm:style>
+      <a:lnRef idx="1">
+        <a:scrgbClr r="0" g="0" b="0"/>
+      </a:lnRef>
+      <a:fillRef idx="1">
+        <a:scrgbClr r="0" g="0" b="0"/>
+      </a:fillRef>
+      <a:effectRef idx="0">
+        <a:scrgbClr r="0" g="0" b="0"/>
+      </a:effectRef>
+      <a:fontRef idx="minor"/>
+    </dgm:style>
+  </dgm:styleLbl>
+  <dgm:styleLbl name="alignAccFollowNode1">
+    <dgm:scene3d>
+      <a:camera prst="orthographicFront"/>
+      <a:lightRig rig="threePt" dir="t"/>
+    </dgm:scene3d>
+    <dgm:sp3d/>
+    <dgm:txPr/>
+    <dgm:style>
+      <a:lnRef idx="1">
+        <a:scrgbClr r="0" g="0" b="0"/>
+      </a:lnRef>
+      <a:fillRef idx="1">
+        <a:scrgbClr r="0" g="0" b="0"/>
+      </a:fillRef>
+      <a:effectRef idx="0">
+        <a:scrgbClr r="0" g="0" b="0"/>
+      </a:effectRef>
+      <a:fontRef idx="minor"/>
+    </dgm:style>
+  </dgm:styleLbl>
+  <dgm:styleLbl name="bgAccFollowNode1">
+    <dgm:scene3d>
+      <a:camera prst="orthographicFront"/>
+      <a:lightRig rig="threePt" dir="t"/>
+    </dgm:scene3d>
+    <dgm:sp3d/>
+    <dgm:txPr/>
+    <dgm:style>
+      <a:lnRef idx="1">
+        <a:scrgbClr r="0" g="0" b="0"/>
+      </a:lnRef>
+      <a:fillRef idx="1">
+        <a:scrgbClr r="0" g="0" b="0"/>
+      </a:fillRef>
+      <a:effectRef idx="0">
+        <a:scrgbClr r="0" g="0" b="0"/>
+      </a:effectRef>
+      <a:fontRef idx="minor"/>
+    </dgm:style>
+  </dgm:styleLbl>
+  <dgm:styleLbl name="fgAcc0">
+    <dgm:scene3d>
+      <a:camera prst="orthographicFront"/>
+      <a:lightRig rig="threePt" dir="t"/>
+    </dgm:scene3d>
+    <dgm:sp3d/>
+    <dgm:txPr/>
+    <dgm:style>
+      <a:lnRef idx="1">
+        <a:scrgbClr r="0" g="0" b="0"/>
+      </a:lnRef>
+      <a:fillRef idx="1">
+        <a:scrgbClr r="0" g="0" b="0"/>
+      </a:fillRef>
+      <a:effectRef idx="0">
+        <a:scrgbClr r="0" g="0" b="0"/>
+      </a:effectRef>
+      <a:fontRef idx="minor"/>
+    </dgm:style>
+  </dgm:styleLbl>
+  <dgm:styleLbl name="fgAcc2">
+    <dgm:scene3d>
+      <a:camera prst="orthographicFront"/>
+      <a:lightRig rig="threePt" dir="t"/>
+    </dgm:scene3d>
+    <dgm:sp3d/>
+    <dgm:txPr/>
+    <dgm:style>
+      <a:lnRef idx="1">
+        <a:scrgbClr r="0" g="0" b="0"/>
+      </a:lnRef>
+      <a:fillRef idx="1">
+        <a:scrgbClr r="0" g="0" b="0"/>
+      </a:fillRef>
+      <a:effectRef idx="0">
+        <a:scrgbClr r="0" g="0" b="0"/>
+      </a:effectRef>
+      <a:fontRef idx="minor"/>
+    </dgm:style>
+  </dgm:styleLbl>
+  <dgm:styleLbl name="fgAcc3">
+    <dgm:scene3d>
+      <a:camera prst="orthographicFront"/>
+      <a:lightRig rig="threePt" dir="t"/>
+    </dgm:scene3d>
+    <dgm:sp3d/>
+    <dgm:txPr/>
+    <dgm:style>
+      <a:lnRef idx="1">
+        <a:scrgbClr r="0" g="0" b="0"/>
+      </a:lnRef>
+      <a:fillRef idx="1">
+        <a:scrgbClr r="0" g="0" b="0"/>
+      </a:fillRef>
+      <a:effectRef idx="0">
+        <a:scrgbClr r="0" g="0" b="0"/>
+      </a:effectRef>
+      <a:fontRef idx="minor"/>
+    </dgm:style>
+  </dgm:styleLbl>
+  <dgm:styleLbl name="fgAcc4">
+    <dgm:scene3d>
+      <a:camera prst="orthographicFront"/>
+      <a:lightRig rig="threePt" dir="t"/>
+    </dgm:scene3d>
+    <dgm:sp3d/>
+    <dgm:txPr/>
+    <dgm:style>
+      <a:lnRef idx="1">
+        <a:scrgbClr r="0" g="0" b="0"/>
+      </a:lnRef>
+      <a:fillRef idx="1">
+        <a:scrgbClr r="0" g="0" b="0"/>
+      </a:fillRef>
+      <a:effectRef idx="0">
+        <a:scrgbClr r="0" g="0" b="0"/>
+      </a:effectRef>
+      <a:fontRef idx="minor"/>
+    </dgm:style>
+  </dgm:styleLbl>
+  <dgm:styleLbl name="bgShp">
+    <dgm:scene3d>
+      <a:camera prst="orthographicFront"/>
+      <a:lightRig rig="threePt" dir="t"/>
+    </dgm:scene3d>
+    <dgm:sp3d/>
+    <dgm:txPr/>
+    <dgm:style>
+      <a:lnRef idx="0">
+        <a:scrgbClr r="0" g="0" b="0"/>
+      </a:lnRef>
+      <a:fillRef idx="1">
+        <a:scrgbClr r="0" g="0" b="0"/>
+      </a:fillRef>
+      <a:effectRef idx="2">
+        <a:scrgbClr r="0" g="0" b="0"/>
+      </a:effectRef>
+      <a:fontRef idx="minor"/>
+    </dgm:style>
+  </dgm:styleLbl>
+  <dgm:styleLbl name="dkBgShp">
+    <dgm:scene3d>
+      <a:camera prst="orthographicFront"/>
+      <a:lightRig rig="threePt" dir="t"/>
+    </dgm:scene3d>
+    <dgm:sp3d/>
+    <dgm:txPr/>
+    <dgm:style>
+      <a:lnRef idx="0">
+        <a:scrgbClr r="0" g="0" b="0"/>
+      </a:lnRef>
+      <a:fillRef idx="1">
+        <a:scrgbClr r="0" g="0" b="0"/>
+      </a:fillRef>
+      <a:effectRef idx="2">
+        <a:scrgbClr r="0" g="0" b="0"/>
+      </a:effectRef>
+      <a:fontRef idx="minor"/>
+    </dgm:style>
+  </dgm:styleLbl>
+  <dgm:styleLbl name="trBgShp">
+    <dgm:scene3d>
+      <a:camera prst="orthographicFront"/>
+      <a:lightRig rig="threePt" dir="t"/>
+    </dgm:scene3d>
+    <dgm:sp3d/>
+    <dgm:txPr/>
+    <dgm:style>
+      <a:lnRef idx="0">
+        <a:scrgbClr r="0" g="0" b="0"/>
+      </a:lnRef>
+      <a:fillRef idx="1">
+        <a:scrgbClr r="0" g="0" b="0"/>
+      </a:fillRef>
+      <a:effectRef idx="0">
+        <a:scrgbClr r="0" g="0" b="0"/>
+      </a:effectRef>
+      <a:fontRef idx="minor"/>
+    </dgm:style>
+  </dgm:styleLbl>
+  <dgm:styleLbl name="fgShp">
+    <dgm:scene3d>
+      <a:camera prst="orthographicFront"/>
+      <a:lightRig rig="threePt" dir="t"/>
+    </dgm:scene3d>
+    <dgm:sp3d/>
+    <dgm:txPr/>
+    <dgm:style>
+      <a:lnRef idx="0">
+        <a:scrgbClr r="0" g="0" b="0"/>
+      </a:lnRef>
+      <a:fillRef idx="3">
+        <a:scrgbClr r="0" g="0" b="0"/>
+      </a:fillRef>
+      <a:effectRef idx="2">
+        <a:scrgbClr r="0" g="0" b="0"/>
+      </a:effectRef>
+      <a:fontRef idx="minor"/>
+    </dgm:style>
+  </dgm:styleLbl>
+  <dgm:styleLbl name="revTx">
+    <dgm:scene3d>
+      <a:camera prst="orthographicFront"/>
+      <a:lightRig rig="threePt" dir="t"/>
+    </dgm:scene3d>
+    <dgm:sp3d/>
+    <dgm:txPr/>
+    <dgm:style>
+      <a:lnRef idx="0">
+        <a:scrgbClr r="0" g="0" b="0"/>
+      </a:lnRef>
+      <a:fillRef idx="0">
+        <a:scrgbClr r="0" g="0" b="0"/>
+      </a:fillRef>
+      <a:effectRef idx="0">
+        <a:scrgbClr r="0" g="0" b="0"/>
+      </a:effectRef>
+      <a:fontRef idx="minor"/>
+    </dgm:style>
+  </dgm:styleLbl>
+</dgm:styleDef>
 </file>
 
 <file path=ppt/notesMasters/notesMaster1.xml><?xml version="1.0" encoding="utf-8"?>
@@ -554,7 +3765,13 @@
           <a:bodyPr/>
           <a:lstStyle/>
           <a:p>
-            <a:endParaRPr lang="en-US" dirty="0"/>
+            <a:r>
+              <a:rPr lang="en-US">
+                <a:hlinkClick r:id="rId3"/>
+              </a:rPr>
+              <a:t>https://webtrainingguides.com/web-development/help-users-checkout-faster-with-autofill/</a:t>
+            </a:r>
+            <a:endParaRPr lang="en-US"/>
           </a:p>
         </p:txBody>
       </p:sp>
@@ -565,7 +3782,7 @@
             <a:spLocks noGrp="1"/>
           </p:cNvSpPr>
           <p:nvPr>
-            <p:ph type="sldNum" sz="quarter" idx="10"/>
+            <p:ph type="sldNum" sz="quarter" idx="5"/>
           </p:nvPr>
         </p:nvSpPr>
         <p:spPr/>
@@ -575,7 +3792,91 @@
           <a:p>
             <a:fld id="{913AAEB1-1BB9-43BA-8E44-621D6A53A2EE}" type="slidenum">
               <a:rPr lang="en-US" smtClean="0"/>
-              <a:t>47</a:t>
+              <a:t>35</a:t>
+            </a:fld>
+            <a:endParaRPr lang="en-US" dirty="0"/>
+          </a:p>
+        </p:txBody>
+      </p:sp>
+    </p:spTree>
+    <p:extLst>
+      <p:ext uri="{BB962C8B-B14F-4D97-AF65-F5344CB8AC3E}">
+        <p14:creationId xmlns:p14="http://schemas.microsoft.com/office/powerpoint/2010/main" val="487165685"/>
+      </p:ext>
+    </p:extLst>
+  </p:cSld>
+  <p:clrMapOvr>
+    <a:masterClrMapping/>
+  </p:clrMapOvr>
+</p:notes>
+</file>
+
+<file path=ppt/notesSlides/notesSlide10.xml><?xml version="1.0" encoding="utf-8"?>
+<p:notes xmlns:a="http://schemas.openxmlformats.org/drawingml/2006/main" xmlns:r="http://schemas.openxmlformats.org/officeDocument/2006/relationships" xmlns:p="http://schemas.openxmlformats.org/presentationml/2006/main">
+  <p:cSld>
+    <p:spTree>
+      <p:nvGrpSpPr>
+        <p:cNvPr id="1" name=""/>
+        <p:cNvGrpSpPr/>
+        <p:nvPr/>
+      </p:nvGrpSpPr>
+      <p:grpSpPr>
+        <a:xfrm>
+          <a:off x="0" y="0"/>
+          <a:ext cx="0" cy="0"/>
+          <a:chOff x="0" y="0"/>
+          <a:chExt cx="0" cy="0"/>
+        </a:xfrm>
+      </p:grpSpPr>
+      <p:sp>
+        <p:nvSpPr>
+          <p:cNvPr id="2" name="Slide Image Placeholder 1"/>
+          <p:cNvSpPr>
+            <a:spLocks noGrp="1" noRot="1" noChangeAspect="1"/>
+          </p:cNvSpPr>
+          <p:nvPr>
+            <p:ph type="sldImg"/>
+          </p:nvPr>
+        </p:nvSpPr>
+        <p:spPr/>
+      </p:sp>
+      <p:sp>
+        <p:nvSpPr>
+          <p:cNvPr id="3" name="Notes Placeholder 2"/>
+          <p:cNvSpPr>
+            <a:spLocks noGrp="1"/>
+          </p:cNvSpPr>
+          <p:nvPr>
+            <p:ph type="body" idx="1"/>
+          </p:nvPr>
+        </p:nvSpPr>
+        <p:spPr/>
+        <p:txBody>
+          <a:bodyPr/>
+          <a:lstStyle/>
+          <a:p>
+            <a:endParaRPr lang="en-US" dirty="0"/>
+          </a:p>
+        </p:txBody>
+      </p:sp>
+      <p:sp>
+        <p:nvSpPr>
+          <p:cNvPr id="4" name="Slide Number Placeholder 3"/>
+          <p:cNvSpPr>
+            <a:spLocks noGrp="1"/>
+          </p:cNvSpPr>
+          <p:nvPr>
+            <p:ph type="sldNum" sz="quarter" idx="10"/>
+          </p:nvPr>
+        </p:nvSpPr>
+        <p:spPr/>
+        <p:txBody>
+          <a:bodyPr/>
+          <a:lstStyle/>
+          <a:p>
+            <a:fld id="{913AAEB1-1BB9-43BA-8E44-621D6A53A2EE}" type="slidenum">
+              <a:rPr lang="en-US" smtClean="0"/>
+              <a:t>48</a:t>
             </a:fld>
             <a:endParaRPr lang="en-US" dirty="0"/>
           </a:p>
@@ -585,6 +3886,746 @@
     <p:extLst>
       <p:ext uri="{BB962C8B-B14F-4D97-AF65-F5344CB8AC3E}">
         <p14:creationId xmlns:p14="http://schemas.microsoft.com/office/powerpoint/2010/main" val="2309939056"/>
+      </p:ext>
+    </p:extLst>
+  </p:cSld>
+  <p:clrMapOvr>
+    <a:masterClrMapping/>
+  </p:clrMapOvr>
+</p:notes>
+</file>
+
+<file path=ppt/notesSlides/notesSlide2.xml><?xml version="1.0" encoding="utf-8"?>
+<p:notes xmlns:a="http://schemas.openxmlformats.org/drawingml/2006/main" xmlns:r="http://schemas.openxmlformats.org/officeDocument/2006/relationships" xmlns:p="http://schemas.openxmlformats.org/presentationml/2006/main">
+  <p:cSld>
+    <p:spTree>
+      <p:nvGrpSpPr>
+        <p:cNvPr id="1" name=""/>
+        <p:cNvGrpSpPr/>
+        <p:nvPr/>
+      </p:nvGrpSpPr>
+      <p:grpSpPr>
+        <a:xfrm>
+          <a:off x="0" y="0"/>
+          <a:ext cx="0" cy="0"/>
+          <a:chOff x="0" y="0"/>
+          <a:chExt cx="0" cy="0"/>
+        </a:xfrm>
+      </p:grpSpPr>
+      <p:sp>
+        <p:nvSpPr>
+          <p:cNvPr id="2" name="Slide Image Placeholder 1"/>
+          <p:cNvSpPr>
+            <a:spLocks noGrp="1" noRot="1" noChangeAspect="1"/>
+          </p:cNvSpPr>
+          <p:nvPr>
+            <p:ph type="sldImg"/>
+          </p:nvPr>
+        </p:nvSpPr>
+        <p:spPr/>
+      </p:sp>
+      <p:sp>
+        <p:nvSpPr>
+          <p:cNvPr id="3" name="Notes Placeholder 2"/>
+          <p:cNvSpPr>
+            <a:spLocks noGrp="1"/>
+          </p:cNvSpPr>
+          <p:nvPr>
+            <p:ph type="body" idx="1"/>
+          </p:nvPr>
+        </p:nvSpPr>
+        <p:spPr/>
+        <p:txBody>
+          <a:bodyPr/>
+          <a:lstStyle/>
+          <a:p>
+            <a:r>
+              <a:rPr lang="en-US">
+                <a:hlinkClick r:id="rId3"/>
+              </a:rPr>
+              <a:t>https://developer.mozilla.org/en-US/docs/Web/HTML/Element/datalist</a:t>
+            </a:r>
+            <a:endParaRPr lang="en-US"/>
+          </a:p>
+        </p:txBody>
+      </p:sp>
+      <p:sp>
+        <p:nvSpPr>
+          <p:cNvPr id="4" name="Slide Number Placeholder 3"/>
+          <p:cNvSpPr>
+            <a:spLocks noGrp="1"/>
+          </p:cNvSpPr>
+          <p:nvPr>
+            <p:ph type="sldNum" sz="quarter" idx="5"/>
+          </p:nvPr>
+        </p:nvSpPr>
+        <p:spPr/>
+        <p:txBody>
+          <a:bodyPr/>
+          <a:lstStyle/>
+          <a:p>
+            <a:fld id="{913AAEB1-1BB9-43BA-8E44-621D6A53A2EE}" type="slidenum">
+              <a:rPr lang="en-US" smtClean="0"/>
+              <a:t>36</a:t>
+            </a:fld>
+            <a:endParaRPr lang="en-US" dirty="0"/>
+          </a:p>
+        </p:txBody>
+      </p:sp>
+    </p:spTree>
+    <p:extLst>
+      <p:ext uri="{BB962C8B-B14F-4D97-AF65-F5344CB8AC3E}">
+        <p14:creationId xmlns:p14="http://schemas.microsoft.com/office/powerpoint/2010/main" val="4115329735"/>
+      </p:ext>
+    </p:extLst>
+  </p:cSld>
+  <p:clrMapOvr>
+    <a:masterClrMapping/>
+  </p:clrMapOvr>
+</p:notes>
+</file>
+
+<file path=ppt/notesSlides/notesSlide3.xml><?xml version="1.0" encoding="utf-8"?>
+<p:notes xmlns:a="http://schemas.openxmlformats.org/drawingml/2006/main" xmlns:r="http://schemas.openxmlformats.org/officeDocument/2006/relationships" xmlns:p="http://schemas.openxmlformats.org/presentationml/2006/main">
+  <p:cSld>
+    <p:spTree>
+      <p:nvGrpSpPr>
+        <p:cNvPr id="1" name=""/>
+        <p:cNvGrpSpPr/>
+        <p:nvPr/>
+      </p:nvGrpSpPr>
+      <p:grpSpPr>
+        <a:xfrm>
+          <a:off x="0" y="0"/>
+          <a:ext cx="0" cy="0"/>
+          <a:chOff x="0" y="0"/>
+          <a:chExt cx="0" cy="0"/>
+        </a:xfrm>
+      </p:grpSpPr>
+      <p:sp>
+        <p:nvSpPr>
+          <p:cNvPr id="2" name="Slide Image Placeholder 1"/>
+          <p:cNvSpPr>
+            <a:spLocks noGrp="1" noRot="1" noChangeAspect="1"/>
+          </p:cNvSpPr>
+          <p:nvPr>
+            <p:ph type="sldImg"/>
+          </p:nvPr>
+        </p:nvSpPr>
+        <p:spPr/>
+      </p:sp>
+      <p:sp>
+        <p:nvSpPr>
+          <p:cNvPr id="3" name="Notes Placeholder 2"/>
+          <p:cNvSpPr>
+            <a:spLocks noGrp="1"/>
+          </p:cNvSpPr>
+          <p:nvPr>
+            <p:ph type="body" idx="1"/>
+          </p:nvPr>
+        </p:nvSpPr>
+        <p:spPr/>
+        <p:txBody>
+          <a:bodyPr/>
+          <a:lstStyle/>
+          <a:p>
+            <a:r>
+              <a:rPr lang="en-US">
+                <a:hlinkClick r:id="rId3"/>
+              </a:rPr>
+              <a:t>https://developer.mozilla.org/en-US/docs/Web/HTML/Attributes/autocomplete</a:t>
+            </a:r>
+            <a:endParaRPr lang="en-US"/>
+          </a:p>
+        </p:txBody>
+      </p:sp>
+      <p:sp>
+        <p:nvSpPr>
+          <p:cNvPr id="4" name="Slide Number Placeholder 3"/>
+          <p:cNvSpPr>
+            <a:spLocks noGrp="1"/>
+          </p:cNvSpPr>
+          <p:nvPr>
+            <p:ph type="sldNum" sz="quarter" idx="5"/>
+          </p:nvPr>
+        </p:nvSpPr>
+        <p:spPr/>
+        <p:txBody>
+          <a:bodyPr/>
+          <a:lstStyle/>
+          <a:p>
+            <a:fld id="{913AAEB1-1BB9-43BA-8E44-621D6A53A2EE}" type="slidenum">
+              <a:rPr lang="en-US" smtClean="0"/>
+              <a:t>37</a:t>
+            </a:fld>
+            <a:endParaRPr lang="en-US" dirty="0"/>
+          </a:p>
+        </p:txBody>
+      </p:sp>
+    </p:spTree>
+    <p:extLst>
+      <p:ext uri="{BB962C8B-B14F-4D97-AF65-F5344CB8AC3E}">
+        <p14:creationId xmlns:p14="http://schemas.microsoft.com/office/powerpoint/2010/main" val="3211749722"/>
+      </p:ext>
+    </p:extLst>
+  </p:cSld>
+  <p:clrMapOvr>
+    <a:masterClrMapping/>
+  </p:clrMapOvr>
+</p:notes>
+</file>
+
+<file path=ppt/notesSlides/notesSlide4.xml><?xml version="1.0" encoding="utf-8"?>
+<p:notes xmlns:a="http://schemas.openxmlformats.org/drawingml/2006/main" xmlns:r="http://schemas.openxmlformats.org/officeDocument/2006/relationships" xmlns:p="http://schemas.openxmlformats.org/presentationml/2006/main">
+  <p:cSld>
+    <p:spTree>
+      <p:nvGrpSpPr>
+        <p:cNvPr id="1" name=""/>
+        <p:cNvGrpSpPr/>
+        <p:nvPr/>
+      </p:nvGrpSpPr>
+      <p:grpSpPr>
+        <a:xfrm>
+          <a:off x="0" y="0"/>
+          <a:ext cx="0" cy="0"/>
+          <a:chOff x="0" y="0"/>
+          <a:chExt cx="0" cy="0"/>
+        </a:xfrm>
+      </p:grpSpPr>
+      <p:sp>
+        <p:nvSpPr>
+          <p:cNvPr id="2" name="Slide Image Placeholder 1"/>
+          <p:cNvSpPr>
+            <a:spLocks noGrp="1" noRot="1" noChangeAspect="1"/>
+          </p:cNvSpPr>
+          <p:nvPr>
+            <p:ph type="sldImg"/>
+          </p:nvPr>
+        </p:nvSpPr>
+        <p:spPr/>
+      </p:sp>
+      <p:sp>
+        <p:nvSpPr>
+          <p:cNvPr id="3" name="Notes Placeholder 2"/>
+          <p:cNvSpPr>
+            <a:spLocks noGrp="1"/>
+          </p:cNvSpPr>
+          <p:nvPr>
+            <p:ph type="body" idx="1"/>
+          </p:nvPr>
+        </p:nvSpPr>
+        <p:spPr/>
+        <p:txBody>
+          <a:bodyPr/>
+          <a:lstStyle/>
+          <a:p>
+            <a:pPr marL="0" marR="0" lvl="0" indent="0" algn="l" defTabSz="914400" rtl="0" eaLnBrk="1" fontAlgn="auto" latinLnBrk="0" hangingPunct="1">
+              <a:lnSpc>
+                <a:spcPct val="100000"/>
+              </a:lnSpc>
+              <a:spcBef>
+                <a:spcPts val="0"/>
+              </a:spcBef>
+              <a:spcAft>
+                <a:spcPts val="0"/>
+              </a:spcAft>
+              <a:buClrTx/>
+              <a:buSzTx/>
+              <a:buFontTx/>
+              <a:buNone/>
+              <a:tabLst/>
+              <a:defRPr/>
+            </a:pPr>
+            <a:r>
+              <a:rPr lang="en-US">
+                <a:hlinkClick r:id="rId3"/>
+              </a:rPr>
+              <a:t>https://developer.mozilla.org/en-US/docs/Web/HTML/Attributes/autocomplete</a:t>
+            </a:r>
+            <a:endParaRPr lang="en-US"/>
+          </a:p>
+          <a:p>
+            <a:endParaRPr lang="en-US"/>
+          </a:p>
+        </p:txBody>
+      </p:sp>
+      <p:sp>
+        <p:nvSpPr>
+          <p:cNvPr id="4" name="Slide Number Placeholder 3"/>
+          <p:cNvSpPr>
+            <a:spLocks noGrp="1"/>
+          </p:cNvSpPr>
+          <p:nvPr>
+            <p:ph type="sldNum" sz="quarter" idx="5"/>
+          </p:nvPr>
+        </p:nvSpPr>
+        <p:spPr/>
+        <p:txBody>
+          <a:bodyPr/>
+          <a:lstStyle/>
+          <a:p>
+            <a:fld id="{913AAEB1-1BB9-43BA-8E44-621D6A53A2EE}" type="slidenum">
+              <a:rPr lang="en-US" smtClean="0"/>
+              <a:t>38</a:t>
+            </a:fld>
+            <a:endParaRPr lang="en-US" dirty="0"/>
+          </a:p>
+        </p:txBody>
+      </p:sp>
+    </p:spTree>
+    <p:extLst>
+      <p:ext uri="{BB962C8B-B14F-4D97-AF65-F5344CB8AC3E}">
+        <p14:creationId xmlns:p14="http://schemas.microsoft.com/office/powerpoint/2010/main" val="1235595115"/>
+      </p:ext>
+    </p:extLst>
+  </p:cSld>
+  <p:clrMapOvr>
+    <a:masterClrMapping/>
+  </p:clrMapOvr>
+</p:notes>
+</file>
+
+<file path=ppt/notesSlides/notesSlide5.xml><?xml version="1.0" encoding="utf-8"?>
+<p:notes xmlns:a="http://schemas.openxmlformats.org/drawingml/2006/main" xmlns:r="http://schemas.openxmlformats.org/officeDocument/2006/relationships" xmlns:p="http://schemas.openxmlformats.org/presentationml/2006/main">
+  <p:cSld>
+    <p:spTree>
+      <p:nvGrpSpPr>
+        <p:cNvPr id="1" name=""/>
+        <p:cNvGrpSpPr/>
+        <p:nvPr/>
+      </p:nvGrpSpPr>
+      <p:grpSpPr>
+        <a:xfrm>
+          <a:off x="0" y="0"/>
+          <a:ext cx="0" cy="0"/>
+          <a:chOff x="0" y="0"/>
+          <a:chExt cx="0" cy="0"/>
+        </a:xfrm>
+      </p:grpSpPr>
+      <p:sp>
+        <p:nvSpPr>
+          <p:cNvPr id="2" name="Slide Image Placeholder 1"/>
+          <p:cNvSpPr>
+            <a:spLocks noGrp="1" noRot="1" noChangeAspect="1"/>
+          </p:cNvSpPr>
+          <p:nvPr>
+            <p:ph type="sldImg"/>
+          </p:nvPr>
+        </p:nvSpPr>
+        <p:spPr/>
+      </p:sp>
+      <p:sp>
+        <p:nvSpPr>
+          <p:cNvPr id="3" name="Notes Placeholder 2"/>
+          <p:cNvSpPr>
+            <a:spLocks noGrp="1"/>
+          </p:cNvSpPr>
+          <p:nvPr>
+            <p:ph type="body" idx="1"/>
+          </p:nvPr>
+        </p:nvSpPr>
+        <p:spPr/>
+        <p:txBody>
+          <a:bodyPr/>
+          <a:lstStyle/>
+          <a:p>
+            <a:r>
+              <a:rPr lang="en-US">
+                <a:hlinkClick r:id="rId3"/>
+              </a:rPr>
+              <a:t>https://developer.mozilla.org/en-US/docs/Web/HTML/Attributes/autocomplete</a:t>
+            </a:r>
+            <a:endParaRPr lang="en-US"/>
+          </a:p>
+        </p:txBody>
+      </p:sp>
+      <p:sp>
+        <p:nvSpPr>
+          <p:cNvPr id="4" name="Slide Number Placeholder 3"/>
+          <p:cNvSpPr>
+            <a:spLocks noGrp="1"/>
+          </p:cNvSpPr>
+          <p:nvPr>
+            <p:ph type="sldNum" sz="quarter" idx="5"/>
+          </p:nvPr>
+        </p:nvSpPr>
+        <p:spPr/>
+        <p:txBody>
+          <a:bodyPr/>
+          <a:lstStyle/>
+          <a:p>
+            <a:fld id="{913AAEB1-1BB9-43BA-8E44-621D6A53A2EE}" type="slidenum">
+              <a:rPr lang="en-US" smtClean="0"/>
+              <a:t>39</a:t>
+            </a:fld>
+            <a:endParaRPr lang="en-US" dirty="0"/>
+          </a:p>
+        </p:txBody>
+      </p:sp>
+    </p:spTree>
+    <p:extLst>
+      <p:ext uri="{BB962C8B-B14F-4D97-AF65-F5344CB8AC3E}">
+        <p14:creationId xmlns:p14="http://schemas.microsoft.com/office/powerpoint/2010/main" val="2814917951"/>
+      </p:ext>
+    </p:extLst>
+  </p:cSld>
+  <p:clrMapOvr>
+    <a:masterClrMapping/>
+  </p:clrMapOvr>
+</p:notes>
+</file>
+
+<file path=ppt/notesSlides/notesSlide6.xml><?xml version="1.0" encoding="utf-8"?>
+<p:notes xmlns:a="http://schemas.openxmlformats.org/drawingml/2006/main" xmlns:r="http://schemas.openxmlformats.org/officeDocument/2006/relationships" xmlns:p="http://schemas.openxmlformats.org/presentationml/2006/main">
+  <p:cSld>
+    <p:spTree>
+      <p:nvGrpSpPr>
+        <p:cNvPr id="1" name=""/>
+        <p:cNvGrpSpPr/>
+        <p:nvPr/>
+      </p:nvGrpSpPr>
+      <p:grpSpPr>
+        <a:xfrm>
+          <a:off x="0" y="0"/>
+          <a:ext cx="0" cy="0"/>
+          <a:chOff x="0" y="0"/>
+          <a:chExt cx="0" cy="0"/>
+        </a:xfrm>
+      </p:grpSpPr>
+      <p:sp>
+        <p:nvSpPr>
+          <p:cNvPr id="2" name="Slide Image Placeholder 1"/>
+          <p:cNvSpPr>
+            <a:spLocks noGrp="1" noRot="1" noChangeAspect="1"/>
+          </p:cNvSpPr>
+          <p:nvPr>
+            <p:ph type="sldImg"/>
+          </p:nvPr>
+        </p:nvSpPr>
+        <p:spPr/>
+      </p:sp>
+      <p:sp>
+        <p:nvSpPr>
+          <p:cNvPr id="3" name="Notes Placeholder 2"/>
+          <p:cNvSpPr>
+            <a:spLocks noGrp="1"/>
+          </p:cNvSpPr>
+          <p:nvPr>
+            <p:ph type="body" idx="1"/>
+          </p:nvPr>
+        </p:nvSpPr>
+        <p:spPr/>
+        <p:txBody>
+          <a:bodyPr/>
+          <a:lstStyle/>
+          <a:p>
+            <a:r>
+              <a:rPr lang="en-US">
+                <a:hlinkClick r:id="rId3"/>
+              </a:rPr>
+              <a:t>https://developer.mozilla.org/en-US/docs/Web/HTML/Attributes/autocomplete</a:t>
+            </a:r>
+            <a:endParaRPr lang="en-US"/>
+          </a:p>
+        </p:txBody>
+      </p:sp>
+      <p:sp>
+        <p:nvSpPr>
+          <p:cNvPr id="4" name="Slide Number Placeholder 3"/>
+          <p:cNvSpPr>
+            <a:spLocks noGrp="1"/>
+          </p:cNvSpPr>
+          <p:nvPr>
+            <p:ph type="sldNum" sz="quarter" idx="5"/>
+          </p:nvPr>
+        </p:nvSpPr>
+        <p:spPr/>
+        <p:txBody>
+          <a:bodyPr/>
+          <a:lstStyle/>
+          <a:p>
+            <a:fld id="{913AAEB1-1BB9-43BA-8E44-621D6A53A2EE}" type="slidenum">
+              <a:rPr lang="en-US" smtClean="0"/>
+              <a:t>40</a:t>
+            </a:fld>
+            <a:endParaRPr lang="en-US" dirty="0"/>
+          </a:p>
+        </p:txBody>
+      </p:sp>
+    </p:spTree>
+    <p:extLst>
+      <p:ext uri="{BB962C8B-B14F-4D97-AF65-F5344CB8AC3E}">
+        <p14:creationId xmlns:p14="http://schemas.microsoft.com/office/powerpoint/2010/main" val="791813540"/>
+      </p:ext>
+    </p:extLst>
+  </p:cSld>
+  <p:clrMapOvr>
+    <a:masterClrMapping/>
+  </p:clrMapOvr>
+</p:notes>
+</file>
+
+<file path=ppt/notesSlides/notesSlide7.xml><?xml version="1.0" encoding="utf-8"?>
+<p:notes xmlns:a="http://schemas.openxmlformats.org/drawingml/2006/main" xmlns:r="http://schemas.openxmlformats.org/officeDocument/2006/relationships" xmlns:p="http://schemas.openxmlformats.org/presentationml/2006/main">
+  <p:cSld>
+    <p:spTree>
+      <p:nvGrpSpPr>
+        <p:cNvPr id="1" name=""/>
+        <p:cNvGrpSpPr/>
+        <p:nvPr/>
+      </p:nvGrpSpPr>
+      <p:grpSpPr>
+        <a:xfrm>
+          <a:off x="0" y="0"/>
+          <a:ext cx="0" cy="0"/>
+          <a:chOff x="0" y="0"/>
+          <a:chExt cx="0" cy="0"/>
+        </a:xfrm>
+      </p:grpSpPr>
+      <p:sp>
+        <p:nvSpPr>
+          <p:cNvPr id="2" name="Slide Image Placeholder 1"/>
+          <p:cNvSpPr>
+            <a:spLocks noGrp="1" noRot="1" noChangeAspect="1"/>
+          </p:cNvSpPr>
+          <p:nvPr>
+            <p:ph type="sldImg"/>
+          </p:nvPr>
+        </p:nvSpPr>
+        <p:spPr/>
+      </p:sp>
+      <p:sp>
+        <p:nvSpPr>
+          <p:cNvPr id="3" name="Notes Placeholder 2"/>
+          <p:cNvSpPr>
+            <a:spLocks noGrp="1"/>
+          </p:cNvSpPr>
+          <p:nvPr>
+            <p:ph type="body" idx="1"/>
+          </p:nvPr>
+        </p:nvSpPr>
+        <p:spPr/>
+        <p:txBody>
+          <a:bodyPr/>
+          <a:lstStyle/>
+          <a:p>
+            <a:r>
+              <a:rPr lang="en-US">
+                <a:hlinkClick r:id="rId3"/>
+              </a:rPr>
+              <a:t>https://developer.mozilla.org/en-US/docs/Web/HTML/Attributes/autocomplete</a:t>
+            </a:r>
+            <a:endParaRPr lang="en-US"/>
+          </a:p>
+        </p:txBody>
+      </p:sp>
+      <p:sp>
+        <p:nvSpPr>
+          <p:cNvPr id="4" name="Slide Number Placeholder 3"/>
+          <p:cNvSpPr>
+            <a:spLocks noGrp="1"/>
+          </p:cNvSpPr>
+          <p:nvPr>
+            <p:ph type="sldNum" sz="quarter" idx="5"/>
+          </p:nvPr>
+        </p:nvSpPr>
+        <p:spPr/>
+        <p:txBody>
+          <a:bodyPr/>
+          <a:lstStyle/>
+          <a:p>
+            <a:fld id="{913AAEB1-1BB9-43BA-8E44-621D6A53A2EE}" type="slidenum">
+              <a:rPr lang="en-US" smtClean="0"/>
+              <a:t>41</a:t>
+            </a:fld>
+            <a:endParaRPr lang="en-US" dirty="0"/>
+          </a:p>
+        </p:txBody>
+      </p:sp>
+    </p:spTree>
+    <p:extLst>
+      <p:ext uri="{BB962C8B-B14F-4D97-AF65-F5344CB8AC3E}">
+        <p14:creationId xmlns:p14="http://schemas.microsoft.com/office/powerpoint/2010/main" val="2616161793"/>
+      </p:ext>
+    </p:extLst>
+  </p:cSld>
+  <p:clrMapOvr>
+    <a:masterClrMapping/>
+  </p:clrMapOvr>
+</p:notes>
+</file>
+
+<file path=ppt/notesSlides/notesSlide8.xml><?xml version="1.0" encoding="utf-8"?>
+<p:notes xmlns:a="http://schemas.openxmlformats.org/drawingml/2006/main" xmlns:r="http://schemas.openxmlformats.org/officeDocument/2006/relationships" xmlns:p="http://schemas.openxmlformats.org/presentationml/2006/main">
+  <p:cSld>
+    <p:spTree>
+      <p:nvGrpSpPr>
+        <p:cNvPr id="1" name=""/>
+        <p:cNvGrpSpPr/>
+        <p:nvPr/>
+      </p:nvGrpSpPr>
+      <p:grpSpPr>
+        <a:xfrm>
+          <a:off x="0" y="0"/>
+          <a:ext cx="0" cy="0"/>
+          <a:chOff x="0" y="0"/>
+          <a:chExt cx="0" cy="0"/>
+        </a:xfrm>
+      </p:grpSpPr>
+      <p:sp>
+        <p:nvSpPr>
+          <p:cNvPr id="2" name="Slide Image Placeholder 1"/>
+          <p:cNvSpPr>
+            <a:spLocks noGrp="1" noRot="1" noChangeAspect="1"/>
+          </p:cNvSpPr>
+          <p:nvPr>
+            <p:ph type="sldImg"/>
+          </p:nvPr>
+        </p:nvSpPr>
+        <p:spPr/>
+      </p:sp>
+      <p:sp>
+        <p:nvSpPr>
+          <p:cNvPr id="3" name="Notes Placeholder 2"/>
+          <p:cNvSpPr>
+            <a:spLocks noGrp="1"/>
+          </p:cNvSpPr>
+          <p:nvPr>
+            <p:ph type="body" idx="1"/>
+          </p:nvPr>
+        </p:nvSpPr>
+        <p:spPr/>
+        <p:txBody>
+          <a:bodyPr/>
+          <a:lstStyle/>
+          <a:p>
+            <a:r>
+              <a:rPr lang="en-US">
+                <a:hlinkClick r:id="rId3"/>
+              </a:rPr>
+              <a:t>https://developer.mozilla.org/en-US/docs/Web/HTML/Attributes/autocomplete</a:t>
+            </a:r>
+            <a:endParaRPr lang="en-US"/>
+          </a:p>
+        </p:txBody>
+      </p:sp>
+      <p:sp>
+        <p:nvSpPr>
+          <p:cNvPr id="4" name="Slide Number Placeholder 3"/>
+          <p:cNvSpPr>
+            <a:spLocks noGrp="1"/>
+          </p:cNvSpPr>
+          <p:nvPr>
+            <p:ph type="sldNum" sz="quarter" idx="5"/>
+          </p:nvPr>
+        </p:nvSpPr>
+        <p:spPr/>
+        <p:txBody>
+          <a:bodyPr/>
+          <a:lstStyle/>
+          <a:p>
+            <a:fld id="{913AAEB1-1BB9-43BA-8E44-621D6A53A2EE}" type="slidenum">
+              <a:rPr lang="en-US" smtClean="0"/>
+              <a:t>42</a:t>
+            </a:fld>
+            <a:endParaRPr lang="en-US" dirty="0"/>
+          </a:p>
+        </p:txBody>
+      </p:sp>
+    </p:spTree>
+    <p:extLst>
+      <p:ext uri="{BB962C8B-B14F-4D97-AF65-F5344CB8AC3E}">
+        <p14:creationId xmlns:p14="http://schemas.microsoft.com/office/powerpoint/2010/main" val="2731042220"/>
+      </p:ext>
+    </p:extLst>
+  </p:cSld>
+  <p:clrMapOvr>
+    <a:masterClrMapping/>
+  </p:clrMapOvr>
+</p:notes>
+</file>
+
+<file path=ppt/notesSlides/notesSlide9.xml><?xml version="1.0" encoding="utf-8"?>
+<p:notes xmlns:a="http://schemas.openxmlformats.org/drawingml/2006/main" xmlns:r="http://schemas.openxmlformats.org/officeDocument/2006/relationships" xmlns:p="http://schemas.openxmlformats.org/presentationml/2006/main">
+  <p:cSld>
+    <p:spTree>
+      <p:nvGrpSpPr>
+        <p:cNvPr id="1" name=""/>
+        <p:cNvGrpSpPr/>
+        <p:nvPr/>
+      </p:nvGrpSpPr>
+      <p:grpSpPr>
+        <a:xfrm>
+          <a:off x="0" y="0"/>
+          <a:ext cx="0" cy="0"/>
+          <a:chOff x="0" y="0"/>
+          <a:chExt cx="0" cy="0"/>
+        </a:xfrm>
+      </p:grpSpPr>
+      <p:sp>
+        <p:nvSpPr>
+          <p:cNvPr id="2" name="Slide Image Placeholder 1"/>
+          <p:cNvSpPr>
+            <a:spLocks noGrp="1" noRot="1" noChangeAspect="1"/>
+          </p:cNvSpPr>
+          <p:nvPr>
+            <p:ph type="sldImg"/>
+          </p:nvPr>
+        </p:nvSpPr>
+        <p:spPr/>
+      </p:sp>
+      <p:sp>
+        <p:nvSpPr>
+          <p:cNvPr id="3" name="Notes Placeholder 2"/>
+          <p:cNvSpPr>
+            <a:spLocks noGrp="1"/>
+          </p:cNvSpPr>
+          <p:nvPr>
+            <p:ph type="body" idx="1"/>
+          </p:nvPr>
+        </p:nvSpPr>
+        <p:spPr/>
+        <p:txBody>
+          <a:bodyPr/>
+          <a:lstStyle/>
+          <a:p>
+            <a:r>
+              <a:rPr lang="en-US">
+                <a:hlinkClick r:id="rId3"/>
+              </a:rPr>
+              <a:t>https://developer.mozilla.org/en-US/docs/Web/HTML/Attributes/autocomplete</a:t>
+            </a:r>
+            <a:endParaRPr lang="en-US"/>
+          </a:p>
+        </p:txBody>
+      </p:sp>
+      <p:sp>
+        <p:nvSpPr>
+          <p:cNvPr id="4" name="Slide Number Placeholder 3"/>
+          <p:cNvSpPr>
+            <a:spLocks noGrp="1"/>
+          </p:cNvSpPr>
+          <p:nvPr>
+            <p:ph type="sldNum" sz="quarter" idx="5"/>
+          </p:nvPr>
+        </p:nvSpPr>
+        <p:spPr/>
+        <p:txBody>
+          <a:bodyPr/>
+          <a:lstStyle/>
+          <a:p>
+            <a:fld id="{913AAEB1-1BB9-43BA-8E44-621D6A53A2EE}" type="slidenum">
+              <a:rPr lang="en-US" smtClean="0"/>
+              <a:t>43</a:t>
+            </a:fld>
+            <a:endParaRPr lang="en-US" dirty="0"/>
+          </a:p>
+        </p:txBody>
+      </p:sp>
+    </p:spTree>
+    <p:extLst>
+      <p:ext uri="{BB962C8B-B14F-4D97-AF65-F5344CB8AC3E}">
+        <p14:creationId xmlns:p14="http://schemas.microsoft.com/office/powerpoint/2010/main" val="2655561454"/>
       </p:ext>
     </p:extLst>
   </p:cSld>
@@ -5896,6 +9937,29 @@
               <a:t>	The form control is disabled (greyed out, removed from tab order)</a:t>
             </a:r>
           </a:p>
+          <a:p>
+            <a:pPr marL="0" indent="0">
+              <a:lnSpc>
+                <a:spcPct val="120000"/>
+              </a:lnSpc>
+              <a:spcBef>
+                <a:spcPts val="0"/>
+              </a:spcBef>
+              <a:buNone/>
+            </a:pPr>
+            <a:r>
+              <a:rPr lang="en-US" sz="1800" b="1">
+                <a:cs typeface="Arial" panose="020B0604020202020204" pitchFamily="34" charset="0"/>
+              </a:rPr>
+              <a:t>autofocus</a:t>
+            </a:r>
+            <a:r>
+              <a:rPr lang="en-US" sz="1800">
+                <a:cs typeface="Arial" panose="020B0604020202020204" pitchFamily="34" charset="0"/>
+              </a:rPr>
+              <a:t>	The form control recieves focus when the page loads.</a:t>
+            </a:r>
+          </a:p>
         </p:txBody>
       </p:sp>
       <p:sp>
@@ -11934,7 +15998,7 @@
           <a:p>
             <a:r>
               <a:rPr lang="en-US" cap="none"/>
-              <a:t>Other Form Controls</a:t>
+              <a:t>&lt;fieldset&gt;</a:t>
             </a:r>
           </a:p>
         </p:txBody>
@@ -11960,7 +16024,10 @@
           <a:bodyPr/>
           <a:lstStyle/>
           <a:p>
-            <a:endParaRPr lang="en-US"/>
+            <a:r>
+              <a:rPr lang="en-US"/>
+              <a:t>Grouping controls with &lt;fieldset&gt; and &lt;legend&gt;.</a:t>
+            </a:r>
           </a:p>
         </p:txBody>
       </p:sp>
@@ -11996,7 +16063,7 @@
     </p:spTree>
     <p:extLst>
       <p:ext uri="{BB962C8B-B14F-4D97-AF65-F5344CB8AC3E}">
-        <p14:creationId xmlns:p14="http://schemas.microsoft.com/office/powerpoint/2010/main" val="1957272137"/>
+        <p14:creationId xmlns:p14="http://schemas.microsoft.com/office/powerpoint/2010/main" val="3455449113"/>
       </p:ext>
     </p:extLst>
   </p:cSld>
@@ -12025,10 +16092,10 @@
       </p:grpSpPr>
       <p:sp>
         <p:nvSpPr>
-          <p:cNvPr id="2" name="Title 1">
+          <p:cNvPr id="5" name="Title 4">
             <a:extLst>
               <a:ext uri="{FF2B5EF4-FFF2-40B4-BE49-F238E27FC236}">
-                <a16:creationId xmlns:a16="http://schemas.microsoft.com/office/drawing/2014/main" id="{BDFAC13C-59B1-436E-B58F-C304E1C705CF}"/>
+                <a16:creationId xmlns:a16="http://schemas.microsoft.com/office/drawing/2014/main" id="{152D06D6-5CBA-4307-BAF8-E12DDCDE1038}"/>
               </a:ext>
             </a:extLst>
           </p:cNvPr>
@@ -12039,10 +16106,38 @@
             <p:ph type="title"/>
           </p:nvPr>
         </p:nvSpPr>
+        <p:spPr/>
+        <p:txBody>
+          <a:bodyPr/>
+          <a:lstStyle/>
+          <a:p>
+            <a:r>
+              <a:rPr lang="en-US" u="sng"/>
+              <a:t>&lt;fieldset&gt;</a:t>
+            </a:r>
+          </a:p>
+        </p:txBody>
+      </p:sp>
+      <p:sp>
+        <p:nvSpPr>
+          <p:cNvPr id="6" name="Content Placeholder 5">
+            <a:extLst>
+              <a:ext uri="{FF2B5EF4-FFF2-40B4-BE49-F238E27FC236}">
+                <a16:creationId xmlns:a16="http://schemas.microsoft.com/office/drawing/2014/main" id="{4D8744AA-560D-4E29-B114-B2502369BB42}"/>
+              </a:ext>
+            </a:extLst>
+          </p:cNvPr>
+          <p:cNvSpPr>
+            <a:spLocks noGrp="1"/>
+          </p:cNvSpPr>
+          <p:nvPr>
+            <p:ph idx="1"/>
+          </p:nvPr>
+        </p:nvSpPr>
         <p:spPr>
           <a:xfrm>
-            <a:off x="664233" y="733579"/>
-            <a:ext cx="7810900" cy="1371600"/>
+            <a:off x="1066800" y="1743802"/>
+            <a:ext cx="10058400" cy="4471604"/>
           </a:xfrm>
         </p:spPr>
         <p:txBody>
@@ -12051,119 +16146,229 @@
           </a:bodyPr>
           <a:lstStyle/>
           <a:p>
-            <a:r>
-              <a:rPr lang="en-US" u="sng" dirty="0"/>
-              <a:t>HTML5 Datalist Control</a:t>
-            </a:r>
-          </a:p>
-        </p:txBody>
-      </p:sp>
-      <p:sp>
-        <p:nvSpPr>
-          <p:cNvPr id="3" name="Content Placeholder 2">
+            <a:pPr marL="0" indent="0">
+              <a:lnSpc>
+                <a:spcPct val="120000"/>
+              </a:lnSpc>
+              <a:spcBef>
+                <a:spcPts val="0"/>
+              </a:spcBef>
+              <a:buNone/>
+            </a:pPr>
+            <a:r>
+              <a:rPr lang="en-US" sz="1800"/>
+              <a:t>The </a:t>
+            </a:r>
+            <a:r>
+              <a:rPr lang="en-US" sz="1800" b="1">
+                <a:latin typeface="Consolas" panose="020B0609020204030204" pitchFamily="49" charset="0"/>
+              </a:rPr>
+              <a:t>&lt;fieldset&gt;</a:t>
+            </a:r>
+            <a:r>
+              <a:rPr lang="en-US" sz="1800"/>
+              <a:t> element can be used to group form elements.</a:t>
+            </a:r>
+          </a:p>
+          <a:p>
+            <a:pPr marL="0" indent="0">
+              <a:lnSpc>
+                <a:spcPct val="120000"/>
+              </a:lnSpc>
+              <a:spcBef>
+                <a:spcPts val="0"/>
+              </a:spcBef>
+              <a:buNone/>
+            </a:pPr>
+            <a:r>
+              <a:rPr lang="en-US" sz="1800"/>
+              <a:t>The </a:t>
+            </a:r>
+            <a:r>
+              <a:rPr lang="en-US" sz="1800" b="1">
+                <a:latin typeface="Consolas" panose="020B0609020204030204" pitchFamily="49" charset="0"/>
+              </a:rPr>
+              <a:t>&lt;legend&gt;</a:t>
+            </a:r>
+            <a:r>
+              <a:rPr lang="en-US" sz="1800"/>
+              <a:t> element is used to add a caption to the fieldset.</a:t>
+            </a:r>
+          </a:p>
+          <a:p>
+            <a:pPr marL="0" indent="0">
+              <a:lnSpc>
+                <a:spcPct val="120000"/>
+              </a:lnSpc>
+              <a:spcBef>
+                <a:spcPts val="0"/>
+              </a:spcBef>
+              <a:buNone/>
+            </a:pPr>
+            <a:endParaRPr lang="en-US" sz="1800"/>
+          </a:p>
+          <a:p>
+            <a:pPr marL="0" indent="0">
+              <a:lnSpc>
+                <a:spcPct val="120000"/>
+              </a:lnSpc>
+              <a:spcBef>
+                <a:spcPts val="0"/>
+              </a:spcBef>
+              <a:buNone/>
+            </a:pPr>
+            <a:r>
+              <a:rPr lang="en-US" sz="1800" b="1" u="sng"/>
+              <a:t>Example</a:t>
+            </a:r>
+          </a:p>
+          <a:p>
+            <a:pPr marL="0" indent="0">
+              <a:lnSpc>
+                <a:spcPct val="120000"/>
+              </a:lnSpc>
+              <a:spcBef>
+                <a:spcPts val="0"/>
+              </a:spcBef>
+              <a:buNone/>
+            </a:pPr>
+            <a:r>
+              <a:rPr lang="en-US" sz="1800">
+                <a:latin typeface="Consolas" panose="020B0609020204030204" pitchFamily="49" charset="0"/>
+              </a:rPr>
+              <a:t>&lt;fieldset&gt;</a:t>
+            </a:r>
+          </a:p>
+          <a:p>
+            <a:pPr marL="0" indent="0">
+              <a:lnSpc>
+                <a:spcPct val="120000"/>
+              </a:lnSpc>
+              <a:spcBef>
+                <a:spcPts val="0"/>
+              </a:spcBef>
+              <a:buNone/>
+            </a:pPr>
+            <a:r>
+              <a:rPr lang="en-US" sz="1800">
+                <a:latin typeface="Consolas" panose="020B0609020204030204" pitchFamily="49" charset="0"/>
+              </a:rPr>
+              <a:t>  &lt;legend&gt;Contact Info&lt;/legend&gt;</a:t>
+            </a:r>
+          </a:p>
+          <a:p>
+            <a:pPr marL="0" indent="0">
+              <a:lnSpc>
+                <a:spcPct val="120000"/>
+              </a:lnSpc>
+              <a:spcBef>
+                <a:spcPts val="0"/>
+              </a:spcBef>
+              <a:buNone/>
+            </a:pPr>
+            <a:r>
+              <a:rPr lang="en-US" sz="1800">
+                <a:latin typeface="Consolas" panose="020B0609020204030204" pitchFamily="49" charset="0"/>
+              </a:rPr>
+              <a:t>  ...</a:t>
+            </a:r>
+          </a:p>
+          <a:p>
+            <a:pPr marL="0" indent="0">
+              <a:lnSpc>
+                <a:spcPct val="120000"/>
+              </a:lnSpc>
+              <a:spcBef>
+                <a:spcPts val="0"/>
+              </a:spcBef>
+              <a:buNone/>
+            </a:pPr>
+            <a:r>
+              <a:rPr lang="en-US" sz="1800">
+                <a:latin typeface="Consolas" panose="020B0609020204030204" pitchFamily="49" charset="0"/>
+              </a:rPr>
+              <a:t>&lt;/fieldset&gt;</a:t>
+            </a:r>
+          </a:p>
+          <a:p>
+            <a:pPr marL="0" indent="0">
+              <a:lnSpc>
+                <a:spcPct val="120000"/>
+              </a:lnSpc>
+              <a:spcBef>
+                <a:spcPts val="0"/>
+              </a:spcBef>
+              <a:buNone/>
+            </a:pPr>
+            <a:r>
+              <a:rPr lang="en-US" sz="1800">
+                <a:latin typeface="Consolas" panose="020B0609020204030204" pitchFamily="49" charset="0"/>
+              </a:rPr>
+              <a:t>&lt;fieldset&gt;</a:t>
+            </a:r>
+          </a:p>
+          <a:p>
+            <a:pPr marL="0" indent="0">
+              <a:lnSpc>
+                <a:spcPct val="120000"/>
+              </a:lnSpc>
+              <a:spcBef>
+                <a:spcPts val="0"/>
+              </a:spcBef>
+              <a:buNone/>
+            </a:pPr>
+            <a:r>
+              <a:rPr lang="en-US" sz="1800">
+                <a:latin typeface="Consolas" panose="020B0609020204030204" pitchFamily="49" charset="0"/>
+              </a:rPr>
+              <a:t>  &lt;legend&gt;Address&lt;/legend&gt;</a:t>
+            </a:r>
+          </a:p>
+          <a:p>
+            <a:pPr marL="0" indent="0">
+              <a:lnSpc>
+                <a:spcPct val="120000"/>
+              </a:lnSpc>
+              <a:spcBef>
+                <a:spcPts val="0"/>
+              </a:spcBef>
+              <a:buNone/>
+            </a:pPr>
+            <a:r>
+              <a:rPr lang="en-US" sz="1800">
+                <a:latin typeface="Consolas" panose="020B0609020204030204" pitchFamily="49" charset="0"/>
+              </a:rPr>
+              <a:t>  ...</a:t>
+            </a:r>
+          </a:p>
+          <a:p>
+            <a:pPr marL="0" indent="0">
+              <a:lnSpc>
+                <a:spcPct val="120000"/>
+              </a:lnSpc>
+              <a:spcBef>
+                <a:spcPts val="0"/>
+              </a:spcBef>
+              <a:buNone/>
+            </a:pPr>
+            <a:r>
+              <a:rPr lang="en-US" sz="1800">
+                <a:latin typeface="Consolas" panose="020B0609020204030204" pitchFamily="49" charset="0"/>
+              </a:rPr>
+              <a:t>&lt;/fieldset&gt;</a:t>
+            </a:r>
+          </a:p>
+        </p:txBody>
+      </p:sp>
+      <p:sp>
+        <p:nvSpPr>
+          <p:cNvPr id="4" name="Slide Number Placeholder 3">
             <a:extLst>
               <a:ext uri="{FF2B5EF4-FFF2-40B4-BE49-F238E27FC236}">
-                <a16:creationId xmlns:a16="http://schemas.microsoft.com/office/drawing/2014/main" id="{844A3DC5-46BF-4BFF-8008-98FD467C4904}"/>
+                <a16:creationId xmlns:a16="http://schemas.microsoft.com/office/drawing/2014/main" id="{3A32EFB8-AF5B-4A4E-8A71-96EAAAABABFB}"/>
               </a:ext>
             </a:extLst>
           </p:cNvPr>
-          <p:cNvSpPr>
-            <a:spLocks noGrp="1"/>
-          </p:cNvSpPr>
-          <p:nvPr>
-            <p:ph idx="1"/>
-          </p:nvPr>
-        </p:nvSpPr>
-        <p:spPr>
-          <a:xfrm>
-            <a:off x="1066800" y="2733472"/>
-            <a:ext cx="10058400" cy="1919267"/>
-          </a:xfrm>
-        </p:spPr>
-        <p:txBody>
-          <a:bodyPr>
-            <a:noAutofit/>
-          </a:bodyPr>
-          <a:lstStyle/>
-          <a:p>
-            <a:pPr indent="0">
-              <a:buNone/>
-            </a:pPr>
-            <a:r>
-              <a:rPr lang="en-US" sz="1800" dirty="0">
-                <a:cs typeface="Arial" panose="020B0604020202020204" pitchFamily="34" charset="0"/>
-              </a:rPr>
-              <a:t>The &lt;datalist&gt; tag specifies a list of pre-defined options for an &lt;input&gt; element and provides an "autocomplete" feature </a:t>
-            </a:r>
-          </a:p>
-          <a:p>
-            <a:pPr indent="0">
-              <a:buNone/>
-            </a:pPr>
-            <a:r>
-              <a:rPr lang="en-US" sz="1800" dirty="0">
-                <a:cs typeface="Arial" panose="020B0604020202020204" pitchFamily="34" charset="0"/>
-              </a:rPr>
-              <a:t>Example:</a:t>
-            </a:r>
-          </a:p>
-          <a:p>
-            <a:pPr indent="0">
-              <a:buNone/>
-            </a:pPr>
-            <a:r>
-              <a:rPr lang="en-US" sz="1800" dirty="0">
-                <a:latin typeface="Consolas" panose="020B0609020204030204" pitchFamily="49" charset="0"/>
-                <a:cs typeface="Arial" panose="020B0604020202020204" pitchFamily="34" charset="0"/>
-              </a:rPr>
-              <a:t>&lt;datalist id="browsers"&gt;</a:t>
-            </a:r>
-          </a:p>
-          <a:p>
-            <a:pPr indent="0">
-              <a:buNone/>
-            </a:pPr>
-            <a:r>
-              <a:rPr lang="en-US" sz="1800" dirty="0">
-                <a:latin typeface="Consolas" panose="020B0609020204030204" pitchFamily="49" charset="0"/>
-                <a:cs typeface="Arial" panose="020B0604020202020204" pitchFamily="34" charset="0"/>
-              </a:rPr>
-              <a:t>  &lt;option value="Firefox"&gt;</a:t>
-            </a:r>
-          </a:p>
-          <a:p>
-            <a:pPr indent="0">
-              <a:buNone/>
-            </a:pPr>
-            <a:r>
-              <a:rPr lang="en-US" sz="1800" dirty="0">
-                <a:latin typeface="Consolas" panose="020B0609020204030204" pitchFamily="49" charset="0"/>
-                <a:cs typeface="Arial" panose="020B0604020202020204" pitchFamily="34" charset="0"/>
-              </a:rPr>
-              <a:t>  &lt;option value="Chrome"&gt;</a:t>
-            </a:r>
-          </a:p>
-          <a:p>
-            <a:pPr indent="0">
-              <a:buNone/>
-            </a:pPr>
-            <a:r>
-              <a:rPr lang="en-US" sz="1800" dirty="0">
-                <a:latin typeface="Consolas" panose="020B0609020204030204" pitchFamily="49" charset="0"/>
-                <a:cs typeface="Arial" panose="020B0604020202020204" pitchFamily="34" charset="0"/>
-              </a:rPr>
-              <a:t>&lt;/datalist&gt;</a:t>
-            </a:r>
-            <a:endParaRPr lang="en-US" sz="1800" dirty="0">
-              <a:latin typeface="Arial" panose="020B0604020202020204" pitchFamily="34" charset="0"/>
-              <a:cs typeface="Arial" panose="020B0604020202020204" pitchFamily="34" charset="0"/>
-            </a:endParaRPr>
-          </a:p>
-        </p:txBody>
-      </p:sp>
-      <p:sp>
-        <p:nvSpPr>
-          <p:cNvPr id="6" name="Slide Number Placeholder 5"/>
           <p:cNvSpPr>
             <a:spLocks noGrp="1"/>
           </p:cNvSpPr>
@@ -12184,10 +16389,40 @@
           </a:p>
         </p:txBody>
       </p:sp>
+      <p:pic>
+        <p:nvPicPr>
+          <p:cNvPr id="7" name="Picture 6">
+            <a:extLst>
+              <a:ext uri="{FF2B5EF4-FFF2-40B4-BE49-F238E27FC236}">
+                <a16:creationId xmlns:a16="http://schemas.microsoft.com/office/drawing/2014/main" id="{348E5DA4-9DB9-477E-822D-41F94D131007}"/>
+              </a:ext>
+            </a:extLst>
+          </p:cNvPr>
+          <p:cNvPicPr>
+            <a:picLocks noChangeAspect="1"/>
+          </p:cNvPicPr>
+          <p:nvPr/>
+        </p:nvPicPr>
+        <p:blipFill>
+          <a:blip r:embed="rId2"/>
+          <a:stretch>
+            <a:fillRect/>
+          </a:stretch>
+        </p:blipFill>
+        <p:spPr>
+          <a:xfrm>
+            <a:off x="7000065" y="3053066"/>
+            <a:ext cx="4514850" cy="3067050"/>
+          </a:xfrm>
+          <a:prstGeom prst="rect">
+            <a:avLst/>
+          </a:prstGeom>
+        </p:spPr>
+      </p:pic>
     </p:spTree>
     <p:extLst>
       <p:ext uri="{BB962C8B-B14F-4D97-AF65-F5344CB8AC3E}">
-        <p14:creationId xmlns:p14="http://schemas.microsoft.com/office/powerpoint/2010/main" val="775891022"/>
+        <p14:creationId xmlns:p14="http://schemas.microsoft.com/office/powerpoint/2010/main" val="1683132034"/>
       </p:ext>
     </p:extLst>
   </p:cSld>
@@ -12216,10 +16451,10 @@
       </p:grpSpPr>
       <p:sp>
         <p:nvSpPr>
-          <p:cNvPr id="2" name="Title 1">
+          <p:cNvPr id="5" name="Title 4">
             <a:extLst>
               <a:ext uri="{FF2B5EF4-FFF2-40B4-BE49-F238E27FC236}">
-                <a16:creationId xmlns:a16="http://schemas.microsoft.com/office/drawing/2014/main" id="{BDFAC13C-59B1-436E-B58F-C304E1C705CF}"/>
+                <a16:creationId xmlns:a16="http://schemas.microsoft.com/office/drawing/2014/main" id="{19920336-7909-426F-8081-AFA24B193F14}"/>
               </a:ext>
             </a:extLst>
           </p:cNvPr>
@@ -12230,12 +16465,7 @@
             <p:ph type="title"/>
           </p:nvPr>
         </p:nvSpPr>
-        <p:spPr>
-          <a:xfrm>
-            <a:off x="664233" y="733579"/>
-            <a:ext cx="7810900" cy="1371600"/>
-          </a:xfrm>
-        </p:spPr>
+        <p:spPr/>
         <p:txBody>
           <a:bodyPr>
             <a:normAutofit/>
@@ -12243,18 +16473,18 @@
           <a:lstStyle/>
           <a:p>
             <a:r>
-              <a:rPr lang="en-US" u="sng" dirty="0"/>
-              <a:t>HTML5 Progress Control</a:t>
-            </a:r>
-          </a:p>
-        </p:txBody>
-      </p:sp>
-      <p:sp>
-        <p:nvSpPr>
-          <p:cNvPr id="3" name="Content Placeholder 2">
+              <a:rPr lang="en-US" sz="6000" cap="none"/>
+              <a:t>Autocomplete</a:t>
+            </a:r>
+          </a:p>
+        </p:txBody>
+      </p:sp>
+      <p:sp>
+        <p:nvSpPr>
+          <p:cNvPr id="6" name="Text Placeholder 5">
             <a:extLst>
               <a:ext uri="{FF2B5EF4-FFF2-40B4-BE49-F238E27FC236}">
-                <a16:creationId xmlns:a16="http://schemas.microsoft.com/office/drawing/2014/main" id="{844A3DC5-46BF-4BFF-8008-98FD467C4904}"/>
+                <a16:creationId xmlns:a16="http://schemas.microsoft.com/office/drawing/2014/main" id="{DAE3D404-51E4-4D64-88D7-AFA22CFBA8F7}"/>
               </a:ext>
             </a:extLst>
           </p:cNvPr>
@@ -12262,63 +16492,30 @@
             <a:spLocks noGrp="1"/>
           </p:cNvSpPr>
           <p:nvPr>
-            <p:ph idx="1"/>
-          </p:nvPr>
-        </p:nvSpPr>
-        <p:spPr>
-          <a:xfrm>
-            <a:off x="1066800" y="2733472"/>
-            <a:ext cx="10058400" cy="1919267"/>
-          </a:xfrm>
-        </p:spPr>
-        <p:txBody>
-          <a:bodyPr>
-            <a:noAutofit/>
-          </a:bodyPr>
+            <p:ph type="body" idx="1"/>
+          </p:nvPr>
+        </p:nvSpPr>
+        <p:spPr/>
+        <p:txBody>
+          <a:bodyPr/>
           <a:lstStyle/>
           <a:p>
-            <a:pPr indent="0">
-              <a:buNone/>
-            </a:pPr>
-            <a:r>
-              <a:rPr lang="en-US" sz="1800" dirty="0">
-                <a:cs typeface="Arial" panose="020B0604020202020204" pitchFamily="34" charset="0"/>
-              </a:rPr>
-              <a:t>The progress element specifies the completion progress of a task. It is displayed as a progress bar and can be manipulated by JavaScript</a:t>
-            </a:r>
-          </a:p>
-          <a:p>
-            <a:pPr indent="0">
-              <a:buNone/>
-            </a:pPr>
-            <a:r>
-              <a:rPr lang="en-US" sz="1800" dirty="0">
-                <a:cs typeface="Arial" panose="020B0604020202020204" pitchFamily="34" charset="0"/>
-              </a:rPr>
-              <a:t>Example:</a:t>
-            </a:r>
-          </a:p>
-          <a:p>
-            <a:pPr indent="0">
-              <a:buNone/>
-            </a:pPr>
-            <a:r>
-              <a:rPr lang="en-US" sz="1800" dirty="0">
-                <a:latin typeface="Consolas" panose="020B0609020204030204" pitchFamily="49" charset="0"/>
-                <a:cs typeface="Arial" panose="020B0604020202020204" pitchFamily="34" charset="0"/>
-              </a:rPr>
-              <a:t>&lt;progress value="80" max="100"/&gt;</a:t>
-            </a:r>
-            <a:endParaRPr lang="en-US" sz="1800" dirty="0">
-              <a:latin typeface="Arial" panose="020B0604020202020204" pitchFamily="34" charset="0"/>
-              <a:cs typeface="Arial" panose="020B0604020202020204" pitchFamily="34" charset="0"/>
-            </a:endParaRPr>
-          </a:p>
-        </p:txBody>
-      </p:sp>
-      <p:sp>
-        <p:nvSpPr>
-          <p:cNvPr id="6" name="Slide Number Placeholder 5"/>
+            <a:r>
+              <a:rPr lang="en-US"/>
+              <a:t>Speedy data entry with autocomplete/autofill.</a:t>
+            </a:r>
+          </a:p>
+        </p:txBody>
+      </p:sp>
+      <p:sp>
+        <p:nvSpPr>
+          <p:cNvPr id="4" name="Slide Number Placeholder 3">
+            <a:extLst>
+              <a:ext uri="{FF2B5EF4-FFF2-40B4-BE49-F238E27FC236}">
+                <a16:creationId xmlns:a16="http://schemas.microsoft.com/office/drawing/2014/main" id="{B3E58610-8DF0-4BC8-B28F-9775BE8BC83F}"/>
+              </a:ext>
+            </a:extLst>
+          </p:cNvPr>
           <p:cNvSpPr>
             <a:spLocks noGrp="1"/>
           </p:cNvSpPr>
@@ -12342,7 +16539,7 @@
     </p:spTree>
     <p:extLst>
       <p:ext uri="{BB962C8B-B14F-4D97-AF65-F5344CB8AC3E}">
-        <p14:creationId xmlns:p14="http://schemas.microsoft.com/office/powerpoint/2010/main" val="3082850271"/>
+        <p14:creationId xmlns:p14="http://schemas.microsoft.com/office/powerpoint/2010/main" val="317122887"/>
       </p:ext>
     </p:extLst>
   </p:cSld>
@@ -12374,7 +16571,7 @@
           <p:cNvPr id="2" name="Title 1">
             <a:extLst>
               <a:ext uri="{FF2B5EF4-FFF2-40B4-BE49-F238E27FC236}">
-                <a16:creationId xmlns:a16="http://schemas.microsoft.com/office/drawing/2014/main" id="{BDFAC13C-59B1-436E-B58F-C304E1C705CF}"/>
+                <a16:creationId xmlns:a16="http://schemas.microsoft.com/office/drawing/2014/main" id="{FD26F79D-515D-436E-ABBB-83A3ACF0330B}"/>
               </a:ext>
             </a:extLst>
           </p:cNvPr>
@@ -12387,29 +16584,29 @@
         </p:nvSpPr>
         <p:spPr>
           <a:xfrm>
-            <a:off x="664233" y="733579"/>
-            <a:ext cx="7810900" cy="1371600"/>
+            <a:off x="1066800" y="642594"/>
+            <a:ext cx="10058400" cy="1371600"/>
           </a:xfrm>
         </p:spPr>
         <p:txBody>
-          <a:bodyPr>
+          <a:bodyPr anchor="ctr">
             <a:normAutofit/>
           </a:bodyPr>
           <a:lstStyle/>
           <a:p>
             <a:r>
-              <a:rPr lang="en-US" u="sng" dirty="0"/>
-              <a:t>HTML5 Meter Control</a:t>
-            </a:r>
-          </a:p>
-        </p:txBody>
-      </p:sp>
-      <p:sp>
-        <p:nvSpPr>
-          <p:cNvPr id="3" name="Content Placeholder 2">
+              <a:rPr lang="en-US" u="sng"/>
+              <a:t>Why autocomplete?</a:t>
+            </a:r>
+          </a:p>
+        </p:txBody>
+      </p:sp>
+      <p:sp>
+        <p:nvSpPr>
+          <p:cNvPr id="4" name="Slide Number Placeholder 3">
             <a:extLst>
               <a:ext uri="{FF2B5EF4-FFF2-40B4-BE49-F238E27FC236}">
-                <a16:creationId xmlns:a16="http://schemas.microsoft.com/office/drawing/2014/main" id="{844A3DC5-46BF-4BFF-8008-98FD467C4904}"/>
+                <a16:creationId xmlns:a16="http://schemas.microsoft.com/office/drawing/2014/main" id="{3435A0B4-585A-407C-A051-21696B1DB664}"/>
               </a:ext>
             </a:extLst>
           </p:cNvPr>
@@ -12417,87 +16614,74 @@
             <a:spLocks noGrp="1"/>
           </p:cNvSpPr>
           <p:nvPr>
-            <p:ph idx="1"/>
+            <p:ph type="sldNum" sz="quarter" idx="12"/>
           </p:nvPr>
         </p:nvSpPr>
         <p:spPr>
           <a:xfrm>
-            <a:off x="1066800" y="2733472"/>
-            <a:ext cx="10058400" cy="1919267"/>
+            <a:off x="10287000" y="6035040"/>
+            <a:ext cx="838200" cy="365760"/>
           </a:xfrm>
         </p:spPr>
         <p:txBody>
-          <a:bodyPr>
-            <a:noAutofit/>
+          <a:bodyPr anchor="b">
+            <a:normAutofit/>
           </a:bodyPr>
           <a:lstStyle/>
           <a:p>
-            <a:pPr indent="0">
-              <a:buNone/>
-            </a:pPr>
-            <a:r>
-              <a:rPr lang="en-US" sz="1800" dirty="0">
-                <a:cs typeface="Arial" panose="020B0604020202020204" pitchFamily="34" charset="0"/>
-              </a:rPr>
-              <a:t>The meter element specifies a scalar measurement within a known range (a.k.a. a gauge)</a:t>
-            </a:r>
-          </a:p>
-          <a:p>
-            <a:pPr indent="0">
-              <a:buNone/>
-            </a:pPr>
-            <a:r>
-              <a:rPr lang="en-US" sz="1800" dirty="0">
-                <a:cs typeface="Arial" panose="020B0604020202020204" pitchFamily="34" charset="0"/>
-              </a:rPr>
-              <a:t>Example:</a:t>
-            </a:r>
-          </a:p>
-          <a:p>
-            <a:pPr indent="0">
-              <a:buNone/>
-            </a:pPr>
-            <a:r>
-              <a:rPr lang="en-US" sz="1800" dirty="0">
-                <a:latin typeface="Consolas" panose="020B0609020204030204" pitchFamily="49" charset="0"/>
-                <a:cs typeface="Arial" panose="020B0604020202020204" pitchFamily="34" charset="0"/>
-              </a:rPr>
-              <a:t>&lt;meter value="7" min="0" max="10"&gt;7 of 10&lt;/meter&gt;</a:t>
-            </a:r>
-            <a:endParaRPr lang="en-US" sz="1800" dirty="0">
-              <a:latin typeface="Arial" panose="020B0604020202020204" pitchFamily="34" charset="0"/>
-              <a:cs typeface="Arial" panose="020B0604020202020204" pitchFamily="34" charset="0"/>
-            </a:endParaRPr>
-          </a:p>
-        </p:txBody>
-      </p:sp>
-      <p:sp>
-        <p:nvSpPr>
-          <p:cNvPr id="6" name="Slide Number Placeholder 5"/>
-          <p:cNvSpPr>
-            <a:spLocks noGrp="1"/>
-          </p:cNvSpPr>
-          <p:nvPr>
-            <p:ph type="sldNum" sz="quarter" idx="12"/>
-          </p:nvPr>
-        </p:nvSpPr>
-        <p:spPr/>
-        <p:txBody>
-          <a:bodyPr/>
-          <a:lstStyle/>
-          <a:p>
+            <a:pPr>
+              <a:spcAft>
+                <a:spcPts val="600"/>
+              </a:spcAft>
+            </a:pPr>
             <a:fld id="{34B7E4EF-A1BD-40F4-AB7B-04F084DD991D}" type="slidenum">
               <a:rPr lang="en-US" smtClean="0"/>
+              <a:pPr>
+                <a:spcAft>
+                  <a:spcPts val="600"/>
+                </a:spcAft>
+              </a:pPr>
               <a:t>35</a:t>
             </a:fld>
-            <a:endParaRPr lang="en-US" dirty="0"/>
-          </a:p>
-        </p:txBody>
-      </p:sp>
+            <a:endParaRPr lang="en-US"/>
+          </a:p>
+        </p:txBody>
+      </p:sp>
+      <p:graphicFrame>
+        <p:nvGraphicFramePr>
+          <p:cNvPr id="6" name="Content Placeholder 2">
+            <a:extLst>
+              <a:ext uri="{FF2B5EF4-FFF2-40B4-BE49-F238E27FC236}">
+                <a16:creationId xmlns:a16="http://schemas.microsoft.com/office/drawing/2014/main" id="{02C1F906-1BC9-45E2-AF0D-1B941250697C}"/>
+              </a:ext>
+            </a:extLst>
+          </p:cNvPr>
+          <p:cNvGraphicFramePr>
+            <a:graphicFrameLocks noGrp="1"/>
+          </p:cNvGraphicFramePr>
+          <p:nvPr>
+            <p:ph idx="1"/>
+            <p:extLst>
+              <p:ext uri="{D42A27DB-BD31-4B8C-83A1-F6EECF244321}">
+                <p14:modId xmlns:p14="http://schemas.microsoft.com/office/powerpoint/2010/main" val="2993607727"/>
+              </p:ext>
+            </p:extLst>
+          </p:nvPr>
+        </p:nvGraphicFramePr>
+        <p:xfrm>
+          <a:off x="1066800" y="1813409"/>
+          <a:ext cx="10058400" cy="3849624"/>
+        </p:xfrm>
+        <a:graphic>
+          <a:graphicData uri="http://schemas.openxmlformats.org/drawingml/2006/diagram">
+            <dgm:relIds xmlns:dgm="http://schemas.openxmlformats.org/drawingml/2006/diagram" xmlns:r="http://schemas.openxmlformats.org/officeDocument/2006/relationships" r:dm="rId3" r:lo="rId4" r:qs="rId5" r:cs="rId6"/>
+          </a:graphicData>
+        </a:graphic>
+      </p:graphicFrame>
     </p:spTree>
     <p:extLst>
       <p:ext uri="{BB962C8B-B14F-4D97-AF65-F5344CB8AC3E}">
-        <p14:creationId xmlns:p14="http://schemas.microsoft.com/office/powerpoint/2010/main" val="3947041071"/>
+        <p14:creationId xmlns:p14="http://schemas.microsoft.com/office/powerpoint/2010/main" val="1533163567"/>
       </p:ext>
     </p:extLst>
   </p:cSld>
@@ -12526,10 +16710,10 @@
       </p:grpSpPr>
       <p:sp>
         <p:nvSpPr>
-          <p:cNvPr id="5" name="Title 4">
+          <p:cNvPr id="2" name="Title 1">
             <a:extLst>
               <a:ext uri="{FF2B5EF4-FFF2-40B4-BE49-F238E27FC236}">
-                <a16:creationId xmlns:a16="http://schemas.microsoft.com/office/drawing/2014/main" id="{19920336-7909-426F-8081-AFA24B193F14}"/>
+                <a16:creationId xmlns:a16="http://schemas.microsoft.com/office/drawing/2014/main" id="{BDFAC13C-59B1-436E-B58F-C304E1C705CF}"/>
               </a:ext>
             </a:extLst>
           </p:cNvPr>
@@ -12540,24 +16724,36 @@
             <p:ph type="title"/>
           </p:nvPr>
         </p:nvSpPr>
-        <p:spPr/>
-        <p:txBody>
-          <a:bodyPr/>
+        <p:spPr>
+          <a:xfrm>
+            <a:off x="1066800" y="357586"/>
+            <a:ext cx="10058400" cy="1371600"/>
+          </a:xfrm>
+        </p:spPr>
+        <p:txBody>
+          <a:bodyPr>
+            <a:normAutofit/>
+          </a:bodyPr>
           <a:lstStyle/>
           <a:p>
             <a:r>
-              <a:rPr lang="en-US" cap="none"/>
-              <a:t>&lt;fieldset&gt;</a:t>
-            </a:r>
-          </a:p>
-        </p:txBody>
-      </p:sp>
-      <p:sp>
-        <p:nvSpPr>
-          <p:cNvPr id="6" name="Text Placeholder 5">
+              <a:rPr lang="en-US" u="sng">
+                <a:latin typeface="Consolas" panose="020B0609020204030204" pitchFamily="49" charset="0"/>
+              </a:rPr>
+              <a:t>&lt;datalist&gt;</a:t>
+            </a:r>
+            <a:endParaRPr lang="en-US" u="sng" dirty="0">
+              <a:latin typeface="Consolas" panose="020B0609020204030204" pitchFamily="49" charset="0"/>
+            </a:endParaRPr>
+          </a:p>
+        </p:txBody>
+      </p:sp>
+      <p:sp>
+        <p:nvSpPr>
+          <p:cNvPr id="3" name="Content Placeholder 2">
             <a:extLst>
               <a:ext uri="{FF2B5EF4-FFF2-40B4-BE49-F238E27FC236}">
-                <a16:creationId xmlns:a16="http://schemas.microsoft.com/office/drawing/2014/main" id="{DAE3D404-51E4-4D64-88D7-AFA22CFBA8F7}"/>
+                <a16:creationId xmlns:a16="http://schemas.microsoft.com/office/drawing/2014/main" id="{844A3DC5-46BF-4BFF-8008-98FD467C4904}"/>
               </a:ext>
             </a:extLst>
           </p:cNvPr>
@@ -12565,30 +16761,258 @@
             <a:spLocks noGrp="1"/>
           </p:cNvSpPr>
           <p:nvPr>
-            <p:ph type="body" idx="1"/>
-          </p:nvPr>
-        </p:nvSpPr>
-        <p:spPr/>
-        <p:txBody>
-          <a:bodyPr/>
+            <p:ph idx="1"/>
+          </p:nvPr>
+        </p:nvSpPr>
+        <p:spPr>
+          <a:xfrm>
+            <a:off x="1066800" y="1520042"/>
+            <a:ext cx="10058400" cy="4514998"/>
+          </a:xfrm>
+        </p:spPr>
+        <p:txBody>
+          <a:bodyPr>
+            <a:noAutofit/>
+          </a:bodyPr>
           <a:lstStyle/>
           <a:p>
-            <a:r>
-              <a:rPr lang="en-US"/>
-              <a:t>Grouping controls with &lt;fieldset&gt; and &lt;legend&gt;.</a:t>
-            </a:r>
-          </a:p>
-        </p:txBody>
-      </p:sp>
-      <p:sp>
-        <p:nvSpPr>
-          <p:cNvPr id="4" name="Slide Number Placeholder 3">
-            <a:extLst>
-              <a:ext uri="{FF2B5EF4-FFF2-40B4-BE49-F238E27FC236}">
-                <a16:creationId xmlns:a16="http://schemas.microsoft.com/office/drawing/2014/main" id="{B3E58610-8DF0-4BC8-B28F-9775BE8BC83F}"/>
-              </a:ext>
-            </a:extLst>
-          </p:cNvPr>
+            <a:pPr indent="0">
+              <a:buNone/>
+            </a:pPr>
+            <a:r>
+              <a:rPr lang="en-US" sz="1800" b="1">
+                <a:latin typeface="Consolas" panose="020B0609020204030204" pitchFamily="49" charset="0"/>
+                <a:cs typeface="Arial" panose="020B0604020202020204" pitchFamily="34" charset="0"/>
+              </a:rPr>
+              <a:t>&lt;</a:t>
+            </a:r>
+            <a:r>
+              <a:rPr lang="en-US" sz="1800" b="1" dirty="0">
+                <a:latin typeface="Consolas" panose="020B0609020204030204" pitchFamily="49" charset="0"/>
+                <a:cs typeface="Arial" panose="020B0604020202020204" pitchFamily="34" charset="0"/>
+              </a:rPr>
+              <a:t>datalist</a:t>
+            </a:r>
+            <a:r>
+              <a:rPr lang="en-US" sz="1800" b="1">
+                <a:latin typeface="Consolas" panose="020B0609020204030204" pitchFamily="49" charset="0"/>
+                <a:cs typeface="Arial" panose="020B0604020202020204" pitchFamily="34" charset="0"/>
+              </a:rPr>
+              <a:t>&gt;</a:t>
+            </a:r>
+            <a:r>
+              <a:rPr lang="en-US" sz="1800">
+                <a:cs typeface="Arial" panose="020B0604020202020204" pitchFamily="34" charset="0"/>
+              </a:rPr>
+              <a:t> provides </a:t>
+            </a:r>
+            <a:r>
+              <a:rPr lang="en-US" sz="1800" dirty="0">
+                <a:cs typeface="Arial" panose="020B0604020202020204" pitchFamily="34" charset="0"/>
+              </a:rPr>
+              <a:t>a list of </a:t>
+            </a:r>
+            <a:r>
+              <a:rPr lang="en-US" sz="1800">
+                <a:cs typeface="Arial" panose="020B0604020202020204" pitchFamily="34" charset="0"/>
+              </a:rPr>
+              <a:t>pre-defined suggestions for an </a:t>
+            </a:r>
+            <a:r>
+              <a:rPr lang="en-US" sz="1800" b="1">
+                <a:latin typeface="Consolas" panose="020B0609020204030204" pitchFamily="49" charset="0"/>
+                <a:cs typeface="Arial" panose="020B0604020202020204" pitchFamily="34" charset="0"/>
+              </a:rPr>
+              <a:t>&lt;</a:t>
+            </a:r>
+            <a:r>
+              <a:rPr lang="en-US" sz="1800" b="1" dirty="0">
+                <a:latin typeface="Consolas" panose="020B0609020204030204" pitchFamily="49" charset="0"/>
+                <a:cs typeface="Arial" panose="020B0604020202020204" pitchFamily="34" charset="0"/>
+              </a:rPr>
+              <a:t>input</a:t>
+            </a:r>
+            <a:r>
+              <a:rPr lang="en-US" sz="1800" b="1">
+                <a:latin typeface="Consolas" panose="020B0609020204030204" pitchFamily="49" charset="0"/>
+                <a:cs typeface="Arial" panose="020B0604020202020204" pitchFamily="34" charset="0"/>
+              </a:rPr>
+              <a:t>&gt;</a:t>
+            </a:r>
+            <a:r>
+              <a:rPr lang="en-US" sz="1800">
+                <a:cs typeface="Arial" panose="020B0604020202020204" pitchFamily="34" charset="0"/>
+              </a:rPr>
+              <a:t> element </a:t>
+            </a:r>
+          </a:p>
+          <a:p>
+            <a:pPr indent="0">
+              <a:buNone/>
+            </a:pPr>
+            <a:r>
+              <a:rPr lang="en-US" sz="1800">
+                <a:cs typeface="Arial" panose="020B0604020202020204" pitchFamily="34" charset="0"/>
+              </a:rPr>
+              <a:t>and "autocomplete" functionality.</a:t>
+            </a:r>
+            <a:endParaRPr lang="en-US" sz="1800" dirty="0">
+              <a:cs typeface="Arial" panose="020B0604020202020204" pitchFamily="34" charset="0"/>
+            </a:endParaRPr>
+          </a:p>
+          <a:p>
+            <a:pPr indent="0">
+              <a:buNone/>
+            </a:pPr>
+            <a:r>
+              <a:rPr lang="en-US" sz="1800" b="1" u="sng">
+                <a:cs typeface="Arial" panose="020B0604020202020204" pitchFamily="34" charset="0"/>
+              </a:rPr>
+              <a:t>Example</a:t>
+            </a:r>
+            <a:endParaRPr lang="en-US" sz="1800" b="1" u="sng" dirty="0">
+              <a:cs typeface="Arial" panose="020B0604020202020204" pitchFamily="34" charset="0"/>
+            </a:endParaRPr>
+          </a:p>
+          <a:p>
+            <a:pPr indent="0">
+              <a:buNone/>
+            </a:pPr>
+            <a:r>
+              <a:rPr lang="en-US" sz="1800">
+                <a:latin typeface="Consolas" panose="020B0609020204030204" pitchFamily="49" charset="0"/>
+                <a:cs typeface="Arial" panose="020B0604020202020204" pitchFamily="34" charset="0"/>
+              </a:rPr>
+              <a:t>&lt;input type="text" </a:t>
+            </a:r>
+            <a:r>
+              <a:rPr lang="en-US" sz="1800">
+                <a:highlight>
+                  <a:srgbClr val="FCF7F1"/>
+                </a:highlight>
+                <a:latin typeface="Consolas" panose="020B0609020204030204" pitchFamily="49" charset="0"/>
+                <a:cs typeface="Arial" panose="020B0604020202020204" pitchFamily="34" charset="0"/>
+              </a:rPr>
+              <a:t>list="foods"</a:t>
+            </a:r>
+            <a:r>
+              <a:rPr lang="en-US" sz="1800">
+                <a:latin typeface="Consolas" panose="020B0609020204030204" pitchFamily="49" charset="0"/>
+                <a:cs typeface="Arial" panose="020B0604020202020204" pitchFamily="34" charset="0"/>
+              </a:rPr>
+              <a:t> /&gt;</a:t>
+            </a:r>
+          </a:p>
+          <a:p>
+            <a:pPr indent="0">
+              <a:buNone/>
+            </a:pPr>
+            <a:r>
+              <a:rPr lang="en-US" sz="1800">
+                <a:latin typeface="Consolas" panose="020B0609020204030204" pitchFamily="49" charset="0"/>
+                <a:cs typeface="Arial" panose="020B0604020202020204" pitchFamily="34" charset="0"/>
+              </a:rPr>
+              <a:t>&lt;datalist </a:t>
+            </a:r>
+            <a:r>
+              <a:rPr lang="en-US" sz="1800">
+                <a:highlight>
+                  <a:srgbClr val="FCF7F1"/>
+                </a:highlight>
+                <a:latin typeface="Consolas" panose="020B0609020204030204" pitchFamily="49" charset="0"/>
+                <a:cs typeface="Arial" panose="020B0604020202020204" pitchFamily="34" charset="0"/>
+              </a:rPr>
+              <a:t>id="foods"</a:t>
+            </a:r>
+            <a:r>
+              <a:rPr lang="en-US" sz="1800">
+                <a:latin typeface="Consolas" panose="020B0609020204030204" pitchFamily="49" charset="0"/>
+                <a:cs typeface="Arial" panose="020B0604020202020204" pitchFamily="34" charset="0"/>
+              </a:rPr>
+              <a:t>&gt;</a:t>
+            </a:r>
+          </a:p>
+          <a:p>
+            <a:pPr indent="0">
+              <a:buNone/>
+            </a:pPr>
+            <a:r>
+              <a:rPr lang="en-US" sz="1800">
+                <a:latin typeface="Consolas" panose="020B0609020204030204" pitchFamily="49" charset="0"/>
+                <a:cs typeface="Arial" panose="020B0604020202020204" pitchFamily="34" charset="0"/>
+              </a:rPr>
+              <a:t>  &lt;option&gt;Apple&lt;/option&gt;</a:t>
+            </a:r>
+          </a:p>
+          <a:p>
+            <a:pPr indent="0">
+              <a:buNone/>
+            </a:pPr>
+            <a:r>
+              <a:rPr lang="en-US" sz="1800">
+                <a:latin typeface="Consolas" panose="020B0609020204030204" pitchFamily="49" charset="0"/>
+                <a:cs typeface="Arial" panose="020B0604020202020204" pitchFamily="34" charset="0"/>
+              </a:rPr>
+              <a:t>  &lt;option&gt;Orange&lt;/option&gt;</a:t>
+            </a:r>
+          </a:p>
+          <a:p>
+            <a:pPr indent="0">
+              <a:buNone/>
+            </a:pPr>
+            <a:r>
+              <a:rPr lang="en-US" sz="1800">
+                <a:latin typeface="Consolas" panose="020B0609020204030204" pitchFamily="49" charset="0"/>
+                <a:cs typeface="Arial" panose="020B0604020202020204" pitchFamily="34" charset="0"/>
+              </a:rPr>
+              <a:t>  &lt;option&gt;Burger&lt;/option&gt;</a:t>
+            </a:r>
+          </a:p>
+          <a:p>
+            <a:pPr indent="0">
+              <a:buNone/>
+            </a:pPr>
+            <a:r>
+              <a:rPr lang="en-US" sz="1800">
+                <a:latin typeface="Consolas" panose="020B0609020204030204" pitchFamily="49" charset="0"/>
+                <a:cs typeface="Arial" panose="020B0604020202020204" pitchFamily="34" charset="0"/>
+              </a:rPr>
+              <a:t>  &lt;option&gt;Hot Dog&lt;/option&gt;</a:t>
+            </a:r>
+          </a:p>
+          <a:p>
+            <a:pPr indent="0">
+              <a:buNone/>
+            </a:pPr>
+            <a:r>
+              <a:rPr lang="en-US" sz="1800">
+                <a:latin typeface="Consolas" panose="020B0609020204030204" pitchFamily="49" charset="0"/>
+                <a:cs typeface="Arial" panose="020B0604020202020204" pitchFamily="34" charset="0"/>
+              </a:rPr>
+              <a:t>  &lt;option&gt;French Fries&lt;/option&gt;</a:t>
+            </a:r>
+          </a:p>
+          <a:p>
+            <a:pPr indent="0">
+              <a:buNone/>
+            </a:pPr>
+            <a:r>
+              <a:rPr lang="en-US" sz="1800">
+                <a:latin typeface="Consolas" panose="020B0609020204030204" pitchFamily="49" charset="0"/>
+                <a:cs typeface="Arial" panose="020B0604020202020204" pitchFamily="34" charset="0"/>
+              </a:rPr>
+              <a:t>&lt;/datalist&gt;</a:t>
+            </a:r>
+            <a:endParaRPr lang="en-US" sz="1800" dirty="0">
+              <a:latin typeface="Arial" panose="020B0604020202020204" pitchFamily="34" charset="0"/>
+              <a:cs typeface="Arial" panose="020B0604020202020204" pitchFamily="34" charset="0"/>
+            </a:endParaRPr>
+          </a:p>
+        </p:txBody>
+      </p:sp>
+      <p:sp>
+        <p:nvSpPr>
+          <p:cNvPr id="6" name="Slide Number Placeholder 5"/>
           <p:cNvSpPr>
             <a:spLocks noGrp="1"/>
           </p:cNvSpPr>
@@ -12612,7 +17036,7 @@
     </p:spTree>
     <p:extLst>
       <p:ext uri="{BB962C8B-B14F-4D97-AF65-F5344CB8AC3E}">
-        <p14:creationId xmlns:p14="http://schemas.microsoft.com/office/powerpoint/2010/main" val="3455449113"/>
+        <p14:creationId xmlns:p14="http://schemas.microsoft.com/office/powerpoint/2010/main" val="775891022"/>
       </p:ext>
     </p:extLst>
   </p:cSld>
@@ -12641,10 +17065,10 @@
       </p:grpSpPr>
       <p:sp>
         <p:nvSpPr>
-          <p:cNvPr id="5" name="Title 4">
+          <p:cNvPr id="2" name="Title 1">
             <a:extLst>
               <a:ext uri="{FF2B5EF4-FFF2-40B4-BE49-F238E27FC236}">
-                <a16:creationId xmlns:a16="http://schemas.microsoft.com/office/drawing/2014/main" id="{19920336-7909-426F-8081-AFA24B193F14}"/>
+                <a16:creationId xmlns:a16="http://schemas.microsoft.com/office/drawing/2014/main" id="{87582E82-7A2A-45C3-A0E1-E59697CB4147}"/>
               </a:ext>
             </a:extLst>
           </p:cNvPr>
@@ -12661,18 +17085,20 @@
           <a:lstStyle/>
           <a:p>
             <a:r>
-              <a:rPr lang="en-US" cap="none"/>
-              <a:t>Autocomplete</a:t>
-            </a:r>
-          </a:p>
-        </p:txBody>
-      </p:sp>
-      <p:sp>
-        <p:nvSpPr>
-          <p:cNvPr id="6" name="Text Placeholder 5">
+              <a:rPr lang="en-US" u="sng">
+                <a:latin typeface="Consolas" panose="020B0609020204030204" pitchFamily="49" charset="0"/>
+              </a:rPr>
+              <a:t>autocomplete=off|on</a:t>
+            </a:r>
+          </a:p>
+        </p:txBody>
+      </p:sp>
+      <p:sp>
+        <p:nvSpPr>
+          <p:cNvPr id="3" name="Content Placeholder 2">
             <a:extLst>
               <a:ext uri="{FF2B5EF4-FFF2-40B4-BE49-F238E27FC236}">
-                <a16:creationId xmlns:a16="http://schemas.microsoft.com/office/drawing/2014/main" id="{DAE3D404-51E4-4D64-88D7-AFA22CFBA8F7}"/>
+                <a16:creationId xmlns:a16="http://schemas.microsoft.com/office/drawing/2014/main" id="{DEBFAF8E-7288-42C4-9168-33901F15B64E}"/>
               </a:ext>
             </a:extLst>
           </p:cNvPr>
@@ -12680,18 +17106,107 @@
             <a:spLocks noGrp="1"/>
           </p:cNvSpPr>
           <p:nvPr>
-            <p:ph type="body" idx="1"/>
+            <p:ph idx="1"/>
           </p:nvPr>
         </p:nvSpPr>
         <p:spPr/>
         <p:txBody>
-          <a:bodyPr/>
+          <a:bodyPr>
+            <a:normAutofit/>
+          </a:bodyPr>
           <a:lstStyle/>
           <a:p>
-            <a:r>
-              <a:rPr lang="en-US"/>
-              <a:t>Speedy data entry with autocomplete/autofill.</a:t>
-            </a:r>
+            <a:pPr marL="0" indent="0">
+              <a:buNone/>
+            </a:pPr>
+            <a:r>
+              <a:rPr lang="en-US" sz="1800"/>
+              <a:t>The </a:t>
+            </a:r>
+            <a:r>
+              <a:rPr lang="en-US" sz="1800" b="1">
+                <a:latin typeface="Consolas" panose="020B0609020204030204" pitchFamily="49" charset="0"/>
+              </a:rPr>
+              <a:t>autocomplete</a:t>
+            </a:r>
+            <a:r>
+              <a:rPr lang="en-US" sz="1800"/>
+              <a:t> attribute can be used to change the autofill/autocomplete behavoir of an input control.</a:t>
+            </a:r>
+          </a:p>
+          <a:p>
+            <a:pPr marL="0" indent="0">
+              <a:buNone/>
+            </a:pPr>
+            <a:r>
+              <a:rPr lang="en-US" sz="1800"/>
+              <a:t>The </a:t>
+            </a:r>
+            <a:r>
+              <a:rPr lang="en-US" sz="1800" b="1">
+                <a:latin typeface="Consolas" panose="020B0609020204030204" pitchFamily="49" charset="0"/>
+              </a:rPr>
+              <a:t>autocomplete</a:t>
+            </a:r>
+            <a:r>
+              <a:rPr lang="en-US" sz="1800"/>
+              <a:t> attribute originally only supported two values:</a:t>
+            </a:r>
+          </a:p>
+          <a:p>
+            <a:pPr marL="274320" lvl="1" indent="0">
+              <a:buNone/>
+            </a:pPr>
+            <a:r>
+              <a:rPr lang="en-US" sz="1800" b="1">
+                <a:latin typeface="Consolas" panose="020B0609020204030204" pitchFamily="49" charset="0"/>
+              </a:rPr>
+              <a:t>"on"  </a:t>
+            </a:r>
+            <a:r>
+              <a:rPr lang="en-US" sz="1800"/>
+              <a:t>autofill/autocomplete is enabled (default)</a:t>
+            </a:r>
+          </a:p>
+          <a:p>
+            <a:pPr marL="274320" lvl="1" indent="0">
+              <a:buNone/>
+            </a:pPr>
+            <a:r>
+              <a:rPr lang="en-US" sz="1800" b="1">
+                <a:latin typeface="Consolas" panose="020B0609020204030204" pitchFamily="49" charset="0"/>
+              </a:rPr>
+              <a:t>"off" </a:t>
+            </a:r>
+            <a:r>
+              <a:rPr lang="en-US" sz="1800"/>
+              <a:t>autofill/autocomplete is disabled</a:t>
+            </a:r>
+          </a:p>
+          <a:p>
+            <a:pPr marL="0" indent="0">
+              <a:buNone/>
+            </a:pPr>
+            <a:endParaRPr lang="en-US" sz="2000"/>
+          </a:p>
+          <a:p>
+            <a:pPr marL="0" indent="0">
+              <a:buNone/>
+            </a:pPr>
+            <a:r>
+              <a:rPr lang="en-US" sz="2000">
+                <a:highlight>
+                  <a:srgbClr val="FCF7F1"/>
+                </a:highlight>
+              </a:rPr>
+              <a:t>NOTE: autocomplete is a suggestion to the browser, browsers have differing autofill/autocomplete behaviors and may choose to ignore your autocomplete setting.</a:t>
+            </a:r>
+          </a:p>
+          <a:p>
+            <a:pPr marL="0" indent="0">
+              <a:buNone/>
+            </a:pPr>
+            <a:endParaRPr lang="en-US" sz="1800"/>
           </a:p>
         </p:txBody>
       </p:sp>
@@ -12700,7 +17215,7 @@
           <p:cNvPr id="4" name="Slide Number Placeholder 3">
             <a:extLst>
               <a:ext uri="{FF2B5EF4-FFF2-40B4-BE49-F238E27FC236}">
-                <a16:creationId xmlns:a16="http://schemas.microsoft.com/office/drawing/2014/main" id="{B3E58610-8DF0-4BC8-B28F-9775BE8BC83F}"/>
+                <a16:creationId xmlns:a16="http://schemas.microsoft.com/office/drawing/2014/main" id="{2A313C05-2F97-43B2-9175-96CDBE09E789}"/>
               </a:ext>
             </a:extLst>
           </p:cNvPr>
@@ -12727,7 +17242,7 @@
     </p:spTree>
     <p:extLst>
       <p:ext uri="{BB962C8B-B14F-4D97-AF65-F5344CB8AC3E}">
-        <p14:creationId xmlns:p14="http://schemas.microsoft.com/office/powerpoint/2010/main" val="317122887"/>
+        <p14:creationId xmlns:p14="http://schemas.microsoft.com/office/powerpoint/2010/main" val="3959552565"/>
       </p:ext>
     </p:extLst>
   </p:cSld>
@@ -12756,10 +17271,10 @@
       </p:grpSpPr>
       <p:sp>
         <p:nvSpPr>
-          <p:cNvPr id="5" name="Title 4">
+          <p:cNvPr id="2" name="Title 1">
             <a:extLst>
               <a:ext uri="{FF2B5EF4-FFF2-40B4-BE49-F238E27FC236}">
-                <a16:creationId xmlns:a16="http://schemas.microsoft.com/office/drawing/2014/main" id="{19920336-7909-426F-8081-AFA24B193F14}"/>
+                <a16:creationId xmlns:a16="http://schemas.microsoft.com/office/drawing/2014/main" id="{6100A07D-3BCE-41C1-8210-82BC2A6F1637}"/>
               </a:ext>
             </a:extLst>
           </p:cNvPr>
@@ -12776,36 +17291,10 @@
           <a:lstStyle/>
           <a:p>
             <a:r>
-              <a:rPr lang="en-US" cap="none"/>
-              <a:t>Example Forms</a:t>
-            </a:r>
-          </a:p>
-        </p:txBody>
-      </p:sp>
-      <p:sp>
-        <p:nvSpPr>
-          <p:cNvPr id="6" name="Text Placeholder 5">
-            <a:extLst>
-              <a:ext uri="{FF2B5EF4-FFF2-40B4-BE49-F238E27FC236}">
-                <a16:creationId xmlns:a16="http://schemas.microsoft.com/office/drawing/2014/main" id="{DAE3D404-51E4-4D64-88D7-AFA22CFBA8F7}"/>
-              </a:ext>
-            </a:extLst>
-          </p:cNvPr>
-          <p:cNvSpPr>
-            <a:spLocks noGrp="1"/>
-          </p:cNvSpPr>
-          <p:nvPr>
-            <p:ph type="body" idx="1"/>
-          </p:nvPr>
-        </p:nvSpPr>
-        <p:spPr/>
-        <p:txBody>
-          <a:bodyPr/>
-          <a:lstStyle/>
-          <a:p>
-            <a:r>
-              <a:rPr lang="en-US"/>
-              <a:t>Let's build some forms!</a:t>
+              <a:rPr lang="en-US" u="sng">
+                <a:latin typeface="Consolas" panose="020B0609020204030204" pitchFamily="49" charset="0"/>
+              </a:rPr>
+              <a:t>autocomplete=off</a:t>
             </a:r>
           </a:p>
         </p:txBody>
@@ -12815,7 +17304,7 @@
           <p:cNvPr id="4" name="Slide Number Placeholder 3">
             <a:extLst>
               <a:ext uri="{FF2B5EF4-FFF2-40B4-BE49-F238E27FC236}">
-                <a16:creationId xmlns:a16="http://schemas.microsoft.com/office/drawing/2014/main" id="{B3E58610-8DF0-4BC8-B28F-9775BE8BC83F}"/>
+                <a16:creationId xmlns:a16="http://schemas.microsoft.com/office/drawing/2014/main" id="{841BF86D-84FC-45AF-99EA-7697A407BEA5}"/>
               </a:ext>
             </a:extLst>
           </p:cNvPr>
@@ -12839,10 +17328,40 @@
           </a:p>
         </p:txBody>
       </p:sp>
+      <p:pic>
+        <p:nvPicPr>
+          <p:cNvPr id="10" name="Picture 9">
+            <a:extLst>
+              <a:ext uri="{FF2B5EF4-FFF2-40B4-BE49-F238E27FC236}">
+                <a16:creationId xmlns:a16="http://schemas.microsoft.com/office/drawing/2014/main" id="{B664D8AA-4E80-4675-B3EE-3E36B1120544}"/>
+              </a:ext>
+            </a:extLst>
+          </p:cNvPr>
+          <p:cNvPicPr>
+            <a:picLocks noChangeAspect="1"/>
+          </p:cNvPicPr>
+          <p:nvPr/>
+        </p:nvPicPr>
+        <p:blipFill>
+          <a:blip r:embed="rId3"/>
+          <a:stretch>
+            <a:fillRect/>
+          </a:stretch>
+        </p:blipFill>
+        <p:spPr>
+          <a:xfrm>
+            <a:off x="770884" y="2179280"/>
+            <a:ext cx="10650232" cy="3690674"/>
+          </a:xfrm>
+          <a:prstGeom prst="rect">
+            <a:avLst/>
+          </a:prstGeom>
+        </p:spPr>
+      </p:pic>
     </p:spTree>
     <p:extLst>
       <p:ext uri="{BB962C8B-B14F-4D97-AF65-F5344CB8AC3E}">
-        <p14:creationId xmlns:p14="http://schemas.microsoft.com/office/powerpoint/2010/main" val="492562823"/>
+        <p14:creationId xmlns:p14="http://schemas.microsoft.com/office/powerpoint/2010/main" val="197276561"/>
       </p:ext>
     </p:extLst>
   </p:cSld>
@@ -12874,7 +17393,7 @@
           <p:cNvPr id="2" name="Title 1">
             <a:extLst>
               <a:ext uri="{FF2B5EF4-FFF2-40B4-BE49-F238E27FC236}">
-                <a16:creationId xmlns:a16="http://schemas.microsoft.com/office/drawing/2014/main" id="{BDFAC13C-59B1-436E-B58F-C304E1C705CF}"/>
+                <a16:creationId xmlns:a16="http://schemas.microsoft.com/office/drawing/2014/main" id="{A0964F02-8B79-4A4E-B0A9-ACEC24E31C5F}"/>
               </a:ext>
             </a:extLst>
           </p:cNvPr>
@@ -12885,219 +17404,146 @@
             <p:ph type="title"/>
           </p:nvPr>
         </p:nvSpPr>
-        <p:spPr>
-          <a:xfrm>
-            <a:off x="664233" y="733579"/>
-            <a:ext cx="7810900" cy="1371600"/>
-          </a:xfrm>
-        </p:spPr>
+        <p:spPr/>
+        <p:txBody>
+          <a:bodyPr/>
+          <a:lstStyle/>
+          <a:p>
+            <a:r>
+              <a:rPr lang="en-US" u="sng">
+                <a:latin typeface="Consolas" panose="020B0609020204030204" pitchFamily="49" charset="0"/>
+              </a:rPr>
+              <a:t>autocomplete=...</a:t>
+            </a:r>
+          </a:p>
+        </p:txBody>
+      </p:sp>
+      <p:sp>
+        <p:nvSpPr>
+          <p:cNvPr id="3" name="Content Placeholder 2">
+            <a:extLst>
+              <a:ext uri="{FF2B5EF4-FFF2-40B4-BE49-F238E27FC236}">
+                <a16:creationId xmlns:a16="http://schemas.microsoft.com/office/drawing/2014/main" id="{31514E86-4FE7-4581-AB03-4B4A22640F0A}"/>
+              </a:ext>
+            </a:extLst>
+          </p:cNvPr>
+          <p:cNvSpPr>
+            <a:spLocks noGrp="1"/>
+          </p:cNvSpPr>
+          <p:nvPr>
+            <p:ph idx="1"/>
+          </p:nvPr>
+        </p:nvSpPr>
+        <p:spPr/>
         <p:txBody>
           <a:bodyPr>
             <a:normAutofit/>
           </a:bodyPr>
           <a:lstStyle/>
           <a:p>
-            <a:r>
-              <a:rPr lang="en-US" u="sng" dirty="0"/>
-              <a:t>HTML Form Example</a:t>
-            </a:r>
-          </a:p>
-        </p:txBody>
-      </p:sp>
-      <p:sp>
-        <p:nvSpPr>
-          <p:cNvPr id="3" name="Content Placeholder 2">
+            <a:pPr marL="0" indent="0">
+              <a:lnSpc>
+                <a:spcPct val="120000"/>
+              </a:lnSpc>
+              <a:spcBef>
+                <a:spcPts val="0"/>
+              </a:spcBef>
+              <a:buNone/>
+            </a:pPr>
+            <a:r>
+              <a:rPr lang="en-US" sz="1800" b="1" u="sng">
+                <a:cs typeface="Arial" panose="020B0604020202020204" pitchFamily="34" charset="0"/>
+              </a:rPr>
+              <a:t>Value			Description			</a:t>
+            </a:r>
+          </a:p>
+          <a:p>
+            <a:pPr marL="0" indent="0">
+              <a:lnSpc>
+                <a:spcPct val="120000"/>
+              </a:lnSpc>
+              <a:spcBef>
+                <a:spcPts val="0"/>
+              </a:spcBef>
+              <a:buNone/>
+            </a:pPr>
+            <a:r>
+              <a:rPr lang="en-US" sz="1800" b="1"/>
+              <a:t>name</a:t>
+            </a:r>
+            <a:r>
+              <a:rPr lang="en-US" sz="1800"/>
+              <a:t>			The full name</a:t>
+            </a:r>
+          </a:p>
+          <a:p>
+            <a:pPr marL="0" indent="0">
+              <a:lnSpc>
+                <a:spcPct val="120000"/>
+              </a:lnSpc>
+              <a:spcBef>
+                <a:spcPts val="0"/>
+              </a:spcBef>
+              <a:buNone/>
+            </a:pPr>
+            <a:r>
+              <a:rPr lang="en-US" sz="1800" b="1"/>
+              <a:t>given-name</a:t>
+            </a:r>
+            <a:r>
+              <a:rPr lang="en-US" sz="1800"/>
+              <a:t>		The given name (first name in western cultures)</a:t>
+            </a:r>
+          </a:p>
+          <a:p>
+            <a:pPr marL="0" indent="0">
+              <a:lnSpc>
+                <a:spcPct val="120000"/>
+              </a:lnSpc>
+              <a:spcBef>
+                <a:spcPts val="0"/>
+              </a:spcBef>
+              <a:buNone/>
+            </a:pPr>
+            <a:r>
+              <a:rPr lang="en-US" sz="1800" b="1"/>
+              <a:t>additional-name</a:t>
+            </a:r>
+            <a:r>
+              <a:rPr lang="en-US" sz="1800"/>
+              <a:t>	The middle name</a:t>
+            </a:r>
+          </a:p>
+          <a:p>
+            <a:pPr marL="0" indent="0">
+              <a:lnSpc>
+                <a:spcPct val="120000"/>
+              </a:lnSpc>
+              <a:spcBef>
+                <a:spcPts val="0"/>
+              </a:spcBef>
+              <a:buNone/>
+            </a:pPr>
+            <a:r>
+              <a:rPr lang="en-US" sz="1800" b="1"/>
+              <a:t>family-name</a:t>
+            </a:r>
+            <a:r>
+              <a:rPr lang="en-US" sz="1800"/>
+              <a:t>		The family name (last name in western cultures)</a:t>
+            </a:r>
+          </a:p>
+        </p:txBody>
+      </p:sp>
+      <p:sp>
+        <p:nvSpPr>
+          <p:cNvPr id="4" name="Slide Number Placeholder 3">
             <a:extLst>
               <a:ext uri="{FF2B5EF4-FFF2-40B4-BE49-F238E27FC236}">
-                <a16:creationId xmlns:a16="http://schemas.microsoft.com/office/drawing/2014/main" id="{844A3DC5-46BF-4BFF-8008-98FD467C4904}"/>
+                <a16:creationId xmlns:a16="http://schemas.microsoft.com/office/drawing/2014/main" id="{3EDF4AED-A4E9-4B21-B8A9-09CB06BB05C1}"/>
               </a:ext>
             </a:extLst>
           </p:cNvPr>
-          <p:cNvSpPr>
-            <a:spLocks noGrp="1"/>
-          </p:cNvSpPr>
-          <p:nvPr>
-            <p:ph idx="1"/>
-          </p:nvPr>
-        </p:nvSpPr>
-        <p:spPr>
-          <a:xfrm>
-            <a:off x="1066800" y="1803400"/>
-            <a:ext cx="10058400" cy="2849339"/>
-          </a:xfrm>
-        </p:spPr>
-        <p:txBody>
-          <a:bodyPr>
-            <a:noAutofit/>
-          </a:bodyPr>
-          <a:lstStyle/>
-          <a:p>
-            <a:pPr marL="0" indent="0">
-              <a:buNone/>
-            </a:pPr>
-            <a:r>
-              <a:rPr lang="en-US" sz="1800" dirty="0">
-                <a:cs typeface="Arial" panose="020B0604020202020204" pitchFamily="34" charset="0"/>
-              </a:rPr>
-              <a:t>CSS Part 1:</a:t>
-            </a:r>
-          </a:p>
-          <a:p>
-            <a:pPr indent="0">
-              <a:buNone/>
-            </a:pPr>
-            <a:r>
-              <a:rPr lang="en-US" sz="1100" dirty="0">
-                <a:latin typeface="Consolas" panose="020B0609020204030204" pitchFamily="49" charset="0"/>
-              </a:rPr>
-              <a:t>&lt;style&gt;</a:t>
-            </a:r>
-          </a:p>
-          <a:p>
-            <a:pPr indent="0">
-              <a:buNone/>
-            </a:pPr>
-            <a:r>
-              <a:rPr lang="en-US" sz="1100" dirty="0">
-                <a:latin typeface="Consolas" panose="020B0609020204030204" pitchFamily="49" charset="0"/>
-              </a:rPr>
-              <a:t>  body {font-family: Arial, Helvetica, sans-serif;}</a:t>
-            </a:r>
-          </a:p>
-          <a:p>
-            <a:pPr indent="0">
-              <a:buNone/>
-            </a:pPr>
-            <a:r>
-              <a:rPr lang="en-US" sz="1100" dirty="0">
-                <a:latin typeface="Consolas" panose="020B0609020204030204" pitchFamily="49" charset="0"/>
-              </a:rPr>
-              <a:t>  * {box-sizing: border-box;}</a:t>
-            </a:r>
-          </a:p>
-          <a:p>
-            <a:pPr indent="0">
-              <a:buNone/>
-            </a:pPr>
-            <a:endParaRPr lang="en-US" sz="1100" dirty="0">
-              <a:latin typeface="Consolas" panose="020B0609020204030204" pitchFamily="49" charset="0"/>
-            </a:endParaRPr>
-          </a:p>
-          <a:p>
-            <a:pPr indent="0">
-              <a:buNone/>
-            </a:pPr>
-            <a:r>
-              <a:rPr lang="en-US" sz="1100" dirty="0">
-                <a:latin typeface="Consolas" panose="020B0609020204030204" pitchFamily="49" charset="0"/>
-              </a:rPr>
-              <a:t>  input[type=text], select, textarea {</a:t>
-            </a:r>
-          </a:p>
-          <a:p>
-            <a:pPr indent="0">
-              <a:buNone/>
-            </a:pPr>
-            <a:r>
-              <a:rPr lang="en-US" sz="1100" dirty="0">
-                <a:latin typeface="Consolas" panose="020B0609020204030204" pitchFamily="49" charset="0"/>
-              </a:rPr>
-              <a:t>      width: 100%;</a:t>
-            </a:r>
-          </a:p>
-          <a:p>
-            <a:pPr indent="0">
-              <a:buNone/>
-            </a:pPr>
-            <a:r>
-              <a:rPr lang="en-US" sz="1100" dirty="0">
-                <a:latin typeface="Consolas" panose="020B0609020204030204" pitchFamily="49" charset="0"/>
-              </a:rPr>
-              <a:t>      padding: 12px;</a:t>
-            </a:r>
-          </a:p>
-          <a:p>
-            <a:pPr indent="0">
-              <a:buNone/>
-            </a:pPr>
-            <a:r>
-              <a:rPr lang="en-US" sz="1100" dirty="0">
-                <a:latin typeface="Consolas" panose="020B0609020204030204" pitchFamily="49" charset="0"/>
-              </a:rPr>
-              <a:t>      border: 1px solid #ccc;</a:t>
-            </a:r>
-          </a:p>
-          <a:p>
-            <a:pPr indent="0">
-              <a:buNone/>
-            </a:pPr>
-            <a:r>
-              <a:rPr lang="en-US" sz="1100" dirty="0">
-                <a:latin typeface="Consolas" panose="020B0609020204030204" pitchFamily="49" charset="0"/>
-              </a:rPr>
-              <a:t>      border-radius: 4px;</a:t>
-            </a:r>
-          </a:p>
-          <a:p>
-            <a:pPr indent="0">
-              <a:buNone/>
-            </a:pPr>
-            <a:r>
-              <a:rPr lang="en-US" sz="1100" dirty="0">
-                <a:latin typeface="Consolas" panose="020B0609020204030204" pitchFamily="49" charset="0"/>
-              </a:rPr>
-              <a:t>      box-sizing: border-box;</a:t>
-            </a:r>
-          </a:p>
-          <a:p>
-            <a:pPr indent="0">
-              <a:buNone/>
-            </a:pPr>
-            <a:r>
-              <a:rPr lang="en-US" sz="1100" dirty="0">
-                <a:latin typeface="Consolas" panose="020B0609020204030204" pitchFamily="49" charset="0"/>
-              </a:rPr>
-              <a:t>      margin-top: 6px;</a:t>
-            </a:r>
-          </a:p>
-          <a:p>
-            <a:pPr indent="0">
-              <a:buNone/>
-            </a:pPr>
-            <a:r>
-              <a:rPr lang="en-US" sz="1100" dirty="0">
-                <a:latin typeface="Consolas" panose="020B0609020204030204" pitchFamily="49" charset="0"/>
-              </a:rPr>
-              <a:t>      margin-bottom: 16px;</a:t>
-            </a:r>
-          </a:p>
-          <a:p>
-            <a:pPr indent="0">
-              <a:buNone/>
-            </a:pPr>
-            <a:r>
-              <a:rPr lang="en-US" sz="1100" dirty="0">
-                <a:latin typeface="Consolas" panose="020B0609020204030204" pitchFamily="49" charset="0"/>
-              </a:rPr>
-              <a:t>      resize: vertical;</a:t>
-            </a:r>
-          </a:p>
-          <a:p>
-            <a:pPr indent="0">
-              <a:buNone/>
-            </a:pPr>
-            <a:r>
-              <a:rPr lang="en-US" sz="1100" dirty="0">
-                <a:latin typeface="Consolas" panose="020B0609020204030204" pitchFamily="49" charset="0"/>
-              </a:rPr>
-              <a:t>  }</a:t>
-            </a:r>
-          </a:p>
-        </p:txBody>
-      </p:sp>
-      <p:sp>
-        <p:nvSpPr>
-          <p:cNvPr id="6" name="Slide Number Placeholder 5"/>
           <p:cNvSpPr>
             <a:spLocks noGrp="1"/>
           </p:cNvSpPr>
@@ -13121,7 +17567,7 @@
     </p:spTree>
     <p:extLst>
       <p:ext uri="{BB962C8B-B14F-4D97-AF65-F5344CB8AC3E}">
-        <p14:creationId xmlns:p14="http://schemas.microsoft.com/office/powerpoint/2010/main" val="702269583"/>
+        <p14:creationId xmlns:p14="http://schemas.microsoft.com/office/powerpoint/2010/main" val="563892486"/>
       </p:ext>
     </p:extLst>
   </p:cSld>
@@ -13308,7 +17754,7 @@
           <p:cNvPr id="2" name="Title 1">
             <a:extLst>
               <a:ext uri="{FF2B5EF4-FFF2-40B4-BE49-F238E27FC236}">
-                <a16:creationId xmlns:a16="http://schemas.microsoft.com/office/drawing/2014/main" id="{BDFAC13C-59B1-436E-B58F-C304E1C705CF}"/>
+                <a16:creationId xmlns:a16="http://schemas.microsoft.com/office/drawing/2014/main" id="{A0964F02-8B79-4A4E-B0A9-ACEC24E31C5F}"/>
               </a:ext>
             </a:extLst>
           </p:cNvPr>
@@ -13319,10 +17765,40 @@
             <p:ph type="title"/>
           </p:nvPr>
         </p:nvSpPr>
+        <p:spPr/>
+        <p:txBody>
+          <a:bodyPr/>
+          <a:lstStyle/>
+          <a:p>
+            <a:r>
+              <a:rPr lang="en-US" u="sng">
+                <a:latin typeface="Consolas" panose="020B0609020204030204" pitchFamily="49" charset="0"/>
+              </a:rPr>
+              <a:t>autocomplete=...</a:t>
+            </a:r>
+          </a:p>
+        </p:txBody>
+      </p:sp>
+      <p:sp>
+        <p:nvSpPr>
+          <p:cNvPr id="3" name="Content Placeholder 2">
+            <a:extLst>
+              <a:ext uri="{FF2B5EF4-FFF2-40B4-BE49-F238E27FC236}">
+                <a16:creationId xmlns:a16="http://schemas.microsoft.com/office/drawing/2014/main" id="{31514E86-4FE7-4581-AB03-4B4A22640F0A}"/>
+              </a:ext>
+            </a:extLst>
+          </p:cNvPr>
+          <p:cNvSpPr>
+            <a:spLocks noGrp="1"/>
+          </p:cNvSpPr>
+          <p:nvPr>
+            <p:ph idx="1"/>
+          </p:nvPr>
+        </p:nvSpPr>
         <p:spPr>
           <a:xfrm>
-            <a:off x="664233" y="733579"/>
-            <a:ext cx="7810900" cy="1371600"/>
+            <a:off x="1066800" y="1911720"/>
+            <a:ext cx="10058400" cy="4303685"/>
           </a:xfrm>
         </p:spPr>
         <p:txBody>
@@ -13331,185 +17807,229 @@
           </a:bodyPr>
           <a:lstStyle/>
           <a:p>
-            <a:r>
-              <a:rPr lang="en-US" u="sng" dirty="0"/>
-              <a:t>HTML Form Example</a:t>
-            </a:r>
-          </a:p>
-        </p:txBody>
-      </p:sp>
-      <p:sp>
-        <p:nvSpPr>
-          <p:cNvPr id="3" name="Content Placeholder 2">
+            <a:pPr marL="0" indent="0">
+              <a:lnSpc>
+                <a:spcPct val="120000"/>
+              </a:lnSpc>
+              <a:spcBef>
+                <a:spcPts val="0"/>
+              </a:spcBef>
+              <a:buNone/>
+            </a:pPr>
+            <a:r>
+              <a:rPr lang="en-US" sz="1800" b="1" u="sng">
+                <a:cs typeface="Arial" panose="020B0604020202020204" pitchFamily="34" charset="0"/>
+              </a:rPr>
+              <a:t>Value			Description			</a:t>
+            </a:r>
+          </a:p>
+          <a:p>
+            <a:pPr marL="0" indent="0">
+              <a:lnSpc>
+                <a:spcPct val="120000"/>
+              </a:lnSpc>
+              <a:spcBef>
+                <a:spcPts val="0"/>
+              </a:spcBef>
+              <a:buNone/>
+            </a:pPr>
+            <a:r>
+              <a:rPr lang="en-US" sz="1800" b="1"/>
+              <a:t>email</a:t>
+            </a:r>
+            <a:r>
+              <a:rPr lang="en-US" sz="1800"/>
+              <a:t>			An email address</a:t>
+            </a:r>
+          </a:p>
+          <a:p>
+            <a:pPr marL="0" indent="0">
+              <a:lnSpc>
+                <a:spcPct val="120000"/>
+              </a:lnSpc>
+              <a:spcBef>
+                <a:spcPts val="0"/>
+              </a:spcBef>
+              <a:buNone/>
+            </a:pPr>
+            <a:r>
+              <a:rPr lang="en-US" sz="1800" b="1"/>
+              <a:t>username</a:t>
+            </a:r>
+            <a:r>
+              <a:rPr lang="en-US" sz="1800"/>
+              <a:t>		A username or account name</a:t>
+            </a:r>
+          </a:p>
+          <a:p>
+            <a:pPr marL="0" indent="0">
+              <a:lnSpc>
+                <a:spcPct val="120000"/>
+              </a:lnSpc>
+              <a:spcBef>
+                <a:spcPts val="0"/>
+              </a:spcBef>
+              <a:buNone/>
+            </a:pPr>
+            <a:r>
+              <a:rPr lang="en-US" sz="1800" b="1"/>
+              <a:t>current-password</a:t>
+            </a:r>
+            <a:r>
+              <a:rPr lang="en-US" sz="1800"/>
+              <a:t>	The user's current password</a:t>
+            </a:r>
+          </a:p>
+          <a:p>
+            <a:pPr marL="0" indent="0">
+              <a:lnSpc>
+                <a:spcPct val="120000"/>
+              </a:lnSpc>
+              <a:spcBef>
+                <a:spcPts val="0"/>
+              </a:spcBef>
+              <a:buNone/>
+            </a:pPr>
+            <a:r>
+              <a:rPr lang="en-US" sz="1800" b="1"/>
+              <a:t>new-password</a:t>
+            </a:r>
+            <a:r>
+              <a:rPr lang="en-US" sz="1800"/>
+              <a:t>		A new password</a:t>
+            </a:r>
+          </a:p>
+          <a:p>
+            <a:pPr marL="0" indent="0">
+              <a:lnSpc>
+                <a:spcPct val="120000"/>
+              </a:lnSpc>
+              <a:spcBef>
+                <a:spcPts val="0"/>
+              </a:spcBef>
+              <a:buNone/>
+            </a:pPr>
+            <a:r>
+              <a:rPr lang="en-US" sz="1800" b="1"/>
+              <a:t>one-time-code</a:t>
+            </a:r>
+            <a:r>
+              <a:rPr lang="en-US" sz="1800"/>
+              <a:t>		A one-time code used to verify the user's identity</a:t>
+            </a:r>
+          </a:p>
+          <a:p>
+            <a:pPr marL="0" indent="0">
+              <a:lnSpc>
+                <a:spcPct val="120000"/>
+              </a:lnSpc>
+              <a:spcBef>
+                <a:spcPts val="0"/>
+              </a:spcBef>
+              <a:buNone/>
+            </a:pPr>
+            <a:r>
+              <a:rPr lang="en-US" sz="1800"/>
+              <a:t>			</a:t>
+            </a:r>
+          </a:p>
+          <a:p>
+            <a:pPr marL="0" indent="0">
+              <a:lnSpc>
+                <a:spcPct val="120000"/>
+              </a:lnSpc>
+              <a:spcBef>
+                <a:spcPts val="0"/>
+              </a:spcBef>
+              <a:buNone/>
+            </a:pPr>
+            <a:r>
+              <a:rPr lang="en-US" sz="1800">
+                <a:highlight>
+                  <a:srgbClr val="FCF7F1"/>
+                </a:highlight>
+              </a:rPr>
+              <a:t>When creating a new account or changing passwords, </a:t>
+            </a:r>
+            <a:r>
+              <a:rPr lang="en-US" sz="1800" b="1">
+                <a:highlight>
+                  <a:srgbClr val="FCF7F1"/>
+                </a:highlight>
+              </a:rPr>
+              <a:t>"new-password"</a:t>
+            </a:r>
+            <a:r>
+              <a:rPr lang="en-US" sz="1800">
+                <a:highlight>
+                  <a:srgbClr val="FCF7F1"/>
+                </a:highlight>
+              </a:rPr>
+              <a:t> should be used for the </a:t>
+            </a:r>
+            <a:r>
+              <a:rPr lang="en-US" sz="1800" b="1">
+                <a:highlight>
+                  <a:srgbClr val="FCF7F1"/>
+                </a:highlight>
+              </a:rPr>
+              <a:t>"Enter your new password"</a:t>
+            </a:r>
+            <a:r>
+              <a:rPr lang="en-US" sz="1800">
+                <a:highlight>
+                  <a:srgbClr val="FCF7F1"/>
+                </a:highlight>
+              </a:rPr>
+              <a:t> and </a:t>
+            </a:r>
+            <a:r>
+              <a:rPr lang="en-US" sz="1800" b="1">
+                <a:highlight>
+                  <a:srgbClr val="FCF7F1"/>
+                </a:highlight>
+              </a:rPr>
+              <a:t>"Confirm new password"</a:t>
+            </a:r>
+            <a:r>
+              <a:rPr lang="en-US" sz="1800">
+                <a:highlight>
+                  <a:srgbClr val="FCF7F1"/>
+                </a:highlight>
+              </a:rPr>
+              <a:t> fields. </a:t>
+            </a:r>
+          </a:p>
+          <a:p>
+            <a:pPr marL="0" indent="0">
+              <a:lnSpc>
+                <a:spcPct val="120000"/>
+              </a:lnSpc>
+              <a:spcBef>
+                <a:spcPts val="0"/>
+              </a:spcBef>
+              <a:buNone/>
+            </a:pPr>
+            <a:r>
+              <a:rPr lang="en-US" sz="1800">
+                <a:highlight>
+                  <a:srgbClr val="FCF7F1"/>
+                </a:highlight>
+              </a:rPr>
+              <a:t>This may be used by the browser to avoid accidently filling an existing password and to suggest a randomized secure password.</a:t>
+            </a:r>
+          </a:p>
+        </p:txBody>
+      </p:sp>
+      <p:sp>
+        <p:nvSpPr>
+          <p:cNvPr id="4" name="Slide Number Placeholder 3">
             <a:extLst>
               <a:ext uri="{FF2B5EF4-FFF2-40B4-BE49-F238E27FC236}">
-                <a16:creationId xmlns:a16="http://schemas.microsoft.com/office/drawing/2014/main" id="{844A3DC5-46BF-4BFF-8008-98FD467C4904}"/>
+                <a16:creationId xmlns:a16="http://schemas.microsoft.com/office/drawing/2014/main" id="{3EDF4AED-A4E9-4B21-B8A9-09CB06BB05C1}"/>
               </a:ext>
             </a:extLst>
           </p:cNvPr>
-          <p:cNvSpPr>
-            <a:spLocks noGrp="1"/>
-          </p:cNvSpPr>
-          <p:nvPr>
-            <p:ph idx="1"/>
-          </p:nvPr>
-        </p:nvSpPr>
-        <p:spPr>
-          <a:xfrm>
-            <a:off x="1066800" y="1803400"/>
-            <a:ext cx="10058400" cy="2849339"/>
-          </a:xfrm>
-        </p:spPr>
-        <p:txBody>
-          <a:bodyPr>
-            <a:noAutofit/>
-          </a:bodyPr>
-          <a:lstStyle/>
-          <a:p>
-            <a:pPr marL="0" indent="0">
-              <a:buNone/>
-            </a:pPr>
-            <a:r>
-              <a:rPr lang="en-US" sz="1800" dirty="0">
-                <a:cs typeface="Arial" panose="020B0604020202020204" pitchFamily="34" charset="0"/>
-              </a:rPr>
-              <a:t>CSS Part 2:</a:t>
-            </a:r>
-          </a:p>
-          <a:p>
-            <a:pPr indent="0">
-              <a:buNone/>
-            </a:pPr>
-            <a:r>
-              <a:rPr lang="en-US" sz="1100" dirty="0">
-                <a:latin typeface="Consolas" panose="020B0609020204030204" pitchFamily="49" charset="0"/>
-              </a:rPr>
-              <a:t>input[type=submit] {</a:t>
-            </a:r>
-          </a:p>
-          <a:p>
-            <a:pPr indent="0">
-              <a:buNone/>
-            </a:pPr>
-            <a:r>
-              <a:rPr lang="en-US" sz="1100" dirty="0">
-                <a:latin typeface="Consolas" panose="020B0609020204030204" pitchFamily="49" charset="0"/>
-              </a:rPr>
-              <a:t>  background-color: #4CAF50;</a:t>
-            </a:r>
-          </a:p>
-          <a:p>
-            <a:pPr indent="0">
-              <a:buNone/>
-            </a:pPr>
-            <a:r>
-              <a:rPr lang="en-US" sz="1100" dirty="0">
-                <a:latin typeface="Consolas" panose="020B0609020204030204" pitchFamily="49" charset="0"/>
-              </a:rPr>
-              <a:t>    color: white;</a:t>
-            </a:r>
-          </a:p>
-          <a:p>
-            <a:pPr indent="0">
-              <a:buNone/>
-            </a:pPr>
-            <a:r>
-              <a:rPr lang="en-US" sz="1100" dirty="0">
-                <a:latin typeface="Consolas" panose="020B0609020204030204" pitchFamily="49" charset="0"/>
-              </a:rPr>
-              <a:t>    padding: 12px 20px;</a:t>
-            </a:r>
-          </a:p>
-          <a:p>
-            <a:pPr indent="0">
-              <a:buNone/>
-            </a:pPr>
-            <a:r>
-              <a:rPr lang="en-US" sz="1100" dirty="0">
-                <a:latin typeface="Consolas" panose="020B0609020204030204" pitchFamily="49" charset="0"/>
-              </a:rPr>
-              <a:t>    border: none;</a:t>
-            </a:r>
-          </a:p>
-          <a:p>
-            <a:pPr indent="0">
-              <a:buNone/>
-            </a:pPr>
-            <a:r>
-              <a:rPr lang="en-US" sz="1100" dirty="0">
-                <a:latin typeface="Consolas" panose="020B0609020204030204" pitchFamily="49" charset="0"/>
-              </a:rPr>
-              <a:t>    border-radius: 4px;</a:t>
-            </a:r>
-          </a:p>
-          <a:p>
-            <a:pPr indent="0">
-              <a:buNone/>
-            </a:pPr>
-            <a:r>
-              <a:rPr lang="en-US" sz="1100" dirty="0">
-                <a:latin typeface="Consolas" panose="020B0609020204030204" pitchFamily="49" charset="0"/>
-              </a:rPr>
-              <a:t>    cursor: pointer;</a:t>
-            </a:r>
-          </a:p>
-          <a:p>
-            <a:pPr indent="0">
-              <a:buNone/>
-            </a:pPr>
-            <a:r>
-              <a:rPr lang="en-US" sz="1100" dirty="0">
-                <a:latin typeface="Consolas" panose="020B0609020204030204" pitchFamily="49" charset="0"/>
-              </a:rPr>
-              <a:t>}</a:t>
-            </a:r>
-          </a:p>
-          <a:p>
-            <a:pPr indent="0">
-              <a:buNone/>
-            </a:pPr>
-            <a:endParaRPr lang="en-US" sz="1100" dirty="0">
-              <a:latin typeface="Consolas" panose="020B0609020204030204" pitchFamily="49" charset="0"/>
-            </a:endParaRPr>
-          </a:p>
-          <a:p>
-            <a:pPr indent="0">
-              <a:buNone/>
-            </a:pPr>
-            <a:r>
-              <a:rPr lang="en-US" sz="1100" dirty="0">
-                <a:latin typeface="Consolas" panose="020B0609020204030204" pitchFamily="49" charset="0"/>
-              </a:rPr>
-              <a:t>input[type=submit]:hover {</a:t>
-            </a:r>
-          </a:p>
-          <a:p>
-            <a:pPr indent="0">
-              <a:buNone/>
-            </a:pPr>
-            <a:r>
-              <a:rPr lang="en-US" sz="1100" dirty="0">
-                <a:latin typeface="Consolas" panose="020B0609020204030204" pitchFamily="49" charset="0"/>
-              </a:rPr>
-              <a:t>  background-color: #45a049;</a:t>
-            </a:r>
-          </a:p>
-          <a:p>
-            <a:pPr indent="0">
-              <a:buNone/>
-            </a:pPr>
-            <a:r>
-              <a:rPr lang="en-US" sz="1100" dirty="0">
-                <a:latin typeface="Consolas" panose="020B0609020204030204" pitchFamily="49" charset="0"/>
-              </a:rPr>
-              <a:t>}</a:t>
-            </a:r>
-          </a:p>
-        </p:txBody>
-      </p:sp>
-      <p:sp>
-        <p:nvSpPr>
-          <p:cNvPr id="6" name="Slide Number Placeholder 5"/>
           <p:cNvSpPr>
             <a:spLocks noGrp="1"/>
           </p:cNvSpPr>
@@ -13533,7 +18053,7 @@
     </p:spTree>
     <p:extLst>
       <p:ext uri="{BB962C8B-B14F-4D97-AF65-F5344CB8AC3E}">
-        <p14:creationId xmlns:p14="http://schemas.microsoft.com/office/powerpoint/2010/main" val="230329818"/>
+        <p14:creationId xmlns:p14="http://schemas.microsoft.com/office/powerpoint/2010/main" val="57020193"/>
       </p:ext>
     </p:extLst>
   </p:cSld>
@@ -13565,7 +18085,7 @@
           <p:cNvPr id="2" name="Title 1">
             <a:extLst>
               <a:ext uri="{FF2B5EF4-FFF2-40B4-BE49-F238E27FC236}">
-                <a16:creationId xmlns:a16="http://schemas.microsoft.com/office/drawing/2014/main" id="{BDFAC13C-59B1-436E-B58F-C304E1C705CF}"/>
+                <a16:creationId xmlns:a16="http://schemas.microsoft.com/office/drawing/2014/main" id="{A0964F02-8B79-4A4E-B0A9-ACEC24E31C5F}"/>
               </a:ext>
             </a:extLst>
           </p:cNvPr>
@@ -13576,10 +18096,40 @@
             <p:ph type="title"/>
           </p:nvPr>
         </p:nvSpPr>
+        <p:spPr/>
+        <p:txBody>
+          <a:bodyPr/>
+          <a:lstStyle/>
+          <a:p>
+            <a:r>
+              <a:rPr lang="en-US" u="sng">
+                <a:latin typeface="Consolas" panose="020B0609020204030204" pitchFamily="49" charset="0"/>
+              </a:rPr>
+              <a:t>autocomplete=...</a:t>
+            </a:r>
+          </a:p>
+        </p:txBody>
+      </p:sp>
+      <p:sp>
+        <p:nvSpPr>
+          <p:cNvPr id="3" name="Content Placeholder 2">
+            <a:extLst>
+              <a:ext uri="{FF2B5EF4-FFF2-40B4-BE49-F238E27FC236}">
+                <a16:creationId xmlns:a16="http://schemas.microsoft.com/office/drawing/2014/main" id="{31514E86-4FE7-4581-AB03-4B4A22640F0A}"/>
+              </a:ext>
+            </a:extLst>
+          </p:cNvPr>
+          <p:cNvSpPr>
+            <a:spLocks noGrp="1"/>
+          </p:cNvSpPr>
+          <p:nvPr>
+            <p:ph idx="1"/>
+          </p:nvPr>
+        </p:nvSpPr>
         <p:spPr>
           <a:xfrm>
-            <a:off x="664233" y="733579"/>
-            <a:ext cx="7810900" cy="1371600"/>
+            <a:off x="1066799" y="1781386"/>
+            <a:ext cx="10752667" cy="4253653"/>
           </a:xfrm>
         </p:spPr>
         <p:txBody>
@@ -13588,122 +18138,258 @@
           </a:bodyPr>
           <a:lstStyle/>
           <a:p>
-            <a:r>
-              <a:rPr lang="en-US" u="sng" dirty="0"/>
-              <a:t>HTML Form Example</a:t>
-            </a:r>
-          </a:p>
-        </p:txBody>
-      </p:sp>
-      <p:sp>
-        <p:nvSpPr>
-          <p:cNvPr id="3" name="Content Placeholder 2">
+            <a:pPr marL="0" indent="0">
+              <a:lnSpc>
+                <a:spcPct val="120000"/>
+              </a:lnSpc>
+              <a:spcBef>
+                <a:spcPts val="0"/>
+              </a:spcBef>
+              <a:buNone/>
+            </a:pPr>
+            <a:r>
+              <a:rPr lang="en-US" sz="1800" b="1" u="sng">
+                <a:cs typeface="Arial" panose="020B0604020202020204" pitchFamily="34" charset="0"/>
+              </a:rPr>
+              <a:t>Value			Description			</a:t>
+            </a:r>
+          </a:p>
+          <a:p>
+            <a:pPr marL="0" indent="0">
+              <a:lnSpc>
+                <a:spcPct val="120000"/>
+              </a:lnSpc>
+              <a:spcBef>
+                <a:spcPts val="0"/>
+              </a:spcBef>
+              <a:buNone/>
+            </a:pPr>
+            <a:r>
+              <a:rPr lang="en-US" sz="1800" b="1"/>
+              <a:t>country</a:t>
+            </a:r>
+            <a:r>
+              <a:rPr lang="en-US" sz="1800"/>
+              <a:t>			A country code</a:t>
+            </a:r>
+          </a:p>
+          <a:p>
+            <a:pPr marL="0" indent="0">
+              <a:lnSpc>
+                <a:spcPct val="120000"/>
+              </a:lnSpc>
+              <a:spcBef>
+                <a:spcPts val="0"/>
+              </a:spcBef>
+              <a:buNone/>
+            </a:pPr>
+            <a:r>
+              <a:rPr lang="en-US" sz="1800" b="1"/>
+              <a:t>country-name</a:t>
+            </a:r>
+            <a:r>
+              <a:rPr lang="en-US" sz="1800"/>
+              <a:t>		A country name</a:t>
+            </a:r>
+          </a:p>
+          <a:p>
+            <a:pPr marL="0" indent="0">
+              <a:lnSpc>
+                <a:spcPct val="120000"/>
+              </a:lnSpc>
+              <a:spcBef>
+                <a:spcPts val="0"/>
+              </a:spcBef>
+              <a:buNone/>
+            </a:pPr>
+            <a:r>
+              <a:rPr lang="en-US" sz="1800" b="1"/>
+              <a:t>address-level1</a:t>
+            </a:r>
+            <a:r>
+              <a:rPr lang="en-US" sz="1800"/>
+              <a:t>		The first adminstrative level in the address. </a:t>
+            </a:r>
+          </a:p>
+          <a:p>
+            <a:pPr marL="0" indent="0">
+              <a:lnSpc>
+                <a:spcPct val="120000"/>
+              </a:lnSpc>
+              <a:spcBef>
+                <a:spcPts val="0"/>
+              </a:spcBef>
+              <a:buNone/>
+            </a:pPr>
+            <a:r>
+              <a:rPr lang="en-US" sz="1800"/>
+              <a:t>			This is typically the province in which the address is located. </a:t>
+            </a:r>
+          </a:p>
+          <a:p>
+            <a:pPr marL="0" indent="0">
+              <a:lnSpc>
+                <a:spcPct val="120000"/>
+              </a:lnSpc>
+              <a:spcBef>
+                <a:spcPts val="0"/>
+              </a:spcBef>
+              <a:buNone/>
+            </a:pPr>
+            <a:r>
+              <a:rPr lang="en-US" sz="1800"/>
+              <a:t>			</a:t>
+            </a:r>
+            <a:r>
+              <a:rPr lang="en-US" sz="1800">
+                <a:highlight>
+                  <a:srgbClr val="FCF7F1"/>
+                </a:highlight>
+              </a:rPr>
+              <a:t>In the United States, this would be the state. </a:t>
+            </a:r>
+            <a:r>
+              <a:rPr lang="en-US" sz="1800"/>
+              <a:t>In Switzerland, </a:t>
+            </a:r>
+          </a:p>
+          <a:p>
+            <a:pPr marL="0" indent="0">
+              <a:lnSpc>
+                <a:spcPct val="120000"/>
+              </a:lnSpc>
+              <a:spcBef>
+                <a:spcPts val="0"/>
+              </a:spcBef>
+              <a:buNone/>
+            </a:pPr>
+            <a:r>
+              <a:rPr lang="en-US" sz="1800"/>
+              <a:t>			the canton. In the United Kingdom, the post town.</a:t>
+            </a:r>
+          </a:p>
+          <a:p>
+            <a:pPr marL="0" indent="0">
+              <a:lnSpc>
+                <a:spcPct val="120000"/>
+              </a:lnSpc>
+              <a:spcBef>
+                <a:spcPts val="0"/>
+              </a:spcBef>
+              <a:buNone/>
+            </a:pPr>
+            <a:r>
+              <a:rPr lang="en-US" sz="1800" b="1"/>
+              <a:t>address-level2</a:t>
+            </a:r>
+            <a:r>
+              <a:rPr lang="en-US" sz="1800"/>
+              <a:t>		The second adminstrative level in the address. </a:t>
+            </a:r>
+          </a:p>
+          <a:p>
+            <a:pPr marL="0" indent="0">
+              <a:lnSpc>
+                <a:spcPct val="120000"/>
+              </a:lnSpc>
+              <a:spcBef>
+                <a:spcPts val="0"/>
+              </a:spcBef>
+              <a:buNone/>
+            </a:pPr>
+            <a:r>
+              <a:rPr lang="en-US" sz="1800"/>
+              <a:t>			</a:t>
+            </a:r>
+            <a:r>
+              <a:rPr lang="en-US" sz="1800">
+                <a:highlight>
+                  <a:srgbClr val="FCF7F1"/>
+                </a:highlight>
+              </a:rPr>
+              <a:t>This is typically the city, town, or village.</a:t>
+            </a:r>
+          </a:p>
+          <a:p>
+            <a:pPr marL="0" indent="0">
+              <a:lnSpc>
+                <a:spcPct val="120000"/>
+              </a:lnSpc>
+              <a:spcBef>
+                <a:spcPts val="0"/>
+              </a:spcBef>
+              <a:buNone/>
+            </a:pPr>
+            <a:r>
+              <a:rPr lang="en-US" sz="1800" b="1"/>
+              <a:t>address-line1</a:t>
+            </a:r>
+            <a:r>
+              <a:rPr lang="en-US" sz="1800"/>
+              <a:t>		The first line of the street address.</a:t>
+            </a:r>
+          </a:p>
+          <a:p>
+            <a:pPr marL="0" indent="0">
+              <a:lnSpc>
+                <a:spcPct val="120000"/>
+              </a:lnSpc>
+              <a:spcBef>
+                <a:spcPts val="0"/>
+              </a:spcBef>
+              <a:buNone/>
+            </a:pPr>
+            <a:r>
+              <a:rPr lang="en-US" sz="1800" b="1"/>
+              <a:t>address-line2</a:t>
+            </a:r>
+            <a:r>
+              <a:rPr lang="en-US" sz="1800"/>
+              <a:t>		The second line of the street address. (Apartment #, Studio #, PO Box)</a:t>
+            </a:r>
+          </a:p>
+          <a:p>
+            <a:pPr marL="0" indent="0">
+              <a:lnSpc>
+                <a:spcPct val="120000"/>
+              </a:lnSpc>
+              <a:spcBef>
+                <a:spcPts val="0"/>
+              </a:spcBef>
+              <a:buNone/>
+            </a:pPr>
+            <a:r>
+              <a:rPr lang="en-US" sz="1800" b="1"/>
+              <a:t>postal-code</a:t>
+            </a:r>
+            <a:r>
+              <a:rPr lang="en-US" sz="1800"/>
+              <a:t>		A postal code (in the United States, this is the ZIP code).</a:t>
+            </a:r>
+          </a:p>
+          <a:p>
+            <a:pPr marL="0" indent="0">
+              <a:lnSpc>
+                <a:spcPct val="120000"/>
+              </a:lnSpc>
+              <a:spcBef>
+                <a:spcPts val="0"/>
+              </a:spcBef>
+              <a:buNone/>
+            </a:pPr>
+            <a:endParaRPr lang="en-US" sz="1800"/>
+          </a:p>
+        </p:txBody>
+      </p:sp>
+      <p:sp>
+        <p:nvSpPr>
+          <p:cNvPr id="4" name="Slide Number Placeholder 3">
             <a:extLst>
               <a:ext uri="{FF2B5EF4-FFF2-40B4-BE49-F238E27FC236}">
-                <a16:creationId xmlns:a16="http://schemas.microsoft.com/office/drawing/2014/main" id="{844A3DC5-46BF-4BFF-8008-98FD467C4904}"/>
+                <a16:creationId xmlns:a16="http://schemas.microsoft.com/office/drawing/2014/main" id="{3EDF4AED-A4E9-4B21-B8A9-09CB06BB05C1}"/>
               </a:ext>
             </a:extLst>
           </p:cNvPr>
-          <p:cNvSpPr>
-            <a:spLocks noGrp="1"/>
-          </p:cNvSpPr>
-          <p:nvPr>
-            <p:ph idx="1"/>
-          </p:nvPr>
-        </p:nvSpPr>
-        <p:spPr>
-          <a:xfrm>
-            <a:off x="1066800" y="1803400"/>
-            <a:ext cx="10058400" cy="2849339"/>
-          </a:xfrm>
-        </p:spPr>
-        <p:txBody>
-          <a:bodyPr>
-            <a:noAutofit/>
-          </a:bodyPr>
-          <a:lstStyle/>
-          <a:p>
-            <a:pPr marL="0" indent="0">
-              <a:buNone/>
-            </a:pPr>
-            <a:r>
-              <a:rPr lang="en-US" sz="1800" dirty="0">
-                <a:cs typeface="Arial" panose="020B0604020202020204" pitchFamily="34" charset="0"/>
-              </a:rPr>
-              <a:t>CSS Part 3:</a:t>
-            </a:r>
-          </a:p>
-          <a:p>
-            <a:pPr indent="0">
-              <a:buNone/>
-            </a:pPr>
-            <a:r>
-              <a:rPr lang="en-US" sz="1100" dirty="0">
-                <a:latin typeface="Consolas" panose="020B0609020204030204" pitchFamily="49" charset="0"/>
-              </a:rPr>
-              <a:t>.container {</a:t>
-            </a:r>
-          </a:p>
-          <a:p>
-            <a:pPr indent="0">
-              <a:buNone/>
-            </a:pPr>
-            <a:r>
-              <a:rPr lang="en-US" sz="1100" dirty="0">
-                <a:latin typeface="Consolas" panose="020B0609020204030204" pitchFamily="49" charset="0"/>
-              </a:rPr>
-              <a:t>	  border-radius: 5px;</a:t>
-            </a:r>
-          </a:p>
-          <a:p>
-            <a:pPr indent="0">
-              <a:buNone/>
-            </a:pPr>
-            <a:r>
-              <a:rPr lang="en-US" sz="1100" dirty="0">
-                <a:latin typeface="Consolas" panose="020B0609020204030204" pitchFamily="49" charset="0"/>
-              </a:rPr>
-              <a:t>	  background-color: #f2f2f2;</a:t>
-            </a:r>
-          </a:p>
-          <a:p>
-            <a:pPr indent="0">
-              <a:buNone/>
-            </a:pPr>
-            <a:r>
-              <a:rPr lang="en-US" sz="1100" dirty="0">
-                <a:latin typeface="Consolas" panose="020B0609020204030204" pitchFamily="49" charset="0"/>
-              </a:rPr>
-              <a:t>	  padding: 20px;</a:t>
-            </a:r>
-          </a:p>
-          <a:p>
-            <a:pPr indent="0">
-              <a:buNone/>
-            </a:pPr>
-            <a:r>
-              <a:rPr lang="en-US" sz="1100" dirty="0">
-                <a:latin typeface="Consolas" panose="020B0609020204030204" pitchFamily="49" charset="0"/>
-              </a:rPr>
-              <a:t>	}</a:t>
-            </a:r>
-          </a:p>
-          <a:p>
-            <a:pPr indent="0">
-              <a:buNone/>
-            </a:pPr>
-            <a:r>
-              <a:rPr lang="en-US" sz="1100" dirty="0">
-                <a:latin typeface="Consolas" panose="020B0609020204030204" pitchFamily="49" charset="0"/>
-              </a:rPr>
-              <a:t>&lt;/style&gt;</a:t>
-            </a:r>
-          </a:p>
-        </p:txBody>
-      </p:sp>
-      <p:sp>
-        <p:nvSpPr>
-          <p:cNvPr id="6" name="Slide Number Placeholder 5"/>
           <p:cNvSpPr>
             <a:spLocks noGrp="1"/>
           </p:cNvSpPr>
@@ -13727,7 +18413,7 @@
     </p:spTree>
     <p:extLst>
       <p:ext uri="{BB962C8B-B14F-4D97-AF65-F5344CB8AC3E}">
-        <p14:creationId xmlns:p14="http://schemas.microsoft.com/office/powerpoint/2010/main" val="2290289765"/>
+        <p14:creationId xmlns:p14="http://schemas.microsoft.com/office/powerpoint/2010/main" val="571006235"/>
       </p:ext>
     </p:extLst>
   </p:cSld>
@@ -13759,7 +18445,7 @@
           <p:cNvPr id="2" name="Title 1">
             <a:extLst>
               <a:ext uri="{FF2B5EF4-FFF2-40B4-BE49-F238E27FC236}">
-                <a16:creationId xmlns:a16="http://schemas.microsoft.com/office/drawing/2014/main" id="{BDFAC13C-59B1-436E-B58F-C304E1C705CF}"/>
+                <a16:creationId xmlns:a16="http://schemas.microsoft.com/office/drawing/2014/main" id="{A0964F02-8B79-4A4E-B0A9-ACEC24E31C5F}"/>
               </a:ext>
             </a:extLst>
           </p:cNvPr>
@@ -13770,10 +18456,40 @@
             <p:ph type="title"/>
           </p:nvPr>
         </p:nvSpPr>
+        <p:spPr/>
+        <p:txBody>
+          <a:bodyPr/>
+          <a:lstStyle/>
+          <a:p>
+            <a:r>
+              <a:rPr lang="en-US" u="sng">
+                <a:latin typeface="Consolas" panose="020B0609020204030204" pitchFamily="49" charset="0"/>
+              </a:rPr>
+              <a:t>autocomplete=...</a:t>
+            </a:r>
+          </a:p>
+        </p:txBody>
+      </p:sp>
+      <p:sp>
+        <p:nvSpPr>
+          <p:cNvPr id="3" name="Content Placeholder 2">
+            <a:extLst>
+              <a:ext uri="{FF2B5EF4-FFF2-40B4-BE49-F238E27FC236}">
+                <a16:creationId xmlns:a16="http://schemas.microsoft.com/office/drawing/2014/main" id="{31514E86-4FE7-4581-AB03-4B4A22640F0A}"/>
+              </a:ext>
+            </a:extLst>
+          </p:cNvPr>
+          <p:cNvSpPr>
+            <a:spLocks noGrp="1"/>
+          </p:cNvSpPr>
+          <p:nvPr>
+            <p:ph idx="1"/>
+          </p:nvPr>
+        </p:nvSpPr>
         <p:spPr>
           <a:xfrm>
-            <a:off x="664233" y="733579"/>
-            <a:ext cx="7810900" cy="1371600"/>
+            <a:off x="1066799" y="1781386"/>
+            <a:ext cx="10752667" cy="4253653"/>
           </a:xfrm>
         </p:spPr>
         <p:txBody>
@@ -13782,144 +18498,185 @@
           </a:bodyPr>
           <a:lstStyle/>
           <a:p>
-            <a:r>
-              <a:rPr lang="en-US" u="sng" dirty="0"/>
-              <a:t>HTML Form Example</a:t>
-            </a:r>
-          </a:p>
-        </p:txBody>
-      </p:sp>
-      <p:sp>
-        <p:nvSpPr>
-          <p:cNvPr id="3" name="Content Placeholder 2">
+            <a:pPr marL="0" indent="0">
+              <a:lnSpc>
+                <a:spcPct val="120000"/>
+              </a:lnSpc>
+              <a:spcBef>
+                <a:spcPts val="0"/>
+              </a:spcBef>
+              <a:buNone/>
+            </a:pPr>
+            <a:r>
+              <a:rPr lang="en-US" sz="1800" b="1" u="sng">
+                <a:cs typeface="Arial" panose="020B0604020202020204" pitchFamily="34" charset="0"/>
+              </a:rPr>
+              <a:t>Value			Description			</a:t>
+            </a:r>
+          </a:p>
+          <a:p>
+            <a:pPr marL="0" indent="0">
+              <a:lnSpc>
+                <a:spcPct val="120000"/>
+              </a:lnSpc>
+              <a:spcBef>
+                <a:spcPts val="0"/>
+              </a:spcBef>
+              <a:buNone/>
+            </a:pPr>
+            <a:r>
+              <a:rPr lang="en-US" sz="1800" b="1"/>
+              <a:t>cc-number</a:t>
+            </a:r>
+            <a:r>
+              <a:rPr lang="en-US" sz="1800"/>
+              <a:t>		A credit card number.</a:t>
+            </a:r>
+          </a:p>
+          <a:p>
+            <a:pPr marL="0" indent="0">
+              <a:lnSpc>
+                <a:spcPct val="120000"/>
+              </a:lnSpc>
+              <a:spcBef>
+                <a:spcPts val="0"/>
+              </a:spcBef>
+              <a:buNone/>
+            </a:pPr>
+            <a:r>
+              <a:rPr lang="en-US" sz="1800" b="1"/>
+              <a:t>cc-exp</a:t>
+            </a:r>
+            <a:r>
+              <a:rPr lang="en-US" sz="1800"/>
+              <a:t>			The expiration date of the credit card. (MM/YY or MM/YYYY)</a:t>
+            </a:r>
+          </a:p>
+          <a:p>
+            <a:pPr marL="0" indent="0">
+              <a:lnSpc>
+                <a:spcPct val="120000"/>
+              </a:lnSpc>
+              <a:spcBef>
+                <a:spcPts val="0"/>
+              </a:spcBef>
+              <a:buNone/>
+            </a:pPr>
+            <a:r>
+              <a:rPr lang="en-US" sz="1800" b="1"/>
+              <a:t>cc-exp-month</a:t>
+            </a:r>
+            <a:r>
+              <a:rPr lang="en-US" sz="1800"/>
+              <a:t>		The month that the credit card expires.</a:t>
+            </a:r>
+          </a:p>
+          <a:p>
+            <a:pPr marL="0" indent="0">
+              <a:lnSpc>
+                <a:spcPct val="120000"/>
+              </a:lnSpc>
+              <a:spcBef>
+                <a:spcPts val="0"/>
+              </a:spcBef>
+              <a:buNone/>
+            </a:pPr>
+            <a:r>
+              <a:rPr lang="en-US" sz="1800" b="1"/>
+              <a:t>cc-exp-year</a:t>
+            </a:r>
+            <a:r>
+              <a:rPr lang="en-US" sz="1800"/>
+              <a:t>		The year that the credit card expires.</a:t>
+            </a:r>
+          </a:p>
+          <a:p>
+            <a:pPr marL="0" indent="0">
+              <a:lnSpc>
+                <a:spcPct val="120000"/>
+              </a:lnSpc>
+              <a:spcBef>
+                <a:spcPts val="0"/>
+              </a:spcBef>
+              <a:buNone/>
+            </a:pPr>
+            <a:r>
+              <a:rPr lang="en-US" sz="1800" b="1"/>
+              <a:t>cc-csc</a:t>
+            </a:r>
+            <a:r>
+              <a:rPr lang="en-US" sz="1800"/>
+              <a:t>			The security code for the credit card.</a:t>
+            </a:r>
+          </a:p>
+          <a:p>
+            <a:pPr marL="0" indent="0">
+              <a:lnSpc>
+                <a:spcPct val="120000"/>
+              </a:lnSpc>
+              <a:spcBef>
+                <a:spcPts val="0"/>
+              </a:spcBef>
+              <a:buNone/>
+            </a:pPr>
+            <a:r>
+              <a:rPr lang="en-US" sz="1800" b="1"/>
+              <a:t>cc-name</a:t>
+            </a:r>
+            <a:r>
+              <a:rPr lang="en-US" sz="1800"/>
+              <a:t>		The full name as printed on the credit card.</a:t>
+            </a:r>
+          </a:p>
+          <a:p>
+            <a:pPr marL="0" indent="0">
+              <a:lnSpc>
+                <a:spcPct val="120000"/>
+              </a:lnSpc>
+              <a:spcBef>
+                <a:spcPts val="0"/>
+              </a:spcBef>
+              <a:buNone/>
+            </a:pPr>
+            <a:r>
+              <a:rPr lang="en-US" sz="1800" b="1"/>
+              <a:t>transaction-currency</a:t>
+            </a:r>
+            <a:r>
+              <a:rPr lang="en-US" sz="1800"/>
+              <a:t>	The currency in which the transaction is to take place.</a:t>
+            </a:r>
+          </a:p>
+          <a:p>
+            <a:pPr marL="0" indent="0">
+              <a:lnSpc>
+                <a:spcPct val="120000"/>
+              </a:lnSpc>
+              <a:spcBef>
+                <a:spcPts val="0"/>
+              </a:spcBef>
+              <a:buNone/>
+            </a:pPr>
+            <a:r>
+              <a:rPr lang="en-US" sz="1800" b="1"/>
+              <a:t>transaction-amount</a:t>
+            </a:r>
+            <a:r>
+              <a:rPr lang="en-US" sz="1800"/>
+              <a:t>	The amount of the transaction.</a:t>
+            </a:r>
+          </a:p>
+        </p:txBody>
+      </p:sp>
+      <p:sp>
+        <p:nvSpPr>
+          <p:cNvPr id="4" name="Slide Number Placeholder 3">
             <a:extLst>
               <a:ext uri="{FF2B5EF4-FFF2-40B4-BE49-F238E27FC236}">
-                <a16:creationId xmlns:a16="http://schemas.microsoft.com/office/drawing/2014/main" id="{844A3DC5-46BF-4BFF-8008-98FD467C4904}"/>
+                <a16:creationId xmlns:a16="http://schemas.microsoft.com/office/drawing/2014/main" id="{3EDF4AED-A4E9-4B21-B8A9-09CB06BB05C1}"/>
               </a:ext>
             </a:extLst>
           </p:cNvPr>
-          <p:cNvSpPr>
-            <a:spLocks noGrp="1"/>
-          </p:cNvSpPr>
-          <p:nvPr>
-            <p:ph idx="1"/>
-          </p:nvPr>
-        </p:nvSpPr>
-        <p:spPr>
-          <a:xfrm>
-            <a:off x="1066800" y="1803400"/>
-            <a:ext cx="10058400" cy="2849339"/>
-          </a:xfrm>
-        </p:spPr>
-        <p:txBody>
-          <a:bodyPr>
-            <a:noAutofit/>
-          </a:bodyPr>
-          <a:lstStyle/>
-          <a:p>
-            <a:pPr marL="0" indent="0">
-              <a:buNone/>
-            </a:pPr>
-            <a:r>
-              <a:rPr lang="en-US" sz="1800" dirty="0">
-                <a:cs typeface="Arial" panose="020B0604020202020204" pitchFamily="34" charset="0"/>
-              </a:rPr>
-              <a:t>Body Code Part 1:</a:t>
-            </a:r>
-          </a:p>
-          <a:p>
-            <a:pPr indent="0">
-              <a:buNone/>
-            </a:pPr>
-            <a:r>
-              <a:rPr lang="en-US" sz="1100" dirty="0">
-                <a:latin typeface="Consolas" panose="020B0609020204030204" pitchFamily="49" charset="0"/>
-              </a:rPr>
-              <a:t>&lt;h3&gt;Contact Form&lt;/h3&gt;</a:t>
-            </a:r>
-          </a:p>
-          <a:p>
-            <a:pPr indent="0">
-              <a:buNone/>
-            </a:pPr>
-            <a:r>
-              <a:rPr lang="en-US" sz="1100" dirty="0">
-                <a:latin typeface="Consolas" panose="020B0609020204030204" pitchFamily="49" charset="0"/>
-              </a:rPr>
-              <a:t>&lt;div class="container"&gt;</a:t>
-            </a:r>
-          </a:p>
-          <a:p>
-            <a:pPr indent="0">
-              <a:buNone/>
-            </a:pPr>
-            <a:r>
-              <a:rPr lang="en-US" sz="1100" dirty="0">
-                <a:latin typeface="Consolas" panose="020B0609020204030204" pitchFamily="49" charset="0"/>
-              </a:rPr>
-              <a:t>  &lt;form action="/action_page.php"&gt;</a:t>
-            </a:r>
-          </a:p>
-          <a:p>
-            <a:pPr indent="0">
-              <a:buNone/>
-            </a:pPr>
-            <a:r>
-              <a:rPr lang="en-US" sz="1100" dirty="0">
-                <a:latin typeface="Consolas" panose="020B0609020204030204" pitchFamily="49" charset="0"/>
-              </a:rPr>
-              <a:t>    &lt;label for="fname"&gt;First Name&lt;/label&gt;</a:t>
-            </a:r>
-          </a:p>
-          <a:p>
-            <a:pPr indent="0">
-              <a:buNone/>
-            </a:pPr>
-            <a:r>
-              <a:rPr lang="en-US" sz="1100" dirty="0">
-                <a:latin typeface="Consolas" panose="020B0609020204030204" pitchFamily="49" charset="0"/>
-              </a:rPr>
-              <a:t>    &lt;input type="text" id="fname" name="firstname" placeholder="Your name.."&gt;</a:t>
-            </a:r>
-          </a:p>
-          <a:p>
-            <a:pPr indent="0">
-              <a:buNone/>
-            </a:pPr>
-            <a:r>
-              <a:rPr lang="en-US" sz="1100" dirty="0">
-                <a:latin typeface="Consolas" panose="020B0609020204030204" pitchFamily="49" charset="0"/>
-              </a:rPr>
-              <a:t>    &lt;label for="lname"&gt;Last Name&lt;/label&gt;</a:t>
-            </a:r>
-          </a:p>
-          <a:p>
-            <a:pPr indent="0">
-              <a:buNone/>
-            </a:pPr>
-            <a:r>
-              <a:rPr lang="en-US" sz="1100" dirty="0">
-                <a:latin typeface="Consolas" panose="020B0609020204030204" pitchFamily="49" charset="0"/>
-              </a:rPr>
-              <a:t>    &lt;input type="text" id="lname" name="lastname" placeholder="Your last name.."&gt;</a:t>
-            </a:r>
-          </a:p>
-          <a:p>
-            <a:pPr indent="0">
-              <a:buNone/>
-            </a:pPr>
-            <a:r>
-              <a:rPr lang="en-US" sz="1100" dirty="0">
-                <a:latin typeface="Consolas" panose="020B0609020204030204" pitchFamily="49" charset="0"/>
-              </a:rPr>
-              <a:t>    &lt;label for="country"&gt;Country&lt;/label&gt;</a:t>
-            </a:r>
-          </a:p>
-        </p:txBody>
-      </p:sp>
-      <p:sp>
-        <p:nvSpPr>
-          <p:cNvPr id="6" name="Slide Number Placeholder 5"/>
           <p:cNvSpPr>
             <a:spLocks noGrp="1"/>
           </p:cNvSpPr>
@@ -13943,7 +18700,7 @@
     </p:spTree>
     <p:extLst>
       <p:ext uri="{BB962C8B-B14F-4D97-AF65-F5344CB8AC3E}">
-        <p14:creationId xmlns:p14="http://schemas.microsoft.com/office/powerpoint/2010/main" val="77573620"/>
+        <p14:creationId xmlns:p14="http://schemas.microsoft.com/office/powerpoint/2010/main" val="734651065"/>
       </p:ext>
     </p:extLst>
   </p:cSld>
@@ -13975,7 +18732,7 @@
           <p:cNvPr id="2" name="Title 1">
             <a:extLst>
               <a:ext uri="{FF2B5EF4-FFF2-40B4-BE49-F238E27FC236}">
-                <a16:creationId xmlns:a16="http://schemas.microsoft.com/office/drawing/2014/main" id="{BDFAC13C-59B1-436E-B58F-C304E1C705CF}"/>
+                <a16:creationId xmlns:a16="http://schemas.microsoft.com/office/drawing/2014/main" id="{A0964F02-8B79-4A4E-B0A9-ACEC24E31C5F}"/>
               </a:ext>
             </a:extLst>
           </p:cNvPr>
@@ -13986,10 +18743,40 @@
             <p:ph type="title"/>
           </p:nvPr>
         </p:nvSpPr>
+        <p:spPr/>
+        <p:txBody>
+          <a:bodyPr/>
+          <a:lstStyle/>
+          <a:p>
+            <a:r>
+              <a:rPr lang="en-US" u="sng">
+                <a:latin typeface="Consolas" panose="020B0609020204030204" pitchFamily="49" charset="0"/>
+              </a:rPr>
+              <a:t>autocomplete=...</a:t>
+            </a:r>
+          </a:p>
+        </p:txBody>
+      </p:sp>
+      <p:sp>
+        <p:nvSpPr>
+          <p:cNvPr id="3" name="Content Placeholder 2">
+            <a:extLst>
+              <a:ext uri="{FF2B5EF4-FFF2-40B4-BE49-F238E27FC236}">
+                <a16:creationId xmlns:a16="http://schemas.microsoft.com/office/drawing/2014/main" id="{31514E86-4FE7-4581-AB03-4B4A22640F0A}"/>
+              </a:ext>
+            </a:extLst>
+          </p:cNvPr>
+          <p:cNvSpPr>
+            <a:spLocks noGrp="1"/>
+          </p:cNvSpPr>
+          <p:nvPr>
+            <p:ph idx="1"/>
+          </p:nvPr>
+        </p:nvSpPr>
         <p:spPr>
           <a:xfrm>
-            <a:off x="664233" y="733579"/>
-            <a:ext cx="7810900" cy="1371600"/>
+            <a:off x="1066799" y="1781386"/>
+            <a:ext cx="10752667" cy="4253653"/>
           </a:xfrm>
         </p:spPr>
         <p:txBody>
@@ -13998,166 +18785,162 @@
           </a:bodyPr>
           <a:lstStyle/>
           <a:p>
-            <a:r>
-              <a:rPr lang="en-US" u="sng" dirty="0"/>
-              <a:t>HTML Form Example</a:t>
-            </a:r>
-          </a:p>
-        </p:txBody>
-      </p:sp>
-      <p:sp>
-        <p:nvSpPr>
-          <p:cNvPr id="3" name="Content Placeholder 2">
+            <a:pPr marL="0" indent="0">
+              <a:lnSpc>
+                <a:spcPct val="120000"/>
+              </a:lnSpc>
+              <a:spcBef>
+                <a:spcPts val="0"/>
+              </a:spcBef>
+              <a:buNone/>
+            </a:pPr>
+            <a:r>
+              <a:rPr lang="en-US" sz="1800" b="1" u="sng">
+                <a:cs typeface="Arial" panose="020B0604020202020204" pitchFamily="34" charset="0"/>
+              </a:rPr>
+              <a:t>Value			Description			</a:t>
+            </a:r>
+          </a:p>
+          <a:p>
+            <a:pPr marL="0" indent="0">
+              <a:lnSpc>
+                <a:spcPct val="120000"/>
+              </a:lnSpc>
+              <a:spcBef>
+                <a:spcPts val="0"/>
+              </a:spcBef>
+              <a:buNone/>
+            </a:pPr>
+            <a:r>
+              <a:rPr lang="en-US" sz="1800" b="1"/>
+              <a:t>language</a:t>
+            </a:r>
+            <a:r>
+              <a:rPr lang="en-US" sz="1800"/>
+              <a:t>		A preferred language.</a:t>
+            </a:r>
+          </a:p>
+          <a:p>
+            <a:pPr marL="0" indent="0">
+              <a:lnSpc>
+                <a:spcPct val="120000"/>
+              </a:lnSpc>
+              <a:spcBef>
+                <a:spcPts val="0"/>
+              </a:spcBef>
+              <a:buNone/>
+            </a:pPr>
+            <a:r>
+              <a:rPr lang="en-US" sz="1800" b="1"/>
+              <a:t>bday</a:t>
+            </a:r>
+            <a:r>
+              <a:rPr lang="en-US" sz="1800"/>
+              <a:t>			A birth date, as a full date.</a:t>
+            </a:r>
+          </a:p>
+          <a:p>
+            <a:pPr marL="0" indent="0">
+              <a:lnSpc>
+                <a:spcPct val="120000"/>
+              </a:lnSpc>
+              <a:spcBef>
+                <a:spcPts val="0"/>
+              </a:spcBef>
+              <a:buNone/>
+            </a:pPr>
+            <a:r>
+              <a:rPr lang="en-US" sz="1800" b="1"/>
+              <a:t>sex</a:t>
+            </a:r>
+            <a:r>
+              <a:rPr lang="en-US" sz="1800"/>
+              <a:t>			A gender identity.</a:t>
+            </a:r>
+          </a:p>
+          <a:p>
+            <a:pPr marL="0" indent="0">
+              <a:lnSpc>
+                <a:spcPct val="120000"/>
+              </a:lnSpc>
+              <a:spcBef>
+                <a:spcPts val="0"/>
+              </a:spcBef>
+              <a:buNone/>
+            </a:pPr>
+            <a:r>
+              <a:rPr lang="en-US" sz="1800" b="1"/>
+              <a:t>tel</a:t>
+            </a:r>
+            <a:r>
+              <a:rPr lang="en-US" sz="1800"/>
+              <a:t>			A full telephone number, including the country code.</a:t>
+            </a:r>
+          </a:p>
+          <a:p>
+            <a:pPr marL="0" indent="0">
+              <a:lnSpc>
+                <a:spcPct val="120000"/>
+              </a:lnSpc>
+              <a:spcBef>
+                <a:spcPts val="0"/>
+              </a:spcBef>
+              <a:buNone/>
+            </a:pPr>
+            <a:r>
+              <a:rPr lang="en-US" sz="1800" b="1"/>
+              <a:t>url</a:t>
+            </a:r>
+            <a:r>
+              <a:rPr lang="en-US" sz="1800"/>
+              <a:t>			A URL, such as a home page or company web site.</a:t>
+            </a:r>
+          </a:p>
+          <a:p>
+            <a:pPr marL="0" indent="0">
+              <a:lnSpc>
+                <a:spcPct val="120000"/>
+              </a:lnSpc>
+              <a:spcBef>
+                <a:spcPts val="0"/>
+              </a:spcBef>
+              <a:buNone/>
+            </a:pPr>
+            <a:r>
+              <a:rPr lang="en-US" sz="1800" b="1"/>
+              <a:t>photo</a:t>
+            </a:r>
+            <a:r>
+              <a:rPr lang="en-US" sz="1800"/>
+              <a:t>			A URL to an image representing the persion, company, </a:t>
+            </a:r>
+          </a:p>
+          <a:p>
+            <a:pPr marL="0" indent="0">
+              <a:lnSpc>
+                <a:spcPct val="120000"/>
+              </a:lnSpc>
+              <a:spcBef>
+                <a:spcPts val="0"/>
+              </a:spcBef>
+              <a:buNone/>
+            </a:pPr>
+            <a:r>
+              <a:rPr lang="en-US" sz="1800"/>
+              <a:t>			or contact information given in the other fields in the form.</a:t>
+            </a:r>
+          </a:p>
+        </p:txBody>
+      </p:sp>
+      <p:sp>
+        <p:nvSpPr>
+          <p:cNvPr id="4" name="Slide Number Placeholder 3">
             <a:extLst>
               <a:ext uri="{FF2B5EF4-FFF2-40B4-BE49-F238E27FC236}">
-                <a16:creationId xmlns:a16="http://schemas.microsoft.com/office/drawing/2014/main" id="{844A3DC5-46BF-4BFF-8008-98FD467C4904}"/>
+                <a16:creationId xmlns:a16="http://schemas.microsoft.com/office/drawing/2014/main" id="{3EDF4AED-A4E9-4B21-B8A9-09CB06BB05C1}"/>
               </a:ext>
             </a:extLst>
           </p:cNvPr>
-          <p:cNvSpPr>
-            <a:spLocks noGrp="1"/>
-          </p:cNvSpPr>
-          <p:nvPr>
-            <p:ph idx="1"/>
-          </p:nvPr>
-        </p:nvSpPr>
-        <p:spPr>
-          <a:xfrm>
-            <a:off x="1066800" y="1803400"/>
-            <a:ext cx="10058400" cy="2849339"/>
-          </a:xfrm>
-        </p:spPr>
-        <p:txBody>
-          <a:bodyPr>
-            <a:noAutofit/>
-          </a:bodyPr>
-          <a:lstStyle/>
-          <a:p>
-            <a:pPr marL="0" indent="0">
-              <a:buNone/>
-            </a:pPr>
-            <a:r>
-              <a:rPr lang="en-US" sz="1800" dirty="0">
-                <a:cs typeface="Arial" panose="020B0604020202020204" pitchFamily="34" charset="0"/>
-              </a:rPr>
-              <a:t>Body Code Part 2:</a:t>
-            </a:r>
-          </a:p>
-          <a:p>
-            <a:pPr indent="0">
-              <a:buNone/>
-            </a:pPr>
-            <a:r>
-              <a:rPr lang="en-US" sz="1100" dirty="0">
-                <a:latin typeface="Consolas" panose="020B0609020204030204" pitchFamily="49" charset="0"/>
-              </a:rPr>
-              <a:t>&lt;select id="country" name="country"&gt;</a:t>
-            </a:r>
-          </a:p>
-          <a:p>
-            <a:pPr indent="0">
-              <a:buNone/>
-            </a:pPr>
-            <a:r>
-              <a:rPr lang="en-US" sz="1100" dirty="0">
-                <a:latin typeface="Consolas" panose="020B0609020204030204" pitchFamily="49" charset="0"/>
-              </a:rPr>
-              <a:t>    &lt;option value="australia"&gt;Australia&lt;/option&gt;</a:t>
-            </a:r>
-          </a:p>
-          <a:p>
-            <a:pPr indent="0">
-              <a:buNone/>
-            </a:pPr>
-            <a:r>
-              <a:rPr lang="en-US" sz="1100" dirty="0">
-                <a:latin typeface="Consolas" panose="020B0609020204030204" pitchFamily="49" charset="0"/>
-              </a:rPr>
-              <a:t>    &lt;option value="canada"&gt;Canada&lt;/option&gt;</a:t>
-            </a:r>
-          </a:p>
-          <a:p>
-            <a:pPr indent="0">
-              <a:buNone/>
-            </a:pPr>
-            <a:r>
-              <a:rPr lang="en-US" sz="1100" dirty="0">
-                <a:latin typeface="Consolas" panose="020B0609020204030204" pitchFamily="49" charset="0"/>
-              </a:rPr>
-              <a:t>    &lt;option value="usa"&gt;USA&lt;/option&gt;</a:t>
-            </a:r>
-          </a:p>
-          <a:p>
-            <a:pPr indent="0">
-              <a:buNone/>
-            </a:pPr>
-            <a:r>
-              <a:rPr lang="en-US" sz="1100" dirty="0">
-                <a:latin typeface="Consolas" panose="020B0609020204030204" pitchFamily="49" charset="0"/>
-              </a:rPr>
-              <a:t>  &lt;/select&gt;</a:t>
-            </a:r>
-          </a:p>
-          <a:p>
-            <a:pPr indent="0">
-              <a:buNone/>
-            </a:pPr>
-            <a:r>
-              <a:rPr lang="en-US" sz="1100" dirty="0">
-                <a:latin typeface="Consolas" panose="020B0609020204030204" pitchFamily="49" charset="0"/>
-              </a:rPr>
-              <a:t>  &lt;label for="subject"&gt;Subject&lt;/label&gt;</a:t>
-            </a:r>
-          </a:p>
-          <a:p>
-            <a:pPr indent="0">
-              <a:buNone/>
-            </a:pPr>
-            <a:r>
-              <a:rPr lang="en-US" sz="1100" dirty="0">
-                <a:latin typeface="Consolas" panose="020B0609020204030204" pitchFamily="49" charset="0"/>
-              </a:rPr>
-              <a:t>  &lt;textarea id="subject" name="subject" placeholder="Write something.." style="height:200px"&gt;&lt;/textarea&gt;</a:t>
-            </a:r>
-          </a:p>
-          <a:p>
-            <a:pPr indent="0">
-              <a:buNone/>
-            </a:pPr>
-            <a:r>
-              <a:rPr lang="en-US" sz="1100" dirty="0">
-                <a:latin typeface="Consolas" panose="020B0609020204030204" pitchFamily="49" charset="0"/>
-              </a:rPr>
-              <a:t>  &lt;input type="submit" value="Submit"&gt;</a:t>
-            </a:r>
-          </a:p>
-          <a:p>
-            <a:pPr indent="0">
-              <a:buNone/>
-            </a:pPr>
-            <a:r>
-              <a:rPr lang="en-US" sz="1100" dirty="0">
-                <a:latin typeface="Consolas" panose="020B0609020204030204" pitchFamily="49" charset="0"/>
-              </a:rPr>
-              <a:t>  &lt;/form&gt;</a:t>
-            </a:r>
-          </a:p>
-          <a:p>
-            <a:pPr indent="0">
-              <a:buNone/>
-            </a:pPr>
-            <a:r>
-              <a:rPr lang="en-US" sz="1100" dirty="0">
-                <a:latin typeface="Consolas" panose="020B0609020204030204" pitchFamily="49" charset="0"/>
-              </a:rPr>
-              <a:t>&lt;/div&gt;</a:t>
-            </a:r>
-          </a:p>
-        </p:txBody>
-      </p:sp>
-      <p:sp>
-        <p:nvSpPr>
-          <p:cNvPr id="6" name="Slide Number Placeholder 5"/>
           <p:cNvSpPr>
             <a:spLocks noGrp="1"/>
           </p:cNvSpPr>
@@ -14181,7 +18964,7 @@
     </p:spTree>
     <p:extLst>
       <p:ext uri="{BB962C8B-B14F-4D97-AF65-F5344CB8AC3E}">
-        <p14:creationId xmlns:p14="http://schemas.microsoft.com/office/powerpoint/2010/main" val="1670295028"/>
+        <p14:creationId xmlns:p14="http://schemas.microsoft.com/office/powerpoint/2010/main" val="4179565832"/>
       </p:ext>
     </p:extLst>
   </p:cSld>
@@ -14210,10 +18993,10 @@
       </p:grpSpPr>
       <p:sp>
         <p:nvSpPr>
-          <p:cNvPr id="2" name="Title 1">
+          <p:cNvPr id="5" name="Title 4">
             <a:extLst>
               <a:ext uri="{FF2B5EF4-FFF2-40B4-BE49-F238E27FC236}">
-                <a16:creationId xmlns:a16="http://schemas.microsoft.com/office/drawing/2014/main" id="{BDFAC13C-59B1-436E-B58F-C304E1C705CF}"/>
+                <a16:creationId xmlns:a16="http://schemas.microsoft.com/office/drawing/2014/main" id="{19920336-7909-426F-8081-AFA24B193F14}"/>
               </a:ext>
             </a:extLst>
           </p:cNvPr>
@@ -14224,28 +19007,55 @@
             <p:ph type="title"/>
           </p:nvPr>
         </p:nvSpPr>
-        <p:spPr>
-          <a:xfrm>
-            <a:off x="664233" y="733579"/>
-            <a:ext cx="7810900" cy="1371600"/>
-          </a:xfrm>
-        </p:spPr>
-        <p:txBody>
-          <a:bodyPr>
-            <a:normAutofit/>
-          </a:bodyPr>
+        <p:spPr/>
+        <p:txBody>
+          <a:bodyPr/>
           <a:lstStyle/>
           <a:p>
             <a:r>
-              <a:rPr lang="en-US" u="sng" dirty="0"/>
-              <a:t>HTML Form Example</a:t>
-            </a:r>
-          </a:p>
-        </p:txBody>
-      </p:sp>
-      <p:sp>
-        <p:nvSpPr>
-          <p:cNvPr id="6" name="Slide Number Placeholder 5"/>
+              <a:rPr lang="en-US" cap="none"/>
+              <a:t>Example Forms</a:t>
+            </a:r>
+          </a:p>
+        </p:txBody>
+      </p:sp>
+      <p:sp>
+        <p:nvSpPr>
+          <p:cNvPr id="6" name="Text Placeholder 5">
+            <a:extLst>
+              <a:ext uri="{FF2B5EF4-FFF2-40B4-BE49-F238E27FC236}">
+                <a16:creationId xmlns:a16="http://schemas.microsoft.com/office/drawing/2014/main" id="{DAE3D404-51E4-4D64-88D7-AFA22CFBA8F7}"/>
+              </a:ext>
+            </a:extLst>
+          </p:cNvPr>
+          <p:cNvSpPr>
+            <a:spLocks noGrp="1"/>
+          </p:cNvSpPr>
+          <p:nvPr>
+            <p:ph type="body" idx="1"/>
+          </p:nvPr>
+        </p:nvSpPr>
+        <p:spPr/>
+        <p:txBody>
+          <a:bodyPr/>
+          <a:lstStyle/>
+          <a:p>
+            <a:r>
+              <a:rPr lang="en-US"/>
+              <a:t>Let's build some forms!</a:t>
+            </a:r>
+          </a:p>
+        </p:txBody>
+      </p:sp>
+      <p:sp>
+        <p:nvSpPr>
+          <p:cNvPr id="4" name="Slide Number Placeholder 3">
+            <a:extLst>
+              <a:ext uri="{FF2B5EF4-FFF2-40B4-BE49-F238E27FC236}">
+                <a16:creationId xmlns:a16="http://schemas.microsoft.com/office/drawing/2014/main" id="{B3E58610-8DF0-4BC8-B28F-9775BE8BC83F}"/>
+              </a:ext>
+            </a:extLst>
+          </p:cNvPr>
           <p:cNvSpPr>
             <a:spLocks noGrp="1"/>
           </p:cNvSpPr>
@@ -14266,34 +19076,10 @@
           </a:p>
         </p:txBody>
       </p:sp>
-      <p:pic>
-        <p:nvPicPr>
-          <p:cNvPr id="5" name="Content Placeholder 4"/>
-          <p:cNvPicPr>
-            <a:picLocks noChangeAspect="1"/>
-          </p:cNvPicPr>
-          <p:nvPr/>
-        </p:nvPicPr>
-        <p:blipFill>
-          <a:blip r:embed="rId2"/>
-          <a:stretch>
-            <a:fillRect/>
-          </a:stretch>
-        </p:blipFill>
-        <p:spPr>
-          <a:xfrm>
-            <a:off x="3404959" y="1866582"/>
-            <a:ext cx="5619150" cy="4351338"/>
-          </a:xfrm>
-          <a:prstGeom prst="rect">
-            <a:avLst/>
-          </a:prstGeom>
-        </p:spPr>
-      </p:pic>
     </p:spTree>
     <p:extLst>
       <p:ext uri="{BB962C8B-B14F-4D97-AF65-F5344CB8AC3E}">
-        <p14:creationId xmlns:p14="http://schemas.microsoft.com/office/powerpoint/2010/main" val="543150488"/>
+        <p14:creationId xmlns:p14="http://schemas.microsoft.com/office/powerpoint/2010/main" val="492562823"/>
       </p:ext>
     </p:extLst>
   </p:cSld>
@@ -14322,10 +19108,10 @@
       </p:grpSpPr>
       <p:sp>
         <p:nvSpPr>
-          <p:cNvPr id="5" name="Title 4">
+          <p:cNvPr id="2" name="Title 1">
             <a:extLst>
               <a:ext uri="{FF2B5EF4-FFF2-40B4-BE49-F238E27FC236}">
-                <a16:creationId xmlns:a16="http://schemas.microsoft.com/office/drawing/2014/main" id="{19920336-7909-426F-8081-AFA24B193F14}"/>
+                <a16:creationId xmlns:a16="http://schemas.microsoft.com/office/drawing/2014/main" id="{BDFAC13C-59B1-436E-B58F-C304E1C705CF}"/>
               </a:ext>
             </a:extLst>
           </p:cNvPr>
@@ -14336,24 +19122,32 @@
             <p:ph type="title"/>
           </p:nvPr>
         </p:nvSpPr>
-        <p:spPr/>
-        <p:txBody>
-          <a:bodyPr/>
+        <p:spPr>
+          <a:xfrm>
+            <a:off x="1066800" y="642594"/>
+            <a:ext cx="4458511" cy="1371600"/>
+          </a:xfrm>
+        </p:spPr>
+        <p:txBody>
+          <a:bodyPr>
+            <a:normAutofit/>
+          </a:bodyPr>
           <a:lstStyle/>
           <a:p>
             <a:r>
-              <a:rPr lang="en-US" cap="none"/>
-              <a:t>Conclusion</a:t>
-            </a:r>
-          </a:p>
-        </p:txBody>
-      </p:sp>
-      <p:sp>
-        <p:nvSpPr>
-          <p:cNvPr id="6" name="Text Placeholder 5">
+              <a:rPr lang="en-US" u="sng"/>
+              <a:t>Example Form</a:t>
+            </a:r>
+            <a:endParaRPr lang="en-US" u="sng" dirty="0"/>
+          </a:p>
+        </p:txBody>
+      </p:sp>
+      <p:sp>
+        <p:nvSpPr>
+          <p:cNvPr id="3" name="Content Placeholder 2">
             <a:extLst>
               <a:ext uri="{FF2B5EF4-FFF2-40B4-BE49-F238E27FC236}">
-                <a16:creationId xmlns:a16="http://schemas.microsoft.com/office/drawing/2014/main" id="{DAE3D404-51E4-4D64-88D7-AFA22CFBA8F7}"/>
+                <a16:creationId xmlns:a16="http://schemas.microsoft.com/office/drawing/2014/main" id="{F97480DF-4C45-4C9F-96F1-1A898074F036}"/>
               </a:ext>
             </a:extLst>
           </p:cNvPr>
@@ -14361,30 +19155,34 @@
             <a:spLocks noGrp="1"/>
           </p:cNvSpPr>
           <p:nvPr>
-            <p:ph type="body" idx="1"/>
-          </p:nvPr>
-        </p:nvSpPr>
-        <p:spPr/>
-        <p:txBody>
-          <a:bodyPr/>
+            <p:ph idx="1"/>
+          </p:nvPr>
+        </p:nvSpPr>
+        <p:spPr>
+          <a:xfrm>
+            <a:off x="1066800" y="2103120"/>
+            <a:ext cx="4458511" cy="3849624"/>
+          </a:xfrm>
+        </p:spPr>
+        <p:txBody>
+          <a:bodyPr>
+            <a:normAutofit/>
+          </a:bodyPr>
           <a:lstStyle/>
           <a:p>
-            <a:r>
-              <a:rPr lang="en-US"/>
-              <a:t>What did we learn today?</a:t>
-            </a:r>
-          </a:p>
-        </p:txBody>
-      </p:sp>
-      <p:sp>
-        <p:nvSpPr>
-          <p:cNvPr id="4" name="Slide Number Placeholder 3">
-            <a:extLst>
-              <a:ext uri="{FF2B5EF4-FFF2-40B4-BE49-F238E27FC236}">
-                <a16:creationId xmlns:a16="http://schemas.microsoft.com/office/drawing/2014/main" id="{B3E58610-8DF0-4BC8-B28F-9775BE8BC83F}"/>
-              </a:ext>
-            </a:extLst>
-          </p:cNvPr>
+            <a:pPr marL="0" indent="0">
+              <a:buNone/>
+            </a:pPr>
+            <a:r>
+              <a:rPr lang="en-US" sz="2000" b="1"/>
+              <a:t>See examples/example_form.html</a:t>
+            </a:r>
+          </a:p>
+        </p:txBody>
+      </p:sp>
+      <p:sp>
+        <p:nvSpPr>
+          <p:cNvPr id="6" name="Slide Number Placeholder 5"/>
           <p:cNvSpPr>
             <a:spLocks noGrp="1"/>
           </p:cNvSpPr>
@@ -14405,10 +19203,40 @@
           </a:p>
         </p:txBody>
       </p:sp>
+      <p:pic>
+        <p:nvPicPr>
+          <p:cNvPr id="4" name="Picture 3">
+            <a:extLst>
+              <a:ext uri="{FF2B5EF4-FFF2-40B4-BE49-F238E27FC236}">
+                <a16:creationId xmlns:a16="http://schemas.microsoft.com/office/drawing/2014/main" id="{735C28ED-CCDC-4F2D-870B-C16001FE4193}"/>
+              </a:ext>
+            </a:extLst>
+          </p:cNvPr>
+          <p:cNvPicPr>
+            <a:picLocks noChangeAspect="1"/>
+          </p:cNvPicPr>
+          <p:nvPr/>
+        </p:nvPicPr>
+        <p:blipFill>
+          <a:blip r:embed="rId2"/>
+          <a:stretch>
+            <a:fillRect/>
+          </a:stretch>
+        </p:blipFill>
+        <p:spPr>
+          <a:xfrm>
+            <a:off x="5634544" y="642594"/>
+            <a:ext cx="6000750" cy="5676900"/>
+          </a:xfrm>
+          <a:prstGeom prst="rect">
+            <a:avLst/>
+          </a:prstGeom>
+        </p:spPr>
+      </p:pic>
     </p:spTree>
     <p:extLst>
       <p:ext uri="{BB962C8B-B14F-4D97-AF65-F5344CB8AC3E}">
-        <p14:creationId xmlns:p14="http://schemas.microsoft.com/office/powerpoint/2010/main" val="1909237733"/>
+        <p14:creationId xmlns:p14="http://schemas.microsoft.com/office/powerpoint/2010/main" val="543150488"/>
       </p:ext>
     </p:extLst>
   </p:cSld>
@@ -14437,10 +19265,10 @@
       </p:grpSpPr>
       <p:sp>
         <p:nvSpPr>
-          <p:cNvPr id="2" name="Title 1">
+          <p:cNvPr id="5" name="Title 4">
             <a:extLst>
               <a:ext uri="{FF2B5EF4-FFF2-40B4-BE49-F238E27FC236}">
-                <a16:creationId xmlns:a16="http://schemas.microsoft.com/office/drawing/2014/main" id="{BDFAC13C-59B1-436E-B58F-C304E1C705CF}"/>
+                <a16:creationId xmlns:a16="http://schemas.microsoft.com/office/drawing/2014/main" id="{19920336-7909-426F-8081-AFA24B193F14}"/>
               </a:ext>
             </a:extLst>
           </p:cNvPr>
@@ -14453,24 +19281,22 @@
         </p:nvSpPr>
         <p:spPr/>
         <p:txBody>
-          <a:bodyPr>
-            <a:normAutofit/>
-          </a:bodyPr>
+          <a:bodyPr/>
           <a:lstStyle/>
           <a:p>
             <a:r>
-              <a:rPr lang="en-US" u="sng" dirty="0"/>
-              <a:t>What We Covered</a:t>
-            </a:r>
-          </a:p>
-        </p:txBody>
-      </p:sp>
-      <p:sp>
-        <p:nvSpPr>
-          <p:cNvPr id="3" name="Content Placeholder 2">
+              <a:rPr lang="en-US" cap="none"/>
+              <a:t>Conclusion</a:t>
+            </a:r>
+          </a:p>
+        </p:txBody>
+      </p:sp>
+      <p:sp>
+        <p:nvSpPr>
+          <p:cNvPr id="6" name="Text Placeholder 5">
             <a:extLst>
               <a:ext uri="{FF2B5EF4-FFF2-40B4-BE49-F238E27FC236}">
-                <a16:creationId xmlns:a16="http://schemas.microsoft.com/office/drawing/2014/main" id="{844A3DC5-46BF-4BFF-8008-98FD467C4904}"/>
+                <a16:creationId xmlns:a16="http://schemas.microsoft.com/office/drawing/2014/main" id="{DAE3D404-51E4-4D64-88D7-AFA22CFBA8F7}"/>
               </a:ext>
             </a:extLst>
           </p:cNvPr>
@@ -14478,69 +19304,30 @@
             <a:spLocks noGrp="1"/>
           </p:cNvSpPr>
           <p:nvPr>
-            <p:ph idx="1"/>
+            <p:ph type="body" idx="1"/>
           </p:nvPr>
         </p:nvSpPr>
         <p:spPr/>
         <p:txBody>
-          <a:bodyPr>
-            <a:normAutofit/>
-          </a:bodyPr>
+          <a:bodyPr/>
           <a:lstStyle/>
           <a:p>
             <a:r>
-              <a:rPr lang="en-US" sz="2400" dirty="0">
-                <a:cs typeface="Arial" panose="020B0604020202020204" pitchFamily="34" charset="0"/>
-              </a:rPr>
-              <a:t>Give a brief overview of HTML Forms</a:t>
-            </a:r>
-          </a:p>
-          <a:p>
-            <a:r>
-              <a:rPr lang="en-US" sz="2400" dirty="0">
-                <a:cs typeface="Arial" panose="020B0604020202020204" pitchFamily="34" charset="0"/>
-              </a:rPr>
-              <a:t>Explain usage of &lt;form&gt; element attributes</a:t>
-            </a:r>
-          </a:p>
-          <a:p>
-            <a:r>
-              <a:rPr lang="en-US" sz="2400" dirty="0">
-                <a:cs typeface="Arial" panose="020B0604020202020204" pitchFamily="34" charset="0"/>
-              </a:rPr>
-              <a:t>Discuss various form controls</a:t>
-            </a:r>
-          </a:p>
-          <a:p>
-            <a:r>
-              <a:rPr lang="en-US" sz="2400" dirty="0">
-                <a:cs typeface="Arial" panose="020B0604020202020204" pitchFamily="34" charset="0"/>
-              </a:rPr>
-              <a:t>Discuss grouping inputs with &lt;fieldset&gt; and &lt;legend&gt;</a:t>
-            </a:r>
-          </a:p>
-          <a:p>
-            <a:r>
-              <a:rPr lang="en-US" sz="2400" dirty="0">
-                <a:cs typeface="Arial" panose="020B0604020202020204" pitchFamily="34" charset="0"/>
-              </a:rPr>
-              <a:t>Discuss autocomplete</a:t>
-            </a:r>
-          </a:p>
-          <a:p>
-            <a:r>
-              <a:rPr lang="en-US" sz="2400" dirty="0">
-                <a:cs typeface="Arial" panose="020B0604020202020204" pitchFamily="34" charset="0"/>
-              </a:rPr>
-              <a:t>Build example forms</a:t>
-            </a:r>
-            <a:endParaRPr lang="en-US" sz="2400" dirty="0"/>
-          </a:p>
-        </p:txBody>
-      </p:sp>
-      <p:sp>
-        <p:nvSpPr>
-          <p:cNvPr id="5" name="Slide Number Placeholder 4"/>
+              <a:rPr lang="en-US"/>
+              <a:t>What did we learn today?</a:t>
+            </a:r>
+          </a:p>
+        </p:txBody>
+      </p:sp>
+      <p:sp>
+        <p:nvSpPr>
+          <p:cNvPr id="4" name="Slide Number Placeholder 3">
+            <a:extLst>
+              <a:ext uri="{FF2B5EF4-FFF2-40B4-BE49-F238E27FC236}">
+                <a16:creationId xmlns:a16="http://schemas.microsoft.com/office/drawing/2014/main" id="{B3E58610-8DF0-4BC8-B28F-9775BE8BC83F}"/>
+              </a:ext>
+            </a:extLst>
+          </p:cNvPr>
           <p:cNvSpPr>
             <a:spLocks noGrp="1"/>
           </p:cNvSpPr>
@@ -14564,7 +19351,7 @@
     </p:spTree>
     <p:extLst>
       <p:ext uri="{BB962C8B-B14F-4D97-AF65-F5344CB8AC3E}">
-        <p14:creationId xmlns:p14="http://schemas.microsoft.com/office/powerpoint/2010/main" val="2820098090"/>
+        <p14:creationId xmlns:p14="http://schemas.microsoft.com/office/powerpoint/2010/main" val="1909237733"/>
       </p:ext>
     </p:extLst>
   </p:cSld>
@@ -14616,7 +19403,7 @@
           <a:p>
             <a:r>
               <a:rPr lang="en-US" u="sng" dirty="0"/>
-              <a:t>Some Useful URLs</a:t>
+              <a:t>What We Covered</a:t>
             </a:r>
           </a:p>
         </p:txBody>
@@ -14645,6 +19432,162 @@
           <a:lstStyle/>
           <a:p>
             <a:r>
+              <a:rPr lang="en-US" sz="2400" dirty="0">
+                <a:cs typeface="Arial" panose="020B0604020202020204" pitchFamily="34" charset="0"/>
+              </a:rPr>
+              <a:t>Give a brief overview of HTML Forms</a:t>
+            </a:r>
+          </a:p>
+          <a:p>
+            <a:r>
+              <a:rPr lang="en-US" sz="2400" dirty="0">
+                <a:cs typeface="Arial" panose="020B0604020202020204" pitchFamily="34" charset="0"/>
+              </a:rPr>
+              <a:t>Explain usage of &lt;form&gt; element attributes</a:t>
+            </a:r>
+          </a:p>
+          <a:p>
+            <a:r>
+              <a:rPr lang="en-US" sz="2400" dirty="0">
+                <a:cs typeface="Arial" panose="020B0604020202020204" pitchFamily="34" charset="0"/>
+              </a:rPr>
+              <a:t>Discuss various form controls</a:t>
+            </a:r>
+          </a:p>
+          <a:p>
+            <a:r>
+              <a:rPr lang="en-US" sz="2400" dirty="0">
+                <a:cs typeface="Arial" panose="020B0604020202020204" pitchFamily="34" charset="0"/>
+              </a:rPr>
+              <a:t>Discuss grouping inputs with &lt;fieldset&gt; and &lt;legend&gt;</a:t>
+            </a:r>
+          </a:p>
+          <a:p>
+            <a:r>
+              <a:rPr lang="en-US" sz="2400" dirty="0">
+                <a:cs typeface="Arial" panose="020B0604020202020204" pitchFamily="34" charset="0"/>
+              </a:rPr>
+              <a:t>Discuss autocomplete</a:t>
+            </a:r>
+          </a:p>
+          <a:p>
+            <a:r>
+              <a:rPr lang="en-US" sz="2400" dirty="0">
+                <a:cs typeface="Arial" panose="020B0604020202020204" pitchFamily="34" charset="0"/>
+              </a:rPr>
+              <a:t>Build example forms</a:t>
+            </a:r>
+            <a:endParaRPr lang="en-US" sz="2400" dirty="0"/>
+          </a:p>
+        </p:txBody>
+      </p:sp>
+      <p:sp>
+        <p:nvSpPr>
+          <p:cNvPr id="5" name="Slide Number Placeholder 4"/>
+          <p:cNvSpPr>
+            <a:spLocks noGrp="1"/>
+          </p:cNvSpPr>
+          <p:nvPr>
+            <p:ph type="sldNum" sz="quarter" idx="12"/>
+          </p:nvPr>
+        </p:nvSpPr>
+        <p:spPr/>
+        <p:txBody>
+          <a:bodyPr/>
+          <a:lstStyle/>
+          <a:p>
+            <a:fld id="{34B7E4EF-A1BD-40F4-AB7B-04F084DD991D}" type="slidenum">
+              <a:rPr lang="en-US" smtClean="0"/>
+              <a:t>47</a:t>
+            </a:fld>
+            <a:endParaRPr lang="en-US" dirty="0"/>
+          </a:p>
+        </p:txBody>
+      </p:sp>
+    </p:spTree>
+    <p:extLst>
+      <p:ext uri="{BB962C8B-B14F-4D97-AF65-F5344CB8AC3E}">
+        <p14:creationId xmlns:p14="http://schemas.microsoft.com/office/powerpoint/2010/main" val="2820098090"/>
+      </p:ext>
+    </p:extLst>
+  </p:cSld>
+  <p:clrMapOvr>
+    <a:masterClrMapping/>
+  </p:clrMapOvr>
+</p:sld>
+</file>
+
+<file path=ppt/slides/slide48.xml><?xml version="1.0" encoding="utf-8"?>
+<p:sld xmlns:a="http://schemas.openxmlformats.org/drawingml/2006/main" xmlns:r="http://schemas.openxmlformats.org/officeDocument/2006/relationships" xmlns:p="http://schemas.openxmlformats.org/presentationml/2006/main">
+  <p:cSld>
+    <p:spTree>
+      <p:nvGrpSpPr>
+        <p:cNvPr id="1" name=""/>
+        <p:cNvGrpSpPr/>
+        <p:nvPr/>
+      </p:nvGrpSpPr>
+      <p:grpSpPr>
+        <a:xfrm>
+          <a:off x="0" y="0"/>
+          <a:ext cx="0" cy="0"/>
+          <a:chOff x="0" y="0"/>
+          <a:chExt cx="0" cy="0"/>
+        </a:xfrm>
+      </p:grpSpPr>
+      <p:sp>
+        <p:nvSpPr>
+          <p:cNvPr id="2" name="Title 1">
+            <a:extLst>
+              <a:ext uri="{FF2B5EF4-FFF2-40B4-BE49-F238E27FC236}">
+                <a16:creationId xmlns:a16="http://schemas.microsoft.com/office/drawing/2014/main" id="{BDFAC13C-59B1-436E-B58F-C304E1C705CF}"/>
+              </a:ext>
+            </a:extLst>
+          </p:cNvPr>
+          <p:cNvSpPr>
+            <a:spLocks noGrp="1"/>
+          </p:cNvSpPr>
+          <p:nvPr>
+            <p:ph type="title"/>
+          </p:nvPr>
+        </p:nvSpPr>
+        <p:spPr/>
+        <p:txBody>
+          <a:bodyPr>
+            <a:normAutofit/>
+          </a:bodyPr>
+          <a:lstStyle/>
+          <a:p>
+            <a:r>
+              <a:rPr lang="en-US" u="sng" dirty="0"/>
+              <a:t>Some Useful URLs</a:t>
+            </a:r>
+          </a:p>
+        </p:txBody>
+      </p:sp>
+      <p:sp>
+        <p:nvSpPr>
+          <p:cNvPr id="3" name="Content Placeholder 2">
+            <a:extLst>
+              <a:ext uri="{FF2B5EF4-FFF2-40B4-BE49-F238E27FC236}">
+                <a16:creationId xmlns:a16="http://schemas.microsoft.com/office/drawing/2014/main" id="{844A3DC5-46BF-4BFF-8008-98FD467C4904}"/>
+              </a:ext>
+            </a:extLst>
+          </p:cNvPr>
+          <p:cNvSpPr>
+            <a:spLocks noGrp="1"/>
+          </p:cNvSpPr>
+          <p:nvPr>
+            <p:ph idx="1"/>
+          </p:nvPr>
+        </p:nvSpPr>
+        <p:spPr/>
+        <p:txBody>
+          <a:bodyPr>
+            <a:normAutofit/>
+          </a:bodyPr>
+          <a:lstStyle/>
+          <a:p>
+            <a:r>
               <a:rPr lang="en-US" sz="1800">
                 <a:hlinkClick r:id="rId3"/>
               </a:rPr>
@@ -14718,7 +19661,7 @@
           <a:p>
             <a:fld id="{34B7E4EF-A1BD-40F4-AB7B-04F084DD991D}" type="slidenum">
               <a:rPr lang="en-US" smtClean="0"/>
-              <a:t>47</a:t>
+              <a:t>48</a:t>
             </a:fld>
             <a:endParaRPr lang="en-US" dirty="0"/>
           </a:p>

--- a/unit_00/html_review/02 HTML Forms.pptx
+++ b/unit_00/html_review/02 HTML Forms.pptx
@@ -12150,10 +12150,16 @@
           <a:lstStyle/>
           <a:p>
             <a:r>
+              <a:rPr lang="en-US" sz="2400">
+                <a:cs typeface="Arial" panose="020B0604020202020204" pitchFamily="34" charset="0"/>
+              </a:rPr>
+              <a:t>Give an </a:t>
+            </a:r>
+            <a:r>
               <a:rPr lang="en-US" sz="2400" dirty="0">
                 <a:cs typeface="Arial" panose="020B0604020202020204" pitchFamily="34" charset="0"/>
               </a:rPr>
-              <a:t>Give a brief overview of HTML Forms</a:t>
+              <a:t>overview of HTML Forms</a:t>
             </a:r>
           </a:p>
           <a:p>
@@ -19432,10 +19438,16 @@
           <a:lstStyle/>
           <a:p>
             <a:r>
+              <a:rPr lang="en-US" sz="2400">
+                <a:cs typeface="Arial" panose="020B0604020202020204" pitchFamily="34" charset="0"/>
+              </a:rPr>
+              <a:t>Give an overview </a:t>
+            </a:r>
+            <a:r>
               <a:rPr lang="en-US" sz="2400" dirty="0">
                 <a:cs typeface="Arial" panose="020B0604020202020204" pitchFamily="34" charset="0"/>
               </a:rPr>
-              <a:t>Give a brief overview of HTML Forms</a:t>
+              <a:t>of HTML Forms</a:t>
             </a:r>
           </a:p>
           <a:p>

--- a/unit_00/html_review/02 HTML Forms.pptx
+++ b/unit_00/html_review/02 HTML Forms.pptx
@@ -25,8 +25,8 @@
     <p:sldId id="408" r:id="rId19"/>
     <p:sldId id="435" r:id="rId20"/>
     <p:sldId id="410" r:id="rId21"/>
-    <p:sldId id="446" r:id="rId22"/>
-    <p:sldId id="448" r:id="rId23"/>
+    <p:sldId id="448" r:id="rId22"/>
+    <p:sldId id="446" r:id="rId23"/>
     <p:sldId id="411" r:id="rId24"/>
     <p:sldId id="412" r:id="rId25"/>
     <p:sldId id="434" r:id="rId26"/>
@@ -3454,7 +3454,7 @@
           <a:p>
             <a:fld id="{3F839238-B565-4611-A910-43B731DECEC1}" type="datetimeFigureOut">
               <a:rPr lang="en-US" smtClean="0"/>
-              <a:t>7/29/2020</a:t>
+              <a:t>7/31/2020</a:t>
             </a:fld>
             <a:endParaRPr lang="en-US" dirty="0"/>
           </a:p>
@@ -5104,7 +5104,7 @@
           <a:p>
             <a:fld id="{E9F25E47-8026-47FD-8FD6-2C7B55A6BE4F}" type="datetime1">
               <a:rPr lang="en-US" smtClean="0"/>
-              <a:t>7/29/2020</a:t>
+              <a:t>7/31/2020</a:t>
             </a:fld>
             <a:endParaRPr lang="en-US" dirty="0"/>
           </a:p>
@@ -5306,7 +5306,7 @@
           <a:p>
             <a:fld id="{49F0A7AA-AB30-4D36-B646-A02FA5DCCA55}" type="datetime1">
               <a:rPr lang="en-US" smtClean="0"/>
-              <a:t>7/29/2020</a:t>
+              <a:t>7/31/2020</a:t>
             </a:fld>
             <a:endParaRPr lang="en-US" dirty="0"/>
           </a:p>
@@ -5905,7 +5905,7 @@
           <a:p>
             <a:fld id="{CFA4D178-B71E-4B10-AF0F-C5E0B7294A7C}" type="datetime1">
               <a:rPr lang="en-US" smtClean="0"/>
-              <a:t>7/29/2020</a:t>
+              <a:t>7/31/2020</a:t>
             </a:fld>
             <a:endParaRPr lang="en-US" dirty="0"/>
           </a:p>
@@ -6225,7 +6225,7 @@
           <a:p>
             <a:fld id="{27E6D853-85C2-4120-A6B2-2EAC4467BF8B}" type="datetime1">
               <a:rPr lang="en-US" smtClean="0"/>
-              <a:t>7/29/2020</a:t>
+              <a:t>7/31/2020</a:t>
             </a:fld>
             <a:endParaRPr lang="en-US" dirty="0"/>
           </a:p>
@@ -6662,7 +6662,7 @@
           <a:p>
             <a:fld id="{CA3AECF5-4644-4878-B4B4-3AC946C4B252}" type="datetime1">
               <a:rPr lang="en-US" smtClean="0"/>
-              <a:t>7/29/2020</a:t>
+              <a:t>7/31/2020</a:t>
             </a:fld>
             <a:endParaRPr lang="en-US" dirty="0"/>
           </a:p>
@@ -6780,7 +6780,7 @@
           <a:p>
             <a:fld id="{B8E389F8-4EAE-4B22-8731-40270585493B}" type="datetime1">
               <a:rPr lang="en-US" smtClean="0"/>
-              <a:t>7/29/2020</a:t>
+              <a:t>7/31/2020</a:t>
             </a:fld>
             <a:endParaRPr lang="en-US" dirty="0"/>
           </a:p>
@@ -6875,7 +6875,7 @@
           <a:p>
             <a:fld id="{772F4F3F-699B-4D10-AAB9-00C2579C25F8}" type="datetime1">
               <a:rPr lang="en-US" smtClean="0"/>
-              <a:t>7/29/2020</a:t>
+              <a:t>7/31/2020</a:t>
             </a:fld>
             <a:endParaRPr lang="en-US" dirty="0"/>
           </a:p>
@@ -7292,7 +7292,7 @@
           <a:p>
             <a:fld id="{E51BA90F-EE6C-42F5-8961-2F52EE18037D}" type="datetime1">
               <a:rPr lang="en-US" smtClean="0"/>
-              <a:t>7/29/2020</a:t>
+              <a:t>7/31/2020</a:t>
             </a:fld>
             <a:endParaRPr lang="en-US" dirty="0"/>
           </a:p>
@@ -7552,7 +7552,7 @@
           <a:p>
             <a:fld id="{FB6292F5-AD2B-47F4-B460-BF55BF34C27D}" type="datetime1">
               <a:rPr lang="en-US" smtClean="0"/>
-              <a:t>7/29/2020</a:t>
+              <a:t>7/31/2020</a:t>
             </a:fld>
             <a:endParaRPr lang="en-US" dirty="0"/>
           </a:p>
@@ -8068,7 +8068,7 @@
           <a:p>
             <a:fld id="{8B88B800-945A-43B0-8EA5-8657D67FD7E1}" type="datetime1">
               <a:rPr lang="en-US" smtClean="0"/>
-              <a:t>7/29/2020</a:t>
+              <a:t>7/31/2020</a:t>
             </a:fld>
             <a:endParaRPr lang="en-US" dirty="0"/>
           </a:p>
@@ -11267,7 +11267,7 @@
           <a:p>
             <a:r>
               <a:rPr lang="en-US" u="sng"/>
-              <a:t>Types of Single-Line Inputs</a:t>
+              <a:t>Types of Single-Line Inputs cont.</a:t>
             </a:r>
           </a:p>
         </p:txBody>
@@ -11290,8 +11290,8 @@
         </p:nvSpPr>
         <p:spPr>
           <a:xfrm>
-            <a:off x="1066799" y="1574612"/>
-            <a:ext cx="10761677" cy="4087955"/>
+            <a:off x="3204594" y="1574612"/>
+            <a:ext cx="8623882" cy="4087955"/>
           </a:xfrm>
         </p:spPr>
         <p:txBody>
@@ -11327,11 +11327,11 @@
             </a:pPr>
             <a:r>
               <a:rPr lang="en-US" b="1"/>
-              <a:t>text</a:t>
+              <a:t>password</a:t>
             </a:r>
             <a:r>
               <a:rPr lang="en-US"/>
-              <a:t>		The default value. A single-line text field.</a:t>
+              <a:t>		A single-line text field whose value is obscured.</a:t>
             </a:r>
           </a:p>
           <a:p>
@@ -11344,7 +11344,14 @@
               </a:spcBef>
               <a:buNone/>
             </a:pPr>
-            <a:endParaRPr lang="en-US"/>
+            <a:r>
+              <a:rPr lang="en-US" b="1"/>
+              <a:t>number</a:t>
+            </a:r>
+            <a:r>
+              <a:rPr lang="en-US"/>
+              <a:t>		A control for entering a number.</a:t>
+            </a:r>
           </a:p>
           <a:p>
             <a:pPr marL="0" indent="0">
@@ -11358,19 +11365,11 @@
             </a:pPr>
             <a:r>
               <a:rPr lang="en-US" b="1"/>
-              <a:t>email</a:t>
+              <a:t>date</a:t>
             </a:r>
             <a:r>
               <a:rPr lang="en-US"/>
-              <a:t>		A field for entering an email address. </a:t>
-            </a:r>
-            <a:r>
-              <a:rPr lang="en-US">
-                <a:highlight>
-                  <a:srgbClr val="FCF7F1"/>
-                </a:highlight>
-              </a:rPr>
-              <a:t>Looks like a text input, </a:t>
+              <a:t>		A control for entering a date.</a:t>
             </a:r>
           </a:p>
           <a:p>
@@ -11384,16 +11383,12 @@
               <a:buNone/>
             </a:pPr>
             <a:r>
+              <a:rPr lang="en-US" b="1"/>
+              <a:t>time</a:t>
+            </a:r>
+            <a:r>
               <a:rPr lang="en-US"/>
-              <a:t>		</a:t>
-            </a:r>
-            <a:r>
-              <a:rPr lang="en-US">
-                <a:highlight>
-                  <a:srgbClr val="FCF7F1"/>
-                </a:highlight>
-              </a:rPr>
-              <a:t>but has validation parameters and relevant keyboard on touch screens.</a:t>
+              <a:t>		A control for entering a time value with no time zone.</a:t>
             </a:r>
           </a:p>
           <a:p>
@@ -11406,7 +11401,14 @@
               </a:spcBef>
               <a:buNone/>
             </a:pPr>
-            <a:endParaRPr lang="en-US"/>
+            <a:r>
+              <a:rPr lang="en-US" b="1"/>
+              <a:t>datetime</a:t>
+            </a:r>
+            <a:r>
+              <a:rPr lang="en-US"/>
+              <a:t>		A control for entering a date and time based on UTC time zone.</a:t>
+            </a:r>
           </a:p>
           <a:p>
             <a:pPr marL="0" indent="0">
@@ -11420,112 +11422,11 @@
             </a:pPr>
             <a:r>
               <a:rPr lang="en-US" b="1"/>
-              <a:t>tel</a:t>
+              <a:t>datetime-local</a:t>
             </a:r>
             <a:r>
               <a:rPr lang="en-US"/>
-              <a:t>		A field for entering a telephone number. </a:t>
-            </a:r>
-            <a:r>
-              <a:rPr lang="en-US">
-                <a:highlight>
-                  <a:srgbClr val="FCF7F1"/>
-                </a:highlight>
-              </a:rPr>
-              <a:t>Displays a telephone keypad.</a:t>
-            </a:r>
-          </a:p>
-          <a:p>
-            <a:pPr marL="0" indent="0">
-              <a:lnSpc>
-                <a:spcPct val="120000"/>
-              </a:lnSpc>
-              <a:spcBef>
-                <a:spcPts val="0"/>
-              </a:spcBef>
-              <a:buNone/>
-            </a:pPr>
-            <a:endParaRPr lang="en-US"/>
-          </a:p>
-          <a:p>
-            <a:pPr marL="0" indent="0">
-              <a:lnSpc>
-                <a:spcPct val="120000"/>
-              </a:lnSpc>
-              <a:spcBef>
-                <a:spcPts val="0"/>
-              </a:spcBef>
-              <a:buNone/>
-            </a:pPr>
-            <a:r>
-              <a:rPr lang="en-US" b="1"/>
-              <a:t>url</a:t>
-            </a:r>
-            <a:r>
-              <a:rPr lang="en-US"/>
-              <a:t>		A field for entering a URL. </a:t>
-            </a:r>
-            <a:r>
-              <a:rPr lang="en-US">
-                <a:highlight>
-                  <a:srgbClr val="FCF7F1"/>
-                </a:highlight>
-              </a:rPr>
-              <a:t>Displays a URL keyboard.</a:t>
-            </a:r>
-          </a:p>
-          <a:p>
-            <a:pPr marL="0" indent="0">
-              <a:lnSpc>
-                <a:spcPct val="120000"/>
-              </a:lnSpc>
-              <a:spcBef>
-                <a:spcPts val="0"/>
-              </a:spcBef>
-              <a:buNone/>
-            </a:pPr>
-            <a:endParaRPr lang="en-US"/>
-          </a:p>
-          <a:p>
-            <a:pPr marL="0" indent="0">
-              <a:lnSpc>
-                <a:spcPct val="120000"/>
-              </a:lnSpc>
-              <a:spcBef>
-                <a:spcPts val="0"/>
-              </a:spcBef>
-              <a:buNone/>
-            </a:pPr>
-            <a:r>
-              <a:rPr lang="en-US" b="1"/>
-              <a:t>search</a:t>
-            </a:r>
-            <a:r>
-              <a:rPr lang="en-US"/>
-              <a:t>		A single-line text field for entering search strings. </a:t>
-            </a:r>
-          </a:p>
-          <a:p>
-            <a:pPr marL="0" indent="0">
-              <a:lnSpc>
-                <a:spcPct val="120000"/>
-              </a:lnSpc>
-              <a:spcBef>
-                <a:spcPts val="0"/>
-              </a:spcBef>
-              <a:buNone/>
-            </a:pPr>
-            <a:r>
-              <a:rPr lang="en-US"/>
-              <a:t>		</a:t>
-            </a:r>
-            <a:r>
-              <a:rPr lang="en-US">
-                <a:highlight>
-                  <a:srgbClr val="FCF7F1"/>
-                </a:highlight>
-              </a:rPr>
-              <a:t>Displays a search icon instead of enter key on touch screens.</a:t>
+              <a:t>	A control for entering a date and time, with no time zone.</a:t>
             </a:r>
           </a:p>
         </p:txBody>
@@ -11554,310 +11455,6 @@
             <a:fld id="{34B7E4EF-A1BD-40F4-AB7B-04F084DD991D}" type="slidenum">
               <a:rPr lang="en-US" smtClean="0"/>
               <a:t>18</a:t>
-            </a:fld>
-            <a:endParaRPr lang="en-US" dirty="0"/>
-          </a:p>
-        </p:txBody>
-      </p:sp>
-      <p:sp>
-        <p:nvSpPr>
-          <p:cNvPr id="6" name="TextBox 5">
-            <a:extLst>
-              <a:ext uri="{FF2B5EF4-FFF2-40B4-BE49-F238E27FC236}">
-                <a16:creationId xmlns:a16="http://schemas.microsoft.com/office/drawing/2014/main" id="{2767D263-2589-44C7-BFF9-73442C5A7831}"/>
-              </a:ext>
-            </a:extLst>
-          </p:cNvPr>
-          <p:cNvSpPr txBox="1"/>
-          <p:nvPr/>
-        </p:nvSpPr>
-        <p:spPr>
-          <a:xfrm>
-            <a:off x="1066800" y="5687357"/>
-            <a:ext cx="10058400" cy="861774"/>
-          </a:xfrm>
-          <a:prstGeom prst="rect">
-            <a:avLst/>
-          </a:prstGeom>
-          <a:noFill/>
-        </p:spPr>
-        <p:txBody>
-          <a:bodyPr wrap="square" rtlCol="0">
-            <a:spAutoFit/>
-          </a:bodyPr>
-          <a:lstStyle/>
-          <a:p>
-            <a:r>
-              <a:rPr lang="en-US" sz="1600" b="1"/>
-              <a:t>Source</a:t>
-            </a:r>
-          </a:p>
-          <a:p>
-            <a:r>
-              <a:rPr lang="en-US" sz="1600">
-                <a:hlinkClick r:id="rId2"/>
-              </a:rPr>
-              <a:t>https://developer.mozilla.org/en-US/docs/Web/HTML/Element/input</a:t>
-            </a:r>
-            <a:endParaRPr lang="en-US" sz="1600"/>
-          </a:p>
-          <a:p>
-            <a:r>
-              <a:rPr lang="en-US" sz="1600">
-                <a:hlinkClick r:id="rId3"/>
-              </a:rPr>
-              <a:t>https://balsamiq.com/learn/resources/ui-control-guidelines/text-input/</a:t>
-            </a:r>
-            <a:endParaRPr lang="en-US" sz="1600"/>
-          </a:p>
-        </p:txBody>
-      </p:sp>
-    </p:spTree>
-    <p:extLst>
-      <p:ext uri="{BB962C8B-B14F-4D97-AF65-F5344CB8AC3E}">
-        <p14:creationId xmlns:p14="http://schemas.microsoft.com/office/powerpoint/2010/main" val="2813753185"/>
-      </p:ext>
-    </p:extLst>
-  </p:cSld>
-  <p:clrMapOvr>
-    <a:masterClrMapping/>
-  </p:clrMapOvr>
-</p:sld>
-</file>
-
-<file path=ppt/slides/slide19.xml><?xml version="1.0" encoding="utf-8"?>
-<p:sld xmlns:a="http://schemas.openxmlformats.org/drawingml/2006/main" xmlns:r="http://schemas.openxmlformats.org/officeDocument/2006/relationships" xmlns:p="http://schemas.openxmlformats.org/presentationml/2006/main">
-  <p:cSld>
-    <p:spTree>
-      <p:nvGrpSpPr>
-        <p:cNvPr id="1" name=""/>
-        <p:cNvGrpSpPr/>
-        <p:nvPr/>
-      </p:nvGrpSpPr>
-      <p:grpSpPr>
-        <a:xfrm>
-          <a:off x="0" y="0"/>
-          <a:ext cx="0" cy="0"/>
-          <a:chOff x="0" y="0"/>
-          <a:chExt cx="0" cy="0"/>
-        </a:xfrm>
-      </p:grpSpPr>
-      <p:sp>
-        <p:nvSpPr>
-          <p:cNvPr id="2" name="Title 1">
-            <a:extLst>
-              <a:ext uri="{FF2B5EF4-FFF2-40B4-BE49-F238E27FC236}">
-                <a16:creationId xmlns:a16="http://schemas.microsoft.com/office/drawing/2014/main" id="{445FF4AD-20AD-46CF-B63A-5B4461267FAA}"/>
-              </a:ext>
-            </a:extLst>
-          </p:cNvPr>
-          <p:cNvSpPr>
-            <a:spLocks noGrp="1"/>
-          </p:cNvSpPr>
-          <p:nvPr>
-            <p:ph type="title"/>
-          </p:nvPr>
-        </p:nvSpPr>
-        <p:spPr>
-          <a:xfrm>
-            <a:off x="1066800" y="406864"/>
-            <a:ext cx="10058400" cy="1371600"/>
-          </a:xfrm>
-        </p:spPr>
-        <p:txBody>
-          <a:bodyPr/>
-          <a:lstStyle/>
-          <a:p>
-            <a:r>
-              <a:rPr lang="en-US" u="sng"/>
-              <a:t>Types of Single-Line Inputs cont.</a:t>
-            </a:r>
-          </a:p>
-        </p:txBody>
-      </p:sp>
-      <p:sp>
-        <p:nvSpPr>
-          <p:cNvPr id="3" name="Content Placeholder 2">
-            <a:extLst>
-              <a:ext uri="{FF2B5EF4-FFF2-40B4-BE49-F238E27FC236}">
-                <a16:creationId xmlns:a16="http://schemas.microsoft.com/office/drawing/2014/main" id="{F8F625A6-60F1-4F61-9045-E342AD83353C}"/>
-              </a:ext>
-            </a:extLst>
-          </p:cNvPr>
-          <p:cNvSpPr>
-            <a:spLocks noGrp="1"/>
-          </p:cNvSpPr>
-          <p:nvPr>
-            <p:ph idx="1"/>
-          </p:nvPr>
-        </p:nvSpPr>
-        <p:spPr>
-          <a:xfrm>
-            <a:off x="3204594" y="1574612"/>
-            <a:ext cx="8623882" cy="4087955"/>
-          </a:xfrm>
-        </p:spPr>
-        <p:txBody>
-          <a:bodyPr/>
-          <a:lstStyle/>
-          <a:p>
-            <a:pPr marL="0" indent="0">
-              <a:lnSpc>
-                <a:spcPct val="120000"/>
-              </a:lnSpc>
-              <a:spcBef>
-                <a:spcPts val="0"/>
-              </a:spcBef>
-              <a:buNone/>
-            </a:pPr>
-            <a:r>
-              <a:rPr lang="en-US" sz="1600" b="1" u="sng">
-                <a:cs typeface="Arial" panose="020B0604020202020204" pitchFamily="34" charset="0"/>
-              </a:rPr>
-              <a:t>Type		Description			</a:t>
-            </a:r>
-            <a:endParaRPr lang="en-US"/>
-          </a:p>
-          <a:p>
-            <a:pPr marL="0" indent="0">
-              <a:lnSpc>
-                <a:spcPct val="120000"/>
-              </a:lnSpc>
-              <a:spcBef>
-                <a:spcPts val="0"/>
-              </a:spcBef>
-              <a:buNone/>
-            </a:pPr>
-            <a:r>
-              <a:rPr lang="en-US" b="1"/>
-              <a:t>password</a:t>
-            </a:r>
-            <a:r>
-              <a:rPr lang="en-US"/>
-              <a:t>		A single-line text field whose value is obscured.</a:t>
-            </a:r>
-          </a:p>
-          <a:p>
-            <a:pPr marL="0" indent="0">
-              <a:lnSpc>
-                <a:spcPct val="120000"/>
-              </a:lnSpc>
-              <a:spcBef>
-                <a:spcPts val="0"/>
-              </a:spcBef>
-              <a:buNone/>
-            </a:pPr>
-            <a:r>
-              <a:rPr lang="en-US" b="1"/>
-              <a:t>number</a:t>
-            </a:r>
-            <a:r>
-              <a:rPr lang="en-US"/>
-              <a:t>		A control for entering a number.</a:t>
-            </a:r>
-          </a:p>
-          <a:p>
-            <a:pPr marL="0" indent="0">
-              <a:lnSpc>
-                <a:spcPct val="120000"/>
-              </a:lnSpc>
-              <a:spcBef>
-                <a:spcPts val="0"/>
-              </a:spcBef>
-              <a:buNone/>
-            </a:pPr>
-            <a:r>
-              <a:rPr lang="en-US" b="1"/>
-              <a:t>date</a:t>
-            </a:r>
-            <a:r>
-              <a:rPr lang="en-US"/>
-              <a:t>		A control for entering a date.</a:t>
-            </a:r>
-          </a:p>
-          <a:p>
-            <a:pPr marL="0" indent="0">
-              <a:lnSpc>
-                <a:spcPct val="120000"/>
-              </a:lnSpc>
-              <a:spcBef>
-                <a:spcPts val="0"/>
-              </a:spcBef>
-              <a:buNone/>
-            </a:pPr>
-            <a:r>
-              <a:rPr lang="en-US" b="1"/>
-              <a:t>time</a:t>
-            </a:r>
-            <a:r>
-              <a:rPr lang="en-US"/>
-              <a:t>		A control for entering a time value with no time zone.</a:t>
-            </a:r>
-          </a:p>
-          <a:p>
-            <a:pPr marL="0" indent="0">
-              <a:lnSpc>
-                <a:spcPct val="120000"/>
-              </a:lnSpc>
-              <a:spcBef>
-                <a:spcPts val="0"/>
-              </a:spcBef>
-              <a:buNone/>
-            </a:pPr>
-            <a:r>
-              <a:rPr lang="en-US" b="1"/>
-              <a:t>datetime</a:t>
-            </a:r>
-            <a:r>
-              <a:rPr lang="en-US"/>
-              <a:t>		A control for entering a date and time based on UTC time zone.</a:t>
-            </a:r>
-          </a:p>
-          <a:p>
-            <a:pPr marL="0" indent="0">
-              <a:lnSpc>
-                <a:spcPct val="120000"/>
-              </a:lnSpc>
-              <a:spcBef>
-                <a:spcPts val="0"/>
-              </a:spcBef>
-              <a:buNone/>
-            </a:pPr>
-            <a:r>
-              <a:rPr lang="en-US" b="1"/>
-              <a:t>datetime-local</a:t>
-            </a:r>
-            <a:r>
-              <a:rPr lang="en-US"/>
-              <a:t>	A control for entering a date and time, with no time zone.</a:t>
-            </a:r>
-          </a:p>
-        </p:txBody>
-      </p:sp>
-      <p:sp>
-        <p:nvSpPr>
-          <p:cNvPr id="4" name="Slide Number Placeholder 3">
-            <a:extLst>
-              <a:ext uri="{FF2B5EF4-FFF2-40B4-BE49-F238E27FC236}">
-                <a16:creationId xmlns:a16="http://schemas.microsoft.com/office/drawing/2014/main" id="{EF71A34A-B6A1-49CE-89F2-D46942908977}"/>
-              </a:ext>
-            </a:extLst>
-          </p:cNvPr>
-          <p:cNvSpPr>
-            <a:spLocks noGrp="1"/>
-          </p:cNvSpPr>
-          <p:nvPr>
-            <p:ph type="sldNum" sz="quarter" idx="12"/>
-          </p:nvPr>
-        </p:nvSpPr>
-        <p:spPr/>
-        <p:txBody>
-          <a:bodyPr/>
-          <a:lstStyle/>
-          <a:p>
-            <a:fld id="{34B7E4EF-A1BD-40F4-AB7B-04F084DD991D}" type="slidenum">
-              <a:rPr lang="en-US" smtClean="0"/>
-              <a:t>19</a:t>
             </a:fld>
             <a:endParaRPr lang="en-US" dirty="0"/>
           </a:p>
@@ -12079,6 +11676,409 @@
 </p:sld>
 </file>
 
+<file path=ppt/slides/slide19.xml><?xml version="1.0" encoding="utf-8"?>
+<p:sld xmlns:a="http://schemas.openxmlformats.org/drawingml/2006/main" xmlns:r="http://schemas.openxmlformats.org/officeDocument/2006/relationships" xmlns:p="http://schemas.openxmlformats.org/presentationml/2006/main">
+  <p:cSld>
+    <p:spTree>
+      <p:nvGrpSpPr>
+        <p:cNvPr id="1" name=""/>
+        <p:cNvGrpSpPr/>
+        <p:nvPr/>
+      </p:nvGrpSpPr>
+      <p:grpSpPr>
+        <a:xfrm>
+          <a:off x="0" y="0"/>
+          <a:ext cx="0" cy="0"/>
+          <a:chOff x="0" y="0"/>
+          <a:chExt cx="0" cy="0"/>
+        </a:xfrm>
+      </p:grpSpPr>
+      <p:sp>
+        <p:nvSpPr>
+          <p:cNvPr id="2" name="Title 1">
+            <a:extLst>
+              <a:ext uri="{FF2B5EF4-FFF2-40B4-BE49-F238E27FC236}">
+                <a16:creationId xmlns:a16="http://schemas.microsoft.com/office/drawing/2014/main" id="{445FF4AD-20AD-46CF-B63A-5B4461267FAA}"/>
+              </a:ext>
+            </a:extLst>
+          </p:cNvPr>
+          <p:cNvSpPr>
+            <a:spLocks noGrp="1"/>
+          </p:cNvSpPr>
+          <p:nvPr>
+            <p:ph type="title"/>
+          </p:nvPr>
+        </p:nvSpPr>
+        <p:spPr>
+          <a:xfrm>
+            <a:off x="1066800" y="406864"/>
+            <a:ext cx="10058400" cy="1371600"/>
+          </a:xfrm>
+        </p:spPr>
+        <p:txBody>
+          <a:bodyPr/>
+          <a:lstStyle/>
+          <a:p>
+            <a:r>
+              <a:rPr lang="en-US" u="sng"/>
+              <a:t>Types of Single-Line Inputs</a:t>
+            </a:r>
+          </a:p>
+        </p:txBody>
+      </p:sp>
+      <p:sp>
+        <p:nvSpPr>
+          <p:cNvPr id="3" name="Content Placeholder 2">
+            <a:extLst>
+              <a:ext uri="{FF2B5EF4-FFF2-40B4-BE49-F238E27FC236}">
+                <a16:creationId xmlns:a16="http://schemas.microsoft.com/office/drawing/2014/main" id="{F8F625A6-60F1-4F61-9045-E342AD83353C}"/>
+              </a:ext>
+            </a:extLst>
+          </p:cNvPr>
+          <p:cNvSpPr>
+            <a:spLocks noGrp="1"/>
+          </p:cNvSpPr>
+          <p:nvPr>
+            <p:ph idx="1"/>
+          </p:nvPr>
+        </p:nvSpPr>
+        <p:spPr>
+          <a:xfrm>
+            <a:off x="1066799" y="1574612"/>
+            <a:ext cx="10761677" cy="4087955"/>
+          </a:xfrm>
+        </p:spPr>
+        <p:txBody>
+          <a:bodyPr/>
+          <a:lstStyle/>
+          <a:p>
+            <a:pPr marL="0" indent="0">
+              <a:lnSpc>
+                <a:spcPct val="120000"/>
+              </a:lnSpc>
+              <a:spcBef>
+                <a:spcPts val="0"/>
+              </a:spcBef>
+              <a:buNone/>
+            </a:pPr>
+            <a:r>
+              <a:rPr lang="en-US" sz="1600" b="1" u="sng">
+                <a:cs typeface="Arial" panose="020B0604020202020204" pitchFamily="34" charset="0"/>
+              </a:rPr>
+              <a:t>Type		Description			</a:t>
+            </a:r>
+            <a:endParaRPr lang="en-US"/>
+          </a:p>
+          <a:p>
+            <a:pPr marL="0" indent="0">
+              <a:lnSpc>
+                <a:spcPct val="120000"/>
+              </a:lnSpc>
+              <a:spcBef>
+                <a:spcPts val="0"/>
+              </a:spcBef>
+              <a:buNone/>
+            </a:pPr>
+            <a:r>
+              <a:rPr lang="en-US" b="1"/>
+              <a:t>text</a:t>
+            </a:r>
+            <a:r>
+              <a:rPr lang="en-US"/>
+              <a:t>		The default value. A single-line text field.</a:t>
+            </a:r>
+          </a:p>
+          <a:p>
+            <a:pPr marL="0" indent="0">
+              <a:lnSpc>
+                <a:spcPct val="120000"/>
+              </a:lnSpc>
+              <a:spcBef>
+                <a:spcPts val="0"/>
+              </a:spcBef>
+              <a:buNone/>
+            </a:pPr>
+            <a:endParaRPr lang="en-US"/>
+          </a:p>
+          <a:p>
+            <a:pPr marL="0" indent="0">
+              <a:lnSpc>
+                <a:spcPct val="120000"/>
+              </a:lnSpc>
+              <a:spcBef>
+                <a:spcPts val="0"/>
+              </a:spcBef>
+              <a:buNone/>
+            </a:pPr>
+            <a:r>
+              <a:rPr lang="en-US" b="1"/>
+              <a:t>email</a:t>
+            </a:r>
+            <a:r>
+              <a:rPr lang="en-US"/>
+              <a:t>		A field for entering an email address. </a:t>
+            </a:r>
+            <a:r>
+              <a:rPr lang="en-US">
+                <a:highlight>
+                  <a:srgbClr val="FCF7F1"/>
+                </a:highlight>
+              </a:rPr>
+              <a:t>Looks like a text input, </a:t>
+            </a:r>
+          </a:p>
+          <a:p>
+            <a:pPr marL="0" indent="0">
+              <a:lnSpc>
+                <a:spcPct val="120000"/>
+              </a:lnSpc>
+              <a:spcBef>
+                <a:spcPts val="0"/>
+              </a:spcBef>
+              <a:buNone/>
+            </a:pPr>
+            <a:r>
+              <a:rPr lang="en-US"/>
+              <a:t>		</a:t>
+            </a:r>
+            <a:r>
+              <a:rPr lang="en-US">
+                <a:highlight>
+                  <a:srgbClr val="FCF7F1"/>
+                </a:highlight>
+              </a:rPr>
+              <a:t>but has validation parameters and relevant keyboard on touch screens.</a:t>
+            </a:r>
+          </a:p>
+          <a:p>
+            <a:pPr marL="0" indent="0">
+              <a:lnSpc>
+                <a:spcPct val="120000"/>
+              </a:lnSpc>
+              <a:spcBef>
+                <a:spcPts val="0"/>
+              </a:spcBef>
+              <a:buNone/>
+            </a:pPr>
+            <a:endParaRPr lang="en-US"/>
+          </a:p>
+          <a:p>
+            <a:pPr marL="0" indent="0">
+              <a:lnSpc>
+                <a:spcPct val="120000"/>
+              </a:lnSpc>
+              <a:spcBef>
+                <a:spcPts val="0"/>
+              </a:spcBef>
+              <a:buNone/>
+            </a:pPr>
+            <a:r>
+              <a:rPr lang="en-US" b="1"/>
+              <a:t>tel</a:t>
+            </a:r>
+            <a:r>
+              <a:rPr lang="en-US"/>
+              <a:t>		A field for entering a telephone number. </a:t>
+            </a:r>
+            <a:r>
+              <a:rPr lang="en-US">
+                <a:highlight>
+                  <a:srgbClr val="FCF7F1"/>
+                </a:highlight>
+              </a:rPr>
+              <a:t>Displays a telephone keypad.</a:t>
+            </a:r>
+          </a:p>
+          <a:p>
+            <a:pPr marL="0" indent="0">
+              <a:lnSpc>
+                <a:spcPct val="120000"/>
+              </a:lnSpc>
+              <a:spcBef>
+                <a:spcPts val="0"/>
+              </a:spcBef>
+              <a:buNone/>
+            </a:pPr>
+            <a:endParaRPr lang="en-US"/>
+          </a:p>
+          <a:p>
+            <a:pPr marL="0" indent="0">
+              <a:lnSpc>
+                <a:spcPct val="120000"/>
+              </a:lnSpc>
+              <a:spcBef>
+                <a:spcPts val="0"/>
+              </a:spcBef>
+              <a:buNone/>
+            </a:pPr>
+            <a:r>
+              <a:rPr lang="en-US" b="1"/>
+              <a:t>url</a:t>
+            </a:r>
+            <a:r>
+              <a:rPr lang="en-US"/>
+              <a:t>		A field for entering a URL. </a:t>
+            </a:r>
+            <a:r>
+              <a:rPr lang="en-US">
+                <a:highlight>
+                  <a:srgbClr val="FCF7F1"/>
+                </a:highlight>
+              </a:rPr>
+              <a:t>Displays a URL keyboard.</a:t>
+            </a:r>
+          </a:p>
+          <a:p>
+            <a:pPr marL="0" indent="0">
+              <a:lnSpc>
+                <a:spcPct val="120000"/>
+              </a:lnSpc>
+              <a:spcBef>
+                <a:spcPts val="0"/>
+              </a:spcBef>
+              <a:buNone/>
+            </a:pPr>
+            <a:endParaRPr lang="en-US"/>
+          </a:p>
+          <a:p>
+            <a:pPr marL="0" indent="0">
+              <a:lnSpc>
+                <a:spcPct val="120000"/>
+              </a:lnSpc>
+              <a:spcBef>
+                <a:spcPts val="0"/>
+              </a:spcBef>
+              <a:buNone/>
+            </a:pPr>
+            <a:r>
+              <a:rPr lang="en-US" b="1"/>
+              <a:t>search</a:t>
+            </a:r>
+            <a:r>
+              <a:rPr lang="en-US"/>
+              <a:t>		A single-line text field for entering search strings. </a:t>
+            </a:r>
+          </a:p>
+          <a:p>
+            <a:pPr marL="0" indent="0">
+              <a:lnSpc>
+                <a:spcPct val="120000"/>
+              </a:lnSpc>
+              <a:spcBef>
+                <a:spcPts val="0"/>
+              </a:spcBef>
+              <a:buNone/>
+            </a:pPr>
+            <a:r>
+              <a:rPr lang="en-US"/>
+              <a:t>		</a:t>
+            </a:r>
+            <a:r>
+              <a:rPr lang="en-US">
+                <a:highlight>
+                  <a:srgbClr val="FCF7F1"/>
+                </a:highlight>
+              </a:rPr>
+              <a:t>Displays a search icon instead of enter key on touch screens.</a:t>
+            </a:r>
+          </a:p>
+        </p:txBody>
+      </p:sp>
+      <p:sp>
+        <p:nvSpPr>
+          <p:cNvPr id="4" name="Slide Number Placeholder 3">
+            <a:extLst>
+              <a:ext uri="{FF2B5EF4-FFF2-40B4-BE49-F238E27FC236}">
+                <a16:creationId xmlns:a16="http://schemas.microsoft.com/office/drawing/2014/main" id="{EF71A34A-B6A1-49CE-89F2-D46942908977}"/>
+              </a:ext>
+            </a:extLst>
+          </p:cNvPr>
+          <p:cNvSpPr>
+            <a:spLocks noGrp="1"/>
+          </p:cNvSpPr>
+          <p:nvPr>
+            <p:ph type="sldNum" sz="quarter" idx="12"/>
+          </p:nvPr>
+        </p:nvSpPr>
+        <p:spPr/>
+        <p:txBody>
+          <a:bodyPr/>
+          <a:lstStyle/>
+          <a:p>
+            <a:fld id="{34B7E4EF-A1BD-40F4-AB7B-04F084DD991D}" type="slidenum">
+              <a:rPr lang="en-US" smtClean="0"/>
+              <a:t>19</a:t>
+            </a:fld>
+            <a:endParaRPr lang="en-US" dirty="0"/>
+          </a:p>
+        </p:txBody>
+      </p:sp>
+      <p:sp>
+        <p:nvSpPr>
+          <p:cNvPr id="6" name="TextBox 5">
+            <a:extLst>
+              <a:ext uri="{FF2B5EF4-FFF2-40B4-BE49-F238E27FC236}">
+                <a16:creationId xmlns:a16="http://schemas.microsoft.com/office/drawing/2014/main" id="{2767D263-2589-44C7-BFF9-73442C5A7831}"/>
+              </a:ext>
+            </a:extLst>
+          </p:cNvPr>
+          <p:cNvSpPr txBox="1"/>
+          <p:nvPr/>
+        </p:nvSpPr>
+        <p:spPr>
+          <a:xfrm>
+            <a:off x="1066800" y="5687357"/>
+            <a:ext cx="10058400" cy="861774"/>
+          </a:xfrm>
+          <a:prstGeom prst="rect">
+            <a:avLst/>
+          </a:prstGeom>
+          <a:noFill/>
+        </p:spPr>
+        <p:txBody>
+          <a:bodyPr wrap="square" rtlCol="0">
+            <a:spAutoFit/>
+          </a:bodyPr>
+          <a:lstStyle/>
+          <a:p>
+            <a:r>
+              <a:rPr lang="en-US" sz="1600" b="1"/>
+              <a:t>Source</a:t>
+            </a:r>
+          </a:p>
+          <a:p>
+            <a:r>
+              <a:rPr lang="en-US" sz="1600">
+                <a:hlinkClick r:id="rId2"/>
+              </a:rPr>
+              <a:t>https://developer.mozilla.org/en-US/docs/Web/HTML/Element/input</a:t>
+            </a:r>
+            <a:endParaRPr lang="en-US" sz="1600"/>
+          </a:p>
+          <a:p>
+            <a:r>
+              <a:rPr lang="en-US" sz="1600">
+                <a:hlinkClick r:id="rId3"/>
+              </a:rPr>
+              <a:t>https://balsamiq.com/learn/resources/ui-control-guidelines/text-input/</a:t>
+            </a:r>
+            <a:endParaRPr lang="en-US" sz="1600"/>
+          </a:p>
+        </p:txBody>
+      </p:sp>
+    </p:spTree>
+    <p:extLst>
+      <p:ext uri="{BB962C8B-B14F-4D97-AF65-F5344CB8AC3E}">
+        <p14:creationId xmlns:p14="http://schemas.microsoft.com/office/powerpoint/2010/main" val="2813753185"/>
+      </p:ext>
+    </p:extLst>
+  </p:cSld>
+  <p:clrMapOvr>
+    <a:masterClrMapping/>
+  </p:clrMapOvr>
+</p:sld>
+</file>
+
 <file path=ppt/slides/slide2.xml><?xml version="1.0" encoding="utf-8"?>
 <p:sld xmlns:a="http://schemas.openxmlformats.org/drawingml/2006/main" xmlns:r="http://schemas.openxmlformats.org/officeDocument/2006/relationships" xmlns:p="http://schemas.openxmlformats.org/presentationml/2006/main">
   <p:cSld>
@@ -19601,58 +19601,163 @@
           <a:p>
             <a:r>
               <a:rPr lang="en-US" sz="1800">
-                <a:hlinkClick r:id="rId3"/>
-              </a:rPr>
-              <a:t>https://html.com/forms/</a:t>
-            </a:r>
-            <a:endParaRPr lang="en-US" sz="1800"/>
+                <a:solidFill>
+                  <a:srgbClr val="00B0F0"/>
+                </a:solidFill>
+                <a:hlinkClick r:id="rId3">
+                  <a:extLst>
+                    <a:ext uri="{A12FA001-AC4F-418D-AE19-62706E023703}">
+                      <ahyp:hlinkClr xmlns:ahyp="http://schemas.microsoft.com/office/drawing/2018/hyperlinkcolor" val="tx"/>
+                    </a:ext>
+                  </a:extLst>
+                </a:hlinkClick>
+              </a:rPr>
+              <a:t>HTML Web Forms Tutorial For Coding Beginners</a:t>
+            </a:r>
+            <a:endParaRPr lang="en-US" sz="1800">
+              <a:solidFill>
+                <a:srgbClr val="00B0F0"/>
+              </a:solidFill>
+            </a:endParaRPr>
           </a:p>
           <a:p>
             <a:r>
               <a:rPr lang="en-US" sz="1800">
-                <a:hlinkClick r:id="rId4"/>
-              </a:rPr>
-              <a:t>https://www.tutorialspoint.com/html/html_forms.htm</a:t>
+                <a:solidFill>
+                  <a:srgbClr val="00B0F0"/>
+                </a:solidFill>
+                <a:hlinkClick r:id="rId4">
+                  <a:extLst>
+                    <a:ext uri="{A12FA001-AC4F-418D-AE19-62706E023703}">
+                      <ahyp:hlinkClr xmlns:ahyp="http://schemas.microsoft.com/office/drawing/2018/hyperlinkcolor" val="tx"/>
+                    </a:ext>
+                  </a:extLst>
+                </a:hlinkClick>
+              </a:rPr>
+              <a:t>HTML Forms Tutorial</a:t>
             </a:r>
             <a:endParaRPr lang="en-US" sz="1800">
-              <a:hlinkClick r:id="rId5"/>
+              <a:solidFill>
+                <a:srgbClr val="00B0F0"/>
+              </a:solidFill>
             </a:endParaRPr>
           </a:p>
           <a:p>
             <a:r>
               <a:rPr lang="en-US" sz="1800">
-                <a:hlinkClick r:id="rId6"/>
-              </a:rPr>
-              <a:t>https://balsamiq.com/learn/resources/ui-control-guidelines/</a:t>
-            </a:r>
-            <a:endParaRPr lang="en-US" sz="1800"/>
+                <a:solidFill>
+                  <a:srgbClr val="00B0F0"/>
+                </a:solidFill>
+                <a:hlinkClick r:id="rId5">
+                  <a:extLst>
+                    <a:ext uri="{A12FA001-AC4F-418D-AE19-62706E023703}">
+                      <ahyp:hlinkClr xmlns:ahyp="http://schemas.microsoft.com/office/drawing/2018/hyperlinkcolor" val="tx"/>
+                    </a:ext>
+                  </a:extLst>
+                </a:hlinkClick>
+              </a:rPr>
+              <a:t>UI Control Guidelines</a:t>
+            </a:r>
+            <a:endParaRPr lang="en-US" sz="1800">
+              <a:solidFill>
+                <a:srgbClr val="00B0F0"/>
+              </a:solidFill>
+              <a:hlinkClick r:id="rId5">
+                <a:extLst>
+                  <a:ext uri="{A12FA001-AC4F-418D-AE19-62706E023703}">
+                    <ahyp:hlinkClr xmlns:ahyp="http://schemas.microsoft.com/office/drawing/2018/hyperlinkcolor" val="tx"/>
+                  </a:ext>
+                </a:extLst>
+              </a:hlinkClick>
+            </a:endParaRPr>
           </a:p>
           <a:p>
             <a:r>
               <a:rPr lang="en-US" sz="1800">
-                <a:hlinkClick r:id="rId5"/>
-              </a:rPr>
-              <a:t>https://developer.mozilla.org/en-US/docs/Web/HTML/Element/form</a:t>
-            </a:r>
-            <a:endParaRPr lang="en-US" sz="1800"/>
+                <a:solidFill>
+                  <a:srgbClr val="00B0F0"/>
+                </a:solidFill>
+                <a:hlinkClick r:id="rId6">
+                  <a:extLst>
+                    <a:ext uri="{A12FA001-AC4F-418D-AE19-62706E023703}">
+                      <ahyp:hlinkClr xmlns:ahyp="http://schemas.microsoft.com/office/drawing/2018/hyperlinkcolor" val="tx"/>
+                    </a:ext>
+                  </a:extLst>
+                </a:hlinkClick>
+              </a:rPr>
+              <a:t>MDN Docs: &lt;form&gt;</a:t>
+            </a:r>
+            <a:endParaRPr lang="en-US" sz="1800">
+              <a:solidFill>
+                <a:srgbClr val="00B0F0"/>
+              </a:solidFill>
+            </a:endParaRPr>
           </a:p>
           <a:p>
             <a:r>
               <a:rPr lang="en-US" sz="1800">
-                <a:hlinkClick r:id="rId7"/>
-              </a:rPr>
-              <a:t>https://developer.mozilla.org/en-US/docs/Web/HTML/Element/input</a:t>
-            </a:r>
-            <a:endParaRPr lang="en-US" sz="1800"/>
+                <a:solidFill>
+                  <a:srgbClr val="00B0F0"/>
+                </a:solidFill>
+                <a:hlinkClick r:id="rId7">
+                  <a:extLst>
+                    <a:ext uri="{A12FA001-AC4F-418D-AE19-62706E023703}">
+                      <ahyp:hlinkClr xmlns:ahyp="http://schemas.microsoft.com/office/drawing/2018/hyperlinkcolor" val="tx"/>
+                    </a:ext>
+                  </a:extLst>
+                </a:hlinkClick>
+              </a:rPr>
+              <a:t>MDN Docs: &lt;input&gt;</a:t>
+            </a:r>
+            <a:endParaRPr lang="en-US" sz="1800">
+              <a:solidFill>
+                <a:srgbClr val="00B0F0"/>
+              </a:solidFill>
+            </a:endParaRPr>
           </a:p>
           <a:p>
             <a:r>
               <a:rPr lang="en-US" sz="1800">
-                <a:hlinkClick r:id="rId8"/>
-              </a:rPr>
-              <a:t>https://developer.mozilla.org/en-US/docs/Web/HTML/Element/label</a:t>
-            </a:r>
-            <a:endParaRPr lang="en-US" sz="1800"/>
+                <a:solidFill>
+                  <a:srgbClr val="00B0F0"/>
+                </a:solidFill>
+                <a:hlinkClick r:id="rId8">
+                  <a:extLst>
+                    <a:ext uri="{A12FA001-AC4F-418D-AE19-62706E023703}">
+                      <ahyp:hlinkClr xmlns:ahyp="http://schemas.microsoft.com/office/drawing/2018/hyperlinkcolor" val="tx"/>
+                    </a:ext>
+                  </a:extLst>
+                </a:hlinkClick>
+              </a:rPr>
+              <a:t>MDN Docs: &lt;label&gt;</a:t>
+            </a:r>
+            <a:endParaRPr lang="en-US" sz="1800">
+              <a:solidFill>
+                <a:srgbClr val="00B0F0"/>
+              </a:solidFill>
+            </a:endParaRPr>
+          </a:p>
+          <a:p>
+            <a:r>
+              <a:rPr lang="en-US" sz="1800">
+                <a:solidFill>
+                  <a:srgbClr val="00B0F0"/>
+                </a:solidFill>
+                <a:hlinkClick r:id="rId9">
+                  <a:extLst>
+                    <a:ext uri="{A12FA001-AC4F-418D-AE19-62706E023703}">
+                      <ahyp:hlinkClr xmlns:ahyp="http://schemas.microsoft.com/office/drawing/2018/hyperlinkcolor" val="tx"/>
+                    </a:ext>
+                  </a:extLst>
+                </a:hlinkClick>
+              </a:rPr>
+              <a:t>MDN Docs: autocomplete attribute</a:t>
+            </a:r>
+            <a:endParaRPr lang="en-US" sz="1800">
+              <a:solidFill>
+                <a:srgbClr val="00B0F0"/>
+              </a:solidFill>
+            </a:endParaRPr>
           </a:p>
         </p:txBody>
       </p:sp>
@@ -21307,6 +21412,24 @@
 </file>
 
 <file path=customXml/item1.xml><?xml version="1.0" encoding="utf-8"?>
+<?mso-contentType ?>
+<FormTemplates xmlns="http://schemas.microsoft.com/sharepoint/v3/contenttype/forms">
+  <Display>DocumentLibraryForm</Display>
+  <Edit>DocumentLibraryForm</Edit>
+  <New>DocumentLibraryForm</New>
+</FormTemplates>
+</file>
+
+<file path=customXml/item2.xml><?xml version="1.0" encoding="utf-8"?>
+<p:properties xmlns:p="http://schemas.microsoft.com/office/2006/metadata/properties" xmlns:xsi="http://www.w3.org/2001/XMLSchema-instance" xmlns:pc="http://schemas.microsoft.com/office/infopath/2007/PartnerControls">
+  <documentManagement>
+    <Status xmlns="71af3243-3dd4-4a8d-8c0d-dd76da1f02a5">Not started</Status>
+    <MediaServiceKeyPoints xmlns="71af3243-3dd4-4a8d-8c0d-dd76da1f02a5" xsi:nil="true"/>
+  </documentManagement>
+</p:properties>
+</file>
+
+<file path=customXml/item3.xml><?xml version="1.0" encoding="utf-8"?>
 <ct:contentTypeSchema xmlns:ct="http://schemas.microsoft.com/office/2006/metadata/contentType" xmlns:ma="http://schemas.microsoft.com/office/2006/metadata/properties/metaAttributes" ct:_="" ma:_="" ma:contentTypeName="Document" ma:contentTypeID="0x01010079F111ED35F8CC479449609E8A0923A6" ma:contentTypeVersion="12" ma:contentTypeDescription="Create a new document." ma:contentTypeScope="" ma:versionID="a410dd7f93c95333ffa1b60ed6adedd1">
   <xsd:schema xmlns:xsd="http://www.w3.org/2001/XMLSchema" xmlns:xs="http://www.w3.org/2001/XMLSchema" xmlns:p="http://schemas.microsoft.com/office/2006/metadata/properties" xmlns:ns2="71af3243-3dd4-4a8d-8c0d-dd76da1f02a5" xmlns:ns3="16c05727-aa75-4e4a-9b5f-8a80a1165891" targetNamespace="http://schemas.microsoft.com/office/2006/metadata/properties" ma:root="true" ma:fieldsID="a936d9baba76aa3866493feff160faab" ns2:_="" ns3:_="">
     <xsd:import namespace="71af3243-3dd4-4a8d-8c0d-dd76da1f02a5"/>
@@ -21527,25 +21650,32 @@
 </ct:contentTypeSchema>
 </file>
 
-<file path=customXml/item2.xml><?xml version="1.0" encoding="utf-8"?>
-<?mso-contentType ?>
-<FormTemplates xmlns="http://schemas.microsoft.com/sharepoint/v3/contenttype/forms">
-  <Display>DocumentLibraryForm</Display>
-  <Edit>DocumentLibraryForm</Edit>
-  <New>DocumentLibraryForm</New>
-</FormTemplates>
+<file path=customXml/itemProps1.xml><?xml version="1.0" encoding="utf-8"?>
+<ds:datastoreItem xmlns:ds="http://schemas.openxmlformats.org/officeDocument/2006/customXml" ds:itemID="{CDB58277-F8DF-46FF-84EC-EF41B835E69F}">
+  <ds:schemaRefs>
+    <ds:schemaRef ds:uri="http://schemas.microsoft.com/sharepoint/v3/contenttype/forms"/>
+  </ds:schemaRefs>
+</ds:datastoreItem>
 </file>
 
-<file path=customXml/item3.xml><?xml version="1.0" encoding="utf-8"?>
-<p:properties xmlns:p="http://schemas.microsoft.com/office/2006/metadata/properties" xmlns:xsi="http://www.w3.org/2001/XMLSchema-instance" xmlns:pc="http://schemas.microsoft.com/office/infopath/2007/PartnerControls">
-  <documentManagement>
-    <Status xmlns="71af3243-3dd4-4a8d-8c0d-dd76da1f02a5">Not started</Status>
-    <MediaServiceKeyPoints xmlns="71af3243-3dd4-4a8d-8c0d-dd76da1f02a5" xsi:nil="true"/>
-  </documentManagement>
-</p:properties>
+<file path=customXml/itemProps2.xml><?xml version="1.0" encoding="utf-8"?>
+<ds:datastoreItem xmlns:ds="http://schemas.openxmlformats.org/officeDocument/2006/customXml" ds:itemID="{137651BA-F45C-4845-9AB3-E0A65B39F5E1}">
+  <ds:schemaRefs>
+    <ds:schemaRef ds:uri="http://purl.org/dc/terms/"/>
+    <ds:schemaRef ds:uri="http://schemas.openxmlformats.org/package/2006/metadata/core-properties"/>
+    <ds:schemaRef ds:uri="16c05727-aa75-4e4a-9b5f-8a80a1165891"/>
+    <ds:schemaRef ds:uri="http://schemas.microsoft.com/office/2006/documentManagement/types"/>
+    <ds:schemaRef ds:uri="http://schemas.microsoft.com/office/infopath/2007/PartnerControls"/>
+    <ds:schemaRef ds:uri="http://purl.org/dc/elements/1.1/"/>
+    <ds:schemaRef ds:uri="http://schemas.microsoft.com/office/2006/metadata/properties"/>
+    <ds:schemaRef ds:uri="71af3243-3dd4-4a8d-8c0d-dd76da1f02a5"/>
+    <ds:schemaRef ds:uri="http://www.w3.org/XML/1998/namespace"/>
+    <ds:schemaRef ds:uri="http://purl.org/dc/dcmitype/"/>
+  </ds:schemaRefs>
+</ds:datastoreItem>
 </file>
 
-<file path=customXml/itemProps1.xml><?xml version="1.0" encoding="utf-8"?>
+<file path=customXml/itemProps3.xml><?xml version="1.0" encoding="utf-8"?>
 <ds:datastoreItem xmlns:ds="http://schemas.openxmlformats.org/officeDocument/2006/customXml" ds:itemID="{2D276E62-80A3-44DD-9BCC-97ED2B99B57F}">
   <ds:schemaRefs>
     <ds:schemaRef ds:uri="http://schemas.microsoft.com/office/2006/metadata/contentType"/>
@@ -21562,29 +21692,4 @@
     <ds:schemaRef ds:uri="http://schemas.microsoft.com/internal/obd"/>
   </ds:schemaRefs>
 </ds:datastoreItem>
-</file>
-
-<file path=customXml/itemProps2.xml><?xml version="1.0" encoding="utf-8"?>
-<ds:datastoreItem xmlns:ds="http://schemas.openxmlformats.org/officeDocument/2006/customXml" ds:itemID="{CDB58277-F8DF-46FF-84EC-EF41B835E69F}">
-  <ds:schemaRefs>
-    <ds:schemaRef ds:uri="http://schemas.microsoft.com/sharepoint/v3/contenttype/forms"/>
-  </ds:schemaRefs>
-</ds:datastoreItem>
-</file>
-
-<file path=customXml/itemProps3.xml><?xml version="1.0" encoding="utf-8"?>
-<ds:datastoreItem xmlns:ds="http://schemas.openxmlformats.org/officeDocument/2006/customXml" ds:itemID="{137651BA-F45C-4845-9AB3-E0A65B39F5E1}">
-  <ds:schemaRefs>
-    <ds:schemaRef ds:uri="http://purl.org/dc/terms/"/>
-    <ds:schemaRef ds:uri="http://schemas.openxmlformats.org/package/2006/metadata/core-properties"/>
-    <ds:schemaRef ds:uri="16c05727-aa75-4e4a-9b5f-8a80a1165891"/>
-    <ds:schemaRef ds:uri="http://schemas.microsoft.com/office/2006/documentManagement/types"/>
-    <ds:schemaRef ds:uri="http://schemas.microsoft.com/office/infopath/2007/PartnerControls"/>
-    <ds:schemaRef ds:uri="http://purl.org/dc/elements/1.1/"/>
-    <ds:schemaRef ds:uri="http://schemas.microsoft.com/office/2006/metadata/properties"/>
-    <ds:schemaRef ds:uri="71af3243-3dd4-4a8d-8c0d-dd76da1f02a5"/>
-    <ds:schemaRef ds:uri="http://www.w3.org/XML/1998/namespace"/>
-    <ds:schemaRef ds:uri="http://purl.org/dc/dcmitype/"/>
-  </ds:schemaRefs>
-</ds:datastoreItem>
 </file>